--- a/docs/Presentations/VNVPlanPresentation/VNVPlanPresentation.pptx
+++ b/docs/Presentations/VNVPlanPresentation/VNVPlanPresentation.pptx
@@ -5,17 +5,15 @@
     <p:sldMasterId id="2147483788" r:id="rId1"/>
   </p:sldMasterIdLst>
   <p:notesMasterIdLst>
-    <p:notesMasterId r:id="rId10"/>
+    <p:notesMasterId r:id="rId8"/>
   </p:notesMasterIdLst>
   <p:sldIdLst>
     <p:sldId id="256" r:id="rId2"/>
     <p:sldId id="261" r:id="rId3"/>
     <p:sldId id="257" r:id="rId4"/>
-    <p:sldId id="258" r:id="rId5"/>
-    <p:sldId id="262" r:id="rId6"/>
-    <p:sldId id="263" r:id="rId7"/>
-    <p:sldId id="260" r:id="rId8"/>
-    <p:sldId id="264" r:id="rId9"/>
+    <p:sldId id="266" r:id="rId5"/>
+    <p:sldId id="267" r:id="rId6"/>
+    <p:sldId id="264" r:id="rId7"/>
   </p:sldIdLst>
   <p:sldSz cx="12192000" cy="6858000"/>
   <p:notesSz cx="6858000" cy="9144000"/>
@@ -125,7 +123,7 @@
 <file path=ppt/revisionInfo.xml><?xml version="1.0" encoding="utf-8"?>
 <p1510:revInfo xmlns:a="http://schemas.openxmlformats.org/drawingml/2006/main" xmlns:r="http://schemas.openxmlformats.org/officeDocument/2006/relationships" xmlns:p1510="http://schemas.microsoft.com/office/powerpoint/2015/10/main">
   <p1510:revLst>
-    <p1510:client id="{F0BA40D0-9182-44C0-BEDE-14048F85CCAB}" v="2" dt="2024-02-10T17:29:47.199"/>
+    <p1510:client id="{F0BA40D0-9182-44C0-BEDE-14048F85CCAB}" v="69" dt="2024-02-10T19:51:34.114"/>
   </p1510:revLst>
 </p1510:revInfo>
 </file>
@@ -134,33 +132,318 @@
 <pc:chgInfo xmlns:a="http://schemas.openxmlformats.org/drawingml/2006/main" xmlns:r="http://schemas.openxmlformats.org/officeDocument/2006/relationships" xmlns:ac="http://schemas.microsoft.com/office/drawing/2013/main/command" xmlns:pc="http://schemas.microsoft.com/office/powerpoint/2013/main/command">
   <pc:docChgLst>
     <pc:chgData name="Hunter Ceranic" userId="55b8025d37c61089" providerId="LiveId" clId="{F0BA40D0-9182-44C0-BEDE-14048F85CCAB}"/>
-    <pc:docChg chg="custSel modSld">
-      <pc:chgData name="Hunter Ceranic" userId="55b8025d37c61089" providerId="LiveId" clId="{F0BA40D0-9182-44C0-BEDE-14048F85CCAB}" dt="2024-02-10T17:46:03.338" v="296" actId="20577"/>
+    <pc:docChg chg="undo custSel addSld delSld modSld">
+      <pc:chgData name="Hunter Ceranic" userId="55b8025d37c61089" providerId="LiveId" clId="{F0BA40D0-9182-44C0-BEDE-14048F85CCAB}" dt="2024-02-10T19:55:47.052" v="2932" actId="1076"/>
       <pc:docMkLst>
         <pc:docMk/>
       </pc:docMkLst>
-      <pc:sldChg chg="delSp modSp mod">
-        <pc:chgData name="Hunter Ceranic" userId="55b8025d37c61089" providerId="LiveId" clId="{F0BA40D0-9182-44C0-BEDE-14048F85CCAB}" dt="2024-02-10T17:46:03.338" v="296" actId="20577"/>
+      <pc:sldChg chg="addSp delSp modSp mod modClrScheme delDesignElem chgLayout modNotesTx">
+        <pc:chgData name="Hunter Ceranic" userId="55b8025d37c61089" providerId="LiveId" clId="{F0BA40D0-9182-44C0-BEDE-14048F85CCAB}" dt="2024-02-10T19:55:29.636" v="2922" actId="20577"/>
+        <pc:sldMkLst>
+          <pc:docMk/>
+          <pc:sldMk cId="427290740" sldId="257"/>
+        </pc:sldMkLst>
+        <pc:spChg chg="mod ord">
+          <ac:chgData name="Hunter Ceranic" userId="55b8025d37c61089" providerId="LiveId" clId="{F0BA40D0-9182-44C0-BEDE-14048F85CCAB}" dt="2024-02-10T19:07:00.297" v="642" actId="20577"/>
+          <ac:spMkLst>
+            <pc:docMk/>
+            <pc:sldMk cId="427290740" sldId="257"/>
+            <ac:spMk id="2" creationId="{7D2F6F69-BD97-22EF-CF32-EB1A205B215C}"/>
+          </ac:spMkLst>
+        </pc:spChg>
+        <pc:spChg chg="del mod ord">
+          <ac:chgData name="Hunter Ceranic" userId="55b8025d37c61089" providerId="LiveId" clId="{F0BA40D0-9182-44C0-BEDE-14048F85CCAB}" dt="2024-02-10T18:56:44.146" v="451" actId="478"/>
+          <ac:spMkLst>
+            <pc:docMk/>
+            <pc:sldMk cId="427290740" sldId="257"/>
+            <ac:spMk id="3" creationId="{1AEB8B50-8C85-0729-64B2-671AE19C2815}"/>
+          </ac:spMkLst>
+        </pc:spChg>
+        <pc:spChg chg="mod ord">
+          <ac:chgData name="Hunter Ceranic" userId="55b8025d37c61089" providerId="LiveId" clId="{F0BA40D0-9182-44C0-BEDE-14048F85CCAB}" dt="2024-02-10T19:55:29.636" v="2922" actId="20577"/>
+          <ac:spMkLst>
+            <pc:docMk/>
+            <pc:sldMk cId="427290740" sldId="257"/>
+            <ac:spMk id="4" creationId="{3F70354C-224E-1AAB-3BB6-4F2536217202}"/>
+          </ac:spMkLst>
+        </pc:spChg>
+        <pc:spChg chg="add mod ord">
+          <ac:chgData name="Hunter Ceranic" userId="55b8025d37c61089" providerId="LiveId" clId="{F0BA40D0-9182-44C0-BEDE-14048F85CCAB}" dt="2024-02-10T19:40:44.762" v="2440" actId="20577"/>
+          <ac:spMkLst>
+            <pc:docMk/>
+            <pc:sldMk cId="427290740" sldId="257"/>
+            <ac:spMk id="5" creationId="{41E1FD98-1355-602D-D947-A0A416250664}"/>
+          </ac:spMkLst>
+        </pc:spChg>
+        <pc:spChg chg="add mod">
+          <ac:chgData name="Hunter Ceranic" userId="55b8025d37c61089" providerId="LiveId" clId="{F0BA40D0-9182-44C0-BEDE-14048F85CCAB}" dt="2024-02-10T19:18:15.826" v="1524" actId="20577"/>
+          <ac:spMkLst>
+            <pc:docMk/>
+            <pc:sldMk cId="427290740" sldId="257"/>
+            <ac:spMk id="6" creationId="{D5999C16-C97B-9A28-08F9-2F9749F8199B}"/>
+          </ac:spMkLst>
+        </pc:spChg>
+        <pc:spChg chg="add del mod">
+          <ac:chgData name="Hunter Ceranic" userId="55b8025d37c61089" providerId="LiveId" clId="{F0BA40D0-9182-44C0-BEDE-14048F85CCAB}" dt="2024-02-10T19:24:42.045" v="1597" actId="478"/>
+          <ac:spMkLst>
+            <pc:docMk/>
+            <pc:sldMk cId="427290740" sldId="257"/>
+            <ac:spMk id="8" creationId="{A56DCE8E-BA41-B8AB-EC07-EE1B02C59622}"/>
+          </ac:spMkLst>
+        </pc:spChg>
+        <pc:spChg chg="add">
+          <ac:chgData name="Hunter Ceranic" userId="55b8025d37c61089" providerId="LiveId" clId="{F0BA40D0-9182-44C0-BEDE-14048F85CCAB}" dt="2024-02-10T18:56:17.475" v="444" actId="26606"/>
+          <ac:spMkLst>
+            <pc:docMk/>
+            <pc:sldMk cId="427290740" sldId="257"/>
+            <ac:spMk id="9" creationId="{23DA7759-3209-4FE2-96D1-4EEDD81E9EA0}"/>
+          </ac:spMkLst>
+        </pc:spChg>
+        <pc:spChg chg="del">
+          <ac:chgData name="Hunter Ceranic" userId="55b8025d37c61089" providerId="LiveId" clId="{F0BA40D0-9182-44C0-BEDE-14048F85CCAB}" dt="2024-02-10T18:56:10.043" v="443" actId="700"/>
+          <ac:spMkLst>
+            <pc:docMk/>
+            <pc:sldMk cId="427290740" sldId="257"/>
+            <ac:spMk id="10" creationId="{1CD81A2A-6ED4-4EF4-A14C-912D31E14800}"/>
+          </ac:spMkLst>
+        </pc:spChg>
+        <pc:spChg chg="add">
+          <ac:chgData name="Hunter Ceranic" userId="55b8025d37c61089" providerId="LiveId" clId="{F0BA40D0-9182-44C0-BEDE-14048F85CCAB}" dt="2024-02-10T18:56:17.475" v="444" actId="26606"/>
+          <ac:spMkLst>
+            <pc:docMk/>
+            <pc:sldMk cId="427290740" sldId="257"/>
+            <ac:spMk id="11" creationId="{41460DAD-8769-4C9F-9C8C-BB0443909D76}"/>
+          </ac:spMkLst>
+        </pc:spChg>
+        <pc:spChg chg="del">
+          <ac:chgData name="Hunter Ceranic" userId="55b8025d37c61089" providerId="LiveId" clId="{F0BA40D0-9182-44C0-BEDE-14048F85CCAB}" dt="2024-02-10T18:56:10.043" v="443" actId="700"/>
+          <ac:spMkLst>
+            <pc:docMk/>
+            <pc:sldMk cId="427290740" sldId="257"/>
+            <ac:spMk id="12" creationId="{1661932C-CA15-4E17-B115-FAE7CBEE4789}"/>
+          </ac:spMkLst>
+        </pc:spChg>
+        <pc:spChg chg="add">
+          <ac:chgData name="Hunter Ceranic" userId="55b8025d37c61089" providerId="LiveId" clId="{F0BA40D0-9182-44C0-BEDE-14048F85CCAB}" dt="2024-02-10T18:56:17.475" v="444" actId="26606"/>
+          <ac:spMkLst>
+            <pc:docMk/>
+            <pc:sldMk cId="427290740" sldId="257"/>
+            <ac:spMk id="13" creationId="{AE2B703B-46F9-481A-A605-82E2A828C4FA}"/>
+          </ac:spMkLst>
+        </pc:spChg>
+        <pc:spChg chg="del">
+          <ac:chgData name="Hunter Ceranic" userId="55b8025d37c61089" providerId="LiveId" clId="{F0BA40D0-9182-44C0-BEDE-14048F85CCAB}" dt="2024-02-10T18:56:10.043" v="443" actId="700"/>
+          <ac:spMkLst>
+            <pc:docMk/>
+            <pc:sldMk cId="427290740" sldId="257"/>
+            <ac:spMk id="14" creationId="{8590ADD5-9383-4D3D-9047-3DA2593CCB5D}"/>
+          </ac:spMkLst>
+        </pc:spChg>
+        <pc:spChg chg="add">
+          <ac:chgData name="Hunter Ceranic" userId="55b8025d37c61089" providerId="LiveId" clId="{F0BA40D0-9182-44C0-BEDE-14048F85CCAB}" dt="2024-02-10T18:56:17.475" v="444" actId="26606"/>
+          <ac:spMkLst>
+            <pc:docMk/>
+            <pc:sldMk cId="427290740" sldId="257"/>
+            <ac:spMk id="15" creationId="{F13BE4D7-0C3D-4906-B230-A1C5B4665CCF}"/>
+          </ac:spMkLst>
+        </pc:spChg>
+        <pc:spChg chg="del">
+          <ac:chgData name="Hunter Ceranic" userId="55b8025d37c61089" providerId="LiveId" clId="{F0BA40D0-9182-44C0-BEDE-14048F85CCAB}" dt="2024-02-10T18:56:10.043" v="443" actId="700"/>
+          <ac:spMkLst>
+            <pc:docMk/>
+            <pc:sldMk cId="427290740" sldId="257"/>
+            <ac:spMk id="16" creationId="{DABE3E45-88CF-45D8-8D40-C773324D93F6}"/>
+          </ac:spMkLst>
+        </pc:spChg>
+        <pc:spChg chg="del">
+          <ac:chgData name="Hunter Ceranic" userId="55b8025d37c61089" providerId="LiveId" clId="{F0BA40D0-9182-44C0-BEDE-14048F85CCAB}" dt="2024-02-10T18:56:10.043" v="443" actId="700"/>
+          <ac:spMkLst>
+            <pc:docMk/>
+            <pc:sldMk cId="427290740" sldId="257"/>
+            <ac:spMk id="20" creationId="{B91ECDA9-56DC-4270-8F33-01C5637B8CEB}"/>
+          </ac:spMkLst>
+        </pc:spChg>
+        <pc:spChg chg="del">
+          <ac:chgData name="Hunter Ceranic" userId="55b8025d37c61089" providerId="LiveId" clId="{F0BA40D0-9182-44C0-BEDE-14048F85CCAB}" dt="2024-02-10T18:56:10.043" v="443" actId="700"/>
+          <ac:spMkLst>
+            <pc:docMk/>
+            <pc:sldMk cId="427290740" sldId="257"/>
+            <ac:spMk id="22" creationId="{75F47824-961D-465D-84F9-EAE11BC6173B}"/>
+          </ac:spMkLst>
+        </pc:spChg>
+        <pc:spChg chg="del">
+          <ac:chgData name="Hunter Ceranic" userId="55b8025d37c61089" providerId="LiveId" clId="{F0BA40D0-9182-44C0-BEDE-14048F85CCAB}" dt="2024-02-10T18:56:10.043" v="443" actId="700"/>
+          <ac:spMkLst>
+            <pc:docMk/>
+            <pc:sldMk cId="427290740" sldId="257"/>
+            <ac:spMk id="24" creationId="{FEC9DA3E-C1D7-472D-B7C0-F71AE41FBA23}"/>
+          </ac:spMkLst>
+        </pc:spChg>
+        <pc:picChg chg="del mod">
+          <ac:chgData name="Hunter Ceranic" userId="55b8025d37c61089" providerId="LiveId" clId="{F0BA40D0-9182-44C0-BEDE-14048F85CCAB}" dt="2024-02-10T18:56:21.986" v="446" actId="478"/>
+          <ac:picMkLst>
+            <pc:docMk/>
+            <pc:sldMk cId="427290740" sldId="257"/>
+            <ac:picMk id="7" creationId="{947BE24C-2029-BD0A-C300-37A124369839}"/>
+          </ac:picMkLst>
+        </pc:picChg>
+        <pc:cxnChg chg="del">
+          <ac:chgData name="Hunter Ceranic" userId="55b8025d37c61089" providerId="LiveId" clId="{F0BA40D0-9182-44C0-BEDE-14048F85CCAB}" dt="2024-02-10T18:56:10.043" v="443" actId="700"/>
+          <ac:cxnSpMkLst>
+            <pc:docMk/>
+            <pc:sldMk cId="427290740" sldId="257"/>
+            <ac:cxnSpMk id="18" creationId="{49CD1692-827B-4C8D-B4A1-134FD04CF45C}"/>
+          </ac:cxnSpMkLst>
+        </pc:cxnChg>
+      </pc:sldChg>
+      <pc:sldChg chg="del">
+        <pc:chgData name="Hunter Ceranic" userId="55b8025d37c61089" providerId="LiveId" clId="{F0BA40D0-9182-44C0-BEDE-14048F85CCAB}" dt="2024-02-10T18:57:27.383" v="464" actId="47"/>
+        <pc:sldMkLst>
+          <pc:docMk/>
+          <pc:sldMk cId="356722889" sldId="258"/>
+        </pc:sldMkLst>
+      </pc:sldChg>
+      <pc:sldChg chg="del">
+        <pc:chgData name="Hunter Ceranic" userId="55b8025d37c61089" providerId="LiveId" clId="{F0BA40D0-9182-44C0-BEDE-14048F85CCAB}" dt="2024-02-10T18:57:26.546" v="463" actId="47"/>
+        <pc:sldMkLst>
+          <pc:docMk/>
+          <pc:sldMk cId="3488984038" sldId="260"/>
+        </pc:sldMkLst>
+      </pc:sldChg>
+      <pc:sldChg chg="addSp delSp modSp mod modClrScheme delDesignElem chgLayout">
+        <pc:chgData name="Hunter Ceranic" userId="55b8025d37c61089" providerId="LiveId" clId="{F0BA40D0-9182-44C0-BEDE-14048F85CCAB}" dt="2024-02-10T19:55:25.088" v="2920" actId="20577"/>
         <pc:sldMkLst>
           <pc:docMk/>
           <pc:sldMk cId="464311981" sldId="261"/>
         </pc:sldMkLst>
-        <pc:spChg chg="mod">
-          <ac:chgData name="Hunter Ceranic" userId="55b8025d37c61089" providerId="LiveId" clId="{F0BA40D0-9182-44C0-BEDE-14048F85CCAB}" dt="2024-02-10T17:35:54.132" v="90" actId="20577"/>
+        <pc:spChg chg="mod ord">
+          <ac:chgData name="Hunter Ceranic" userId="55b8025d37c61089" providerId="LiveId" clId="{F0BA40D0-9182-44C0-BEDE-14048F85CCAB}" dt="2024-02-10T18:50:28.324" v="401" actId="26606"/>
           <ac:spMkLst>
             <pc:docMk/>
             <pc:sldMk cId="464311981" sldId="261"/>
             <ac:spMk id="2" creationId="{5759A1AE-C6A2-3A06-2293-B3DF84DACCF5}"/>
           </ac:spMkLst>
         </pc:spChg>
-        <pc:spChg chg="mod">
-          <ac:chgData name="Hunter Ceranic" userId="55b8025d37c61089" providerId="LiveId" clId="{F0BA40D0-9182-44C0-BEDE-14048F85CCAB}" dt="2024-02-10T17:46:03.338" v="296" actId="20577"/>
+        <pc:spChg chg="add del mod">
+          <ac:chgData name="Hunter Ceranic" userId="55b8025d37c61089" providerId="LiveId" clId="{F0BA40D0-9182-44C0-BEDE-14048F85CCAB}" dt="2024-02-10T18:49:58.892" v="397" actId="26606"/>
           <ac:spMkLst>
             <pc:docMk/>
             <pc:sldMk cId="464311981" sldId="261"/>
             <ac:spMk id="3" creationId="{695A74DB-2858-C407-697B-48AD50FE8872}"/>
           </ac:spMkLst>
         </pc:spChg>
+        <pc:spChg chg="add del mod ord">
+          <ac:chgData name="Hunter Ceranic" userId="55b8025d37c61089" providerId="LiveId" clId="{F0BA40D0-9182-44C0-BEDE-14048F85CCAB}" dt="2024-02-10T18:50:22.097" v="400" actId="700"/>
+          <ac:spMkLst>
+            <pc:docMk/>
+            <pc:sldMk cId="464311981" sldId="261"/>
+            <ac:spMk id="4" creationId="{B440C5B4-9CD7-07E9-9789-8E43736F752A}"/>
+          </ac:spMkLst>
+        </pc:spChg>
+        <pc:spChg chg="mod">
+          <ac:chgData name="Hunter Ceranic" userId="55b8025d37c61089" providerId="LiveId" clId="{F0BA40D0-9182-44C0-BEDE-14048F85CCAB}" dt="2024-02-10T19:55:25.088" v="2920" actId="20577"/>
+          <ac:spMkLst>
+            <pc:docMk/>
+            <pc:sldMk cId="464311981" sldId="261"/>
+            <ac:spMk id="5" creationId="{2CDDB1A3-6053-6F50-7B03-6D5A338CD42D}"/>
+          </ac:spMkLst>
+        </pc:spChg>
+        <pc:spChg chg="add del mod ord">
+          <ac:chgData name="Hunter Ceranic" userId="55b8025d37c61089" providerId="LiveId" clId="{F0BA40D0-9182-44C0-BEDE-14048F85CCAB}" dt="2024-02-10T18:50:22.097" v="400" actId="700"/>
+          <ac:spMkLst>
+            <pc:docMk/>
+            <pc:sldMk cId="464311981" sldId="261"/>
+            <ac:spMk id="6" creationId="{2686BF37-EDBA-82FB-575E-9BF70336AA88}"/>
+          </ac:spMkLst>
+        </pc:spChg>
+        <pc:spChg chg="add del mod ord">
+          <ac:chgData name="Hunter Ceranic" userId="55b8025d37c61089" providerId="LiveId" clId="{F0BA40D0-9182-44C0-BEDE-14048F85CCAB}" dt="2024-02-10T18:50:22.097" v="400" actId="700"/>
+          <ac:spMkLst>
+            <pc:docMk/>
+            <pc:sldMk cId="464311981" sldId="261"/>
+            <ac:spMk id="7" creationId="{0A9FCB47-06B5-F29F-1010-A62E8B1B4E06}"/>
+          </ac:spMkLst>
+        </pc:spChg>
+        <pc:spChg chg="add del mod ord">
+          <ac:chgData name="Hunter Ceranic" userId="55b8025d37c61089" providerId="LiveId" clId="{F0BA40D0-9182-44C0-BEDE-14048F85CCAB}" dt="2024-02-10T18:50:41.076" v="404" actId="478"/>
+          <ac:spMkLst>
+            <pc:docMk/>
+            <pc:sldMk cId="464311981" sldId="261"/>
+            <ac:spMk id="8" creationId="{C9E568EA-EFF1-93E0-3C0B-91DBFA637883}"/>
+          </ac:spMkLst>
+        </pc:spChg>
+        <pc:spChg chg="del">
+          <ac:chgData name="Hunter Ceranic" userId="55b8025d37c61089" providerId="LiveId" clId="{F0BA40D0-9182-44C0-BEDE-14048F85CCAB}" dt="2024-02-10T18:50:10.216" v="398" actId="700"/>
+          <ac:spMkLst>
+            <pc:docMk/>
+            <pc:sldMk cId="464311981" sldId="261"/>
+            <ac:spMk id="1028" creationId="{4AC6B390-BC59-4F1D-A0EE-D71A92F0A0B2}"/>
+          </ac:spMkLst>
+        </pc:spChg>
+        <pc:spChg chg="del">
+          <ac:chgData name="Hunter Ceranic" userId="55b8025d37c61089" providerId="LiveId" clId="{F0BA40D0-9182-44C0-BEDE-14048F85CCAB}" dt="2024-02-10T18:50:10.216" v="398" actId="700"/>
+          <ac:spMkLst>
+            <pc:docMk/>
+            <pc:sldMk cId="464311981" sldId="261"/>
+            <ac:spMk id="1029" creationId="{B6C60D79-16F1-4C4B-B7E3-7634E7069CDE}"/>
+          </ac:spMkLst>
+        </pc:spChg>
+        <pc:spChg chg="del">
+          <ac:chgData name="Hunter Ceranic" userId="55b8025d37c61089" providerId="LiveId" clId="{F0BA40D0-9182-44C0-BEDE-14048F85CCAB}" dt="2024-02-10T18:50:10.216" v="398" actId="700"/>
+          <ac:spMkLst>
+            <pc:docMk/>
+            <pc:sldMk cId="464311981" sldId="261"/>
+            <ac:spMk id="1030" creationId="{426B127E-6498-4C77-9C9D-4553A5113B80}"/>
+          </ac:spMkLst>
+        </pc:spChg>
+        <pc:spChg chg="add">
+          <ac:chgData name="Hunter Ceranic" userId="55b8025d37c61089" providerId="LiveId" clId="{F0BA40D0-9182-44C0-BEDE-14048F85CCAB}" dt="2024-02-10T18:50:28.324" v="401" actId="26606"/>
+          <ac:spMkLst>
+            <pc:docMk/>
+            <pc:sldMk cId="464311981" sldId="261"/>
+            <ac:spMk id="1039" creationId="{23DA7759-3209-4FE2-96D1-4EEDD81E9EA0}"/>
+          </ac:spMkLst>
+        </pc:spChg>
+        <pc:spChg chg="add">
+          <ac:chgData name="Hunter Ceranic" userId="55b8025d37c61089" providerId="LiveId" clId="{F0BA40D0-9182-44C0-BEDE-14048F85CCAB}" dt="2024-02-10T18:50:28.324" v="401" actId="26606"/>
+          <ac:spMkLst>
+            <pc:docMk/>
+            <pc:sldMk cId="464311981" sldId="261"/>
+            <ac:spMk id="1041" creationId="{41460DAD-8769-4C9F-9C8C-BB0443909D76}"/>
+          </ac:spMkLst>
+        </pc:spChg>
+        <pc:spChg chg="add">
+          <ac:chgData name="Hunter Ceranic" userId="55b8025d37c61089" providerId="LiveId" clId="{F0BA40D0-9182-44C0-BEDE-14048F85CCAB}" dt="2024-02-10T18:50:28.324" v="401" actId="26606"/>
+          <ac:spMkLst>
+            <pc:docMk/>
+            <pc:sldMk cId="464311981" sldId="261"/>
+            <ac:spMk id="1043" creationId="{9DBC8166-481C-4473-95F5-9A5B9073B7F1}"/>
+          </ac:spMkLst>
+        </pc:spChg>
+        <pc:spChg chg="add">
+          <ac:chgData name="Hunter Ceranic" userId="55b8025d37c61089" providerId="LiveId" clId="{F0BA40D0-9182-44C0-BEDE-14048F85CCAB}" dt="2024-02-10T18:50:28.324" v="401" actId="26606"/>
+          <ac:spMkLst>
+            <pc:docMk/>
+            <pc:sldMk cId="464311981" sldId="261"/>
+            <ac:spMk id="1045" creationId="{A5A5CE6E-90AF-4D43-A014-1F9EC83EB93D}"/>
+          </ac:spMkLst>
+        </pc:spChg>
+        <pc:graphicFrameChg chg="add del">
+          <ac:chgData name="Hunter Ceranic" userId="55b8025d37c61089" providerId="LiveId" clId="{F0BA40D0-9182-44C0-BEDE-14048F85CCAB}" dt="2024-02-10T18:49:58.881" v="396" actId="26606"/>
+          <ac:graphicFrameMkLst>
+            <pc:docMk/>
+            <pc:sldMk cId="464311981" sldId="261"/>
+            <ac:graphicFrameMk id="1032" creationId="{116C54DF-93DB-61CF-2F64-1BE1F7C43905}"/>
+          </ac:graphicFrameMkLst>
+        </pc:graphicFrameChg>
+        <pc:graphicFrameChg chg="add mod ord">
+          <ac:chgData name="Hunter Ceranic" userId="55b8025d37c61089" providerId="LiveId" clId="{F0BA40D0-9182-44C0-BEDE-14048F85CCAB}" dt="2024-02-10T18:59:22.591" v="502" actId="20577"/>
+          <ac:graphicFrameMkLst>
+            <pc:docMk/>
+            <pc:sldMk cId="464311981" sldId="261"/>
+            <ac:graphicFrameMk id="1034" creationId="{294E523B-CEC0-0596-5C0A-40E76B1F4041}"/>
+          </ac:graphicFrameMkLst>
+        </pc:graphicFrameChg>
         <pc:picChg chg="del mod">
           <ac:chgData name="Hunter Ceranic" userId="55b8025d37c61089" providerId="LiveId" clId="{F0BA40D0-9182-44C0-BEDE-14048F85CCAB}" dt="2024-02-10T17:29:47.199" v="2" actId="478"/>
           <ac:picMkLst>
@@ -169,6 +452,337 @@
             <ac:picMk id="1026" creationId="{70ADD003-1E8C-44BA-531E-AC9C8AB34361}"/>
           </ac:picMkLst>
         </pc:picChg>
+      </pc:sldChg>
+      <pc:sldChg chg="del">
+        <pc:chgData name="Hunter Ceranic" userId="55b8025d37c61089" providerId="LiveId" clId="{F0BA40D0-9182-44C0-BEDE-14048F85CCAB}" dt="2024-02-10T18:57:24.875" v="461" actId="47"/>
+        <pc:sldMkLst>
+          <pc:docMk/>
+          <pc:sldMk cId="1282139663" sldId="262"/>
+        </pc:sldMkLst>
+      </pc:sldChg>
+      <pc:sldChg chg="del">
+        <pc:chgData name="Hunter Ceranic" userId="55b8025d37c61089" providerId="LiveId" clId="{F0BA40D0-9182-44C0-BEDE-14048F85CCAB}" dt="2024-02-10T18:57:25.591" v="462" actId="47"/>
+        <pc:sldMkLst>
+          <pc:docMk/>
+          <pc:sldMk cId="3991598736" sldId="263"/>
+        </pc:sldMkLst>
+      </pc:sldChg>
+      <pc:sldChg chg="addSp delSp modSp add del mod setBg delDesignElem chgLayout">
+        <pc:chgData name="Hunter Ceranic" userId="55b8025d37c61089" providerId="LiveId" clId="{F0BA40D0-9182-44C0-BEDE-14048F85CCAB}" dt="2024-02-10T19:36:10.334" v="2044" actId="47"/>
+        <pc:sldMkLst>
+          <pc:docMk/>
+          <pc:sldMk cId="3333510332" sldId="265"/>
+        </pc:sldMkLst>
+        <pc:spChg chg="mod ord">
+          <ac:chgData name="Hunter Ceranic" userId="55b8025d37c61089" providerId="LiveId" clId="{F0BA40D0-9182-44C0-BEDE-14048F85CCAB}" dt="2024-02-10T19:06:07.243" v="592" actId="20577"/>
+          <ac:spMkLst>
+            <pc:docMk/>
+            <pc:sldMk cId="3333510332" sldId="265"/>
+            <ac:spMk id="2" creationId="{1A48A44E-C702-AB25-B554-79CAD639B160}"/>
+          </ac:spMkLst>
+        </pc:spChg>
+        <pc:spChg chg="add mod ord">
+          <ac:chgData name="Hunter Ceranic" userId="55b8025d37c61089" providerId="LiveId" clId="{F0BA40D0-9182-44C0-BEDE-14048F85CCAB}" dt="2024-02-10T19:06:22.702" v="605" actId="20577"/>
+          <ac:spMkLst>
+            <pc:docMk/>
+            <pc:sldMk cId="3333510332" sldId="265"/>
+            <ac:spMk id="3" creationId="{5EA888CE-7ACF-1F14-C4D4-776A4857C3BE}"/>
+          </ac:spMkLst>
+        </pc:spChg>
+        <pc:spChg chg="del mod">
+          <ac:chgData name="Hunter Ceranic" userId="55b8025d37c61089" providerId="LiveId" clId="{F0BA40D0-9182-44C0-BEDE-14048F85CCAB}" dt="2024-02-10T19:06:33.915" v="623" actId="478"/>
+          <ac:spMkLst>
+            <pc:docMk/>
+            <pc:sldMk cId="3333510332" sldId="265"/>
+            <ac:spMk id="5" creationId="{0819AE08-F8F5-3F22-2B52-16535F548BED}"/>
+          </ac:spMkLst>
+        </pc:spChg>
+        <pc:spChg chg="add mod ord">
+          <ac:chgData name="Hunter Ceranic" userId="55b8025d37c61089" providerId="LiveId" clId="{F0BA40D0-9182-44C0-BEDE-14048F85CCAB}" dt="2024-02-10T19:06:38.699" v="624" actId="1076"/>
+          <ac:spMkLst>
+            <pc:docMk/>
+            <pc:sldMk cId="3333510332" sldId="265"/>
+            <ac:spMk id="7" creationId="{6432CAB7-7BC5-BBE7-F602-B3CE6CD715A1}"/>
+          </ac:spMkLst>
+        </pc:spChg>
+        <pc:spChg chg="del">
+          <ac:chgData name="Hunter Ceranic" userId="55b8025d37c61089" providerId="LiveId" clId="{F0BA40D0-9182-44C0-BEDE-14048F85CCAB}" dt="2024-02-10T19:05:39.902" v="556"/>
+          <ac:spMkLst>
+            <pc:docMk/>
+            <pc:sldMk cId="3333510332" sldId="265"/>
+            <ac:spMk id="9" creationId="{580F86FE-DB54-9121-3637-1F9AC9D4E186}"/>
+          </ac:spMkLst>
+        </pc:spChg>
+        <pc:spChg chg="del">
+          <ac:chgData name="Hunter Ceranic" userId="55b8025d37c61089" providerId="LiveId" clId="{F0BA40D0-9182-44C0-BEDE-14048F85CCAB}" dt="2024-02-10T19:05:39.902" v="556"/>
+          <ac:spMkLst>
+            <pc:docMk/>
+            <pc:sldMk cId="3333510332" sldId="265"/>
+            <ac:spMk id="11" creationId="{EDB89DD0-7C68-1AC0-0246-3C1E84E88369}"/>
+          </ac:spMkLst>
+        </pc:spChg>
+        <pc:spChg chg="del">
+          <ac:chgData name="Hunter Ceranic" userId="55b8025d37c61089" providerId="LiveId" clId="{F0BA40D0-9182-44C0-BEDE-14048F85CCAB}" dt="2024-02-10T19:05:39.902" v="556"/>
+          <ac:spMkLst>
+            <pc:docMk/>
+            <pc:sldMk cId="3333510332" sldId="265"/>
+            <ac:spMk id="13" creationId="{05DD9C18-C8A3-7B18-2C99-5EBAE9C98ED0}"/>
+          </ac:spMkLst>
+        </pc:spChg>
+        <pc:spChg chg="del">
+          <ac:chgData name="Hunter Ceranic" userId="55b8025d37c61089" providerId="LiveId" clId="{F0BA40D0-9182-44C0-BEDE-14048F85CCAB}" dt="2024-02-10T19:05:39.902" v="556"/>
+          <ac:spMkLst>
+            <pc:docMk/>
+            <pc:sldMk cId="3333510332" sldId="265"/>
+            <ac:spMk id="15" creationId="{1D52495A-3BC2-A5B9-876B-FC9835312A5A}"/>
+          </ac:spMkLst>
+        </pc:spChg>
+      </pc:sldChg>
+      <pc:sldChg chg="addSp delSp modSp new mod modClrScheme chgLayout">
+        <pc:chgData name="Hunter Ceranic" userId="55b8025d37c61089" providerId="LiveId" clId="{F0BA40D0-9182-44C0-BEDE-14048F85CCAB}" dt="2024-02-10T19:55:38.152" v="2924" actId="1076"/>
+        <pc:sldMkLst>
+          <pc:docMk/>
+          <pc:sldMk cId="977562255" sldId="266"/>
+        </pc:sldMkLst>
+        <pc:spChg chg="del mod ord">
+          <ac:chgData name="Hunter Ceranic" userId="55b8025d37c61089" providerId="LiveId" clId="{F0BA40D0-9182-44C0-BEDE-14048F85CCAB}" dt="2024-02-10T19:27:07.140" v="1664" actId="700"/>
+          <ac:spMkLst>
+            <pc:docMk/>
+            <pc:sldMk cId="977562255" sldId="266"/>
+            <ac:spMk id="2" creationId="{0671E9AD-2014-3516-E029-6838AAA80005}"/>
+          </ac:spMkLst>
+        </pc:spChg>
+        <pc:spChg chg="del mod ord">
+          <ac:chgData name="Hunter Ceranic" userId="55b8025d37c61089" providerId="LiveId" clId="{F0BA40D0-9182-44C0-BEDE-14048F85CCAB}" dt="2024-02-10T19:27:07.140" v="1664" actId="700"/>
+          <ac:spMkLst>
+            <pc:docMk/>
+            <pc:sldMk cId="977562255" sldId="266"/>
+            <ac:spMk id="3" creationId="{04A7D1BB-5C35-3A1A-DCDA-6D6D51997BC2}"/>
+          </ac:spMkLst>
+        </pc:spChg>
+        <pc:spChg chg="del">
+          <ac:chgData name="Hunter Ceranic" userId="55b8025d37c61089" providerId="LiveId" clId="{F0BA40D0-9182-44C0-BEDE-14048F85CCAB}" dt="2024-02-10T19:27:07.140" v="1664" actId="700"/>
+          <ac:spMkLst>
+            <pc:docMk/>
+            <pc:sldMk cId="977562255" sldId="266"/>
+            <ac:spMk id="4" creationId="{8FBBBFDE-CED9-A383-C998-CAE245202F11}"/>
+          </ac:spMkLst>
+        </pc:spChg>
+        <pc:spChg chg="mod ord">
+          <ac:chgData name="Hunter Ceranic" userId="55b8025d37c61089" providerId="LiveId" clId="{F0BA40D0-9182-44C0-BEDE-14048F85CCAB}" dt="2024-02-10T19:55:38.152" v="2924" actId="1076"/>
+          <ac:spMkLst>
+            <pc:docMk/>
+            <pc:sldMk cId="977562255" sldId="266"/>
+            <ac:spMk id="5" creationId="{38B3B6EE-6D8C-30DE-7A47-9A2165C4F66B}"/>
+          </ac:spMkLst>
+        </pc:spChg>
+        <pc:spChg chg="add mod ord">
+          <ac:chgData name="Hunter Ceranic" userId="55b8025d37c61089" providerId="LiveId" clId="{F0BA40D0-9182-44C0-BEDE-14048F85CCAB}" dt="2024-02-10T19:27:38.344" v="1687" actId="122"/>
+          <ac:spMkLst>
+            <pc:docMk/>
+            <pc:sldMk cId="977562255" sldId="266"/>
+            <ac:spMk id="6" creationId="{8E6C80B3-C418-5172-8D5F-320D9FD0D4E7}"/>
+          </ac:spMkLst>
+        </pc:spChg>
+        <pc:spChg chg="add del mod ord">
+          <ac:chgData name="Hunter Ceranic" userId="55b8025d37c61089" providerId="LiveId" clId="{F0BA40D0-9182-44C0-BEDE-14048F85CCAB}" dt="2024-02-10T19:28:00.791" v="1690" actId="478"/>
+          <ac:spMkLst>
+            <pc:docMk/>
+            <pc:sldMk cId="977562255" sldId="266"/>
+            <ac:spMk id="7" creationId="{77B1157B-E8BA-F8AA-C365-805BF75FD11B}"/>
+          </ac:spMkLst>
+        </pc:spChg>
+        <pc:spChg chg="add mod">
+          <ac:chgData name="Hunter Ceranic" userId="55b8025d37c61089" providerId="LiveId" clId="{F0BA40D0-9182-44C0-BEDE-14048F85CCAB}" dt="2024-02-10T19:31:31.589" v="1836" actId="1076"/>
+          <ac:spMkLst>
+            <pc:docMk/>
+            <pc:sldMk cId="977562255" sldId="266"/>
+            <ac:spMk id="12" creationId="{30FCF683-68F7-A708-DE37-59E16E3B0745}"/>
+          </ac:spMkLst>
+        </pc:spChg>
+        <pc:spChg chg="add mod">
+          <ac:chgData name="Hunter Ceranic" userId="55b8025d37c61089" providerId="LiveId" clId="{F0BA40D0-9182-44C0-BEDE-14048F85CCAB}" dt="2024-02-10T19:34:41.676" v="2043" actId="20577"/>
+          <ac:spMkLst>
+            <pc:docMk/>
+            <pc:sldMk cId="977562255" sldId="266"/>
+            <ac:spMk id="13" creationId="{1E687D1A-B8BA-3EAB-B8DD-DB5426D31D3F}"/>
+          </ac:spMkLst>
+        </pc:spChg>
+        <pc:picChg chg="add mod">
+          <ac:chgData name="Hunter Ceranic" userId="55b8025d37c61089" providerId="LiveId" clId="{F0BA40D0-9182-44C0-BEDE-14048F85CCAB}" dt="2024-02-10T19:31:36.132" v="1839" actId="1076"/>
+          <ac:picMkLst>
+            <pc:docMk/>
+            <pc:sldMk cId="977562255" sldId="266"/>
+            <ac:picMk id="9" creationId="{6D320499-381B-2565-FCCF-2B847453C566}"/>
+          </ac:picMkLst>
+        </pc:picChg>
+        <pc:picChg chg="add mod">
+          <ac:chgData name="Hunter Ceranic" userId="55b8025d37c61089" providerId="LiveId" clId="{F0BA40D0-9182-44C0-BEDE-14048F85CCAB}" dt="2024-02-10T19:33:55.863" v="2016" actId="1076"/>
+          <ac:picMkLst>
+            <pc:docMk/>
+            <pc:sldMk cId="977562255" sldId="266"/>
+            <ac:picMk id="11" creationId="{4A786745-0A96-EA5F-1DE9-0B12CFFFDA86}"/>
+          </ac:picMkLst>
+        </pc:picChg>
+      </pc:sldChg>
+      <pc:sldChg chg="addSp delSp modSp new mod setBg modClrScheme chgLayout">
+        <pc:chgData name="Hunter Ceranic" userId="55b8025d37c61089" providerId="LiveId" clId="{F0BA40D0-9182-44C0-BEDE-14048F85CCAB}" dt="2024-02-10T19:55:47.052" v="2932" actId="1076"/>
+        <pc:sldMkLst>
+          <pc:docMk/>
+          <pc:sldMk cId="405756858" sldId="267"/>
+        </pc:sldMkLst>
+        <pc:spChg chg="del mod ord">
+          <ac:chgData name="Hunter Ceranic" userId="55b8025d37c61089" providerId="LiveId" clId="{F0BA40D0-9182-44C0-BEDE-14048F85CCAB}" dt="2024-02-10T19:36:18.071" v="2046" actId="700"/>
+          <ac:spMkLst>
+            <pc:docMk/>
+            <pc:sldMk cId="405756858" sldId="267"/>
+            <ac:spMk id="2" creationId="{EAEDEFCA-7F3D-73A0-1544-B6059763EAA9}"/>
+          </ac:spMkLst>
+        </pc:spChg>
+        <pc:spChg chg="del mod ord">
+          <ac:chgData name="Hunter Ceranic" userId="55b8025d37c61089" providerId="LiveId" clId="{F0BA40D0-9182-44C0-BEDE-14048F85CCAB}" dt="2024-02-10T19:36:18.071" v="2046" actId="700"/>
+          <ac:spMkLst>
+            <pc:docMk/>
+            <pc:sldMk cId="405756858" sldId="267"/>
+            <ac:spMk id="3" creationId="{3D6E6C5D-A2EB-2569-F1D0-23A34755B5FF}"/>
+          </ac:spMkLst>
+        </pc:spChg>
+        <pc:spChg chg="mod ord">
+          <ac:chgData name="Hunter Ceranic" userId="55b8025d37c61089" providerId="LiveId" clId="{F0BA40D0-9182-44C0-BEDE-14048F85CCAB}" dt="2024-02-10T19:55:47.052" v="2932" actId="1076"/>
+          <ac:spMkLst>
+            <pc:docMk/>
+            <pc:sldMk cId="405756858" sldId="267"/>
+            <ac:spMk id="4" creationId="{8CDC816D-1BD0-09D7-9C19-19754753BDF7}"/>
+          </ac:spMkLst>
+        </pc:spChg>
+        <pc:spChg chg="add mod ord">
+          <ac:chgData name="Hunter Ceranic" userId="55b8025d37c61089" providerId="LiveId" clId="{F0BA40D0-9182-44C0-BEDE-14048F85CCAB}" dt="2024-02-10T19:37:53.382" v="2249" actId="26606"/>
+          <ac:spMkLst>
+            <pc:docMk/>
+            <pc:sldMk cId="405756858" sldId="267"/>
+            <ac:spMk id="5" creationId="{6394F5C9-8688-386B-FF4F-AD2D92BE2C6B}"/>
+          </ac:spMkLst>
+        </pc:spChg>
+        <pc:spChg chg="add mod ord">
+          <ac:chgData name="Hunter Ceranic" userId="55b8025d37c61089" providerId="LiveId" clId="{F0BA40D0-9182-44C0-BEDE-14048F85CCAB}" dt="2024-02-10T19:41:49.752" v="2448" actId="20577"/>
+          <ac:spMkLst>
+            <pc:docMk/>
+            <pc:sldMk cId="405756858" sldId="267"/>
+            <ac:spMk id="6" creationId="{61629CB0-E19B-5E3B-A7EE-DE240A31BDE0}"/>
+          </ac:spMkLst>
+        </pc:spChg>
+        <pc:spChg chg="add mod ord">
+          <ac:chgData name="Hunter Ceranic" userId="55b8025d37c61089" providerId="LiveId" clId="{F0BA40D0-9182-44C0-BEDE-14048F85CCAB}" dt="2024-02-10T19:53:50.969" v="2918" actId="20577"/>
+          <ac:spMkLst>
+            <pc:docMk/>
+            <pc:sldMk cId="405756858" sldId="267"/>
+            <ac:spMk id="7" creationId="{7C840C83-12F8-56B4-7F49-31E8827DFADD}"/>
+          </ac:spMkLst>
+        </pc:spChg>
+        <pc:spChg chg="add">
+          <ac:chgData name="Hunter Ceranic" userId="55b8025d37c61089" providerId="LiveId" clId="{F0BA40D0-9182-44C0-BEDE-14048F85CCAB}" dt="2024-02-10T19:37:53.382" v="2249" actId="26606"/>
+          <ac:spMkLst>
+            <pc:docMk/>
+            <pc:sldMk cId="405756858" sldId="267"/>
+            <ac:spMk id="12" creationId="{23DA7759-3209-4FE2-96D1-4EEDD81E9EA0}"/>
+          </ac:spMkLst>
+        </pc:spChg>
+        <pc:spChg chg="add">
+          <ac:chgData name="Hunter Ceranic" userId="55b8025d37c61089" providerId="LiveId" clId="{F0BA40D0-9182-44C0-BEDE-14048F85CCAB}" dt="2024-02-10T19:37:53.382" v="2249" actId="26606"/>
+          <ac:spMkLst>
+            <pc:docMk/>
+            <pc:sldMk cId="405756858" sldId="267"/>
+            <ac:spMk id="14" creationId="{41460DAD-8769-4C9F-9C8C-BB0443909D76}"/>
+          </ac:spMkLst>
+        </pc:spChg>
+        <pc:spChg chg="add">
+          <ac:chgData name="Hunter Ceranic" userId="55b8025d37c61089" providerId="LiveId" clId="{F0BA40D0-9182-44C0-BEDE-14048F85CCAB}" dt="2024-02-10T19:37:53.382" v="2249" actId="26606"/>
+          <ac:spMkLst>
+            <pc:docMk/>
+            <pc:sldMk cId="405756858" sldId="267"/>
+            <ac:spMk id="16" creationId="{AE2B703B-46F9-481A-A605-82E2A828C4FA}"/>
+          </ac:spMkLst>
+        </pc:spChg>
+        <pc:spChg chg="add">
+          <ac:chgData name="Hunter Ceranic" userId="55b8025d37c61089" providerId="LiveId" clId="{F0BA40D0-9182-44C0-BEDE-14048F85CCAB}" dt="2024-02-10T19:37:53.382" v="2249" actId="26606"/>
+          <ac:spMkLst>
+            <pc:docMk/>
+            <pc:sldMk cId="405756858" sldId="267"/>
+            <ac:spMk id="18" creationId="{F13BE4D7-0C3D-4906-B230-A1C5B4665CCF}"/>
+          </ac:spMkLst>
+        </pc:spChg>
+        <pc:spChg chg="add mod">
+          <ac:chgData name="Hunter Ceranic" userId="55b8025d37c61089" providerId="LiveId" clId="{F0BA40D0-9182-44C0-BEDE-14048F85CCAB}" dt="2024-02-10T19:50:16.792" v="2638" actId="1076"/>
+          <ac:spMkLst>
+            <pc:docMk/>
+            <pc:sldMk cId="405756858" sldId="267"/>
+            <ac:spMk id="24" creationId="{4673367D-81C1-4AEE-403D-F3E7BFEFF055}"/>
+          </ac:spMkLst>
+        </pc:spChg>
+        <pc:cxnChg chg="add mod">
+          <ac:chgData name="Hunter Ceranic" userId="55b8025d37c61089" providerId="LiveId" clId="{F0BA40D0-9182-44C0-BEDE-14048F85CCAB}" dt="2024-02-10T19:48:54.393" v="2618" actId="1076"/>
+          <ac:cxnSpMkLst>
+            <pc:docMk/>
+            <pc:sldMk cId="405756858" sldId="267"/>
+            <ac:cxnSpMk id="9" creationId="{88A9A63F-1EA3-2E75-9E01-7F96034F99DD}"/>
+          </ac:cxnSpMkLst>
+        </pc:cxnChg>
+        <pc:cxnChg chg="add mod">
+          <ac:chgData name="Hunter Ceranic" userId="55b8025d37c61089" providerId="LiveId" clId="{F0BA40D0-9182-44C0-BEDE-14048F85CCAB}" dt="2024-02-10T19:48:42.162" v="2614" actId="14100"/>
+          <ac:cxnSpMkLst>
+            <pc:docMk/>
+            <pc:sldMk cId="405756858" sldId="267"/>
+            <ac:cxnSpMk id="10" creationId="{1152FE4A-A4C9-C441-DE88-EF0AB7A4BBE4}"/>
+          </ac:cxnSpMkLst>
+        </pc:cxnChg>
+        <pc:cxnChg chg="add del mod">
+          <ac:chgData name="Hunter Ceranic" userId="55b8025d37c61089" providerId="LiveId" clId="{F0BA40D0-9182-44C0-BEDE-14048F85CCAB}" dt="2024-02-10T19:48:47.127" v="2615" actId="478"/>
+          <ac:cxnSpMkLst>
+            <pc:docMk/>
+            <pc:sldMk cId="405756858" sldId="267"/>
+            <ac:cxnSpMk id="13" creationId="{C10639F1-7FD3-55EC-B599-25B1D2757B9F}"/>
+          </ac:cxnSpMkLst>
+        </pc:cxnChg>
+        <pc:cxnChg chg="add mod">
+          <ac:chgData name="Hunter Ceranic" userId="55b8025d37c61089" providerId="LiveId" clId="{F0BA40D0-9182-44C0-BEDE-14048F85CCAB}" dt="2024-02-10T19:49:04.020" v="2619" actId="1076"/>
+          <ac:cxnSpMkLst>
+            <pc:docMk/>
+            <pc:sldMk cId="405756858" sldId="267"/>
+            <ac:cxnSpMk id="19" creationId="{45CE9661-BEAF-044E-0079-3F3EA327EFFB}"/>
+          </ac:cxnSpMkLst>
+        </pc:cxnChg>
+        <pc:cxnChg chg="add mod">
+          <ac:chgData name="Hunter Ceranic" userId="55b8025d37c61089" providerId="LiveId" clId="{F0BA40D0-9182-44C0-BEDE-14048F85CCAB}" dt="2024-02-10T19:49:11.261" v="2620"/>
+          <ac:cxnSpMkLst>
+            <pc:docMk/>
+            <pc:sldMk cId="405756858" sldId="267"/>
+            <ac:cxnSpMk id="20" creationId="{DBAC1E20-9609-92EA-1D40-83B94E809DC9}"/>
+          </ac:cxnSpMkLst>
+        </pc:cxnChg>
+        <pc:cxnChg chg="add mod">
+          <ac:chgData name="Hunter Ceranic" userId="55b8025d37c61089" providerId="LiveId" clId="{F0BA40D0-9182-44C0-BEDE-14048F85CCAB}" dt="2024-02-10T19:49:11.261" v="2620"/>
+          <ac:cxnSpMkLst>
+            <pc:docMk/>
+            <pc:sldMk cId="405756858" sldId="267"/>
+            <ac:cxnSpMk id="21" creationId="{B0E23B26-4EC3-E9E7-2FCA-6127DA176DB8}"/>
+          </ac:cxnSpMkLst>
+        </pc:cxnChg>
+        <pc:cxnChg chg="add mod">
+          <ac:chgData name="Hunter Ceranic" userId="55b8025d37c61089" providerId="LiveId" clId="{F0BA40D0-9182-44C0-BEDE-14048F85CCAB}" dt="2024-02-10T19:49:26.203" v="2622" actId="1076"/>
+          <ac:cxnSpMkLst>
+            <pc:docMk/>
+            <pc:sldMk cId="405756858" sldId="267"/>
+            <ac:cxnSpMk id="22" creationId="{DBA583BE-31E6-2D0D-435C-A4AF2F265241}"/>
+          </ac:cxnSpMkLst>
+        </pc:cxnChg>
+        <pc:cxnChg chg="add mod">
+          <ac:chgData name="Hunter Ceranic" userId="55b8025d37c61089" providerId="LiveId" clId="{F0BA40D0-9182-44C0-BEDE-14048F85CCAB}" dt="2024-02-10T19:49:31.413" v="2623" actId="1076"/>
+          <ac:cxnSpMkLst>
+            <pc:docMk/>
+            <pc:sldMk cId="405756858" sldId="267"/>
+            <ac:cxnSpMk id="23" creationId="{4635182A-B24F-B573-692F-B65515FA151C}"/>
+          </ac:cxnSpMkLst>
+        </pc:cxnChg>
       </pc:sldChg>
     </pc:docChg>
   </pc:docChgLst>
@@ -2327,8 +2941,8 @@
 <file path=ppt/diagrams/data1.xml><?xml version="1.0" encoding="utf-8"?>
 <dgm:dataModel xmlns:dgm="http://schemas.openxmlformats.org/drawingml/2006/diagram" xmlns:a="http://schemas.openxmlformats.org/drawingml/2006/main">
   <dgm:ptLst>
-    <dgm:pt modelId="{2A3DA79F-081F-4BB4-82F9-E03BAE47D8D2}" type="doc">
-      <dgm:prSet loTypeId="urn:microsoft.com/office/officeart/2005/8/layout/vList2" loCatId="list" qsTypeId="urn:microsoft.com/office/officeart/2005/8/quickstyle/simple1" qsCatId="simple" csTypeId="urn:microsoft.com/office/officeart/2005/8/colors/accent1_2" csCatId="accent1" phldr="1"/>
+    <dgm:pt modelId="{5DAAB91C-F98F-4BAB-BF19-5AFE8A3ED89E}" type="doc">
+      <dgm:prSet loTypeId="urn:microsoft.com/office/officeart/2018/2/layout/IconLabelList" loCatId="icon" qsTypeId="urn:microsoft.com/office/officeart/2005/8/quickstyle/simple1" qsCatId="simple" csTypeId="urn:microsoft.com/office/officeart/2005/8/colors/accent1_2" csCatId="accent1" phldr="1"/>
       <dgm:spPr/>
       <dgm:t>
         <a:bodyPr/>
@@ -2338,22 +2952,31 @@
         </a:p>
       </dgm:t>
     </dgm:pt>
-    <dgm:pt modelId="{F20D0B7D-2E9F-4EF4-B2CD-F1D85500CB77}">
-      <dgm:prSet/>
+    <dgm:pt modelId="{3C169601-4DD0-4D45-BB65-9EF49B493517}">
+      <dgm:prSet custT="1"/>
       <dgm:spPr/>
       <dgm:t>
         <a:bodyPr/>
         <a:lstStyle/>
         <a:p>
+          <a:pPr>
+            <a:lnSpc>
+              <a:spcPct val="100000"/>
+            </a:lnSpc>
+          </a:pPr>
           <a:r>
-            <a:rPr lang="en-CA"/>
-            <a:t>A1: Pre-classification calculation, image processing (image flattening, data standardization etc.) is performed by supporting libraries</a:t>
+            <a:rPr lang="en-CA" sz="1800" b="1" dirty="0" err="1"/>
+            <a:t>CircleCI</a:t>
           </a:r>
-          <a:endParaRPr lang="en-US"/>
+          <a:r>
+            <a:rPr lang="en-CA" sz="1800" dirty="0"/>
+            <a:t> – Free (mostly) GitHub integrated CI tool that runs automated tests after each commit, in a Docker image.</a:t>
+          </a:r>
+          <a:endParaRPr lang="en-US" sz="1800" dirty="0"/>
         </a:p>
       </dgm:t>
     </dgm:pt>
-    <dgm:pt modelId="{35C56D55-4FCE-453C-9A8B-A9C97EC44426}" type="parTrans" cxnId="{F8924CBF-ABD4-4B87-A31A-2D122D8C855F}">
+    <dgm:pt modelId="{4729C9C8-84A2-416B-BD67-117FA2E7D1E8}" type="parTrans" cxnId="{9402BB98-C186-46F4-AF97-092B6FCB4F5F}">
       <dgm:prSet/>
       <dgm:spPr/>
       <dgm:t>
@@ -2364,7 +2987,7 @@
         </a:p>
       </dgm:t>
     </dgm:pt>
-    <dgm:pt modelId="{25E82E7A-FC3B-4978-B09B-046DC46BCD00}" type="sibTrans" cxnId="{F8924CBF-ABD4-4B87-A31A-2D122D8C855F}">
+    <dgm:pt modelId="{E582E987-B057-44DB-8035-11276641CC2D}" type="sibTrans" cxnId="{9402BB98-C186-46F4-AF97-092B6FCB4F5F}">
       <dgm:prSet/>
       <dgm:spPr/>
       <dgm:t>
@@ -2375,22 +2998,39 @@
         </a:p>
       </dgm:t>
     </dgm:pt>
-    <dgm:pt modelId="{71D6339E-2DBD-4A6E-B4F4-C9EEA55BC589}">
-      <dgm:prSet/>
+    <dgm:pt modelId="{72D62514-DFCB-4B93-9F56-084C62418BA9}">
+      <dgm:prSet custT="1"/>
       <dgm:spPr/>
       <dgm:t>
         <a:bodyPr/>
         <a:lstStyle/>
         <a:p>
+          <a:pPr>
+            <a:lnSpc>
+              <a:spcPct val="100000"/>
+            </a:lnSpc>
+          </a:pPr>
           <a:r>
-            <a:rPr lang="en-CA"/>
-            <a:t>A2: If the computed confidence of the output is less than 50% the program will return a “No Confidence” output</a:t>
+            <a:rPr lang="en-CA" sz="1800" b="1" dirty="0"/>
+            <a:t>Flake8</a:t>
           </a:r>
-          <a:endParaRPr lang="en-US"/>
+          <a:r>
+            <a:rPr lang="en-CA" sz="1800" dirty="0"/>
+            <a:t> – Linter, through </a:t>
+          </a:r>
+          <a:r>
+            <a:rPr lang="en-CA" sz="1800" dirty="0" err="1"/>
+            <a:t>VSCode</a:t>
+          </a:r>
+          <a:r>
+            <a:rPr lang="en-CA" sz="1800" dirty="0"/>
+            <a:t> Extension</a:t>
+          </a:r>
+          <a:endParaRPr lang="en-US" sz="1800" dirty="0"/>
         </a:p>
       </dgm:t>
     </dgm:pt>
-    <dgm:pt modelId="{623CE447-56BC-4B3D-8C9E-739CE2CF138A}" type="parTrans" cxnId="{06238002-3FAA-4EE7-9384-93712D7B6347}">
+    <dgm:pt modelId="{D5C79717-6218-4078-8FCC-69B89D2DA9FE}" type="parTrans" cxnId="{E58B3BAA-F153-4213-B3D7-926C840D7947}">
       <dgm:prSet/>
       <dgm:spPr/>
       <dgm:t>
@@ -2401,7 +3041,7 @@
         </a:p>
       </dgm:t>
     </dgm:pt>
-    <dgm:pt modelId="{6B94B652-4BBE-4D62-956C-095BADA442B2}" type="sibTrans" cxnId="{06238002-3FAA-4EE7-9384-93712D7B6347}">
+    <dgm:pt modelId="{D953FA2C-6B70-4826-8966-AF0FDB078C31}" type="sibTrans" cxnId="{E58B3BAA-F153-4213-B3D7-926C840D7947}">
       <dgm:prSet/>
       <dgm:spPr/>
       <dgm:t>
@@ -2412,215 +3052,119 @@
         </a:p>
       </dgm:t>
     </dgm:pt>
-    <dgm:pt modelId="{41611B74-654C-4C34-9B79-690015BA8C33}">
-      <dgm:prSet/>
-      <dgm:spPr/>
-      <dgm:t>
-        <a:bodyPr/>
-        <a:lstStyle/>
-        <a:p>
-          <a:r>
-            <a:rPr lang="en-CA" dirty="0"/>
-            <a:t>A3: The dataset for training will only contain labels of capital letter characters, and an even spread of every label to be trained.</a:t>
-          </a:r>
-          <a:endParaRPr lang="en-US" dirty="0"/>
-        </a:p>
-      </dgm:t>
-    </dgm:pt>
-    <dgm:pt modelId="{698EFD21-1F93-4D1B-A04E-3EDF121B3CCC}" type="parTrans" cxnId="{885AFB6E-2A42-47B1-937E-5DD0CA823172}">
-      <dgm:prSet/>
-      <dgm:spPr/>
-      <dgm:t>
-        <a:bodyPr/>
-        <a:lstStyle/>
-        <a:p>
-          <a:endParaRPr lang="en-US"/>
-        </a:p>
-      </dgm:t>
-    </dgm:pt>
-    <dgm:pt modelId="{930C8F22-D700-4278-B075-52C211D4B816}" type="sibTrans" cxnId="{885AFB6E-2A42-47B1-937E-5DD0CA823172}">
-      <dgm:prSet/>
-      <dgm:spPr/>
-      <dgm:t>
-        <a:bodyPr/>
-        <a:lstStyle/>
-        <a:p>
-          <a:endParaRPr lang="en-US"/>
-        </a:p>
-      </dgm:t>
-    </dgm:pt>
-    <dgm:pt modelId="{1A86FB52-FF43-4C62-BD86-E6E2534CB17A}">
-      <dgm:prSet/>
-      <dgm:spPr/>
-      <dgm:t>
-        <a:bodyPr/>
-        <a:lstStyle/>
-        <a:p>
-          <a:r>
-            <a:rPr lang="en-CA"/>
-            <a:t>A4: Test input images will be in the form of .jpeg files.</a:t>
-          </a:r>
-          <a:endParaRPr lang="en-US"/>
-        </a:p>
-      </dgm:t>
-    </dgm:pt>
-    <dgm:pt modelId="{0FAE72A6-74C1-411A-BEAE-CDEE57D9684F}" type="parTrans" cxnId="{F31B4C12-2101-46D6-A967-FE5E18F4551B}">
-      <dgm:prSet/>
-      <dgm:spPr/>
-      <dgm:t>
-        <a:bodyPr/>
-        <a:lstStyle/>
-        <a:p>
-          <a:endParaRPr lang="en-US"/>
-        </a:p>
-      </dgm:t>
-    </dgm:pt>
-    <dgm:pt modelId="{79D86CFB-1682-4F86-AAD9-35607E7D8D61}" type="sibTrans" cxnId="{F31B4C12-2101-46D6-A967-FE5E18F4551B}">
-      <dgm:prSet/>
-      <dgm:spPr/>
-      <dgm:t>
-        <a:bodyPr/>
-        <a:lstStyle/>
-        <a:p>
-          <a:endParaRPr lang="en-US"/>
-        </a:p>
-      </dgm:t>
-    </dgm:pt>
-    <dgm:pt modelId="{77DB6310-60C0-4D5B-9A05-98BD159DB3E2}">
-      <dgm:prSet/>
-      <dgm:spPr/>
-      <dgm:t>
-        <a:bodyPr/>
-        <a:lstStyle/>
-        <a:p>
-          <a:r>
-            <a:rPr lang="en-CA"/>
-            <a:t>A5: The program will be built in python for access to useful supporting libraries, and for convenience</a:t>
-          </a:r>
-          <a:endParaRPr lang="en-US"/>
-        </a:p>
-      </dgm:t>
-    </dgm:pt>
-    <dgm:pt modelId="{C500CE22-4C6C-4E7E-8F1D-F1B545CCDC31}" type="parTrans" cxnId="{F09336E8-67DB-4331-9DE0-C90A8CCB8BFC}">
-      <dgm:prSet/>
-      <dgm:spPr/>
-      <dgm:t>
-        <a:bodyPr/>
-        <a:lstStyle/>
-        <a:p>
-          <a:endParaRPr lang="en-US"/>
-        </a:p>
-      </dgm:t>
-    </dgm:pt>
-    <dgm:pt modelId="{5F1D1FDE-8F80-4901-8EA6-82ACABCE8AFB}" type="sibTrans" cxnId="{F09336E8-67DB-4331-9DE0-C90A8CCB8BFC}">
-      <dgm:prSet/>
-      <dgm:spPr/>
-      <dgm:t>
-        <a:bodyPr/>
-        <a:lstStyle/>
-        <a:p>
-          <a:endParaRPr lang="en-US"/>
-        </a:p>
-      </dgm:t>
-    </dgm:pt>
-    <dgm:pt modelId="{824FE574-F00E-474C-A1E5-D086946412AB}" type="pres">
-      <dgm:prSet presAssocID="{2A3DA79F-081F-4BB4-82F9-E03BAE47D8D2}" presName="linear" presStyleCnt="0">
+    <dgm:pt modelId="{AA6E8ACD-E55B-44A0-AE74-E05C0E19A9E3}" type="pres">
+      <dgm:prSet presAssocID="{5DAAB91C-F98F-4BAB-BF19-5AFE8A3ED89E}" presName="root" presStyleCnt="0">
         <dgm:presLayoutVars>
-          <dgm:animLvl val="lvl"/>
+          <dgm:dir/>
           <dgm:resizeHandles val="exact"/>
         </dgm:presLayoutVars>
       </dgm:prSet>
       <dgm:spPr/>
     </dgm:pt>
-    <dgm:pt modelId="{5E0DFB31-934A-4FB8-A74D-73F46FF3E403}" type="pres">
-      <dgm:prSet presAssocID="{F20D0B7D-2E9F-4EF4-B2CD-F1D85500CB77}" presName="parentText" presStyleLbl="node1" presStyleIdx="0" presStyleCnt="5">
+    <dgm:pt modelId="{5FFF38FE-38DA-4390-A592-ACA38D1F3A75}" type="pres">
+      <dgm:prSet presAssocID="{3C169601-4DD0-4D45-BB65-9EF49B493517}" presName="compNode" presStyleCnt="0"/>
+      <dgm:spPr/>
+    </dgm:pt>
+    <dgm:pt modelId="{E4F1A3F3-8404-487C-986C-1A48D8A4BB03}" type="pres">
+      <dgm:prSet presAssocID="{3C169601-4DD0-4D45-BB65-9EF49B493517}" presName="iconRect" presStyleLbl="node1" presStyleIdx="0" presStyleCnt="2"/>
+      <dgm:spPr>
+        <a:blipFill>
+          <a:blip xmlns:r="http://schemas.openxmlformats.org/officeDocument/2006/relationships" r:embed="rId1">
+            <a:extLst>
+              <a:ext uri="{28A0092B-C50C-407E-A947-70E740481C1C}">
+                <a14:useLocalDpi xmlns:a14="http://schemas.microsoft.com/office/drawing/2010/main" val="0"/>
+              </a:ext>
+              <a:ext uri="{837473B0-CC2E-450A-ABE3-18F120FF3D39}">
+                <a1611:picAttrSrcUrl xmlns:a1611="http://schemas.microsoft.com/office/drawing/2016/11/main" r:id="rId2"/>
+              </a:ext>
+            </a:extLst>
+          </a:blip>
+          <a:srcRect/>
+          <a:stretch>
+            <a:fillRect/>
+          </a:stretch>
+        </a:blipFill>
+      </dgm:spPr>
+    </dgm:pt>
+    <dgm:pt modelId="{1B7E86C9-B541-430F-9C34-3DB8D0CDF8E3}" type="pres">
+      <dgm:prSet presAssocID="{3C169601-4DD0-4D45-BB65-9EF49B493517}" presName="spaceRect" presStyleCnt="0"/>
+      <dgm:spPr/>
+    </dgm:pt>
+    <dgm:pt modelId="{45CBE554-EC93-4AEE-AF31-990F7E0285B2}" type="pres">
+      <dgm:prSet presAssocID="{3C169601-4DD0-4D45-BB65-9EF49B493517}" presName="textRect" presStyleLbl="revTx" presStyleIdx="0" presStyleCnt="2" custLinFactNeighborX="5387" custLinFactNeighborY="-7575">
         <dgm:presLayoutVars>
-          <dgm:chMax val="0"/>
-          <dgm:bulletEnabled val="1"/>
+          <dgm:chMax val="1"/>
+          <dgm:chPref val="1"/>
         </dgm:presLayoutVars>
       </dgm:prSet>
       <dgm:spPr/>
     </dgm:pt>
-    <dgm:pt modelId="{BC060705-595B-4358-887A-BDE2B0C187BB}" type="pres">
-      <dgm:prSet presAssocID="{25E82E7A-FC3B-4978-B09B-046DC46BCD00}" presName="spacer" presStyleCnt="0"/>
+    <dgm:pt modelId="{EB9E1D63-4460-4DC6-88AF-0C25F1B0F4D4}" type="pres">
+      <dgm:prSet presAssocID="{E582E987-B057-44DB-8035-11276641CC2D}" presName="sibTrans" presStyleCnt="0"/>
       <dgm:spPr/>
     </dgm:pt>
-    <dgm:pt modelId="{2AB74277-D8F9-40AC-9B70-4FCE7166EEF2}" type="pres">
-      <dgm:prSet presAssocID="{71D6339E-2DBD-4A6E-B4F4-C9EEA55BC589}" presName="parentText" presStyleLbl="node1" presStyleIdx="1" presStyleCnt="5">
-        <dgm:presLayoutVars>
-          <dgm:chMax val="0"/>
-          <dgm:bulletEnabled val="1"/>
-        </dgm:presLayoutVars>
-      </dgm:prSet>
+    <dgm:pt modelId="{58886B68-9693-41EE-81C5-4D5EBD9487B6}" type="pres">
+      <dgm:prSet presAssocID="{72D62514-DFCB-4B93-9F56-084C62418BA9}" presName="compNode" presStyleCnt="0"/>
       <dgm:spPr/>
     </dgm:pt>
-    <dgm:pt modelId="{5F84373D-F39E-44AD-93A0-9971CB048EFD}" type="pres">
-      <dgm:prSet presAssocID="{6B94B652-4BBE-4D62-956C-095BADA442B2}" presName="spacer" presStyleCnt="0"/>
+    <dgm:pt modelId="{A7A0AFA3-84C8-43D2-81A8-3F28C112BDE9}" type="pres">
+      <dgm:prSet presAssocID="{72D62514-DFCB-4B93-9F56-084C62418BA9}" presName="iconRect" presStyleLbl="node1" presStyleIdx="1" presStyleCnt="2"/>
+      <dgm:spPr>
+        <a:blipFill>
+          <a:blip xmlns:r="http://schemas.openxmlformats.org/officeDocument/2006/relationships" r:embed="rId3">
+            <a:extLst>
+              <a:ext uri="{96DAC541-7B7A-43D3-8B79-37D633B846F1}">
+                <asvg:svgBlip xmlns:asvg="http://schemas.microsoft.com/office/drawing/2016/SVG/main" r:embed="rId4"/>
+              </a:ext>
+            </a:extLst>
+          </a:blip>
+          <a:srcRect/>
+          <a:stretch>
+            <a:fillRect/>
+          </a:stretch>
+        </a:blipFill>
+      </dgm:spPr>
+      <dgm:extLst>
+        <a:ext uri="{E40237B7-FDA0-4F09-8148-C483321AD2D9}">
+          <dgm14:cNvPr xmlns:dgm14="http://schemas.microsoft.com/office/drawing/2010/diagram" id="0" name="" descr="Badge 8 with solid fill"/>
+        </a:ext>
+      </dgm:extLst>
+    </dgm:pt>
+    <dgm:pt modelId="{FA362CDB-DFE4-4B80-BBB4-9D9B5E2CC171}" type="pres">
+      <dgm:prSet presAssocID="{72D62514-DFCB-4B93-9F56-084C62418BA9}" presName="spaceRect" presStyleCnt="0"/>
       <dgm:spPr/>
     </dgm:pt>
-    <dgm:pt modelId="{4F59D3DF-AA68-489C-912A-440351A907C2}" type="pres">
-      <dgm:prSet presAssocID="{41611B74-654C-4C34-9B79-690015BA8C33}" presName="parentText" presStyleLbl="node1" presStyleIdx="2" presStyleCnt="5">
+    <dgm:pt modelId="{6453218F-451F-403C-9C9D-0B8B07344DF3}" type="pres">
+      <dgm:prSet presAssocID="{72D62514-DFCB-4B93-9F56-084C62418BA9}" presName="textRect" presStyleLbl="revTx" presStyleIdx="1" presStyleCnt="2">
         <dgm:presLayoutVars>
-          <dgm:chMax val="0"/>
-          <dgm:bulletEnabled val="1"/>
-        </dgm:presLayoutVars>
-      </dgm:prSet>
-      <dgm:spPr/>
-    </dgm:pt>
-    <dgm:pt modelId="{5A2F7D48-BCA5-4A67-98F4-0A155A2363A8}" type="pres">
-      <dgm:prSet presAssocID="{930C8F22-D700-4278-B075-52C211D4B816}" presName="spacer" presStyleCnt="0"/>
-      <dgm:spPr/>
-    </dgm:pt>
-    <dgm:pt modelId="{E1B2A08A-9B1D-49B3-A8C5-9F51B621A425}" type="pres">
-      <dgm:prSet presAssocID="{1A86FB52-FF43-4C62-BD86-E6E2534CB17A}" presName="parentText" presStyleLbl="node1" presStyleIdx="3" presStyleCnt="5">
-        <dgm:presLayoutVars>
-          <dgm:chMax val="0"/>
-          <dgm:bulletEnabled val="1"/>
-        </dgm:presLayoutVars>
-      </dgm:prSet>
-      <dgm:spPr/>
-    </dgm:pt>
-    <dgm:pt modelId="{D554EFA2-D10B-4E24-8C8A-9AC51F8C8081}" type="pres">
-      <dgm:prSet presAssocID="{79D86CFB-1682-4F86-AAD9-35607E7D8D61}" presName="spacer" presStyleCnt="0"/>
-      <dgm:spPr/>
-    </dgm:pt>
-    <dgm:pt modelId="{D10A43FE-BAF1-443A-992B-F37A4280F90D}" type="pres">
-      <dgm:prSet presAssocID="{77DB6310-60C0-4D5B-9A05-98BD159DB3E2}" presName="parentText" presStyleLbl="node1" presStyleIdx="4" presStyleCnt="5">
-        <dgm:presLayoutVars>
-          <dgm:chMax val="0"/>
-          <dgm:bulletEnabled val="1"/>
+          <dgm:chMax val="1"/>
+          <dgm:chPref val="1"/>
         </dgm:presLayoutVars>
       </dgm:prSet>
       <dgm:spPr/>
     </dgm:pt>
   </dgm:ptLst>
   <dgm:cxnLst>
-    <dgm:cxn modelId="{06238002-3FAA-4EE7-9384-93712D7B6347}" srcId="{2A3DA79F-081F-4BB4-82F9-E03BAE47D8D2}" destId="{71D6339E-2DBD-4A6E-B4F4-C9EEA55BC589}" srcOrd="1" destOrd="0" parTransId="{623CE447-56BC-4B3D-8C9E-739CE2CF138A}" sibTransId="{6B94B652-4BBE-4D62-956C-095BADA442B2}"/>
-    <dgm:cxn modelId="{F31B4C12-2101-46D6-A967-FE5E18F4551B}" srcId="{2A3DA79F-081F-4BB4-82F9-E03BAE47D8D2}" destId="{1A86FB52-FF43-4C62-BD86-E6E2534CB17A}" srcOrd="3" destOrd="0" parTransId="{0FAE72A6-74C1-411A-BEAE-CDEE57D9684F}" sibTransId="{79D86CFB-1682-4F86-AAD9-35607E7D8D61}"/>
-    <dgm:cxn modelId="{4BF0CE27-37F8-428A-941B-0154E26E1904}" type="presOf" srcId="{1A86FB52-FF43-4C62-BD86-E6E2534CB17A}" destId="{E1B2A08A-9B1D-49B3-A8C5-9F51B621A425}" srcOrd="0" destOrd="0" presId="urn:microsoft.com/office/officeart/2005/8/layout/vList2"/>
-    <dgm:cxn modelId="{3A3D5440-C2E1-4C88-B021-F2A16C325238}" type="presOf" srcId="{F20D0B7D-2E9F-4EF4-B2CD-F1D85500CB77}" destId="{5E0DFB31-934A-4FB8-A74D-73F46FF3E403}" srcOrd="0" destOrd="0" presId="urn:microsoft.com/office/officeart/2005/8/layout/vList2"/>
-    <dgm:cxn modelId="{09EE9046-86F6-4583-B3FA-0DD38CE4E4BF}" type="presOf" srcId="{71D6339E-2DBD-4A6E-B4F4-C9EEA55BC589}" destId="{2AB74277-D8F9-40AC-9B70-4FCE7166EEF2}" srcOrd="0" destOrd="0" presId="urn:microsoft.com/office/officeart/2005/8/layout/vList2"/>
-    <dgm:cxn modelId="{885AFB6E-2A42-47B1-937E-5DD0CA823172}" srcId="{2A3DA79F-081F-4BB4-82F9-E03BAE47D8D2}" destId="{41611B74-654C-4C34-9B79-690015BA8C33}" srcOrd="2" destOrd="0" parTransId="{698EFD21-1F93-4D1B-A04E-3EDF121B3CCC}" sibTransId="{930C8F22-D700-4278-B075-52C211D4B816}"/>
-    <dgm:cxn modelId="{E3B6F95A-7207-489F-B164-42B7F343DC2F}" type="presOf" srcId="{41611B74-654C-4C34-9B79-690015BA8C33}" destId="{4F59D3DF-AA68-489C-912A-440351A907C2}" srcOrd="0" destOrd="0" presId="urn:microsoft.com/office/officeart/2005/8/layout/vList2"/>
-    <dgm:cxn modelId="{F8924CBF-ABD4-4B87-A31A-2D122D8C855F}" srcId="{2A3DA79F-081F-4BB4-82F9-E03BAE47D8D2}" destId="{F20D0B7D-2E9F-4EF4-B2CD-F1D85500CB77}" srcOrd="0" destOrd="0" parTransId="{35C56D55-4FCE-453C-9A8B-A9C97EC44426}" sibTransId="{25E82E7A-FC3B-4978-B09B-046DC46BCD00}"/>
-    <dgm:cxn modelId="{BDE014D2-358C-41F4-A5DF-DB3A09A1B35C}" type="presOf" srcId="{77DB6310-60C0-4D5B-9A05-98BD159DB3E2}" destId="{D10A43FE-BAF1-443A-992B-F37A4280F90D}" srcOrd="0" destOrd="0" presId="urn:microsoft.com/office/officeart/2005/8/layout/vList2"/>
-    <dgm:cxn modelId="{F09336E8-67DB-4331-9DE0-C90A8CCB8BFC}" srcId="{2A3DA79F-081F-4BB4-82F9-E03BAE47D8D2}" destId="{77DB6310-60C0-4D5B-9A05-98BD159DB3E2}" srcOrd="4" destOrd="0" parTransId="{C500CE22-4C6C-4E7E-8F1D-F1B545CCDC31}" sibTransId="{5F1D1FDE-8F80-4901-8EA6-82ACABCE8AFB}"/>
-    <dgm:cxn modelId="{2C5087FA-F5EC-4AA8-930E-F0CC7CCCE4FF}" type="presOf" srcId="{2A3DA79F-081F-4BB4-82F9-E03BAE47D8D2}" destId="{824FE574-F00E-474C-A1E5-D086946412AB}" srcOrd="0" destOrd="0" presId="urn:microsoft.com/office/officeart/2005/8/layout/vList2"/>
-    <dgm:cxn modelId="{57232A29-E82D-4C1C-992C-252EEBC160B8}" type="presParOf" srcId="{824FE574-F00E-474C-A1E5-D086946412AB}" destId="{5E0DFB31-934A-4FB8-A74D-73F46FF3E403}" srcOrd="0" destOrd="0" presId="urn:microsoft.com/office/officeart/2005/8/layout/vList2"/>
-    <dgm:cxn modelId="{2E1295EA-DE7E-4F41-ABE5-D52AEE888F50}" type="presParOf" srcId="{824FE574-F00E-474C-A1E5-D086946412AB}" destId="{BC060705-595B-4358-887A-BDE2B0C187BB}" srcOrd="1" destOrd="0" presId="urn:microsoft.com/office/officeart/2005/8/layout/vList2"/>
-    <dgm:cxn modelId="{713AEE4C-903C-4525-A065-B5724997B0EE}" type="presParOf" srcId="{824FE574-F00E-474C-A1E5-D086946412AB}" destId="{2AB74277-D8F9-40AC-9B70-4FCE7166EEF2}" srcOrd="2" destOrd="0" presId="urn:microsoft.com/office/officeart/2005/8/layout/vList2"/>
-    <dgm:cxn modelId="{1A241257-9C68-4843-8066-B7DA9F7F194E}" type="presParOf" srcId="{824FE574-F00E-474C-A1E5-D086946412AB}" destId="{5F84373D-F39E-44AD-93A0-9971CB048EFD}" srcOrd="3" destOrd="0" presId="urn:microsoft.com/office/officeart/2005/8/layout/vList2"/>
-    <dgm:cxn modelId="{F8E6E8C2-5FA7-4B14-8E32-F65EECB95B93}" type="presParOf" srcId="{824FE574-F00E-474C-A1E5-D086946412AB}" destId="{4F59D3DF-AA68-489C-912A-440351A907C2}" srcOrd="4" destOrd="0" presId="urn:microsoft.com/office/officeart/2005/8/layout/vList2"/>
-    <dgm:cxn modelId="{0677188F-48D9-499F-B0BA-24429B5D4727}" type="presParOf" srcId="{824FE574-F00E-474C-A1E5-D086946412AB}" destId="{5A2F7D48-BCA5-4A67-98F4-0A155A2363A8}" srcOrd="5" destOrd="0" presId="urn:microsoft.com/office/officeart/2005/8/layout/vList2"/>
-    <dgm:cxn modelId="{CF133278-E46C-468F-900A-B4326D7A1DE0}" type="presParOf" srcId="{824FE574-F00E-474C-A1E5-D086946412AB}" destId="{E1B2A08A-9B1D-49B3-A8C5-9F51B621A425}" srcOrd="6" destOrd="0" presId="urn:microsoft.com/office/officeart/2005/8/layout/vList2"/>
-    <dgm:cxn modelId="{E1F81038-BE93-4356-8073-B178CFBB5908}" type="presParOf" srcId="{824FE574-F00E-474C-A1E5-D086946412AB}" destId="{D554EFA2-D10B-4E24-8C8A-9AC51F8C8081}" srcOrd="7" destOrd="0" presId="urn:microsoft.com/office/officeart/2005/8/layout/vList2"/>
-    <dgm:cxn modelId="{C6624DB9-1BA0-4863-913B-CBABCF367A84}" type="presParOf" srcId="{824FE574-F00E-474C-A1E5-D086946412AB}" destId="{D10A43FE-BAF1-443A-992B-F37A4280F90D}" srcOrd="8" destOrd="0" presId="urn:microsoft.com/office/officeart/2005/8/layout/vList2"/>
+    <dgm:cxn modelId="{B10EBC44-ED9D-484E-905C-639DF4DB8770}" type="presOf" srcId="{5DAAB91C-F98F-4BAB-BF19-5AFE8A3ED89E}" destId="{AA6E8ACD-E55B-44A0-AE74-E05C0E19A9E3}" srcOrd="0" destOrd="0" presId="urn:microsoft.com/office/officeart/2018/2/layout/IconLabelList"/>
+    <dgm:cxn modelId="{0B31A76F-9146-493E-9AB0-E998E51F22F8}" type="presOf" srcId="{3C169601-4DD0-4D45-BB65-9EF49B493517}" destId="{45CBE554-EC93-4AEE-AF31-990F7E0285B2}" srcOrd="0" destOrd="0" presId="urn:microsoft.com/office/officeart/2018/2/layout/IconLabelList"/>
+    <dgm:cxn modelId="{9402BB98-C186-46F4-AF97-092B6FCB4F5F}" srcId="{5DAAB91C-F98F-4BAB-BF19-5AFE8A3ED89E}" destId="{3C169601-4DD0-4D45-BB65-9EF49B493517}" srcOrd="0" destOrd="0" parTransId="{4729C9C8-84A2-416B-BD67-117FA2E7D1E8}" sibTransId="{E582E987-B057-44DB-8035-11276641CC2D}"/>
+    <dgm:cxn modelId="{08D2C19C-6ED5-4398-AA8B-263E47B7E165}" type="presOf" srcId="{72D62514-DFCB-4B93-9F56-084C62418BA9}" destId="{6453218F-451F-403C-9C9D-0B8B07344DF3}" srcOrd="0" destOrd="0" presId="urn:microsoft.com/office/officeart/2018/2/layout/IconLabelList"/>
+    <dgm:cxn modelId="{E58B3BAA-F153-4213-B3D7-926C840D7947}" srcId="{5DAAB91C-F98F-4BAB-BF19-5AFE8A3ED89E}" destId="{72D62514-DFCB-4B93-9F56-084C62418BA9}" srcOrd="1" destOrd="0" parTransId="{D5C79717-6218-4078-8FCC-69B89D2DA9FE}" sibTransId="{D953FA2C-6B70-4826-8966-AF0FDB078C31}"/>
+    <dgm:cxn modelId="{B6ADC6C8-ADCD-496F-91FC-5FBA0C471C2D}" type="presParOf" srcId="{AA6E8ACD-E55B-44A0-AE74-E05C0E19A9E3}" destId="{5FFF38FE-38DA-4390-A592-ACA38D1F3A75}" srcOrd="0" destOrd="0" presId="urn:microsoft.com/office/officeart/2018/2/layout/IconLabelList"/>
+    <dgm:cxn modelId="{4129015E-ABD1-437C-891A-0F7A86EF911B}" type="presParOf" srcId="{5FFF38FE-38DA-4390-A592-ACA38D1F3A75}" destId="{E4F1A3F3-8404-487C-986C-1A48D8A4BB03}" srcOrd="0" destOrd="0" presId="urn:microsoft.com/office/officeart/2018/2/layout/IconLabelList"/>
+    <dgm:cxn modelId="{232DEB8A-CB6D-4DB5-B2B5-175CAFFABEB0}" type="presParOf" srcId="{5FFF38FE-38DA-4390-A592-ACA38D1F3A75}" destId="{1B7E86C9-B541-430F-9C34-3DB8D0CDF8E3}" srcOrd="1" destOrd="0" presId="urn:microsoft.com/office/officeart/2018/2/layout/IconLabelList"/>
+    <dgm:cxn modelId="{BF921537-AE6D-4927-A01E-0C74CB3D3348}" type="presParOf" srcId="{5FFF38FE-38DA-4390-A592-ACA38D1F3A75}" destId="{45CBE554-EC93-4AEE-AF31-990F7E0285B2}" srcOrd="2" destOrd="0" presId="urn:microsoft.com/office/officeart/2018/2/layout/IconLabelList"/>
+    <dgm:cxn modelId="{0F714509-3A84-4AAB-BEF7-92EF95A377B1}" type="presParOf" srcId="{AA6E8ACD-E55B-44A0-AE74-E05C0E19A9E3}" destId="{EB9E1D63-4460-4DC6-88AF-0C25F1B0F4D4}" srcOrd="1" destOrd="0" presId="urn:microsoft.com/office/officeart/2018/2/layout/IconLabelList"/>
+    <dgm:cxn modelId="{D463DD96-988B-42F2-BF3A-5370B438303F}" type="presParOf" srcId="{AA6E8ACD-E55B-44A0-AE74-E05C0E19A9E3}" destId="{58886B68-9693-41EE-81C5-4D5EBD9487B6}" srcOrd="2" destOrd="0" presId="urn:microsoft.com/office/officeart/2018/2/layout/IconLabelList"/>
+    <dgm:cxn modelId="{4224B761-CF4B-4292-972A-312C7898AFED}" type="presParOf" srcId="{58886B68-9693-41EE-81C5-4D5EBD9487B6}" destId="{A7A0AFA3-84C8-43D2-81A8-3F28C112BDE9}" srcOrd="0" destOrd="0" presId="urn:microsoft.com/office/officeart/2018/2/layout/IconLabelList"/>
+    <dgm:cxn modelId="{A79ACCD0-729D-48F6-8F43-4E383D6EA126}" type="presParOf" srcId="{58886B68-9693-41EE-81C5-4D5EBD9487B6}" destId="{FA362CDB-DFE4-4B80-BBB4-9D9B5E2CC171}" srcOrd="1" destOrd="0" presId="urn:microsoft.com/office/officeart/2018/2/layout/IconLabelList"/>
+    <dgm:cxn modelId="{ADF26CCE-4777-4F9D-A616-1AE687477FBC}" type="presParOf" srcId="{58886B68-9693-41EE-81C5-4D5EBD9487B6}" destId="{6453218F-451F-403C-9C9D-0B8B07344DF3}" srcOrd="2" destOrd="0" presId="urn:microsoft.com/office/officeart/2018/2/layout/IconLabelList"/>
   </dgm:cxnLst>
   <dgm:bg/>
   <dgm:whole/>
   <dgm:extLst>
     <a:ext uri="http://schemas.microsoft.com/office/drawing/2008/diagram">
-      <dsp:dataModelExt xmlns:dsp="http://schemas.microsoft.com/office/drawing/2008/diagram" relId="rId7" minVer="http://schemas.openxmlformats.org/drawingml/2006/diagram"/>
+      <dsp:dataModelExt xmlns:dsp="http://schemas.microsoft.com/office/drawing/2008/diagram" relId="rId6" minVer="http://schemas.openxmlformats.org/drawingml/2006/diagram"/>
     </a:ext>
   </dgm:extLst>
 </dgm:dataModel>
@@ -2634,27 +3178,35 @@
       <dsp:cNvGrpSpPr/>
     </dsp:nvGrpSpPr>
     <dsp:grpSpPr/>
-    <dsp:sp modelId="{5E0DFB31-934A-4FB8-A74D-73F46FF3E403}">
+    <dsp:sp modelId="{E4F1A3F3-8404-487C-986C-1A48D8A4BB03}">
       <dsp:nvSpPr>
         <dsp:cNvPr id="0" name=""/>
         <dsp:cNvSpPr/>
       </dsp:nvSpPr>
       <dsp:spPr>
         <a:xfrm>
-          <a:off x="0" y="36091"/>
-          <a:ext cx="10515600" cy="716040"/>
+          <a:off x="868252" y="607227"/>
+          <a:ext cx="1412437" cy="1412437"/>
         </a:xfrm>
-        <a:prstGeom prst="roundRect">
+        <a:prstGeom prst="rect">
           <a:avLst/>
         </a:prstGeom>
-        <a:solidFill>
-          <a:schemeClr val="accent1">
-            <a:hueOff val="0"/>
-            <a:satOff val="0"/>
-            <a:lumOff val="0"/>
-            <a:alphaOff val="0"/>
-          </a:schemeClr>
-        </a:solidFill>
+        <a:blipFill>
+          <a:blip xmlns:r="http://schemas.openxmlformats.org/officeDocument/2006/relationships" r:embed="rId1">
+            <a:extLst>
+              <a:ext uri="{28A0092B-C50C-407E-A947-70E740481C1C}">
+                <a14:useLocalDpi xmlns:a14="http://schemas.microsoft.com/office/drawing/2010/main" val="0"/>
+              </a:ext>
+              <a:ext uri="{837473B0-CC2E-450A-ABE3-18F120FF3D39}">
+                <a1611:picAttrSrcUrl xmlns:a1611="http://schemas.microsoft.com/office/drawing/2016/11/main" r:id="rId2"/>
+              </a:ext>
+            </a:extLst>
+          </a:blip>
+          <a:srcRect/>
+          <a:stretch>
+            <a:fillRect/>
+          </a:stretch>
+        </a:blipFill>
         <a:ln w="12700" cap="flat" cmpd="sng" algn="ctr">
           <a:solidFill>
             <a:schemeClr val="lt1">
@@ -2683,15 +3235,47 @@
           <a:schemeClr val="lt1"/>
         </a:fontRef>
       </dsp:style>
+    </dsp:sp>
+    <dsp:sp modelId="{45CBE554-EC93-4AEE-AF31-990F7E0285B2}">
+      <dsp:nvSpPr>
+        <dsp:cNvPr id="0" name=""/>
+        <dsp:cNvSpPr/>
+      </dsp:nvSpPr>
+      <dsp:spPr>
+        <a:xfrm>
+          <a:off x="174180" y="2409495"/>
+          <a:ext cx="3138750" cy="1395000"/>
+        </a:xfrm>
+        <a:prstGeom prst="rect">
+          <a:avLst/>
+        </a:prstGeom>
+        <a:noFill/>
+        <a:ln>
+          <a:noFill/>
+        </a:ln>
+        <a:effectLst/>
+      </dsp:spPr>
+      <dsp:style>
+        <a:lnRef idx="0">
+          <a:scrgbClr r="0" g="0" b="0"/>
+        </a:lnRef>
+        <a:fillRef idx="0">
+          <a:scrgbClr r="0" g="0" b="0"/>
+        </a:fillRef>
+        <a:effectRef idx="0">
+          <a:scrgbClr r="0" g="0" b="0"/>
+        </a:effectRef>
+        <a:fontRef idx="minor"/>
+      </dsp:style>
       <dsp:txBody>
-        <a:bodyPr spcFirstLastPara="0" vert="horz" wrap="square" lIns="68580" tIns="68580" rIns="68580" bIns="68580" numCol="1" spcCol="1270" anchor="ctr" anchorCtr="0">
+        <a:bodyPr spcFirstLastPara="0" vert="horz" wrap="square" lIns="0" tIns="0" rIns="0" bIns="0" numCol="1" spcCol="1270" anchor="t" anchorCtr="0">
           <a:noAutofit/>
         </a:bodyPr>
         <a:lstStyle/>
         <a:p>
-          <a:pPr marL="0" lvl="0" indent="0" algn="l" defTabSz="800100">
+          <a:pPr marL="0" lvl="0" indent="0" algn="ctr" defTabSz="800100">
             <a:lnSpc>
-              <a:spcPct val="90000"/>
+              <a:spcPct val="100000"/>
             </a:lnSpc>
             <a:spcBef>
               <a:spcPct val="0"/>
@@ -2702,38 +3286,47 @@
             <a:buNone/>
           </a:pPr>
           <a:r>
-            <a:rPr lang="en-CA" sz="1800" kern="1200"/>
-            <a:t>A1: Pre-classification calculation, image processing (image flattening, data standardization etc.) is performed by supporting libraries</a:t>
+            <a:rPr lang="en-CA" sz="1800" b="1" kern="1200" dirty="0" err="1"/>
+            <a:t>CircleCI</a:t>
           </a:r>
-          <a:endParaRPr lang="en-US" sz="1800" kern="1200"/>
+          <a:r>
+            <a:rPr lang="en-CA" sz="1800" kern="1200" dirty="0"/>
+            <a:t> – Free (mostly) GitHub integrated CI tool that runs automated tests after each commit, in a Docker image.</a:t>
+          </a:r>
+          <a:endParaRPr lang="en-US" sz="1800" kern="1200" dirty="0"/>
         </a:p>
       </dsp:txBody>
       <dsp:txXfrm>
-        <a:off x="34954" y="71045"/>
-        <a:ext cx="10445692" cy="646132"/>
+        <a:off x="174180" y="2409495"/>
+        <a:ext cx="3138750" cy="1395000"/>
       </dsp:txXfrm>
     </dsp:sp>
-    <dsp:sp modelId="{2AB74277-D8F9-40AC-9B70-4FCE7166EEF2}">
+    <dsp:sp modelId="{A7A0AFA3-84C8-43D2-81A8-3F28C112BDE9}">
       <dsp:nvSpPr>
         <dsp:cNvPr id="0" name=""/>
         <dsp:cNvSpPr/>
       </dsp:nvSpPr>
       <dsp:spPr>
         <a:xfrm>
-          <a:off x="0" y="803971"/>
-          <a:ext cx="10515600" cy="716040"/>
+          <a:off x="4556283" y="607227"/>
+          <a:ext cx="1412437" cy="1412437"/>
         </a:xfrm>
-        <a:prstGeom prst="roundRect">
+        <a:prstGeom prst="rect">
           <a:avLst/>
         </a:prstGeom>
-        <a:solidFill>
-          <a:schemeClr val="accent1">
-            <a:hueOff val="0"/>
-            <a:satOff val="0"/>
-            <a:lumOff val="0"/>
-            <a:alphaOff val="0"/>
-          </a:schemeClr>
-        </a:solidFill>
+        <a:blipFill>
+          <a:blip xmlns:r="http://schemas.openxmlformats.org/officeDocument/2006/relationships" r:embed="rId3">
+            <a:extLst>
+              <a:ext uri="{96DAC541-7B7A-43D3-8B79-37D633B846F1}">
+                <asvg:svgBlip xmlns:asvg="http://schemas.microsoft.com/office/drawing/2016/SVG/main" r:embed="rId4"/>
+              </a:ext>
+            </a:extLst>
+          </a:blip>
+          <a:srcRect/>
+          <a:stretch>
+            <a:fillRect/>
+          </a:stretch>
+        </a:blipFill>
         <a:ln w="12700" cap="flat" cmpd="sng" algn="ctr">
           <a:solidFill>
             <a:schemeClr val="lt1">
@@ -2762,15 +3355,47 @@
           <a:schemeClr val="lt1"/>
         </a:fontRef>
       </dsp:style>
+    </dsp:sp>
+    <dsp:sp modelId="{6453218F-451F-403C-9C9D-0B8B07344DF3}">
+      <dsp:nvSpPr>
+        <dsp:cNvPr id="0" name=""/>
+        <dsp:cNvSpPr/>
+      </dsp:nvSpPr>
+      <dsp:spPr>
+        <a:xfrm>
+          <a:off x="3693127" y="2515166"/>
+          <a:ext cx="3138750" cy="1395000"/>
+        </a:xfrm>
+        <a:prstGeom prst="rect">
+          <a:avLst/>
+        </a:prstGeom>
+        <a:noFill/>
+        <a:ln>
+          <a:noFill/>
+        </a:ln>
+        <a:effectLst/>
+      </dsp:spPr>
+      <dsp:style>
+        <a:lnRef idx="0">
+          <a:scrgbClr r="0" g="0" b="0"/>
+        </a:lnRef>
+        <a:fillRef idx="0">
+          <a:scrgbClr r="0" g="0" b="0"/>
+        </a:fillRef>
+        <a:effectRef idx="0">
+          <a:scrgbClr r="0" g="0" b="0"/>
+        </a:effectRef>
+        <a:fontRef idx="minor"/>
+      </dsp:style>
       <dsp:txBody>
-        <a:bodyPr spcFirstLastPara="0" vert="horz" wrap="square" lIns="68580" tIns="68580" rIns="68580" bIns="68580" numCol="1" spcCol="1270" anchor="ctr" anchorCtr="0">
+        <a:bodyPr spcFirstLastPara="0" vert="horz" wrap="square" lIns="0" tIns="0" rIns="0" bIns="0" numCol="1" spcCol="1270" anchor="t" anchorCtr="0">
           <a:noAutofit/>
         </a:bodyPr>
         <a:lstStyle/>
         <a:p>
-          <a:pPr marL="0" lvl="0" indent="0" algn="l" defTabSz="800100">
+          <a:pPr marL="0" lvl="0" indent="0" algn="ctr" defTabSz="800100">
             <a:lnSpc>
-              <a:spcPct val="90000"/>
+              <a:spcPct val="100000"/>
             </a:lnSpc>
             <a:spcBef>
               <a:spcPct val="0"/>
@@ -2781,252 +3406,27 @@
             <a:buNone/>
           </a:pPr>
           <a:r>
-            <a:rPr lang="en-CA" sz="1800" kern="1200"/>
-            <a:t>A2: If the computed confidence of the output is less than 50% the program will return a “No Confidence” output</a:t>
+            <a:rPr lang="en-CA" sz="1800" b="1" kern="1200" dirty="0"/>
+            <a:t>Flake8</a:t>
           </a:r>
-          <a:endParaRPr lang="en-US" sz="1800" kern="1200"/>
-        </a:p>
-      </dsp:txBody>
-      <dsp:txXfrm>
-        <a:off x="34954" y="838925"/>
-        <a:ext cx="10445692" cy="646132"/>
-      </dsp:txXfrm>
-    </dsp:sp>
-    <dsp:sp modelId="{4F59D3DF-AA68-489C-912A-440351A907C2}">
-      <dsp:nvSpPr>
-        <dsp:cNvPr id="0" name=""/>
-        <dsp:cNvSpPr/>
-      </dsp:nvSpPr>
-      <dsp:spPr>
-        <a:xfrm>
-          <a:off x="0" y="1571851"/>
-          <a:ext cx="10515600" cy="716040"/>
-        </a:xfrm>
-        <a:prstGeom prst="roundRect">
-          <a:avLst/>
-        </a:prstGeom>
-        <a:solidFill>
-          <a:schemeClr val="accent1">
-            <a:hueOff val="0"/>
-            <a:satOff val="0"/>
-            <a:lumOff val="0"/>
-            <a:alphaOff val="0"/>
-          </a:schemeClr>
-        </a:solidFill>
-        <a:ln w="12700" cap="flat" cmpd="sng" algn="ctr">
-          <a:solidFill>
-            <a:schemeClr val="lt1">
-              <a:hueOff val="0"/>
-              <a:satOff val="0"/>
-              <a:lumOff val="0"/>
-              <a:alphaOff val="0"/>
-            </a:schemeClr>
-          </a:solidFill>
-          <a:prstDash val="solid"/>
-          <a:miter lim="800000"/>
-        </a:ln>
-        <a:effectLst/>
-      </dsp:spPr>
-      <dsp:style>
-        <a:lnRef idx="2">
-          <a:scrgbClr r="0" g="0" b="0"/>
-        </a:lnRef>
-        <a:fillRef idx="1">
-          <a:scrgbClr r="0" g="0" b="0"/>
-        </a:fillRef>
-        <a:effectRef idx="0">
-          <a:scrgbClr r="0" g="0" b="0"/>
-        </a:effectRef>
-        <a:fontRef idx="minor">
-          <a:schemeClr val="lt1"/>
-        </a:fontRef>
-      </dsp:style>
-      <dsp:txBody>
-        <a:bodyPr spcFirstLastPara="0" vert="horz" wrap="square" lIns="68580" tIns="68580" rIns="68580" bIns="68580" numCol="1" spcCol="1270" anchor="ctr" anchorCtr="0">
-          <a:noAutofit/>
-        </a:bodyPr>
-        <a:lstStyle/>
-        <a:p>
-          <a:pPr marL="0" lvl="0" indent="0" algn="l" defTabSz="800100">
-            <a:lnSpc>
-              <a:spcPct val="90000"/>
-            </a:lnSpc>
-            <a:spcBef>
-              <a:spcPct val="0"/>
-            </a:spcBef>
-            <a:spcAft>
-              <a:spcPct val="35000"/>
-            </a:spcAft>
-            <a:buNone/>
-          </a:pPr>
           <a:r>
             <a:rPr lang="en-CA" sz="1800" kern="1200" dirty="0"/>
-            <a:t>A3: The dataset for training will only contain labels of capital letter characters, and an even spread of every label to be trained.</a:t>
+            <a:t> – Linter, through </a:t>
+          </a:r>
+          <a:r>
+            <a:rPr lang="en-CA" sz="1800" kern="1200" dirty="0" err="1"/>
+            <a:t>VSCode</a:t>
+          </a:r>
+          <a:r>
+            <a:rPr lang="en-CA" sz="1800" kern="1200" dirty="0"/>
+            <a:t> Extension</a:t>
           </a:r>
           <a:endParaRPr lang="en-US" sz="1800" kern="1200" dirty="0"/>
         </a:p>
       </dsp:txBody>
       <dsp:txXfrm>
-        <a:off x="34954" y="1606805"/>
-        <a:ext cx="10445692" cy="646132"/>
-      </dsp:txXfrm>
-    </dsp:sp>
-    <dsp:sp modelId="{E1B2A08A-9B1D-49B3-A8C5-9F51B621A425}">
-      <dsp:nvSpPr>
-        <dsp:cNvPr id="0" name=""/>
-        <dsp:cNvSpPr/>
-      </dsp:nvSpPr>
-      <dsp:spPr>
-        <a:xfrm>
-          <a:off x="0" y="2339731"/>
-          <a:ext cx="10515600" cy="716040"/>
-        </a:xfrm>
-        <a:prstGeom prst="roundRect">
-          <a:avLst/>
-        </a:prstGeom>
-        <a:solidFill>
-          <a:schemeClr val="accent1">
-            <a:hueOff val="0"/>
-            <a:satOff val="0"/>
-            <a:lumOff val="0"/>
-            <a:alphaOff val="0"/>
-          </a:schemeClr>
-        </a:solidFill>
-        <a:ln w="12700" cap="flat" cmpd="sng" algn="ctr">
-          <a:solidFill>
-            <a:schemeClr val="lt1">
-              <a:hueOff val="0"/>
-              <a:satOff val="0"/>
-              <a:lumOff val="0"/>
-              <a:alphaOff val="0"/>
-            </a:schemeClr>
-          </a:solidFill>
-          <a:prstDash val="solid"/>
-          <a:miter lim="800000"/>
-        </a:ln>
-        <a:effectLst/>
-      </dsp:spPr>
-      <dsp:style>
-        <a:lnRef idx="2">
-          <a:scrgbClr r="0" g="0" b="0"/>
-        </a:lnRef>
-        <a:fillRef idx="1">
-          <a:scrgbClr r="0" g="0" b="0"/>
-        </a:fillRef>
-        <a:effectRef idx="0">
-          <a:scrgbClr r="0" g="0" b="0"/>
-        </a:effectRef>
-        <a:fontRef idx="minor">
-          <a:schemeClr val="lt1"/>
-        </a:fontRef>
-      </dsp:style>
-      <dsp:txBody>
-        <a:bodyPr spcFirstLastPara="0" vert="horz" wrap="square" lIns="68580" tIns="68580" rIns="68580" bIns="68580" numCol="1" spcCol="1270" anchor="ctr" anchorCtr="0">
-          <a:noAutofit/>
-        </a:bodyPr>
-        <a:lstStyle/>
-        <a:p>
-          <a:pPr marL="0" lvl="0" indent="0" algn="l" defTabSz="800100">
-            <a:lnSpc>
-              <a:spcPct val="90000"/>
-            </a:lnSpc>
-            <a:spcBef>
-              <a:spcPct val="0"/>
-            </a:spcBef>
-            <a:spcAft>
-              <a:spcPct val="35000"/>
-            </a:spcAft>
-            <a:buNone/>
-          </a:pPr>
-          <a:r>
-            <a:rPr lang="en-CA" sz="1800" kern="1200"/>
-            <a:t>A4: Test input images will be in the form of .jpeg files.</a:t>
-          </a:r>
-          <a:endParaRPr lang="en-US" sz="1800" kern="1200"/>
-        </a:p>
-      </dsp:txBody>
-      <dsp:txXfrm>
-        <a:off x="34954" y="2374685"/>
-        <a:ext cx="10445692" cy="646132"/>
-      </dsp:txXfrm>
-    </dsp:sp>
-    <dsp:sp modelId="{D10A43FE-BAF1-443A-992B-F37A4280F90D}">
-      <dsp:nvSpPr>
-        <dsp:cNvPr id="0" name=""/>
-        <dsp:cNvSpPr/>
-      </dsp:nvSpPr>
-      <dsp:spPr>
-        <a:xfrm>
-          <a:off x="0" y="3107610"/>
-          <a:ext cx="10515600" cy="716040"/>
-        </a:xfrm>
-        <a:prstGeom prst="roundRect">
-          <a:avLst/>
-        </a:prstGeom>
-        <a:solidFill>
-          <a:schemeClr val="accent1">
-            <a:hueOff val="0"/>
-            <a:satOff val="0"/>
-            <a:lumOff val="0"/>
-            <a:alphaOff val="0"/>
-          </a:schemeClr>
-        </a:solidFill>
-        <a:ln w="12700" cap="flat" cmpd="sng" algn="ctr">
-          <a:solidFill>
-            <a:schemeClr val="lt1">
-              <a:hueOff val="0"/>
-              <a:satOff val="0"/>
-              <a:lumOff val="0"/>
-              <a:alphaOff val="0"/>
-            </a:schemeClr>
-          </a:solidFill>
-          <a:prstDash val="solid"/>
-          <a:miter lim="800000"/>
-        </a:ln>
-        <a:effectLst/>
-      </dsp:spPr>
-      <dsp:style>
-        <a:lnRef idx="2">
-          <a:scrgbClr r="0" g="0" b="0"/>
-        </a:lnRef>
-        <a:fillRef idx="1">
-          <a:scrgbClr r="0" g="0" b="0"/>
-        </a:fillRef>
-        <a:effectRef idx="0">
-          <a:scrgbClr r="0" g="0" b="0"/>
-        </a:effectRef>
-        <a:fontRef idx="minor">
-          <a:schemeClr val="lt1"/>
-        </a:fontRef>
-      </dsp:style>
-      <dsp:txBody>
-        <a:bodyPr spcFirstLastPara="0" vert="horz" wrap="square" lIns="68580" tIns="68580" rIns="68580" bIns="68580" numCol="1" spcCol="1270" anchor="ctr" anchorCtr="0">
-          <a:noAutofit/>
-        </a:bodyPr>
-        <a:lstStyle/>
-        <a:p>
-          <a:pPr marL="0" lvl="0" indent="0" algn="l" defTabSz="800100">
-            <a:lnSpc>
-              <a:spcPct val="90000"/>
-            </a:lnSpc>
-            <a:spcBef>
-              <a:spcPct val="0"/>
-            </a:spcBef>
-            <a:spcAft>
-              <a:spcPct val="35000"/>
-            </a:spcAft>
-            <a:buNone/>
-          </a:pPr>
-          <a:r>
-            <a:rPr lang="en-CA" sz="1800" kern="1200"/>
-            <a:t>A5: The program will be built in python for access to useful supporting libraries, and for convenience</a:t>
-          </a:r>
-          <a:endParaRPr lang="en-US" sz="1800" kern="1200"/>
-        </a:p>
-      </dsp:txBody>
-      <dsp:txXfrm>
-        <a:off x="34954" y="3142564"/>
-        <a:ext cx="10445692" cy="646132"/>
+        <a:off x="3693127" y="2515166"/>
+        <a:ext cx="3138750" cy="1395000"/>
       </dsp:txXfrm>
     </dsp:sp>
   </dsp:spTree>
@@ -3034,169 +3434,192 @@
 </file>
 
 <file path=ppt/diagrams/layout1.xml><?xml version="1.0" encoding="utf-8"?>
-<dgm:layoutDef xmlns:dgm="http://schemas.openxmlformats.org/drawingml/2006/diagram" xmlns:a="http://schemas.openxmlformats.org/drawingml/2006/main" uniqueId="urn:microsoft.com/office/officeart/2005/8/layout/vList2">
-  <dgm:title val=""/>
-  <dgm:desc val=""/>
+<dgm:layoutDef xmlns:dgm="http://schemas.openxmlformats.org/drawingml/2006/diagram" xmlns:a="http://schemas.openxmlformats.org/drawingml/2006/main" uniqueId="urn:microsoft.com/office/officeart/2018/2/layout/IconLabelList">
+  <dgm:title val="Icon Label List"/>
+  <dgm:desc val="Use to show non-sequential or grouped chunks of information accompanied by a related visuals. Works best with icons or small pictures with short text captions."/>
   <dgm:catLst>
-    <dgm:cat type="list" pri="3000"/>
-    <dgm:cat type="convert" pri="1000"/>
+    <dgm:cat type="icon" pri="500"/>
   </dgm:catLst>
-  <dgm:sampData>
+  <dgm:sampData useDef="1">
     <dgm:dataModel>
-      <dgm:ptLst>
-        <dgm:pt modelId="0" type="doc"/>
-        <dgm:pt modelId="1">
-          <dgm:prSet phldr="1"/>
-        </dgm:pt>
-        <dgm:pt modelId="11">
-          <dgm:prSet phldr="1"/>
-        </dgm:pt>
-        <dgm:pt modelId="2">
-          <dgm:prSet phldr="1"/>
-        </dgm:pt>
-        <dgm:pt modelId="21">
-          <dgm:prSet phldr="1"/>
-        </dgm:pt>
-      </dgm:ptLst>
-      <dgm:cxnLst>
-        <dgm:cxn modelId="4" srcId="0" destId="1" srcOrd="0" destOrd="0"/>
-        <dgm:cxn modelId="5" srcId="0" destId="2" srcOrd="1" destOrd="0"/>
-        <dgm:cxn modelId="12" srcId="1" destId="11" srcOrd="0" destOrd="0"/>
-        <dgm:cxn modelId="23" srcId="2" destId="21" srcOrd="0" destOrd="0"/>
-      </dgm:cxnLst>
+      <dgm:ptLst/>
       <dgm:bg/>
       <dgm:whole/>
     </dgm:dataModel>
   </dgm:sampData>
-  <dgm:styleData>
+  <dgm:styleData useDef="1">
     <dgm:dataModel>
-      <dgm:ptLst>
-        <dgm:pt modelId="0" type="doc"/>
-        <dgm:pt modelId="1"/>
-        <dgm:pt modelId="2"/>
-      </dgm:ptLst>
-      <dgm:cxnLst>
-        <dgm:cxn modelId="3" srcId="0" destId="1" srcOrd="0" destOrd="0"/>
-        <dgm:cxn modelId="4" srcId="0" destId="2" srcOrd="1" destOrd="0"/>
-      </dgm:cxnLst>
+      <dgm:ptLst/>
       <dgm:bg/>
       <dgm:whole/>
     </dgm:dataModel>
   </dgm:styleData>
-  <dgm:clrData>
+  <dgm:clrData useDef="1">
     <dgm:dataModel>
-      <dgm:ptLst>
-        <dgm:pt modelId="0" type="doc"/>
-        <dgm:pt modelId="1"/>
-        <dgm:pt modelId="2"/>
-        <dgm:pt modelId="3"/>
-        <dgm:pt modelId="4"/>
-      </dgm:ptLst>
-      <dgm:cxnLst>
-        <dgm:cxn modelId="5" srcId="0" destId="1" srcOrd="0" destOrd="0"/>
-        <dgm:cxn modelId="6" srcId="0" destId="2" srcOrd="1" destOrd="0"/>
-        <dgm:cxn modelId="7" srcId="0" destId="3" srcOrd="2" destOrd="0"/>
-        <dgm:cxn modelId="8" srcId="0" destId="4" srcOrd="3" destOrd="0"/>
-      </dgm:cxnLst>
+      <dgm:ptLst/>
       <dgm:bg/>
       <dgm:whole/>
     </dgm:dataModel>
   </dgm:clrData>
-  <dgm:layoutNode name="linear">
+  <dgm:layoutNode name="root">
     <dgm:varLst>
-      <dgm:animLvl val="lvl"/>
+      <dgm:dir/>
       <dgm:resizeHandles val="exact"/>
     </dgm:varLst>
-    <dgm:alg type="lin">
-      <dgm:param type="linDir" val="fromT"/>
-      <dgm:param type="vertAlign" val="mid"/>
-    </dgm:alg>
+    <dgm:choose name="Name0">
+      <dgm:if name="Name1" axis="self" func="var" arg="dir" op="equ" val="norm">
+        <dgm:alg type="snake">
+          <dgm:param type="grDir" val="tL"/>
+          <dgm:param type="flowDir" val="row"/>
+          <dgm:param type="contDir" val="sameDir"/>
+          <dgm:param type="off" val="ctr"/>
+          <dgm:param type="vertAlign" val="mid"/>
+          <dgm:param type="horzAlign" val="ctr"/>
+        </dgm:alg>
+      </dgm:if>
+      <dgm:else name="Name2">
+        <dgm:alg type="snake">
+          <dgm:param type="grDir" val="tR"/>
+          <dgm:param type="flowDir" val="row"/>
+          <dgm:param type="contDir" val="sameDir"/>
+          <dgm:param type="off" val="ctr"/>
+          <dgm:param type="vertAlign" val="mid"/>
+          <dgm:param type="horzAlign" val="ctr"/>
+        </dgm:alg>
+      </dgm:else>
+    </dgm:choose>
     <dgm:shape xmlns:r="http://schemas.openxmlformats.org/officeDocument/2006/relationships" r:blip="">
       <dgm:adjLst/>
     </dgm:shape>
     <dgm:presOf/>
-    <dgm:constrLst>
-      <dgm:constr type="w" for="ch" forName="parentText" refType="w"/>
-      <dgm:constr type="h" for="ch" forName="parentText" refType="primFontSz" refFor="ch" refForName="parentText" fact="0.52"/>
-      <dgm:constr type="w" for="ch" forName="childText" refType="w"/>
-      <dgm:constr type="h" for="ch" forName="childText" refType="primFontSz" refFor="ch" refForName="parentText" fact="0.46"/>
-      <dgm:constr type="h" for="ch" forName="parentText" op="equ"/>
-      <dgm:constr type="primFontSz" for="ch" forName="parentText" op="equ" val="65"/>
-      <dgm:constr type="primFontSz" for="ch" forName="childText" refType="primFontSz" refFor="ch" refForName="parentText" op="equ"/>
-      <dgm:constr type="h" for="ch" forName="spacer" refType="primFontSz" refFor="ch" refForName="parentText" fact="0.08"/>
-    </dgm:constrLst>
+    <dgm:choose name="Name3">
+      <dgm:if name="Name4" axis="ch" ptType="node" func="cnt" op="lte" val="2">
+        <dgm:constrLst>
+          <dgm:constr type="h" for="ch" forName="compNode" refType="h" fact="0.4"/>
+          <dgm:constr type="w" for="ch" forName="compNode" val="120"/>
+          <dgm:constr type="w" for="ch" forName="sibTrans" refType="w" refFor="ch" refForName="compNode" fact="0.175"/>
+          <dgm:constr type="sp" refType="w" refFor="ch" refForName="compNode" op="equ" fact="0.25"/>
+          <dgm:constr type="primFontSz" for="des" ptType="node" op="equ" val="50"/>
+          <dgm:constr type="h" for="des" forName="compNode" op="equ"/>
+          <dgm:constr type="h" for="des" forName="textRect" op="equ"/>
+        </dgm:constrLst>
+      </dgm:if>
+      <dgm:if name="Name5" axis="ch" ptType="node" func="cnt" op="lte" val="4">
+        <dgm:constrLst>
+          <dgm:constr type="h" for="ch" forName="compNode" refType="h" fact="0.4"/>
+          <dgm:constr type="w" for="ch" forName="compNode" refType="w"/>
+          <dgm:constr type="w" for="ch" forName="sibTrans" refType="w" refFor="ch" refForName="compNode" fact="0.175"/>
+          <dgm:constr type="sp" refType="w" refFor="ch" refForName="compNode" op="equ" fact="0.25"/>
+          <dgm:constr type="primFontSz" for="des" ptType="node" op="equ" val="36"/>
+          <dgm:constr type="h" for="des" forName="compNode" op="equ"/>
+          <dgm:constr type="h" for="des" forName="textRect" op="equ"/>
+        </dgm:constrLst>
+      </dgm:if>
+      <dgm:else name="Name6">
+        <dgm:constrLst>
+          <dgm:constr type="h" for="ch" forName="compNode" refType="h" fact="0.4"/>
+          <dgm:constr type="w" for="ch" forName="compNode" refType="w"/>
+          <dgm:constr type="w" for="ch" forName="sibTrans" refType="w" refFor="ch" refForName="compNode" fact="0.175"/>
+          <dgm:constr type="sp" refType="w" refFor="ch" refForName="compNode" op="equ" fact="0.25"/>
+          <dgm:constr type="primFontSz" for="des" ptType="node" op="equ" val="24"/>
+          <dgm:constr type="h" for="des" forName="compNode" op="equ"/>
+          <dgm:constr type="h" for="des" forName="textRect" op="equ"/>
+        </dgm:constrLst>
+      </dgm:else>
+    </dgm:choose>
     <dgm:ruleLst>
-      <dgm:rule type="primFontSz" for="ch" forName="parentText" val="5" fact="NaN" max="NaN"/>
+      <dgm:rule type="w" for="ch" forName="compNode" val="50" fact="NaN" max="NaN"/>
     </dgm:ruleLst>
-    <dgm:forEach name="Name0" axis="ch" ptType="node">
-      <dgm:layoutNode name="parentText" styleLbl="node1">
-        <dgm:varLst>
-          <dgm:chMax val="0"/>
-          <dgm:bulletEnabled val="1"/>
-        </dgm:varLst>
-        <dgm:alg type="tx">
-          <dgm:param type="parTxLTRAlign" val="l"/>
-          <dgm:param type="parTxRTLAlign" val="r"/>
-        </dgm:alg>
-        <dgm:shape xmlns:r="http://schemas.openxmlformats.org/officeDocument/2006/relationships" type="roundRect" r:blip="">
+    <dgm:forEach name="Name7" axis="ch" ptType="node">
+      <dgm:layoutNode name="compNode">
+        <dgm:alg type="composite"/>
+        <dgm:shape xmlns:r="http://schemas.openxmlformats.org/officeDocument/2006/relationships" r:blip="">
           <dgm:adjLst/>
         </dgm:shape>
         <dgm:presOf axis="self"/>
         <dgm:constrLst>
-          <dgm:constr type="tMarg" refType="primFontSz" fact="0.3"/>
-          <dgm:constr type="bMarg" refType="primFontSz" fact="0.3"/>
-          <dgm:constr type="lMarg" refType="primFontSz" fact="0.3"/>
-          <dgm:constr type="rMarg" refType="primFontSz" fact="0.3"/>
+          <dgm:constr type="w" for="ch" forName="iconRect" refType="w" fact="0.45"/>
+          <dgm:constr type="h" for="ch" forName="iconRect" refType="w" refFor="ch" refForName="iconRect"/>
+          <dgm:constr type="ctrX" for="ch" forName="iconRect" refType="w" fact="0.5"/>
+          <dgm:constr type="t" for="ch" forName="iconRect"/>
+          <dgm:constr type="h" for="ch" forName="spaceRect" refType="h" fact="0.15"/>
+          <dgm:constr type="w" for="ch" forName="spaceRect" refType="w"/>
+          <dgm:constr type="l" for="ch" forName="spaceRect"/>
+          <dgm:constr type="t" for="ch" forName="spaceRect" refType="b" refFor="ch" refForName="iconRect"/>
+          <dgm:constr type="h" for="ch" forName="textRect" val="20"/>
+          <dgm:constr type="w" for="ch" forName="textRect" refType="w"/>
+          <dgm:constr type="l" for="ch" forName="textRect"/>
+          <dgm:constr type="t" for="ch" forName="textRect" refType="b" refFor="ch" refForName="spaceRect"/>
         </dgm:constrLst>
         <dgm:ruleLst>
           <dgm:rule type="h" val="INF" fact="NaN" max="NaN"/>
         </dgm:ruleLst>
+        <dgm:layoutNode name="iconRect" styleLbl="node1">
+          <dgm:alg type="sp"/>
+          <dgm:shape xmlns:r="http://schemas.openxmlformats.org/officeDocument/2006/relationships" type="rect" r:blip="" blipPhldr="1">
+            <dgm:adjLst/>
+          </dgm:shape>
+          <dgm:presOf/>
+          <dgm:constrLst/>
+          <dgm:ruleLst/>
+        </dgm:layoutNode>
+        <dgm:layoutNode name="spaceRect">
+          <dgm:alg type="sp"/>
+          <dgm:shape xmlns:r="http://schemas.openxmlformats.org/officeDocument/2006/relationships" r:blip="">
+            <dgm:adjLst/>
+          </dgm:shape>
+          <dgm:presOf/>
+          <dgm:constrLst/>
+          <dgm:ruleLst/>
+        </dgm:layoutNode>
+        <dgm:layoutNode name="textRect" styleLbl="revTx">
+          <dgm:varLst>
+            <dgm:chMax val="1"/>
+            <dgm:chPref val="1"/>
+          </dgm:varLst>
+          <dgm:alg type="tx">
+            <dgm:param type="txAnchorVert" val="t"/>
+          </dgm:alg>
+          <dgm:shape xmlns:r="http://schemas.openxmlformats.org/officeDocument/2006/relationships" type="rect" r:blip="">
+            <dgm:adjLst/>
+          </dgm:shape>
+          <dgm:presOf axis="self" ptType="node"/>
+          <dgm:constrLst>
+            <dgm:constr type="lMarg"/>
+            <dgm:constr type="rMarg"/>
+            <dgm:constr type="tMarg"/>
+            <dgm:constr type="bMarg"/>
+          </dgm:constrLst>
+          <dgm:ruleLst>
+            <dgm:rule type="primFontSz" val="11" fact="NaN" max="NaN"/>
+            <dgm:rule type="h" val="INF" fact="NaN" max="NaN"/>
+          </dgm:ruleLst>
+        </dgm:layoutNode>
       </dgm:layoutNode>
-      <dgm:choose name="Name1">
-        <dgm:if name="Name2" axis="ch" ptType="node" func="cnt" op="gte" val="1">
-          <dgm:layoutNode name="childText" styleLbl="revTx">
-            <dgm:varLst>
-              <dgm:bulletEnabled val="1"/>
-            </dgm:varLst>
-            <dgm:alg type="tx">
-              <dgm:param type="stBulletLvl" val="1"/>
-              <dgm:param type="lnSpAfChP" val="20"/>
-            </dgm:alg>
-            <dgm:shape xmlns:r="http://schemas.openxmlformats.org/officeDocument/2006/relationships" type="rect" r:blip="">
-              <dgm:adjLst/>
-            </dgm:shape>
-            <dgm:presOf axis="des" ptType="node"/>
-            <dgm:constrLst>
-              <dgm:constr type="tMarg" refType="primFontSz" fact="0.1"/>
-              <dgm:constr type="bMarg" refType="primFontSz" fact="0.1"/>
-              <dgm:constr type="lMarg" refType="w" fact="0.09"/>
-            </dgm:constrLst>
-            <dgm:ruleLst>
-              <dgm:rule type="h" val="INF" fact="NaN" max="NaN"/>
-            </dgm:ruleLst>
-          </dgm:layoutNode>
-        </dgm:if>
-        <dgm:else name="Name3">
-          <dgm:choose name="Name4">
-            <dgm:if name="Name5" axis="par ch" ptType="doc node" func="cnt" op="gte" val="2">
-              <dgm:forEach name="Name6" axis="followSib" ptType="sibTrans" cnt="1">
-                <dgm:layoutNode name="spacer">
-                  <dgm:alg type="sp"/>
-                  <dgm:shape xmlns:r="http://schemas.openxmlformats.org/officeDocument/2006/relationships" r:blip="">
-                    <dgm:adjLst/>
-                  </dgm:shape>
-                  <dgm:presOf/>
-                  <dgm:constrLst/>
-                  <dgm:ruleLst/>
-                </dgm:layoutNode>
-              </dgm:forEach>
-            </dgm:if>
-            <dgm:else name="Name7"/>
-          </dgm:choose>
-        </dgm:else>
-      </dgm:choose>
+      <dgm:forEach name="Name8" axis="followSib" ptType="sibTrans" cnt="1">
+        <dgm:layoutNode name="sibTrans">
+          <dgm:alg type="sp"/>
+          <dgm:shape xmlns:r="http://schemas.openxmlformats.org/officeDocument/2006/relationships" r:blip="">
+            <dgm:adjLst/>
+          </dgm:shape>
+          <dgm:presOf axis="self"/>
+          <dgm:constrLst/>
+          <dgm:ruleLst/>
+        </dgm:layoutNode>
+      </dgm:forEach>
     </dgm:forEach>
   </dgm:layoutNode>
+  <dgm:extLst>
+    <a:ext uri="{68A01E43-0DF5-4B5B-8FA6-DAF915123BFB}">
+      <dgm1612:lstStyle xmlns:dgm1612="http://schemas.microsoft.com/office/drawing/2016/12/diagram">
+        <a:lvl1pPr>
+          <a:lnSpc>
+            <a:spcPct val="100000"/>
+          </a:lnSpc>
+        </a:lvl1pPr>
+      </dgm1612:lstStyle>
+    </a:ext>
+  </dgm:extLst>
 </dgm:layoutDef>
 </file>
 
@@ -4628,14 +5051,7 @@
           <a:bodyPr/>
           <a:lstStyle/>
           <a:p>
-            <a:r>
-              <a:rPr lang="en-CA" dirty="0"/>
-              <a:t>Goal is only after model is built. Remove the function names for </a:t>
-            </a:r>
-            <a:r>
-              <a:rPr lang="en-CA"/>
-              <a:t>more abstraction.</a:t>
-            </a:r>
+            <a:endParaRPr lang="en-CA" dirty="0"/>
           </a:p>
         </p:txBody>
       </p:sp>
@@ -4666,118 +5082,6 @@
     <p:extLst>
       <p:ext uri="{BB962C8B-B14F-4D97-AF65-F5344CB8AC3E}">
         <p14:creationId xmlns:p14="http://schemas.microsoft.com/office/powerpoint/2010/main" val="2120528096"/>
-      </p:ext>
-    </p:extLst>
-  </p:cSld>
-  <p:clrMapOvr>
-    <a:masterClrMapping/>
-  </p:clrMapOvr>
-</p:notes>
-</file>
-
-<file path=ppt/notesSlides/notesSlide2.xml><?xml version="1.0" encoding="utf-8"?>
-<p:notes xmlns:a="http://schemas.openxmlformats.org/drawingml/2006/main" xmlns:r="http://schemas.openxmlformats.org/officeDocument/2006/relationships" xmlns:p="http://schemas.openxmlformats.org/presentationml/2006/main">
-  <p:cSld>
-    <p:spTree>
-      <p:nvGrpSpPr>
-        <p:cNvPr id="1" name=""/>
-        <p:cNvGrpSpPr/>
-        <p:nvPr/>
-      </p:nvGrpSpPr>
-      <p:grpSpPr>
-        <a:xfrm>
-          <a:off x="0" y="0"/>
-          <a:ext cx="0" cy="0"/>
-          <a:chOff x="0" y="0"/>
-          <a:chExt cx="0" cy="0"/>
-        </a:xfrm>
-      </p:grpSpPr>
-      <p:sp>
-        <p:nvSpPr>
-          <p:cNvPr id="2" name="Slide Image Placeholder 1"/>
-          <p:cNvSpPr>
-            <a:spLocks noGrp="1" noRot="1" noChangeAspect="1"/>
-          </p:cNvSpPr>
-          <p:nvPr>
-            <p:ph type="sldImg"/>
-          </p:nvPr>
-        </p:nvSpPr>
-        <p:spPr/>
-      </p:sp>
-      <p:sp>
-        <p:nvSpPr>
-          <p:cNvPr id="3" name="Notes Placeholder 2"/>
-          <p:cNvSpPr>
-            <a:spLocks noGrp="1"/>
-          </p:cNvSpPr>
-          <p:nvPr>
-            <p:ph type="body" idx="1"/>
-          </p:nvPr>
-        </p:nvSpPr>
-        <p:spPr/>
-        <p:txBody>
-          <a:bodyPr/>
-          <a:lstStyle/>
-          <a:p>
-            <a:pPr marL="0" marR="0" lvl="0" indent="0" algn="l" defTabSz="914400" rtl="0" eaLnBrk="1" fontAlgn="auto" latinLnBrk="0" hangingPunct="1">
-              <a:lnSpc>
-                <a:spcPct val="100000"/>
-              </a:lnSpc>
-              <a:spcBef>
-                <a:spcPts val="0"/>
-              </a:spcBef>
-              <a:spcAft>
-                <a:spcPts val="0"/>
-              </a:spcAft>
-              <a:buClrTx/>
-              <a:buSzTx/>
-              <a:buFontTx/>
-              <a:buNone/>
-              <a:tabLst/>
-              <a:defRPr/>
-            </a:pPr>
-            <a:r>
-              <a:rPr lang="en-CA" dirty="0"/>
-              <a:t>letters have to be properly oriented. Input characters have to be rotated to be correct before input. Assumption 5 isn’t a real assumption. Assumption 4 is more of a constraint. Assumption 2 is a </a:t>
-            </a:r>
-            <a:r>
-              <a:rPr lang="en-CA"/>
-              <a:t>design decision.</a:t>
-            </a:r>
-            <a:endParaRPr lang="en-CA" dirty="0"/>
-          </a:p>
-          <a:p>
-            <a:endParaRPr lang="en-CA" dirty="0"/>
-          </a:p>
-        </p:txBody>
-      </p:sp>
-      <p:sp>
-        <p:nvSpPr>
-          <p:cNvPr id="4" name="Slide Number Placeholder 3"/>
-          <p:cNvSpPr>
-            <a:spLocks noGrp="1"/>
-          </p:cNvSpPr>
-          <p:nvPr>
-            <p:ph type="sldNum" sz="quarter" idx="5"/>
-          </p:nvPr>
-        </p:nvSpPr>
-        <p:spPr/>
-        <p:txBody>
-          <a:bodyPr/>
-          <a:lstStyle/>
-          <a:p>
-            <a:fld id="{04F82448-C671-4DAB-B542-F04D10043DD5}" type="slidenum">
-              <a:rPr lang="en-CA" smtClean="0"/>
-              <a:t>7</a:t>
-            </a:fld>
-            <a:endParaRPr lang="en-CA"/>
-          </a:p>
-        </p:txBody>
-      </p:sp>
-    </p:spTree>
-    <p:extLst>
-      <p:ext uri="{BB962C8B-B14F-4D97-AF65-F5344CB8AC3E}">
-        <p14:creationId xmlns:p14="http://schemas.microsoft.com/office/powerpoint/2010/main" val="253974040"/>
       </p:ext>
     </p:extLst>
   </p:cSld>
@@ -11918,195 +12222,12 @@
           <a:chExt cx="0" cy="0"/>
         </a:xfrm>
       </p:grpSpPr>
-      <p:sp useBgFill="1">
+      <p:sp>
         <p:nvSpPr>
-          <p:cNvPr id="1028" name="Rectangle 1027">
+          <p:cNvPr id="1039" name="Freeform: Shape 1038">
             <a:extLst>
               <a:ext uri="{FF2B5EF4-FFF2-40B4-BE49-F238E27FC236}">
-                <a16:creationId xmlns:a16="http://schemas.microsoft.com/office/drawing/2014/main" id="{4AC6B390-BC59-4F1D-A0EE-D71A92F0A0B2}"/>
-              </a:ext>
-              <a:ext uri="{C183D7F6-B498-43B3-948B-1728B52AA6E4}">
-                <adec:decorative xmlns:adec="http://schemas.microsoft.com/office/drawing/2017/decorative" val="1"/>
-              </a:ext>
-            </a:extLst>
-          </p:cNvPr>
-          <p:cNvSpPr>
-            <a:spLocks noGrp="1" noRot="1" noChangeAspect="1" noMove="1" noResize="1" noEditPoints="1" noAdjustHandles="1" noChangeArrowheads="1" noChangeShapeType="1" noTextEdit="1"/>
-          </p:cNvSpPr>
-          <p:nvPr>
-            <p:extLst>
-              <p:ext uri="{386F3935-93C4-4BCD-93E2-E3B085C9AB24}">
-                <p16:designElem xmlns:p16="http://schemas.microsoft.com/office/powerpoint/2015/main" val="1"/>
-              </p:ext>
-            </p:extLst>
-          </p:nvPr>
-        </p:nvSpPr>
-        <p:spPr bwMode="white">
-          <a:xfrm>
-            <a:off x="0" y="0"/>
-            <a:ext cx="12192000" cy="6858000"/>
-          </a:xfrm>
-          <a:prstGeom prst="rect">
-            <a:avLst/>
-          </a:prstGeom>
-          <a:ln>
-            <a:noFill/>
-          </a:ln>
-        </p:spPr>
-        <p:style>
-          <a:lnRef idx="2">
-            <a:schemeClr val="accent1">
-              <a:shade val="50000"/>
-            </a:schemeClr>
-          </a:lnRef>
-          <a:fillRef idx="1">
-            <a:schemeClr val="accent1"/>
-          </a:fillRef>
-          <a:effectRef idx="0">
-            <a:schemeClr val="accent1"/>
-          </a:effectRef>
-          <a:fontRef idx="minor">
-            <a:schemeClr val="lt1"/>
-          </a:fontRef>
-        </p:style>
-        <p:txBody>
-          <a:bodyPr rtlCol="0" anchor="ctr"/>
-          <a:lstStyle>
-            <a:defPPr>
-              <a:defRPr lang="en-US"/>
-            </a:defPPr>
-            <a:lvl1pPr marL="0" algn="l" defTabSz="914400" rtl="0" eaLnBrk="1" latinLnBrk="0" hangingPunct="1">
-              <a:defRPr sz="1800" kern="1200">
-                <a:solidFill>
-                  <a:schemeClr val="lt1"/>
-                </a:solidFill>
-                <a:latin typeface="+mn-lt"/>
-                <a:ea typeface="+mn-ea"/>
-                <a:cs typeface="+mn-cs"/>
-              </a:defRPr>
-            </a:lvl1pPr>
-            <a:lvl2pPr marL="457200" algn="l" defTabSz="914400" rtl="0" eaLnBrk="1" latinLnBrk="0" hangingPunct="1">
-              <a:defRPr sz="1800" kern="1200">
-                <a:solidFill>
-                  <a:schemeClr val="lt1"/>
-                </a:solidFill>
-                <a:latin typeface="+mn-lt"/>
-                <a:ea typeface="+mn-ea"/>
-                <a:cs typeface="+mn-cs"/>
-              </a:defRPr>
-            </a:lvl2pPr>
-            <a:lvl3pPr marL="914400" algn="l" defTabSz="914400" rtl="0" eaLnBrk="1" latinLnBrk="0" hangingPunct="1">
-              <a:defRPr sz="1800" kern="1200">
-                <a:solidFill>
-                  <a:schemeClr val="lt1"/>
-                </a:solidFill>
-                <a:latin typeface="+mn-lt"/>
-                <a:ea typeface="+mn-ea"/>
-                <a:cs typeface="+mn-cs"/>
-              </a:defRPr>
-            </a:lvl3pPr>
-            <a:lvl4pPr marL="1371600" algn="l" defTabSz="914400" rtl="0" eaLnBrk="1" latinLnBrk="0" hangingPunct="1">
-              <a:defRPr sz="1800" kern="1200">
-                <a:solidFill>
-                  <a:schemeClr val="lt1"/>
-                </a:solidFill>
-                <a:latin typeface="+mn-lt"/>
-                <a:ea typeface="+mn-ea"/>
-                <a:cs typeface="+mn-cs"/>
-              </a:defRPr>
-            </a:lvl4pPr>
-            <a:lvl5pPr marL="1828800" algn="l" defTabSz="914400" rtl="0" eaLnBrk="1" latinLnBrk="0" hangingPunct="1">
-              <a:defRPr sz="1800" kern="1200">
-                <a:solidFill>
-                  <a:schemeClr val="lt1"/>
-                </a:solidFill>
-                <a:latin typeface="+mn-lt"/>
-                <a:ea typeface="+mn-ea"/>
-                <a:cs typeface="+mn-cs"/>
-              </a:defRPr>
-            </a:lvl5pPr>
-            <a:lvl6pPr marL="2286000" algn="l" defTabSz="914400" rtl="0" eaLnBrk="1" latinLnBrk="0" hangingPunct="1">
-              <a:defRPr sz="1800" kern="1200">
-                <a:solidFill>
-                  <a:schemeClr val="lt1"/>
-                </a:solidFill>
-                <a:latin typeface="+mn-lt"/>
-                <a:ea typeface="+mn-ea"/>
-                <a:cs typeface="+mn-cs"/>
-              </a:defRPr>
-            </a:lvl6pPr>
-            <a:lvl7pPr marL="2743200" algn="l" defTabSz="914400" rtl="0" eaLnBrk="1" latinLnBrk="0" hangingPunct="1">
-              <a:defRPr sz="1800" kern="1200">
-                <a:solidFill>
-                  <a:schemeClr val="lt1"/>
-                </a:solidFill>
-                <a:latin typeface="+mn-lt"/>
-                <a:ea typeface="+mn-ea"/>
-                <a:cs typeface="+mn-cs"/>
-              </a:defRPr>
-            </a:lvl7pPr>
-            <a:lvl8pPr marL="3200400" algn="l" defTabSz="914400" rtl="0" eaLnBrk="1" latinLnBrk="0" hangingPunct="1">
-              <a:defRPr sz="1800" kern="1200">
-                <a:solidFill>
-                  <a:schemeClr val="lt1"/>
-                </a:solidFill>
-                <a:latin typeface="+mn-lt"/>
-                <a:ea typeface="+mn-ea"/>
-                <a:cs typeface="+mn-cs"/>
-              </a:defRPr>
-            </a:lvl8pPr>
-            <a:lvl9pPr marL="3657600" algn="l" defTabSz="914400" rtl="0" eaLnBrk="1" latinLnBrk="0" hangingPunct="1">
-              <a:defRPr sz="1800" kern="1200">
-                <a:solidFill>
-                  <a:schemeClr val="lt1"/>
-                </a:solidFill>
-                <a:latin typeface="+mn-lt"/>
-                <a:ea typeface="+mn-ea"/>
-                <a:cs typeface="+mn-cs"/>
-              </a:defRPr>
-            </a:lvl9pPr>
-          </a:lstStyle>
-          <a:p>
-            <a:pPr marL="0" marR="0" lvl="0" indent="0" algn="ctr" defTabSz="914400" rtl="0" eaLnBrk="1" fontAlgn="auto" latinLnBrk="0" hangingPunct="1">
-              <a:lnSpc>
-                <a:spcPct val="100000"/>
-              </a:lnSpc>
-              <a:spcBef>
-                <a:spcPts val="0"/>
-              </a:spcBef>
-              <a:spcAft>
-                <a:spcPts val="0"/>
-              </a:spcAft>
-              <a:buClrTx/>
-              <a:buSzTx/>
-              <a:buFontTx/>
-              <a:buNone/>
-              <a:tabLst/>
-              <a:defRPr/>
-            </a:pPr>
-            <a:endParaRPr kumimoji="0" lang="en-US" sz="1800" b="0" i="0" u="none" strike="noStrike" kern="1200" cap="none" spc="0" normalizeH="0" baseline="0" noProof="0">
-              <a:ln>
-                <a:noFill/>
-              </a:ln>
-              <a:solidFill>
-                <a:prstClr val="white"/>
-              </a:solidFill>
-              <a:effectLst/>
-              <a:uLnTx/>
-              <a:uFillTx/>
-              <a:latin typeface="Calibri" panose="020F0502020204030204"/>
-              <a:ea typeface="+mn-ea"/>
-              <a:cs typeface="+mn-cs"/>
-            </a:endParaRPr>
-          </a:p>
-        </p:txBody>
-      </p:sp>
-      <p:sp>
-        <p:nvSpPr>
-          <p:cNvPr id="1029" name="Freeform: Shape 1028">
-            <a:extLst>
-              <a:ext uri="{FF2B5EF4-FFF2-40B4-BE49-F238E27FC236}">
-                <a16:creationId xmlns:a16="http://schemas.microsoft.com/office/drawing/2014/main" id="{B6C60D79-16F1-4C4B-B7E3-7634E7069CDE}"/>
+                <a16:creationId xmlns:a16="http://schemas.microsoft.com/office/drawing/2014/main" id="{23DA7759-3209-4FE2-96D1-4EEDD81E9EA0}"/>
               </a:ext>
               <a:ext uri="{C183D7F6-B498-43B3-948B-1728B52AA6E4}">
                 <adec:decorative xmlns:adec="http://schemas.microsoft.com/office/drawing/2017/decorative" val="1"/>
@@ -12126,78 +12247,35 @@
         </p:nvSpPr>
         <p:spPr>
           <a:xfrm>
-            <a:off x="9519137" y="5486400"/>
-            <a:ext cx="2672863" cy="1371600"/>
+            <a:off x="10494433" y="2"/>
+            <a:ext cx="849328" cy="357668"/>
           </a:xfrm>
           <a:custGeom>
             <a:avLst/>
-            <a:gdLst>
-              <a:gd name="connsiteX0" fmla="*/ 1721734 w 2672863"/>
-              <a:gd name="connsiteY0" fmla="*/ 0 h 1371600"/>
-              <a:gd name="connsiteX1" fmla="*/ 2564444 w 2672863"/>
-              <a:gd name="connsiteY1" fmla="*/ 213382 h 1371600"/>
-              <a:gd name="connsiteX2" fmla="*/ 2672863 w 2672863"/>
-              <a:gd name="connsiteY2" fmla="*/ 279248 h 1371600"/>
-              <a:gd name="connsiteX3" fmla="*/ 2672863 w 2672863"/>
-              <a:gd name="connsiteY3" fmla="*/ 1371600 h 1371600"/>
-              <a:gd name="connsiteX4" fmla="*/ 0 w 2672863"/>
-              <a:gd name="connsiteY4" fmla="*/ 1371600 h 1371600"/>
-              <a:gd name="connsiteX5" fmla="*/ 33268 w 2672863"/>
-              <a:gd name="connsiteY5" fmla="*/ 1242216 h 1371600"/>
-              <a:gd name="connsiteX6" fmla="*/ 1721734 w 2672863"/>
-              <a:gd name="connsiteY6" fmla="*/ 0 h 1371600"/>
-            </a:gdLst>
+            <a:gdLst/>
             <a:ahLst/>
-            <a:cxnLst>
-              <a:cxn ang="0">
-                <a:pos x="connsiteX0" y="connsiteY0"/>
-              </a:cxn>
-              <a:cxn ang="0">
-                <a:pos x="connsiteX1" y="connsiteY1"/>
-              </a:cxn>
-              <a:cxn ang="0">
-                <a:pos x="connsiteX2" y="connsiteY2"/>
-              </a:cxn>
-              <a:cxn ang="0">
-                <a:pos x="connsiteX3" y="connsiteY3"/>
-              </a:cxn>
-              <a:cxn ang="0">
-                <a:pos x="connsiteX4" y="connsiteY4"/>
-              </a:cxn>
-              <a:cxn ang="0">
-                <a:pos x="connsiteX5" y="connsiteY5"/>
-              </a:cxn>
-              <a:cxn ang="0">
-                <a:pos x="connsiteX6" y="connsiteY6"/>
-              </a:cxn>
-            </a:cxnLst>
+            <a:cxnLst/>
             <a:rect l="l" t="t" r="r" b="b"/>
             <a:pathLst>
-              <a:path w="2672863" h="1371600">
+              <a:path w="1135066" h="477997">
                 <a:moveTo>
-                  <a:pt x="1721734" y="0"/>
+                  <a:pt x="0" y="0"/>
                 </a:moveTo>
-                <a:cubicBezTo>
-                  <a:pt x="2026863" y="0"/>
-                  <a:pt x="2313937" y="77299"/>
-                  <a:pt x="2564444" y="213382"/>
-                </a:cubicBezTo>
                 <a:lnTo>
-                  <a:pt x="2672863" y="279248"/>
+                  <a:pt x="1135066" y="0"/>
                 </a:lnTo>
                 <a:lnTo>
-                  <a:pt x="2672863" y="1371600"/>
-                </a:lnTo>
-                <a:lnTo>
-                  <a:pt x="0" y="1371600"/>
-                </a:lnTo>
-                <a:lnTo>
-                  <a:pt x="33268" y="1242216"/>
+                  <a:pt x="1133370" y="16827"/>
                 </a:lnTo>
                 <a:cubicBezTo>
-                  <a:pt x="257110" y="522539"/>
-                  <a:pt x="928399" y="0"/>
-                  <a:pt x="1721734" y="0"/>
+                  <a:pt x="1079514" y="280016"/>
+                  <a:pt x="846644" y="477997"/>
+                  <a:pt x="567533" y="477997"/>
+                </a:cubicBezTo>
+                <a:cubicBezTo>
+                  <a:pt x="288422" y="477997"/>
+                  <a:pt x="55552" y="280016"/>
+                  <a:pt x="1696" y="16827"/>
                 </a:cubicBezTo>
                 <a:close/>
               </a:path>
@@ -12268,10 +12346,230 @@
       </p:sp>
       <p:sp>
         <p:nvSpPr>
-          <p:cNvPr id="1030" name="Arc 1029">
+          <p:cNvPr id="1041" name="Freeform: Shape 1040">
             <a:extLst>
               <a:ext uri="{FF2B5EF4-FFF2-40B4-BE49-F238E27FC236}">
-                <a16:creationId xmlns:a16="http://schemas.microsoft.com/office/drawing/2014/main" id="{426B127E-6498-4C77-9C9D-4553A5113B80}"/>
+                <a16:creationId xmlns:a16="http://schemas.microsoft.com/office/drawing/2014/main" id="{41460DAD-8769-4C9F-9C8C-BB0443909D76}"/>
+              </a:ext>
+              <a:ext uri="{C183D7F6-B498-43B3-948B-1728B52AA6E4}">
+                <adec:decorative xmlns:adec="http://schemas.microsoft.com/office/drawing/2017/decorative" val="1"/>
+              </a:ext>
+            </a:extLst>
+          </p:cNvPr>
+          <p:cNvSpPr>
+            <a:spLocks noGrp="1" noRot="1" noChangeAspect="1" noMove="1" noResize="1" noEditPoints="1" noAdjustHandles="1" noChangeArrowheads="1" noChangeShapeType="1" noTextEdit="1"/>
+          </p:cNvSpPr>
+          <p:nvPr>
+            <p:extLst>
+              <p:ext uri="{386F3935-93C4-4BCD-93E2-E3B085C9AB24}">
+                <p16:designElem xmlns:p16="http://schemas.microsoft.com/office/powerpoint/2015/main" val="1"/>
+              </p:ext>
+            </p:extLst>
+          </p:nvPr>
+        </p:nvSpPr>
+        <p:spPr>
+          <a:xfrm flipH="1">
+            <a:off x="123536" y="5717905"/>
+            <a:ext cx="1771609" cy="1140095"/>
+          </a:xfrm>
+          <a:custGeom>
+            <a:avLst/>
+            <a:gdLst/>
+            <a:ahLst/>
+            <a:cxnLst/>
+            <a:rect l="l" t="t" r="r" b="b"/>
+            <a:pathLst>
+              <a:path w="1771609" h="1140095">
+                <a:moveTo>
+                  <a:pt x="1561721" y="763041"/>
+                </a:moveTo>
+                <a:cubicBezTo>
+                  <a:pt x="1585506" y="760324"/>
+                  <a:pt x="1609722" y="771249"/>
+                  <a:pt x="1623024" y="792810"/>
+                </a:cubicBezTo>
+                <a:cubicBezTo>
+                  <a:pt x="1656300" y="850065"/>
+                  <a:pt x="1685920" y="909291"/>
+                  <a:pt x="1711735" y="970132"/>
+                </a:cubicBezTo>
+                <a:lnTo>
+                  <a:pt x="1771609" y="1140095"/>
+                </a:lnTo>
+                <a:lnTo>
+                  <a:pt x="1637225" y="1140095"/>
+                </a:lnTo>
+                <a:lnTo>
+                  <a:pt x="1594820" y="1019711"/>
+                </a:lnTo>
+                <a:cubicBezTo>
+                  <a:pt x="1571072" y="963753"/>
+                  <a:pt x="1543818" y="909282"/>
+                  <a:pt x="1513200" y="856627"/>
+                </a:cubicBezTo>
+                <a:cubicBezTo>
+                  <a:pt x="1496379" y="825834"/>
+                  <a:pt x="1507704" y="787236"/>
+                  <a:pt x="1538499" y="770415"/>
+                </a:cubicBezTo>
+                <a:cubicBezTo>
+                  <a:pt x="1545912" y="766367"/>
+                  <a:pt x="1553792" y="763946"/>
+                  <a:pt x="1561721" y="763041"/>
+                </a:cubicBezTo>
+                <a:close/>
+                <a:moveTo>
+                  <a:pt x="933455" y="161309"/>
+                </a:moveTo>
+                <a:cubicBezTo>
+                  <a:pt x="941693" y="161855"/>
+                  <a:pt x="949959" y="164025"/>
+                  <a:pt x="957797" y="167970"/>
+                </a:cubicBezTo>
+                <a:cubicBezTo>
+                  <a:pt x="1076184" y="227289"/>
+                  <a:pt x="1186759" y="301068"/>
+                  <a:pt x="1286982" y="387616"/>
+                </a:cubicBezTo>
+                <a:cubicBezTo>
+                  <a:pt x="1313547" y="410457"/>
+                  <a:pt x="1316566" y="450510"/>
+                  <a:pt x="1293725" y="477075"/>
+                </a:cubicBezTo>
+                <a:cubicBezTo>
+                  <a:pt x="1281638" y="491137"/>
+                  <a:pt x="1263998" y="499204"/>
+                  <a:pt x="1245453" y="499154"/>
+                </a:cubicBezTo>
+                <a:lnTo>
+                  <a:pt x="1245167" y="499154"/>
+                </a:lnTo>
+                <a:cubicBezTo>
+                  <a:pt x="1229965" y="499301"/>
+                  <a:pt x="1215220" y="493956"/>
+                  <a:pt x="1203638" y="484104"/>
+                </a:cubicBezTo>
+                <a:cubicBezTo>
+                  <a:pt x="1111407" y="404300"/>
+                  <a:pt x="1009633" y="336248"/>
+                  <a:pt x="900647" y="281508"/>
+                </a:cubicBezTo>
+                <a:cubicBezTo>
+                  <a:pt x="869295" y="265726"/>
+                  <a:pt x="856672" y="227516"/>
+                  <a:pt x="872454" y="196164"/>
+                </a:cubicBezTo>
+                <a:cubicBezTo>
+                  <a:pt x="884290" y="172650"/>
+                  <a:pt x="908742" y="159670"/>
+                  <a:pt x="933455" y="161309"/>
+                </a:cubicBezTo>
+                <a:close/>
+                <a:moveTo>
+                  <a:pt x="256260" y="29"/>
+                </a:moveTo>
+                <a:cubicBezTo>
+                  <a:pt x="322331" y="427"/>
+                  <a:pt x="388378" y="4909"/>
+                  <a:pt x="454020" y="13474"/>
+                </a:cubicBezTo>
+                <a:cubicBezTo>
+                  <a:pt x="488793" y="17752"/>
+                  <a:pt x="513514" y="49409"/>
+                  <a:pt x="509236" y="84182"/>
+                </a:cubicBezTo>
+                <a:cubicBezTo>
+                  <a:pt x="505303" y="116151"/>
+                  <a:pt x="478038" y="140098"/>
+                  <a:pt x="445829" y="139871"/>
+                </a:cubicBezTo>
+                <a:cubicBezTo>
+                  <a:pt x="443027" y="139899"/>
+                  <a:pt x="440227" y="139740"/>
+                  <a:pt x="437447" y="139395"/>
+                </a:cubicBezTo>
+                <a:cubicBezTo>
+                  <a:pt x="316592" y="123615"/>
+                  <a:pt x="194247" y="122878"/>
+                  <a:pt x="73211" y="137204"/>
+                </a:cubicBezTo>
+                <a:cubicBezTo>
+                  <a:pt x="38532" y="142545"/>
+                  <a:pt x="6090" y="118762"/>
+                  <a:pt x="749" y="84082"/>
+                </a:cubicBezTo>
+                <a:cubicBezTo>
+                  <a:pt x="-4591" y="49403"/>
+                  <a:pt x="19192" y="16961"/>
+                  <a:pt x="53871" y="11621"/>
+                </a:cubicBezTo>
+                <a:cubicBezTo>
+                  <a:pt x="55358" y="11392"/>
+                  <a:pt x="56852" y="11216"/>
+                  <a:pt x="58352" y="11093"/>
+                </a:cubicBezTo>
+                <a:cubicBezTo>
+                  <a:pt x="124093" y="3319"/>
+                  <a:pt x="190189" y="-369"/>
+                  <a:pt x="256260" y="29"/>
+                </a:cubicBezTo>
+                <a:close/>
+              </a:path>
+            </a:pathLst>
+          </a:custGeom>
+          <a:solidFill>
+            <a:schemeClr val="accent4"/>
+          </a:solidFill>
+          <a:ln w="9525" cap="flat">
+            <a:noFill/>
+            <a:prstDash val="solid"/>
+            <a:miter/>
+          </a:ln>
+        </p:spPr>
+        <p:txBody>
+          <a:bodyPr rtlCol="0" anchor="ctr"/>
+          <a:lstStyle/>
+          <a:p>
+            <a:pPr marL="0" marR="0" lvl="0" indent="0" algn="l" defTabSz="914400" rtl="0" eaLnBrk="1" fontAlgn="auto" latinLnBrk="0" hangingPunct="1">
+              <a:lnSpc>
+                <a:spcPct val="100000"/>
+              </a:lnSpc>
+              <a:spcBef>
+                <a:spcPts val="0"/>
+              </a:spcBef>
+              <a:spcAft>
+                <a:spcPts val="0"/>
+              </a:spcAft>
+              <a:buClrTx/>
+              <a:buSzTx/>
+              <a:buFontTx/>
+              <a:buNone/>
+              <a:tabLst/>
+              <a:defRPr/>
+            </a:pPr>
+            <a:endParaRPr kumimoji="0" lang="en-US" sz="1800" b="0" i="0" u="none" strike="noStrike" kern="1200" cap="none" spc="0" normalizeH="0" baseline="0" noProof="0">
+              <a:ln>
+                <a:noFill/>
+              </a:ln>
+              <a:solidFill>
+                <a:prstClr val="black"/>
+              </a:solidFill>
+              <a:effectLst/>
+              <a:uLnTx/>
+              <a:uFillTx/>
+              <a:latin typeface="Calibri" panose="020F0502020204030204"/>
+              <a:ea typeface="+mn-ea"/>
+              <a:cs typeface="+mn-cs"/>
+            </a:endParaRPr>
+          </a:p>
+        </p:txBody>
+      </p:sp>
+      <p:sp useBgFill="1">
+        <p:nvSpPr>
+          <p:cNvPr id="1043" name="Rectangle 1042">
+            <a:extLst>
+              <a:ext uri="{FF2B5EF4-FFF2-40B4-BE49-F238E27FC236}">
+                <a16:creationId xmlns:a16="http://schemas.microsoft.com/office/drawing/2014/main" id="{9DBC8166-481C-4473-95F5-9A5B9073B7F1}"/>
               </a:ext>
               <a:ext uri="{C183D7F6-B498-43B3-948B-1728B52AA6E4}">
                 <adec:decorative xmlns:adec="http://schemas.microsoft.com/office/drawing/2017/decorative" val="1"/>
@@ -12291,35 +12589,30 @@
         </p:nvSpPr>
         <p:spPr>
           <a:xfrm>
-            <a:off x="4602050" y="650160"/>
-            <a:ext cx="2987899" cy="2987899"/>
+            <a:off x="0" y="0"/>
+            <a:ext cx="12188952" cy="6858000"/>
           </a:xfrm>
-          <a:prstGeom prst="arc">
-            <a:avLst>
-              <a:gd name="adj1" fmla="val 14441841"/>
-              <a:gd name="adj2" fmla="val 0"/>
-            </a:avLst>
+          <a:prstGeom prst="rect">
+            <a:avLst/>
           </a:prstGeom>
-          <a:ln w="127000" cap="rnd">
-            <a:solidFill>
-              <a:schemeClr val="accent4"/>
-            </a:solidFill>
-            <a:prstDash val="dash"/>
-            <a:miter lim="800000"/>
+          <a:ln>
+            <a:noFill/>
           </a:ln>
         </p:spPr>
         <p:style>
-          <a:lnRef idx="1">
-            <a:schemeClr val="accent1"/>
+          <a:lnRef idx="2">
+            <a:schemeClr val="accent1">
+              <a:shade val="50000"/>
+            </a:schemeClr>
           </a:lnRef>
-          <a:fillRef idx="0">
+          <a:fillRef idx="1">
             <a:schemeClr val="accent1"/>
           </a:fillRef>
           <a:effectRef idx="0">
             <a:schemeClr val="accent1"/>
           </a:effectRef>
           <a:fontRef idx="minor">
-            <a:schemeClr val="tx1"/>
+            <a:schemeClr val="lt1"/>
           </a:fontRef>
         </p:style>
         <p:txBody>
@@ -12348,7 +12641,172 @@
                 <a:noFill/>
               </a:ln>
               <a:solidFill>
-                <a:srgbClr val="000000"/>
+                <a:prstClr val="white"/>
+              </a:solidFill>
+              <a:effectLst/>
+              <a:uLnTx/>
+              <a:uFillTx/>
+              <a:latin typeface="Calibri" panose="020F0502020204030204"/>
+              <a:ea typeface="+mn-ea"/>
+              <a:cs typeface="+mn-cs"/>
+            </a:endParaRPr>
+          </a:p>
+        </p:txBody>
+      </p:sp>
+      <p:sp>
+        <p:nvSpPr>
+          <p:cNvPr id="1045" name="Freeform: Shape 1044">
+            <a:extLst>
+              <a:ext uri="{FF2B5EF4-FFF2-40B4-BE49-F238E27FC236}">
+                <a16:creationId xmlns:a16="http://schemas.microsoft.com/office/drawing/2014/main" id="{A5A5CE6E-90AF-4D43-A014-1F9EC83EB93D}"/>
+              </a:ext>
+              <a:ext uri="{C183D7F6-B498-43B3-948B-1728B52AA6E4}">
+                <adec:decorative xmlns:adec="http://schemas.microsoft.com/office/drawing/2017/decorative" val="1"/>
+              </a:ext>
+            </a:extLst>
+          </p:cNvPr>
+          <p:cNvSpPr>
+            <a:spLocks noGrp="1" noRot="1" noChangeAspect="1" noMove="1" noResize="1" noEditPoints="1" noAdjustHandles="1" noChangeArrowheads="1" noChangeShapeType="1" noTextEdit="1"/>
+          </p:cNvSpPr>
+          <p:nvPr>
+            <p:extLst>
+              <p:ext uri="{386F3935-93C4-4BCD-93E2-E3B085C9AB24}">
+                <p16:designElem xmlns:p16="http://schemas.microsoft.com/office/powerpoint/2015/main" val="1"/>
+              </p:ext>
+            </p:extLst>
+          </p:nvPr>
+        </p:nvSpPr>
+        <p:spPr>
+          <a:xfrm>
+            <a:off x="0" y="1"/>
+            <a:ext cx="4512467" cy="6858000"/>
+          </a:xfrm>
+          <a:custGeom>
+            <a:avLst/>
+            <a:gdLst>
+              <a:gd name="connsiteX0" fmla="*/ 0 w 4512467"/>
+              <a:gd name="connsiteY0" fmla="*/ 0 h 6858000"/>
+              <a:gd name="connsiteX1" fmla="*/ 2579526 w 4512467"/>
+              <a:gd name="connsiteY1" fmla="*/ 0 h 6858000"/>
+              <a:gd name="connsiteX2" fmla="*/ 2583267 w 4512467"/>
+              <a:gd name="connsiteY2" fmla="*/ 2151 h 6858000"/>
+              <a:gd name="connsiteX3" fmla="*/ 4512467 w 4512467"/>
+              <a:gd name="connsiteY3" fmla="*/ 3429000 h 6858000"/>
+              <a:gd name="connsiteX4" fmla="*/ 2583267 w 4512467"/>
+              <a:gd name="connsiteY4" fmla="*/ 6855849 h 6858000"/>
+              <a:gd name="connsiteX5" fmla="*/ 2579526 w 4512467"/>
+              <a:gd name="connsiteY5" fmla="*/ 6858000 h 6858000"/>
+              <a:gd name="connsiteX6" fmla="*/ 0 w 4512467"/>
+              <a:gd name="connsiteY6" fmla="*/ 6858000 h 6858000"/>
+            </a:gdLst>
+            <a:ahLst/>
+            <a:cxnLst>
+              <a:cxn ang="0">
+                <a:pos x="connsiteX0" y="connsiteY0"/>
+              </a:cxn>
+              <a:cxn ang="0">
+                <a:pos x="connsiteX1" y="connsiteY1"/>
+              </a:cxn>
+              <a:cxn ang="0">
+                <a:pos x="connsiteX2" y="connsiteY2"/>
+              </a:cxn>
+              <a:cxn ang="0">
+                <a:pos x="connsiteX3" y="connsiteY3"/>
+              </a:cxn>
+              <a:cxn ang="0">
+                <a:pos x="connsiteX4" y="connsiteY4"/>
+              </a:cxn>
+              <a:cxn ang="0">
+                <a:pos x="connsiteX5" y="connsiteY5"/>
+              </a:cxn>
+              <a:cxn ang="0">
+                <a:pos x="connsiteX6" y="connsiteY6"/>
+              </a:cxn>
+            </a:cxnLst>
+            <a:rect l="l" t="t" r="r" b="b"/>
+            <a:pathLst>
+              <a:path w="4512467" h="6858000">
+                <a:moveTo>
+                  <a:pt x="0" y="0"/>
+                </a:moveTo>
+                <a:lnTo>
+                  <a:pt x="2579526" y="0"/>
+                </a:lnTo>
+                <a:lnTo>
+                  <a:pt x="2583267" y="2151"/>
+                </a:lnTo>
+                <a:cubicBezTo>
+                  <a:pt x="3739868" y="704919"/>
+                  <a:pt x="4512467" y="1976735"/>
+                  <a:pt x="4512467" y="3429000"/>
+                </a:cubicBezTo>
+                <a:cubicBezTo>
+                  <a:pt x="4512467" y="4881266"/>
+                  <a:pt x="3739868" y="6153081"/>
+                  <a:pt x="2583267" y="6855849"/>
+                </a:cubicBezTo>
+                <a:lnTo>
+                  <a:pt x="2579526" y="6858000"/>
+                </a:lnTo>
+                <a:lnTo>
+                  <a:pt x="0" y="6858000"/>
+                </a:lnTo>
+                <a:close/>
+              </a:path>
+            </a:pathLst>
+          </a:custGeom>
+          <a:solidFill>
+            <a:schemeClr val="accent2"/>
+          </a:solidFill>
+          <a:ln>
+            <a:noFill/>
+          </a:ln>
+        </p:spPr>
+        <p:style>
+          <a:lnRef idx="2">
+            <a:schemeClr val="accent1">
+              <a:shade val="50000"/>
+            </a:schemeClr>
+          </a:lnRef>
+          <a:fillRef idx="1">
+            <a:schemeClr val="accent1"/>
+          </a:fillRef>
+          <a:effectRef idx="0">
+            <a:schemeClr val="accent1"/>
+          </a:effectRef>
+          <a:fontRef idx="minor">
+            <a:schemeClr val="lt1"/>
+          </a:fontRef>
+        </p:style>
+        <p:txBody>
+          <a:bodyPr wrap="square" rtlCol="0" anchor="ctr">
+            <a:noAutofit/>
+          </a:bodyPr>
+          <a:lstStyle/>
+          <a:p>
+            <a:pPr marL="0" marR="0" lvl="0" indent="0" algn="ctr" defTabSz="914400" rtl="0" eaLnBrk="1" fontAlgn="auto" latinLnBrk="0" hangingPunct="1">
+              <a:lnSpc>
+                <a:spcPct val="100000"/>
+              </a:lnSpc>
+              <a:spcBef>
+                <a:spcPts val="0"/>
+              </a:spcBef>
+              <a:spcAft>
+                <a:spcPts val="0"/>
+              </a:spcAft>
+              <a:buClrTx/>
+              <a:buSzTx/>
+              <a:buFontTx/>
+              <a:buNone/>
+              <a:tabLst/>
+              <a:defRPr/>
+            </a:pPr>
+            <a:endParaRPr kumimoji="0" lang="en-US" sz="1800" b="0" i="0" u="none" strike="noStrike" kern="1200" cap="none" spc="0" normalizeH="0" baseline="0" noProof="0">
+              <a:ln>
+                <a:noFill/>
+              </a:ln>
+              <a:solidFill>
+                <a:prstClr val="white"/>
               </a:solidFill>
               <a:effectLst/>
               <a:uLnTx/>
@@ -12378,77 +12836,60 @@
         </p:nvSpPr>
         <p:spPr>
           <a:xfrm>
-            <a:off x="838201" y="479493"/>
-            <a:ext cx="5257800" cy="1325563"/>
+            <a:off x="838200" y="643467"/>
+            <a:ext cx="2951205" cy="5571066"/>
           </a:xfrm>
         </p:spPr>
         <p:txBody>
-          <a:bodyPr>
-            <a:normAutofit fontScale="90000"/>
+          <a:bodyPr vert="horz" lIns="91440" tIns="45720" rIns="91440" bIns="45720" rtlCol="0" anchor="ctr">
+            <a:normAutofit/>
           </a:bodyPr>
           <a:lstStyle/>
           <a:p>
             <a:r>
-              <a:rPr lang="en-CA" dirty="0"/>
+              <a:rPr lang="en-US" sz="3700" kern="1200">
+                <a:solidFill>
+                  <a:srgbClr val="FFFFFF"/>
+                </a:solidFill>
+                <a:latin typeface="+mj-lt"/>
+                <a:ea typeface="+mj-ea"/>
+                <a:cs typeface="+mj-cs"/>
+              </a:rPr>
               <a:t>Tools I’ll use for Automated Testing and Verification</a:t>
             </a:r>
           </a:p>
         </p:txBody>
       </p:sp>
-      <p:sp>
-        <p:nvSpPr>
-          <p:cNvPr id="3" name="Content Placeholder 2">
+      <p:graphicFrame>
+        <p:nvGraphicFramePr>
+          <p:cNvPr id="1034" name="Content Placeholder 2">
             <a:extLst>
               <a:ext uri="{FF2B5EF4-FFF2-40B4-BE49-F238E27FC236}">
-                <a16:creationId xmlns:a16="http://schemas.microsoft.com/office/drawing/2014/main" id="{695A74DB-2858-C407-697B-48AD50FE8872}"/>
+                <a16:creationId xmlns:a16="http://schemas.microsoft.com/office/drawing/2014/main" id="{294E523B-CEC0-0596-5C0A-40E76B1F4041}"/>
               </a:ext>
             </a:extLst>
           </p:cNvPr>
-          <p:cNvSpPr>
-            <a:spLocks noGrp="1"/>
-          </p:cNvSpPr>
+          <p:cNvGraphicFramePr>
+            <a:graphicFrameLocks/>
+          </p:cNvGraphicFramePr>
           <p:nvPr>
-            <p:ph idx="1"/>
+            <p:extLst>
+              <p:ext uri="{D42A27DB-BD31-4B8C-83A1-F6EECF244321}">
+                <p14:modId xmlns:p14="http://schemas.microsoft.com/office/powerpoint/2010/main" val="4278586820"/>
+              </p:ext>
+            </p:extLst>
           </p:nvPr>
-        </p:nvSpPr>
-        <p:spPr>
-          <a:xfrm>
-            <a:off x="838201" y="1984443"/>
-            <a:ext cx="5257800" cy="4192520"/>
-          </a:xfrm>
-        </p:spPr>
-        <p:txBody>
-          <a:bodyPr>
-            <a:normAutofit/>
-          </a:bodyPr>
-          <a:lstStyle/>
-          <a:p>
-            <a:r>
-              <a:rPr lang="en-CA" sz="2200" dirty="0" err="1"/>
-              <a:t>CircleCI</a:t>
-            </a:r>
-            <a:r>
-              <a:rPr lang="en-CA" sz="2200" dirty="0"/>
-              <a:t> – Free (</a:t>
-            </a:r>
-            <a:r>
-              <a:rPr lang="en-CA" sz="2200" dirty="0" err="1"/>
-              <a:t>kinda</a:t>
-            </a:r>
-            <a:r>
-              <a:rPr lang="en-CA" sz="2200" dirty="0"/>
-              <a:t>) GitHub integrated CI tool that runs automated tests in a </a:t>
-            </a:r>
-            <a:r>
-              <a:rPr lang="en-CA" sz="2200"/>
-              <a:t>Docker image</a:t>
-            </a:r>
-          </a:p>
-          <a:p>
-            <a:endParaRPr lang="en-CA" sz="2200" dirty="0"/>
-          </a:p>
-        </p:txBody>
-      </p:sp>
+        </p:nvGraphicFramePr>
+        <p:xfrm>
+          <a:off x="4778083" y="1019508"/>
+          <a:ext cx="6836974" cy="4517394"/>
+        </p:xfrm>
+        <a:graphic>
+          <a:graphicData uri="http://schemas.openxmlformats.org/drawingml/2006/diagram">
+            <dgm:relIds xmlns:dgm="http://schemas.openxmlformats.org/drawingml/2006/diagram" xmlns:r="http://schemas.openxmlformats.org/officeDocument/2006/relationships" r:dm="rId2" r:lo="rId3" r:qs="rId4" r:cs="rId5"/>
+          </a:graphicData>
+        </a:graphic>
+      </p:graphicFrame>
       <p:sp>
         <p:nvSpPr>
           <p:cNvPr id="5" name="Slide Number Placeholder 3">
@@ -12465,8 +12906,8 @@
         </p:nvSpPr>
         <p:spPr>
           <a:xfrm>
-            <a:off x="9395545" y="6445897"/>
-            <a:ext cx="2743200" cy="365125"/>
+            <a:off x="10661642" y="6603491"/>
+            <a:ext cx="1527310" cy="203288"/>
           </a:xfrm>
           <a:prstGeom prst="rect">
             <a:avLst/>
@@ -12572,14 +13013,27 @@
             </a:lvl9pPr>
           </a:lstStyle>
           <a:p>
+            <a:pPr defTabSz="502920">
+              <a:spcAft>
+                <a:spcPts val="600"/>
+              </a:spcAft>
+            </a:pPr>
             <a:r>
-              <a:rPr lang="en-US" dirty="0">
+              <a:rPr lang="en-US" sz="1600" kern="1200" cap="none" spc="0" baseline="0" dirty="0">
                 <a:solidFill>
                   <a:schemeClr val="tx1"/>
                 </a:solidFill>
+                <a:latin typeface="+mn-lt"/>
+                <a:ea typeface="+mn-ea"/>
+                <a:cs typeface="+mn-cs"/>
               </a:rPr>
-              <a:t>Page 2/8</a:t>
+              <a:t>Page 2/6</a:t>
             </a:r>
+            <a:endParaRPr lang="en-US" sz="1600" dirty="0">
+              <a:solidFill>
+                <a:schemeClr val="tx1"/>
+              </a:solidFill>
+            </a:endParaRPr>
           </a:p>
         </p:txBody>
       </p:sp>
@@ -12621,12 +13075,12 @@
           <a:chExt cx="0" cy="0"/>
         </a:xfrm>
       </p:grpSpPr>
-      <p:sp useBgFill="1">
+      <p:sp>
         <p:nvSpPr>
-          <p:cNvPr id="10" name="Rectangle 9">
+          <p:cNvPr id="9" name="Freeform: Shape 8">
             <a:extLst>
               <a:ext uri="{FF2B5EF4-FFF2-40B4-BE49-F238E27FC236}">
-                <a16:creationId xmlns:a16="http://schemas.microsoft.com/office/drawing/2014/main" id="{1CD81A2A-6ED4-4EF4-A14C-912D31E14800}"/>
+                <a16:creationId xmlns:a16="http://schemas.microsoft.com/office/drawing/2014/main" id="{23DA7759-3209-4FE2-96D1-4EEDD81E9EA0}"/>
               </a:ext>
               <a:ext uri="{C183D7F6-B498-43B3-948B-1728B52AA6E4}">
                 <adec:decorative xmlns:adec="http://schemas.microsoft.com/office/drawing/2017/decorative" val="1"/>
@@ -12644,14 +13098,45 @@
             </p:extLst>
           </p:nvPr>
         </p:nvSpPr>
-        <p:spPr bwMode="white">
+        <p:spPr>
           <a:xfrm>
-            <a:off x="0" y="0"/>
-            <a:ext cx="12192000" cy="6858000"/>
+            <a:off x="10494433" y="2"/>
+            <a:ext cx="849328" cy="357668"/>
           </a:xfrm>
-          <a:prstGeom prst="rect">
+          <a:custGeom>
             <a:avLst/>
-          </a:prstGeom>
+            <a:gdLst/>
+            <a:ahLst/>
+            <a:cxnLst/>
+            <a:rect l="l" t="t" r="r" b="b"/>
+            <a:pathLst>
+              <a:path w="1135066" h="477997">
+                <a:moveTo>
+                  <a:pt x="0" y="0"/>
+                </a:moveTo>
+                <a:lnTo>
+                  <a:pt x="1135066" y="0"/>
+                </a:lnTo>
+                <a:lnTo>
+                  <a:pt x="1133370" y="16827"/>
+                </a:lnTo>
+                <a:cubicBezTo>
+                  <a:pt x="1079514" y="280016"/>
+                  <a:pt x="846644" y="477997"/>
+                  <a:pt x="567533" y="477997"/>
+                </a:cubicBezTo>
+                <a:cubicBezTo>
+                  <a:pt x="288422" y="477997"/>
+                  <a:pt x="55552" y="280016"/>
+                  <a:pt x="1696" y="16827"/>
+                </a:cubicBezTo>
+                <a:close/>
+              </a:path>
+            </a:pathLst>
+          </a:custGeom>
+          <a:solidFill>
+            <a:schemeClr val="accent4"/>
+          </a:solidFill>
           <a:ln>
             <a:noFill/>
           </a:ln>
@@ -12673,102 +13158,10 @@
           </a:fontRef>
         </p:style>
         <p:txBody>
-          <a:bodyPr rtlCol="0" anchor="ctr"/>
-          <a:lstStyle>
-            <a:defPPr>
-              <a:defRPr lang="en-US"/>
-            </a:defPPr>
-            <a:lvl1pPr marL="0" algn="l" defTabSz="914400" rtl="0" eaLnBrk="1" latinLnBrk="0" hangingPunct="1">
-              <a:defRPr sz="1800" kern="1200">
-                <a:solidFill>
-                  <a:schemeClr val="lt1"/>
-                </a:solidFill>
-                <a:latin typeface="+mn-lt"/>
-                <a:ea typeface="+mn-ea"/>
-                <a:cs typeface="+mn-cs"/>
-              </a:defRPr>
-            </a:lvl1pPr>
-            <a:lvl2pPr marL="457200" algn="l" defTabSz="914400" rtl="0" eaLnBrk="1" latinLnBrk="0" hangingPunct="1">
-              <a:defRPr sz="1800" kern="1200">
-                <a:solidFill>
-                  <a:schemeClr val="lt1"/>
-                </a:solidFill>
-                <a:latin typeface="+mn-lt"/>
-                <a:ea typeface="+mn-ea"/>
-                <a:cs typeface="+mn-cs"/>
-              </a:defRPr>
-            </a:lvl2pPr>
-            <a:lvl3pPr marL="914400" algn="l" defTabSz="914400" rtl="0" eaLnBrk="1" latinLnBrk="0" hangingPunct="1">
-              <a:defRPr sz="1800" kern="1200">
-                <a:solidFill>
-                  <a:schemeClr val="lt1"/>
-                </a:solidFill>
-                <a:latin typeface="+mn-lt"/>
-                <a:ea typeface="+mn-ea"/>
-                <a:cs typeface="+mn-cs"/>
-              </a:defRPr>
-            </a:lvl3pPr>
-            <a:lvl4pPr marL="1371600" algn="l" defTabSz="914400" rtl="0" eaLnBrk="1" latinLnBrk="0" hangingPunct="1">
-              <a:defRPr sz="1800" kern="1200">
-                <a:solidFill>
-                  <a:schemeClr val="lt1"/>
-                </a:solidFill>
-                <a:latin typeface="+mn-lt"/>
-                <a:ea typeface="+mn-ea"/>
-                <a:cs typeface="+mn-cs"/>
-              </a:defRPr>
-            </a:lvl4pPr>
-            <a:lvl5pPr marL="1828800" algn="l" defTabSz="914400" rtl="0" eaLnBrk="1" latinLnBrk="0" hangingPunct="1">
-              <a:defRPr sz="1800" kern="1200">
-                <a:solidFill>
-                  <a:schemeClr val="lt1"/>
-                </a:solidFill>
-                <a:latin typeface="+mn-lt"/>
-                <a:ea typeface="+mn-ea"/>
-                <a:cs typeface="+mn-cs"/>
-              </a:defRPr>
-            </a:lvl5pPr>
-            <a:lvl6pPr marL="2286000" algn="l" defTabSz="914400" rtl="0" eaLnBrk="1" latinLnBrk="0" hangingPunct="1">
-              <a:defRPr sz="1800" kern="1200">
-                <a:solidFill>
-                  <a:schemeClr val="lt1"/>
-                </a:solidFill>
-                <a:latin typeface="+mn-lt"/>
-                <a:ea typeface="+mn-ea"/>
-                <a:cs typeface="+mn-cs"/>
-              </a:defRPr>
-            </a:lvl6pPr>
-            <a:lvl7pPr marL="2743200" algn="l" defTabSz="914400" rtl="0" eaLnBrk="1" latinLnBrk="0" hangingPunct="1">
-              <a:defRPr sz="1800" kern="1200">
-                <a:solidFill>
-                  <a:schemeClr val="lt1"/>
-                </a:solidFill>
-                <a:latin typeface="+mn-lt"/>
-                <a:ea typeface="+mn-ea"/>
-                <a:cs typeface="+mn-cs"/>
-              </a:defRPr>
-            </a:lvl7pPr>
-            <a:lvl8pPr marL="3200400" algn="l" defTabSz="914400" rtl="0" eaLnBrk="1" latinLnBrk="0" hangingPunct="1">
-              <a:defRPr sz="1800" kern="1200">
-                <a:solidFill>
-                  <a:schemeClr val="lt1"/>
-                </a:solidFill>
-                <a:latin typeface="+mn-lt"/>
-                <a:ea typeface="+mn-ea"/>
-                <a:cs typeface="+mn-cs"/>
-              </a:defRPr>
-            </a:lvl8pPr>
-            <a:lvl9pPr marL="3657600" algn="l" defTabSz="914400" rtl="0" eaLnBrk="1" latinLnBrk="0" hangingPunct="1">
-              <a:defRPr sz="1800" kern="1200">
-                <a:solidFill>
-                  <a:schemeClr val="lt1"/>
-                </a:solidFill>
-                <a:latin typeface="+mn-lt"/>
-                <a:ea typeface="+mn-ea"/>
-                <a:cs typeface="+mn-cs"/>
-              </a:defRPr>
-            </a:lvl9pPr>
-          </a:lstStyle>
+          <a:bodyPr wrap="square" rtlCol="0" anchor="ctr">
+            <a:noAutofit/>
+          </a:bodyPr>
+          <a:lstStyle/>
           <a:p>
             <a:pPr marL="0" marR="0" lvl="0" indent="0" algn="ctr" defTabSz="914400" rtl="0" eaLnBrk="1" fontAlgn="auto" latinLnBrk="0" hangingPunct="1">
               <a:lnSpc>
@@ -12806,45 +13199,10 @@
       </p:sp>
       <p:sp>
         <p:nvSpPr>
-          <p:cNvPr id="2" name="Title 1">
+          <p:cNvPr id="11" name="Freeform: Shape 10">
             <a:extLst>
               <a:ext uri="{FF2B5EF4-FFF2-40B4-BE49-F238E27FC236}">
-                <a16:creationId xmlns:a16="http://schemas.microsoft.com/office/drawing/2014/main" id="{7D2F6F69-BD97-22EF-CF32-EB1A205B215C}"/>
-              </a:ext>
-            </a:extLst>
-          </p:cNvPr>
-          <p:cNvSpPr>
-            <a:spLocks noGrp="1"/>
-          </p:cNvSpPr>
-          <p:nvPr>
-            <p:ph type="title"/>
-          </p:nvPr>
-        </p:nvSpPr>
-        <p:spPr>
-          <a:xfrm>
-            <a:off x="838200" y="365125"/>
-            <a:ext cx="5393361" cy="1325563"/>
-          </a:xfrm>
-        </p:spPr>
-        <p:txBody>
-          <a:bodyPr>
-            <a:normAutofit/>
-          </a:bodyPr>
-          <a:lstStyle/>
-          <a:p>
-            <a:r>
-              <a:rPr lang="en-CA" dirty="0"/>
-              <a:t>Goal Statements</a:t>
-            </a:r>
-          </a:p>
-        </p:txBody>
-      </p:sp>
-      <p:sp>
-        <p:nvSpPr>
-          <p:cNvPr id="12" name="Freeform: Shape 11">
-            <a:extLst>
-              <a:ext uri="{FF2B5EF4-FFF2-40B4-BE49-F238E27FC236}">
-                <a16:creationId xmlns:a16="http://schemas.microsoft.com/office/drawing/2014/main" id="{1661932C-CA15-4E17-B115-FAE7CBEE4789}"/>
+                <a16:creationId xmlns:a16="http://schemas.microsoft.com/office/drawing/2014/main" id="{41460DAD-8769-4C9F-9C8C-BB0443909D76}"/>
               </a:ext>
               <a:ext uri="{C183D7F6-B498-43B3-948B-1728B52AA6E4}">
                 <adec:decorative xmlns:adec="http://schemas.microsoft.com/office/drawing/2017/decorative" val="1"/>
@@ -12863,329 +13221,9 @@
           </p:nvPr>
         </p:nvSpPr>
         <p:spPr>
-          <a:xfrm>
-            <a:off x="10198657" y="1"/>
-            <a:ext cx="1155142" cy="625027"/>
-          </a:xfrm>
-          <a:custGeom>
-            <a:avLst/>
-            <a:gdLst>
-              <a:gd name="connsiteX0" fmla="*/ 4784 w 1155142"/>
-              <a:gd name="connsiteY0" fmla="*/ 0 h 625027"/>
-              <a:gd name="connsiteX1" fmla="*/ 1150358 w 1155142"/>
-              <a:gd name="connsiteY1" fmla="*/ 0 h 625027"/>
-              <a:gd name="connsiteX2" fmla="*/ 1155142 w 1155142"/>
-              <a:gd name="connsiteY2" fmla="*/ 47456 h 625027"/>
-              <a:gd name="connsiteX3" fmla="*/ 577571 w 1155142"/>
-              <a:gd name="connsiteY3" fmla="*/ 625027 h 625027"/>
-              <a:gd name="connsiteX4" fmla="*/ 0 w 1155142"/>
-              <a:gd name="connsiteY4" fmla="*/ 47456 h 625027"/>
-            </a:gdLst>
-            <a:ahLst/>
-            <a:cxnLst>
-              <a:cxn ang="0">
-                <a:pos x="connsiteX0" y="connsiteY0"/>
-              </a:cxn>
-              <a:cxn ang="0">
-                <a:pos x="connsiteX1" y="connsiteY1"/>
-              </a:cxn>
-              <a:cxn ang="0">
-                <a:pos x="connsiteX2" y="connsiteY2"/>
-              </a:cxn>
-              <a:cxn ang="0">
-                <a:pos x="connsiteX3" y="connsiteY3"/>
-              </a:cxn>
-              <a:cxn ang="0">
-                <a:pos x="connsiteX4" y="connsiteY4"/>
-              </a:cxn>
-            </a:cxnLst>
-            <a:rect l="l" t="t" r="r" b="b"/>
-            <a:pathLst>
-              <a:path w="1155142" h="625027">
-                <a:moveTo>
-                  <a:pt x="4784" y="0"/>
-                </a:moveTo>
-                <a:lnTo>
-                  <a:pt x="1150358" y="0"/>
-                </a:lnTo>
-                <a:lnTo>
-                  <a:pt x="1155142" y="47456"/>
-                </a:lnTo>
-                <a:cubicBezTo>
-                  <a:pt x="1155142" y="366440"/>
-                  <a:pt x="896555" y="625027"/>
-                  <a:pt x="577571" y="625027"/>
-                </a:cubicBezTo>
-                <a:cubicBezTo>
-                  <a:pt x="258587" y="625027"/>
-                  <a:pt x="0" y="366440"/>
-                  <a:pt x="0" y="47456"/>
-                </a:cubicBezTo>
-                <a:close/>
-              </a:path>
-            </a:pathLst>
-          </a:custGeom>
-          <a:solidFill>
-            <a:schemeClr val="accent5">
-              <a:alpha val="95000"/>
-            </a:schemeClr>
-          </a:solidFill>
-          <a:ln>
-            <a:noFill/>
-          </a:ln>
-        </p:spPr>
-        <p:style>
-          <a:lnRef idx="2">
-            <a:schemeClr val="accent1">
-              <a:shade val="50000"/>
-            </a:schemeClr>
-          </a:lnRef>
-          <a:fillRef idx="1">
-            <a:schemeClr val="accent1"/>
-          </a:fillRef>
-          <a:effectRef idx="0">
-            <a:schemeClr val="accent1"/>
-          </a:effectRef>
-          <a:fontRef idx="minor">
-            <a:schemeClr val="lt1"/>
-          </a:fontRef>
-        </p:style>
-        <p:txBody>
-          <a:bodyPr wrap="square" rtlCol="0" anchor="ctr">
-            <a:noAutofit/>
-          </a:bodyPr>
-          <a:lstStyle/>
-          <a:p>
-            <a:pPr marL="0" marR="0" lvl="0" indent="0" algn="ctr" defTabSz="914400" rtl="0" eaLnBrk="1" fontAlgn="auto" latinLnBrk="0" hangingPunct="1">
-              <a:lnSpc>
-                <a:spcPct val="100000"/>
-              </a:lnSpc>
-              <a:spcBef>
-                <a:spcPts val="0"/>
-              </a:spcBef>
-              <a:spcAft>
-                <a:spcPts val="0"/>
-              </a:spcAft>
-              <a:buClrTx/>
-              <a:buSzTx/>
-              <a:buFontTx/>
-              <a:buNone/>
-              <a:tabLst/>
-              <a:defRPr/>
-            </a:pPr>
-            <a:endParaRPr kumimoji="0" lang="en-US" sz="1800" b="0" i="0" u="none" strike="noStrike" kern="1200" cap="none" spc="0" normalizeH="0" baseline="0" noProof="0">
-              <a:ln>
-                <a:noFill/>
-              </a:ln>
-              <a:solidFill>
-                <a:prstClr val="white"/>
-              </a:solidFill>
-              <a:effectLst/>
-              <a:uLnTx/>
-              <a:uFillTx/>
-              <a:latin typeface="Calibri" panose="020F0502020204030204"/>
-              <a:ea typeface="+mn-ea"/>
-              <a:cs typeface="+mn-cs"/>
-            </a:endParaRPr>
-          </a:p>
-        </p:txBody>
-      </p:sp>
-      <p:sp>
-        <p:nvSpPr>
-          <p:cNvPr id="3" name="Content Placeholder 2">
-            <a:extLst>
-              <a:ext uri="{FF2B5EF4-FFF2-40B4-BE49-F238E27FC236}">
-                <a16:creationId xmlns:a16="http://schemas.microsoft.com/office/drawing/2014/main" id="{1AEB8B50-8C85-0729-64B2-671AE19C2815}"/>
-              </a:ext>
-            </a:extLst>
-          </p:cNvPr>
-          <p:cNvSpPr>
-            <a:spLocks noGrp="1"/>
-          </p:cNvSpPr>
-          <p:nvPr>
-            <p:ph idx="1"/>
-          </p:nvPr>
-        </p:nvSpPr>
-        <p:spPr>
-          <a:xfrm>
-            <a:off x="838200" y="1825625"/>
-            <a:ext cx="5393361" cy="4351338"/>
-          </a:xfrm>
-        </p:spPr>
-        <p:txBody>
-          <a:bodyPr>
-            <a:normAutofit/>
-          </a:bodyPr>
-          <a:lstStyle/>
-          <a:p>
-            <a:pPr marL="0" indent="0">
-              <a:buNone/>
-            </a:pPr>
-            <a:r>
-              <a:rPr lang="en-CA" sz="1700" dirty="0"/>
-              <a:t>Given part of the program is creating a classification model there are two sets of goal statements. Given the initial dataset for each label (alphabet letter):</a:t>
-            </a:r>
-          </a:p>
-          <a:p>
-            <a:r>
-              <a:rPr lang="en-CA" sz="1700" dirty="0"/>
-              <a:t>GS1: Calculate the predicted values of known input character using the sigmoid function</a:t>
-            </a:r>
-          </a:p>
-          <a:p>
-            <a:r>
-              <a:rPr lang="en-CA" sz="1700" dirty="0"/>
-              <a:t>GS2: Train weights and biases by maximizing gradient of Log Likelihood function</a:t>
-            </a:r>
-          </a:p>
-          <a:p>
-            <a:pPr marL="0" indent="0">
-              <a:buNone/>
-            </a:pPr>
-            <a:r>
-              <a:rPr lang="en-CA" sz="1700" dirty="0"/>
-              <a:t>Then after the model has been built the goal shifts:</a:t>
-            </a:r>
-          </a:p>
-          <a:p>
-            <a:r>
-              <a:rPr lang="en-CA" sz="1700" dirty="0"/>
-              <a:t>GS3: Calculate the predicted values of unknown character using the sigmoid function</a:t>
-            </a:r>
-          </a:p>
-          <a:p>
-            <a:r>
-              <a:rPr lang="en-CA" sz="1700" dirty="0"/>
-              <a:t>GS4: Calculate Log Likelihood function and display label that is most likely the character depicted in the image.</a:t>
-            </a:r>
-          </a:p>
-        </p:txBody>
-      </p:sp>
-      <p:sp>
-        <p:nvSpPr>
-          <p:cNvPr id="14" name="Oval 13">
-            <a:extLst>
-              <a:ext uri="{FF2B5EF4-FFF2-40B4-BE49-F238E27FC236}">
-                <a16:creationId xmlns:a16="http://schemas.microsoft.com/office/drawing/2014/main" id="{8590ADD5-9383-4D3D-9047-3DA2593CCB5D}"/>
-              </a:ext>
-              <a:ext uri="{C183D7F6-B498-43B3-948B-1728B52AA6E4}">
-                <adec:decorative xmlns:adec="http://schemas.microsoft.com/office/drawing/2017/decorative" val="1"/>
-              </a:ext>
-            </a:extLst>
-          </p:cNvPr>
-          <p:cNvSpPr>
-            <a:spLocks noGrp="1" noRot="1" noChangeAspect="1" noMove="1" noResize="1" noEditPoints="1" noAdjustHandles="1" noChangeArrowheads="1" noChangeShapeType="1" noTextEdit="1"/>
-          </p:cNvSpPr>
-          <p:nvPr>
-            <p:extLst>
-              <p:ext uri="{386F3935-93C4-4BCD-93E2-E3B085C9AB24}">
-                <p16:designElem xmlns:p16="http://schemas.microsoft.com/office/powerpoint/2015/main" val="1"/>
-              </p:ext>
-            </p:extLst>
-          </p:nvPr>
-        </p:nvSpPr>
-        <p:spPr>
-          <a:xfrm>
-            <a:off x="6808185" y="3423959"/>
-            <a:ext cx="540822" cy="540822"/>
-          </a:xfrm>
-          <a:prstGeom prst="ellipse">
-            <a:avLst/>
-          </a:prstGeom>
-          <a:noFill/>
-          <a:ln w="127000">
-            <a:solidFill>
-              <a:schemeClr val="accent5"/>
-            </a:solidFill>
-          </a:ln>
-        </p:spPr>
-        <p:style>
-          <a:lnRef idx="2">
-            <a:schemeClr val="accent1">
-              <a:shade val="50000"/>
-            </a:schemeClr>
-          </a:lnRef>
-          <a:fillRef idx="1">
-            <a:schemeClr val="accent1"/>
-          </a:fillRef>
-          <a:effectRef idx="0">
-            <a:schemeClr val="accent1"/>
-          </a:effectRef>
-          <a:fontRef idx="minor">
-            <a:schemeClr val="lt1"/>
-          </a:fontRef>
-        </p:style>
-        <p:txBody>
-          <a:bodyPr rtlCol="0" anchor="ctr"/>
-          <a:lstStyle/>
-          <a:p>
-            <a:pPr marL="0" marR="0" lvl="0" indent="0" algn="ctr" defTabSz="914400" rtl="0" eaLnBrk="1" fontAlgn="auto" latinLnBrk="0" hangingPunct="1">
-              <a:lnSpc>
-                <a:spcPct val="100000"/>
-              </a:lnSpc>
-              <a:spcBef>
-                <a:spcPts val="0"/>
-              </a:spcBef>
-              <a:spcAft>
-                <a:spcPts val="0"/>
-              </a:spcAft>
-              <a:buClrTx/>
-              <a:buSzTx/>
-              <a:buFontTx/>
-              <a:buNone/>
-              <a:tabLst/>
-              <a:defRPr/>
-            </a:pPr>
-            <a:endParaRPr kumimoji="0" lang="en-US" sz="1800" b="0" i="0" u="none" strike="noStrike" kern="1200" cap="none" spc="0" normalizeH="0" baseline="0" noProof="0">
-              <a:ln>
-                <a:noFill/>
-              </a:ln>
-              <a:solidFill>
-                <a:prstClr val="white"/>
-              </a:solidFill>
-              <a:effectLst/>
-              <a:uLnTx/>
-              <a:uFillTx/>
-              <a:latin typeface="Calibri" panose="020F0502020204030204"/>
-              <a:ea typeface="+mn-ea"/>
-              <a:cs typeface="+mn-cs"/>
-            </a:endParaRPr>
-          </a:p>
-        </p:txBody>
-      </p:sp>
-      <p:pic>
-        <p:nvPicPr>
-          <p:cNvPr id="7" name="Graphic 6" descr="Flowchart">
-            <a:extLst>
-              <a:ext uri="{FF2B5EF4-FFF2-40B4-BE49-F238E27FC236}">
-                <a16:creationId xmlns:a16="http://schemas.microsoft.com/office/drawing/2014/main" id="{947BE24C-2029-BD0A-C300-37A124369839}"/>
-              </a:ext>
-            </a:extLst>
-          </p:cNvPr>
-          <p:cNvPicPr>
-            <a:picLocks noChangeAspect="1"/>
-          </p:cNvPicPr>
-          <p:nvPr/>
-        </p:nvPicPr>
-        <p:blipFill>
-          <a:blip r:embed="rId3">
-            <a:extLst>
-              <a:ext uri="{28A0092B-C50C-407E-A947-70E740481C1C}">
-                <a14:useLocalDpi xmlns:a14="http://schemas.microsoft.com/office/drawing/2010/main" val="0"/>
-              </a:ext>
-              <a:ext uri="{96DAC541-7B7A-43D3-8B79-37D633B846F1}">
-                <asvg:svgBlip xmlns:asvg="http://schemas.microsoft.com/office/drawing/2016/SVG/main" r:embed="rId4"/>
-              </a:ext>
-            </a:extLst>
-          </a:blip>
-          <a:stretch>
-            <a:fillRect/>
-          </a:stretch>
-        </p:blipFill>
-        <p:spPr>
-          <a:xfrm>
-            <a:off x="7887184" y="1216485"/>
-            <a:ext cx="3781051" cy="3781051"/>
+          <a:xfrm flipH="1">
+            <a:off x="123536" y="5717905"/>
+            <a:ext cx="1771609" cy="1140095"/>
           </a:xfrm>
           <a:custGeom>
             <a:avLst/>
@@ -13194,594 +13232,32 @@
             <a:cxnLst/>
             <a:rect l="l" t="t" r="r" b="b"/>
             <a:pathLst>
-              <a:path w="4114800" h="5712488">
+              <a:path w="1771609" h="1140095">
                 <a:moveTo>
-                  <a:pt x="133155" y="0"/>
-                </a:moveTo>
-                <a:lnTo>
-                  <a:pt x="3981645" y="0"/>
-                </a:lnTo>
-                <a:cubicBezTo>
-                  <a:pt x="4055184" y="0"/>
-                  <a:pt x="4114800" y="59616"/>
-                  <a:pt x="4114800" y="133155"/>
-                </a:cubicBezTo>
-                <a:lnTo>
-                  <a:pt x="4114800" y="5579333"/>
-                </a:lnTo>
-                <a:cubicBezTo>
-                  <a:pt x="4114800" y="5652872"/>
-                  <a:pt x="4055184" y="5712488"/>
-                  <a:pt x="3981645" y="5712488"/>
-                </a:cubicBezTo>
-                <a:lnTo>
-                  <a:pt x="133155" y="5712488"/>
-                </a:lnTo>
-                <a:cubicBezTo>
-                  <a:pt x="59616" y="5712488"/>
-                  <a:pt x="0" y="5652872"/>
-                  <a:pt x="0" y="5579333"/>
-                </a:cubicBezTo>
-                <a:lnTo>
-                  <a:pt x="0" y="133155"/>
-                </a:lnTo>
-                <a:cubicBezTo>
-                  <a:pt x="0" y="59616"/>
-                  <a:pt x="59616" y="0"/>
-                  <a:pt x="133155" y="0"/>
-                </a:cubicBezTo>
-                <a:close/>
-              </a:path>
-            </a:pathLst>
-          </a:custGeom>
-        </p:spPr>
-      </p:pic>
-      <p:sp>
-        <p:nvSpPr>
-          <p:cNvPr id="16" name="Freeform: Shape 15">
-            <a:extLst>
-              <a:ext uri="{FF2B5EF4-FFF2-40B4-BE49-F238E27FC236}">
-                <a16:creationId xmlns:a16="http://schemas.microsoft.com/office/drawing/2014/main" id="{DABE3E45-88CF-45D8-8D40-C773324D93F6}"/>
-              </a:ext>
-              <a:ext uri="{C183D7F6-B498-43B3-948B-1728B52AA6E4}">
-                <adec:decorative xmlns:adec="http://schemas.microsoft.com/office/drawing/2017/decorative" val="1"/>
-              </a:ext>
-            </a:extLst>
-          </p:cNvPr>
-          <p:cNvSpPr>
-            <a:spLocks noGrp="1" noRot="1" noChangeAspect="1" noMove="1" noResize="1" noEditPoints="1" noAdjustHandles="1" noChangeArrowheads="1" noChangeShapeType="1" noTextEdit="1"/>
-          </p:cNvSpPr>
-          <p:nvPr>
-            <p:extLst>
-              <p:ext uri="{386F3935-93C4-4BCD-93E2-E3B085C9AB24}">
-                <p16:designElem xmlns:p16="http://schemas.microsoft.com/office/powerpoint/2015/main" val="1"/>
-              </p:ext>
-            </p:extLst>
-          </p:nvPr>
-        </p:nvSpPr>
-        <p:spPr>
-          <a:xfrm>
-            <a:off x="6749602" y="1"/>
-            <a:ext cx="2066948" cy="1621879"/>
-          </a:xfrm>
-          <a:custGeom>
-            <a:avLst/>
-            <a:gdLst>
-              <a:gd name="connsiteX0" fmla="*/ 0 w 2066948"/>
-              <a:gd name="connsiteY0" fmla="*/ 0 h 1621879"/>
-              <a:gd name="connsiteX1" fmla="*/ 123825 w 2066948"/>
-              <a:gd name="connsiteY1" fmla="*/ 0 h 1621879"/>
-              <a:gd name="connsiteX2" fmla="*/ 123825 w 2066948"/>
-              <a:gd name="connsiteY2" fmla="*/ 1452620 h 1621879"/>
-              <a:gd name="connsiteX3" fmla="*/ 1881378 w 2066948"/>
-              <a:gd name="connsiteY3" fmla="*/ 436017 h 1621879"/>
-              <a:gd name="connsiteX4" fmla="*/ 1127572 w 2066948"/>
-              <a:gd name="connsiteY4" fmla="*/ 0 h 1621879"/>
-              <a:gd name="connsiteX5" fmla="*/ 1374887 w 2066948"/>
-              <a:gd name="connsiteY5" fmla="*/ 0 h 1621879"/>
-              <a:gd name="connsiteX6" fmla="*/ 2035969 w 2066948"/>
-              <a:gd name="connsiteY6" fmla="*/ 382391 h 1621879"/>
-              <a:gd name="connsiteX7" fmla="*/ 2058648 w 2066948"/>
-              <a:gd name="connsiteY7" fmla="*/ 466963 h 1621879"/>
-              <a:gd name="connsiteX8" fmla="*/ 2035969 w 2066948"/>
-              <a:gd name="connsiteY8" fmla="*/ 489642 h 1621879"/>
-              <a:gd name="connsiteX9" fmla="*/ 92869 w 2066948"/>
-              <a:gd name="connsiteY9" fmla="*/ 1613592 h 1621879"/>
-              <a:gd name="connsiteX10" fmla="*/ 61913 w 2066948"/>
-              <a:gd name="connsiteY10" fmla="*/ 1621879 h 1621879"/>
-              <a:gd name="connsiteX11" fmla="*/ 0 w 2066948"/>
-              <a:gd name="connsiteY11" fmla="*/ 1559967 h 1621879"/>
-            </a:gdLst>
-            <a:ahLst/>
-            <a:cxnLst>
-              <a:cxn ang="0">
-                <a:pos x="connsiteX0" y="connsiteY0"/>
-              </a:cxn>
-              <a:cxn ang="0">
-                <a:pos x="connsiteX1" y="connsiteY1"/>
-              </a:cxn>
-              <a:cxn ang="0">
-                <a:pos x="connsiteX2" y="connsiteY2"/>
-              </a:cxn>
-              <a:cxn ang="0">
-                <a:pos x="connsiteX3" y="connsiteY3"/>
-              </a:cxn>
-              <a:cxn ang="0">
-                <a:pos x="connsiteX4" y="connsiteY4"/>
-              </a:cxn>
-              <a:cxn ang="0">
-                <a:pos x="connsiteX5" y="connsiteY5"/>
-              </a:cxn>
-              <a:cxn ang="0">
-                <a:pos x="connsiteX6" y="connsiteY6"/>
-              </a:cxn>
-              <a:cxn ang="0">
-                <a:pos x="connsiteX7" y="connsiteY7"/>
-              </a:cxn>
-              <a:cxn ang="0">
-                <a:pos x="connsiteX8" y="connsiteY8"/>
-              </a:cxn>
-              <a:cxn ang="0">
-                <a:pos x="connsiteX9" y="connsiteY9"/>
-              </a:cxn>
-              <a:cxn ang="0">
-                <a:pos x="connsiteX10" y="connsiteY10"/>
-              </a:cxn>
-              <a:cxn ang="0">
-                <a:pos x="connsiteX11" y="connsiteY11"/>
-              </a:cxn>
-            </a:cxnLst>
-            <a:rect l="l" t="t" r="r" b="b"/>
-            <a:pathLst>
-              <a:path w="2066948" h="1621879">
-                <a:moveTo>
-                  <a:pt x="0" y="0"/>
-                </a:moveTo>
-                <a:lnTo>
-                  <a:pt x="123825" y="0"/>
-                </a:lnTo>
-                <a:lnTo>
-                  <a:pt x="123825" y="1452620"/>
-                </a:lnTo>
-                <a:lnTo>
-                  <a:pt x="1881378" y="436017"/>
-                </a:lnTo>
-                <a:lnTo>
-                  <a:pt x="1127572" y="0"/>
-                </a:lnTo>
-                <a:lnTo>
-                  <a:pt x="1374887" y="0"/>
-                </a:lnTo>
-                <a:lnTo>
-                  <a:pt x="2035969" y="382391"/>
-                </a:lnTo>
-                <a:cubicBezTo>
-                  <a:pt x="2065582" y="399479"/>
-                  <a:pt x="2075745" y="437340"/>
-                  <a:pt x="2058648" y="466963"/>
-                </a:cubicBezTo>
-                <a:cubicBezTo>
-                  <a:pt x="2053219" y="476384"/>
-                  <a:pt x="2045389" y="484204"/>
-                  <a:pt x="2035969" y="489642"/>
-                </a:cubicBezTo>
-                <a:lnTo>
-                  <a:pt x="92869" y="1613592"/>
-                </a:lnTo>
-                <a:cubicBezTo>
-                  <a:pt x="83458" y="1619031"/>
-                  <a:pt x="72780" y="1621889"/>
-                  <a:pt x="61913" y="1621879"/>
-                </a:cubicBezTo>
-                <a:cubicBezTo>
-                  <a:pt x="27719" y="1621879"/>
-                  <a:pt x="0" y="1594161"/>
-                  <a:pt x="0" y="1559967"/>
-                </a:cubicBezTo>
-                <a:close/>
-              </a:path>
-            </a:pathLst>
-          </a:custGeom>
-          <a:solidFill>
-            <a:schemeClr val="accent6"/>
-          </a:solidFill>
-          <a:ln w="9525" cap="flat">
-            <a:noFill/>
-            <a:prstDash val="solid"/>
-            <a:miter/>
-          </a:ln>
-        </p:spPr>
-        <p:txBody>
-          <a:bodyPr rtlCol="0" anchor="ctr"/>
-          <a:lstStyle/>
-          <a:p>
-            <a:pPr marL="0" marR="0" lvl="0" indent="0" algn="l" defTabSz="914400" rtl="0" eaLnBrk="1" fontAlgn="auto" latinLnBrk="0" hangingPunct="1">
-              <a:lnSpc>
-                <a:spcPct val="100000"/>
-              </a:lnSpc>
-              <a:spcBef>
-                <a:spcPts val="0"/>
-              </a:spcBef>
-              <a:spcAft>
-                <a:spcPts val="0"/>
-              </a:spcAft>
-              <a:buClrTx/>
-              <a:buSzTx/>
-              <a:buFontTx/>
-              <a:buNone/>
-              <a:tabLst/>
-              <a:defRPr/>
-            </a:pPr>
-            <a:endParaRPr kumimoji="0" lang="en-US" sz="1800" b="0" i="0" u="none" strike="noStrike" kern="1200" cap="none" spc="0" normalizeH="0" baseline="0" noProof="0">
-              <a:ln>
-                <a:noFill/>
-              </a:ln>
-              <a:solidFill>
-                <a:prstClr val="black"/>
-              </a:solidFill>
-              <a:effectLst/>
-              <a:uLnTx/>
-              <a:uFillTx/>
-              <a:latin typeface="Calibri" panose="020F0502020204030204"/>
-              <a:ea typeface="+mn-ea"/>
-              <a:cs typeface="+mn-cs"/>
-            </a:endParaRPr>
-          </a:p>
-        </p:txBody>
-      </p:sp>
-      <p:cxnSp>
-        <p:nvCxnSpPr>
-          <p:cNvPr id="18" name="Straight Connector 17">
-            <a:extLst>
-              <a:ext uri="{FF2B5EF4-FFF2-40B4-BE49-F238E27FC236}">
-                <a16:creationId xmlns:a16="http://schemas.microsoft.com/office/drawing/2014/main" id="{49CD1692-827B-4C8D-B4A1-134FD04CF45C}"/>
-              </a:ext>
-              <a:ext uri="{C183D7F6-B498-43B3-948B-1728B52AA6E4}">
-                <adec:decorative xmlns:adec="http://schemas.microsoft.com/office/drawing/2017/decorative" val="1"/>
-              </a:ext>
-            </a:extLst>
-          </p:cNvPr>
-          <p:cNvCxnSpPr>
-            <a:cxnSpLocks noGrp="1" noRot="1" noChangeAspect="1" noMove="1" noResize="1" noEditPoints="1" noAdjustHandles="1" noChangeArrowheads="1" noChangeShapeType="1"/>
-          </p:cNvCxnSpPr>
-          <p:nvPr>
-            <p:extLst>
-              <p:ext uri="{386F3935-93C4-4BCD-93E2-E3B085C9AB24}">
-                <p16:designElem xmlns:p16="http://schemas.microsoft.com/office/powerpoint/2015/main" val="1"/>
-              </p:ext>
-            </p:extLst>
-          </p:nvPr>
-        </p:nvCxnSpPr>
-        <p:spPr>
-          <a:xfrm>
-            <a:off x="12138745" y="1027906"/>
-            <a:ext cx="0" cy="1597708"/>
-          </a:xfrm>
-          <a:prstGeom prst="line">
-            <a:avLst/>
-          </a:prstGeom>
-          <a:ln w="127000" cap="rnd">
-            <a:solidFill>
-              <a:schemeClr val="accent4"/>
-            </a:solidFill>
-            <a:prstDash val="dash"/>
-          </a:ln>
-        </p:spPr>
-        <p:style>
-          <a:lnRef idx="1">
-            <a:schemeClr val="accent1"/>
-          </a:lnRef>
-          <a:fillRef idx="0">
-            <a:schemeClr val="accent1"/>
-          </a:fillRef>
-          <a:effectRef idx="0">
-            <a:schemeClr val="accent1"/>
-          </a:effectRef>
-          <a:fontRef idx="minor">
-            <a:schemeClr val="tx1"/>
-          </a:fontRef>
-        </p:style>
-      </p:cxnSp>
-      <p:sp>
-        <p:nvSpPr>
-          <p:cNvPr id="20" name="Freeform: Shape 19">
-            <a:extLst>
-              <a:ext uri="{FF2B5EF4-FFF2-40B4-BE49-F238E27FC236}">
-                <a16:creationId xmlns:a16="http://schemas.microsoft.com/office/drawing/2014/main" id="{B91ECDA9-56DC-4270-8F33-01C5637B8CEB}"/>
-              </a:ext>
-              <a:ext uri="{C183D7F6-B498-43B3-948B-1728B52AA6E4}">
-                <adec:decorative xmlns:adec="http://schemas.microsoft.com/office/drawing/2017/decorative" val="1"/>
-              </a:ext>
-            </a:extLst>
-          </p:cNvPr>
-          <p:cNvSpPr>
-            <a:spLocks noGrp="1" noRot="1" noChangeAspect="1" noMove="1" noResize="1" noEditPoints="1" noAdjustHandles="1" noChangeArrowheads="1" noChangeShapeType="1" noTextEdit="1"/>
-          </p:cNvSpPr>
-          <p:nvPr>
-            <p:extLst>
-              <p:ext uri="{386F3935-93C4-4BCD-93E2-E3B085C9AB24}">
-                <p16:designElem xmlns:p16="http://schemas.microsoft.com/office/powerpoint/2015/main" val="1"/>
-              </p:ext>
-            </p:extLst>
-          </p:nvPr>
-        </p:nvSpPr>
-        <p:spPr>
-          <a:xfrm rot="20463438">
-            <a:off x="7456580" y="5166682"/>
-            <a:ext cx="1835725" cy="2024785"/>
-          </a:xfrm>
-          <a:custGeom>
-            <a:avLst/>
-            <a:gdLst>
-              <a:gd name="connsiteX0" fmla="*/ 1801138 w 1835725"/>
-              <a:gd name="connsiteY0" fmla="*/ 1622662 h 2024785"/>
-              <a:gd name="connsiteX1" fmla="*/ 1835717 w 1835725"/>
-              <a:gd name="connsiteY1" fmla="*/ 1680254 h 2024785"/>
-              <a:gd name="connsiteX2" fmla="*/ 1812568 w 1835725"/>
-              <a:gd name="connsiteY2" fmla="*/ 1877193 h 2024785"/>
-              <a:gd name="connsiteX3" fmla="*/ 1776210 w 1835725"/>
-              <a:gd name="connsiteY3" fmla="*/ 2024785 h 2024785"/>
-              <a:gd name="connsiteX4" fmla="*/ 1655772 w 1835725"/>
-              <a:gd name="connsiteY4" fmla="*/ 1983449 h 2024785"/>
-              <a:gd name="connsiteX5" fmla="*/ 1687591 w 1835725"/>
-              <a:gd name="connsiteY5" fmla="*/ 1854495 h 2024785"/>
-              <a:gd name="connsiteX6" fmla="*/ 1708939 w 1835725"/>
-              <a:gd name="connsiteY6" fmla="*/ 1673301 h 2024785"/>
-              <a:gd name="connsiteX7" fmla="*/ 1778129 w 1835725"/>
-              <a:gd name="connsiteY7" fmla="*/ 1615979 h 2024785"/>
-              <a:gd name="connsiteX8" fmla="*/ 1801138 w 1835725"/>
-              <a:gd name="connsiteY8" fmla="*/ 1622662 h 2024785"/>
-              <a:gd name="connsiteX9" fmla="*/ 1585229 w 1835725"/>
-              <a:gd name="connsiteY9" fmla="*/ 764759 h 2024785"/>
-              <a:gd name="connsiteX10" fmla="*/ 1623024 w 1835725"/>
-              <a:gd name="connsiteY10" fmla="*/ 792810 h 2024785"/>
-              <a:gd name="connsiteX11" fmla="*/ 1777614 w 1835725"/>
-              <a:gd name="connsiteY11" fmla="*/ 1157141 h 2024785"/>
-              <a:gd name="connsiteX12" fmla="*/ 1733799 w 1835725"/>
-              <a:gd name="connsiteY12" fmla="*/ 1235532 h 2024785"/>
-              <a:gd name="connsiteX13" fmla="*/ 1716464 w 1835725"/>
-              <a:gd name="connsiteY13" fmla="*/ 1237722 h 2024785"/>
-              <a:gd name="connsiteX14" fmla="*/ 1716464 w 1835725"/>
-              <a:gd name="connsiteY14" fmla="*/ 1237913 h 2024785"/>
-              <a:gd name="connsiteX15" fmla="*/ 1655409 w 1835725"/>
-              <a:gd name="connsiteY15" fmla="*/ 1191717 h 2024785"/>
-              <a:gd name="connsiteX16" fmla="*/ 1513200 w 1835725"/>
-              <a:gd name="connsiteY16" fmla="*/ 856627 h 2024785"/>
-              <a:gd name="connsiteX17" fmla="*/ 1538499 w 1835725"/>
-              <a:gd name="connsiteY17" fmla="*/ 770415 h 2024785"/>
-              <a:gd name="connsiteX18" fmla="*/ 1585229 w 1835725"/>
-              <a:gd name="connsiteY18" fmla="*/ 764759 h 2024785"/>
-              <a:gd name="connsiteX19" fmla="*/ 477919 w 1835725"/>
-              <a:gd name="connsiteY19" fmla="*/ 21437 h 2024785"/>
-              <a:gd name="connsiteX20" fmla="*/ 509236 w 1835725"/>
-              <a:gd name="connsiteY20" fmla="*/ 84182 h 2024785"/>
-              <a:gd name="connsiteX21" fmla="*/ 445829 w 1835725"/>
-              <a:gd name="connsiteY21" fmla="*/ 139871 h 2024785"/>
-              <a:gd name="connsiteX22" fmla="*/ 437447 w 1835725"/>
-              <a:gd name="connsiteY22" fmla="*/ 139395 h 2024785"/>
-              <a:gd name="connsiteX23" fmla="*/ 73211 w 1835725"/>
-              <a:gd name="connsiteY23" fmla="*/ 137204 h 2024785"/>
-              <a:gd name="connsiteX24" fmla="*/ 749 w 1835725"/>
-              <a:gd name="connsiteY24" fmla="*/ 84082 h 2024785"/>
-              <a:gd name="connsiteX25" fmla="*/ 53871 w 1835725"/>
-              <a:gd name="connsiteY25" fmla="*/ 11621 h 2024785"/>
-              <a:gd name="connsiteX26" fmla="*/ 58352 w 1835725"/>
-              <a:gd name="connsiteY26" fmla="*/ 11093 h 2024785"/>
-              <a:gd name="connsiteX27" fmla="*/ 454020 w 1835725"/>
-              <a:gd name="connsiteY27" fmla="*/ 13474 h 2024785"/>
-              <a:gd name="connsiteX28" fmla="*/ 477919 w 1835725"/>
-              <a:gd name="connsiteY28" fmla="*/ 21437 h 2024785"/>
-              <a:gd name="connsiteX29" fmla="*/ 957797 w 1835725"/>
-              <a:gd name="connsiteY29" fmla="*/ 167970 h 2024785"/>
-              <a:gd name="connsiteX30" fmla="*/ 1286982 w 1835725"/>
-              <a:gd name="connsiteY30" fmla="*/ 387616 h 2024785"/>
-              <a:gd name="connsiteX31" fmla="*/ 1293725 w 1835725"/>
-              <a:gd name="connsiteY31" fmla="*/ 477075 h 2024785"/>
-              <a:gd name="connsiteX32" fmla="*/ 1245453 w 1835725"/>
-              <a:gd name="connsiteY32" fmla="*/ 499154 h 2024785"/>
-              <a:gd name="connsiteX33" fmla="*/ 1245167 w 1835725"/>
-              <a:gd name="connsiteY33" fmla="*/ 499154 h 2024785"/>
-              <a:gd name="connsiteX34" fmla="*/ 1203638 w 1835725"/>
-              <a:gd name="connsiteY34" fmla="*/ 484104 h 2024785"/>
-              <a:gd name="connsiteX35" fmla="*/ 900647 w 1835725"/>
-              <a:gd name="connsiteY35" fmla="*/ 281508 h 2024785"/>
-              <a:gd name="connsiteX36" fmla="*/ 872454 w 1835725"/>
-              <a:gd name="connsiteY36" fmla="*/ 196164 h 2024785"/>
-              <a:gd name="connsiteX37" fmla="*/ 957797 w 1835725"/>
-              <a:gd name="connsiteY37" fmla="*/ 167970 h 2024785"/>
-            </a:gdLst>
-            <a:ahLst/>
-            <a:cxnLst>
-              <a:cxn ang="0">
-                <a:pos x="connsiteX0" y="connsiteY0"/>
-              </a:cxn>
-              <a:cxn ang="0">
-                <a:pos x="connsiteX1" y="connsiteY1"/>
-              </a:cxn>
-              <a:cxn ang="0">
-                <a:pos x="connsiteX2" y="connsiteY2"/>
-              </a:cxn>
-              <a:cxn ang="0">
-                <a:pos x="connsiteX3" y="connsiteY3"/>
-              </a:cxn>
-              <a:cxn ang="0">
-                <a:pos x="connsiteX4" y="connsiteY4"/>
-              </a:cxn>
-              <a:cxn ang="0">
-                <a:pos x="connsiteX5" y="connsiteY5"/>
-              </a:cxn>
-              <a:cxn ang="0">
-                <a:pos x="connsiteX6" y="connsiteY6"/>
-              </a:cxn>
-              <a:cxn ang="0">
-                <a:pos x="connsiteX7" y="connsiteY7"/>
-              </a:cxn>
-              <a:cxn ang="0">
-                <a:pos x="connsiteX8" y="connsiteY8"/>
-              </a:cxn>
-              <a:cxn ang="0">
-                <a:pos x="connsiteX9" y="connsiteY9"/>
-              </a:cxn>
-              <a:cxn ang="0">
-                <a:pos x="connsiteX10" y="connsiteY10"/>
-              </a:cxn>
-              <a:cxn ang="0">
-                <a:pos x="connsiteX11" y="connsiteY11"/>
-              </a:cxn>
-              <a:cxn ang="0">
-                <a:pos x="connsiteX12" y="connsiteY12"/>
-              </a:cxn>
-              <a:cxn ang="0">
-                <a:pos x="connsiteX13" y="connsiteY13"/>
-              </a:cxn>
-              <a:cxn ang="0">
-                <a:pos x="connsiteX14" y="connsiteY14"/>
-              </a:cxn>
-              <a:cxn ang="0">
-                <a:pos x="connsiteX15" y="connsiteY15"/>
-              </a:cxn>
-              <a:cxn ang="0">
-                <a:pos x="connsiteX16" y="connsiteY16"/>
-              </a:cxn>
-              <a:cxn ang="0">
-                <a:pos x="connsiteX17" y="connsiteY17"/>
-              </a:cxn>
-              <a:cxn ang="0">
-                <a:pos x="connsiteX18" y="connsiteY18"/>
-              </a:cxn>
-              <a:cxn ang="0">
-                <a:pos x="connsiteX19" y="connsiteY19"/>
-              </a:cxn>
-              <a:cxn ang="0">
-                <a:pos x="connsiteX20" y="connsiteY20"/>
-              </a:cxn>
-              <a:cxn ang="0">
-                <a:pos x="connsiteX21" y="connsiteY21"/>
-              </a:cxn>
-              <a:cxn ang="0">
-                <a:pos x="connsiteX22" y="connsiteY22"/>
-              </a:cxn>
-              <a:cxn ang="0">
-                <a:pos x="connsiteX23" y="connsiteY23"/>
-              </a:cxn>
-              <a:cxn ang="0">
-                <a:pos x="connsiteX24" y="connsiteY24"/>
-              </a:cxn>
-              <a:cxn ang="0">
-                <a:pos x="connsiteX25" y="connsiteY25"/>
-              </a:cxn>
-              <a:cxn ang="0">
-                <a:pos x="connsiteX26" y="connsiteY26"/>
-              </a:cxn>
-              <a:cxn ang="0">
-                <a:pos x="connsiteX27" y="connsiteY27"/>
-              </a:cxn>
-              <a:cxn ang="0">
-                <a:pos x="connsiteX28" y="connsiteY28"/>
-              </a:cxn>
-              <a:cxn ang="0">
-                <a:pos x="connsiteX29" y="connsiteY29"/>
-              </a:cxn>
-              <a:cxn ang="0">
-                <a:pos x="connsiteX30" y="connsiteY30"/>
-              </a:cxn>
-              <a:cxn ang="0">
-                <a:pos x="connsiteX31" y="connsiteY31"/>
-              </a:cxn>
-              <a:cxn ang="0">
-                <a:pos x="connsiteX32" y="connsiteY32"/>
-              </a:cxn>
-              <a:cxn ang="0">
-                <a:pos x="connsiteX33" y="connsiteY33"/>
-              </a:cxn>
-              <a:cxn ang="0">
-                <a:pos x="connsiteX34" y="connsiteY34"/>
-              </a:cxn>
-              <a:cxn ang="0">
-                <a:pos x="connsiteX35" y="connsiteY35"/>
-              </a:cxn>
-              <a:cxn ang="0">
-                <a:pos x="connsiteX36" y="connsiteY36"/>
-              </a:cxn>
-              <a:cxn ang="0">
-                <a:pos x="connsiteX37" y="connsiteY37"/>
-              </a:cxn>
-            </a:cxnLst>
-            <a:rect l="l" t="t" r="r" b="b"/>
-            <a:pathLst>
-              <a:path w="1835725" h="2024785">
-                <a:moveTo>
-                  <a:pt x="1801138" y="1622662"/>
+                  <a:pt x="1561721" y="763041"/>
                 </a:moveTo>
                 <a:cubicBezTo>
-                  <a:pt x="1822105" y="1633400"/>
-                  <a:pt x="1836117" y="1655372"/>
-                  <a:pt x="1835717" y="1680254"/>
-                </a:cubicBezTo>
-                <a:cubicBezTo>
-                  <a:pt x="1832093" y="1746382"/>
-                  <a:pt x="1824354" y="1812154"/>
-                  <a:pt x="1812568" y="1877193"/>
-                </a:cubicBezTo>
-                <a:lnTo>
-                  <a:pt x="1776210" y="2024785"/>
-                </a:lnTo>
-                <a:lnTo>
-                  <a:pt x="1655772" y="1983449"/>
-                </a:lnTo>
-                <a:lnTo>
-                  <a:pt x="1687591" y="1854495"/>
-                </a:lnTo>
-                <a:cubicBezTo>
-                  <a:pt x="1698455" y="1794657"/>
-                  <a:pt x="1705590" y="1734142"/>
-                  <a:pt x="1708939" y="1673301"/>
-                </a:cubicBezTo>
-                <a:cubicBezTo>
-                  <a:pt x="1712216" y="1638363"/>
-                  <a:pt x="1743190" y="1612703"/>
-                  <a:pt x="1778129" y="1615979"/>
-                </a:cubicBezTo>
-                <a:cubicBezTo>
-                  <a:pt x="1786387" y="1616753"/>
-                  <a:pt x="1794149" y="1619084"/>
-                  <a:pt x="1801138" y="1622662"/>
-                </a:cubicBezTo>
-                <a:close/>
-                <a:moveTo>
-                  <a:pt x="1585229" y="764759"/>
-                </a:moveTo>
-                <a:cubicBezTo>
-                  <a:pt x="1600438" y="768789"/>
-                  <a:pt x="1614156" y="778436"/>
+                  <a:pt x="1585506" y="760324"/>
+                  <a:pt x="1609722" y="771249"/>
                   <a:pt x="1623024" y="792810"/>
                 </a:cubicBezTo>
                 <a:cubicBezTo>
-                  <a:pt x="1689575" y="907319"/>
-                  <a:pt x="1741505" y="1029715"/>
-                  <a:pt x="1777614" y="1157141"/>
-                </a:cubicBezTo>
-                <a:cubicBezTo>
-                  <a:pt x="1787149" y="1190888"/>
-                  <a:pt x="1767537" y="1225969"/>
-                  <a:pt x="1733799" y="1235532"/>
-                </a:cubicBezTo>
-                <a:cubicBezTo>
-                  <a:pt x="1728151" y="1237046"/>
-                  <a:pt x="1722312" y="1237780"/>
-                  <a:pt x="1716464" y="1237722"/>
+                  <a:pt x="1656300" y="850065"/>
+                  <a:pt x="1685920" y="909291"/>
+                  <a:pt x="1711735" y="970132"/>
                 </a:cubicBezTo>
                 <a:lnTo>
-                  <a:pt x="1716464" y="1237913"/>
+                  <a:pt x="1771609" y="1140095"/>
+                </a:lnTo>
+                <a:lnTo>
+                  <a:pt x="1637225" y="1140095"/>
+                </a:lnTo>
+                <a:lnTo>
+                  <a:pt x="1594820" y="1019711"/>
                 </a:lnTo>
                 <a:cubicBezTo>
-                  <a:pt x="1688070" y="1237913"/>
-                  <a:pt x="1663124" y="1219044"/>
-                  <a:pt x="1655409" y="1191717"/>
-                </a:cubicBezTo>
-                <a:cubicBezTo>
-                  <a:pt x="1622214" y="1074512"/>
-                  <a:pt x="1574437" y="961936"/>
+                  <a:pt x="1571072" y="963753"/>
+                  <a:pt x="1543818" y="909282"/>
                   <a:pt x="1513200" y="856627"/>
                 </a:cubicBezTo>
                 <a:cubicBezTo>
@@ -13790,63 +13266,19 @@
                   <a:pt x="1538499" y="770415"/>
                 </a:cubicBezTo>
                 <a:cubicBezTo>
-                  <a:pt x="1553325" y="762319"/>
-                  <a:pt x="1570022" y="760730"/>
-                  <a:pt x="1585229" y="764759"/>
+                  <a:pt x="1545912" y="766367"/>
+                  <a:pt x="1553792" y="763946"/>
+                  <a:pt x="1561721" y="763041"/>
                 </a:cubicBezTo>
                 <a:close/>
                 <a:moveTo>
-                  <a:pt x="477919" y="21437"/>
+                  <a:pt x="933455" y="161309"/>
                 </a:moveTo>
                 <a:cubicBezTo>
-                  <a:pt x="499341" y="33775"/>
-                  <a:pt x="512445" y="58102"/>
-                  <a:pt x="509236" y="84182"/>
+                  <a:pt x="941693" y="161855"/>
+                  <a:pt x="949959" y="164025"/>
+                  <a:pt x="957797" y="167970"/>
                 </a:cubicBezTo>
-                <a:cubicBezTo>
-                  <a:pt x="505303" y="116151"/>
-                  <a:pt x="478038" y="140098"/>
-                  <a:pt x="445829" y="139871"/>
-                </a:cubicBezTo>
-                <a:cubicBezTo>
-                  <a:pt x="443027" y="139899"/>
-                  <a:pt x="440227" y="139740"/>
-                  <a:pt x="437447" y="139395"/>
-                </a:cubicBezTo>
-                <a:cubicBezTo>
-                  <a:pt x="316592" y="123615"/>
-                  <a:pt x="194247" y="122878"/>
-                  <a:pt x="73211" y="137204"/>
-                </a:cubicBezTo>
-                <a:cubicBezTo>
-                  <a:pt x="38532" y="142545"/>
-                  <a:pt x="6090" y="118762"/>
-                  <a:pt x="749" y="84082"/>
-                </a:cubicBezTo>
-                <a:cubicBezTo>
-                  <a:pt x="-4591" y="49403"/>
-                  <a:pt x="19192" y="16961"/>
-                  <a:pt x="53871" y="11621"/>
-                </a:cubicBezTo>
-                <a:cubicBezTo>
-                  <a:pt x="55358" y="11392"/>
-                  <a:pt x="56852" y="11216"/>
-                  <a:pt x="58352" y="11093"/>
-                </a:cubicBezTo>
-                <a:cubicBezTo>
-                  <a:pt x="189834" y="-4456"/>
-                  <a:pt x="322735" y="-3656"/>
-                  <a:pt x="454020" y="13474"/>
-                </a:cubicBezTo>
-                <a:cubicBezTo>
-                  <a:pt x="462713" y="14543"/>
-                  <a:pt x="470778" y="17324"/>
-                  <a:pt x="477919" y="21437"/>
-                </a:cubicBezTo>
-                <a:close/>
-                <a:moveTo>
-                  <a:pt x="957797" y="167970"/>
-                </a:moveTo>
                 <a:cubicBezTo>
                   <a:pt x="1076184" y="227289"/>
                   <a:pt x="1186759" y="301068"/>
@@ -13881,9 +13313,58 @@
                   <a:pt x="872454" y="196164"/>
                 </a:cubicBezTo>
                 <a:cubicBezTo>
-                  <a:pt x="888235" y="164811"/>
-                  <a:pt x="926445" y="152188"/>
-                  <a:pt x="957797" y="167970"/>
+                  <a:pt x="884290" y="172650"/>
+                  <a:pt x="908742" y="159670"/>
+                  <a:pt x="933455" y="161309"/>
+                </a:cubicBezTo>
+                <a:close/>
+                <a:moveTo>
+                  <a:pt x="256260" y="29"/>
+                </a:moveTo>
+                <a:cubicBezTo>
+                  <a:pt x="322331" y="427"/>
+                  <a:pt x="388378" y="4909"/>
+                  <a:pt x="454020" y="13474"/>
+                </a:cubicBezTo>
+                <a:cubicBezTo>
+                  <a:pt x="488793" y="17752"/>
+                  <a:pt x="513514" y="49409"/>
+                  <a:pt x="509236" y="84182"/>
+                </a:cubicBezTo>
+                <a:cubicBezTo>
+                  <a:pt x="505303" y="116151"/>
+                  <a:pt x="478038" y="140098"/>
+                  <a:pt x="445829" y="139871"/>
+                </a:cubicBezTo>
+                <a:cubicBezTo>
+                  <a:pt x="443027" y="139899"/>
+                  <a:pt x="440227" y="139740"/>
+                  <a:pt x="437447" y="139395"/>
+                </a:cubicBezTo>
+                <a:cubicBezTo>
+                  <a:pt x="316592" y="123615"/>
+                  <a:pt x="194247" y="122878"/>
+                  <a:pt x="73211" y="137204"/>
+                </a:cubicBezTo>
+                <a:cubicBezTo>
+                  <a:pt x="38532" y="142545"/>
+                  <a:pt x="6090" y="118762"/>
+                  <a:pt x="749" y="84082"/>
+                </a:cubicBezTo>
+                <a:cubicBezTo>
+                  <a:pt x="-4591" y="49403"/>
+                  <a:pt x="19192" y="16961"/>
+                  <a:pt x="53871" y="11621"/>
+                </a:cubicBezTo>
+                <a:cubicBezTo>
+                  <a:pt x="55358" y="11392"/>
+                  <a:pt x="56852" y="11216"/>
+                  <a:pt x="58352" y="11093"/>
+                </a:cubicBezTo>
+                <a:cubicBezTo>
+                  <a:pt x="124093" y="3319"/>
+                  <a:pt x="190189" y="-369"/>
+                  <a:pt x="256260" y="29"/>
                 </a:cubicBezTo>
                 <a:close/>
               </a:path>
@@ -13938,10 +13419,10 @@
       </p:sp>
       <p:sp>
         <p:nvSpPr>
-          <p:cNvPr id="22" name="Freeform: Shape 21">
+          <p:cNvPr id="13" name="Rectangle 12">
             <a:extLst>
               <a:ext uri="{FF2B5EF4-FFF2-40B4-BE49-F238E27FC236}">
-                <a16:creationId xmlns:a16="http://schemas.microsoft.com/office/drawing/2014/main" id="{75F47824-961D-465D-84F9-EAE11BC6173B}"/>
+                <a16:creationId xmlns:a16="http://schemas.microsoft.com/office/drawing/2014/main" id="{AE2B703B-46F9-481A-A605-82E2A828C4FA}"/>
               </a:ext>
               <a:ext uri="{C183D7F6-B498-43B3-948B-1728B52AA6E4}">
                 <adec:decorative xmlns:adec="http://schemas.microsoft.com/office/drawing/2017/decorative" val="1"/>
@@ -13961,77 +13442,748 @@
         </p:nvSpPr>
         <p:spPr>
           <a:xfrm>
-            <a:off x="6809527" y="6033795"/>
-            <a:ext cx="1991064" cy="824205"/>
+            <a:off x="0" y="0"/>
+            <a:ext cx="12192000" cy="6858000"/>
+          </a:xfrm>
+          <a:prstGeom prst="rect">
+            <a:avLst/>
+          </a:prstGeom>
+          <a:solidFill>
+            <a:schemeClr val="accent2"/>
+          </a:solidFill>
+          <a:ln>
+            <a:noFill/>
+          </a:ln>
+        </p:spPr>
+        <p:style>
+          <a:lnRef idx="2">
+            <a:schemeClr val="accent1">
+              <a:shade val="50000"/>
+            </a:schemeClr>
+          </a:lnRef>
+          <a:fillRef idx="1">
+            <a:schemeClr val="accent1"/>
+          </a:fillRef>
+          <a:effectRef idx="0">
+            <a:schemeClr val="accent1"/>
+          </a:effectRef>
+          <a:fontRef idx="minor">
+            <a:schemeClr val="lt1"/>
+          </a:fontRef>
+        </p:style>
+        <p:txBody>
+          <a:bodyPr rtlCol="0" anchor="ctr"/>
+          <a:lstStyle/>
+          <a:p>
+            <a:pPr marL="0" marR="0" lvl="0" indent="0" algn="ctr" defTabSz="914400" rtl="0" eaLnBrk="1" fontAlgn="auto" latinLnBrk="0" hangingPunct="1">
+              <a:lnSpc>
+                <a:spcPct val="100000"/>
+              </a:lnSpc>
+              <a:spcBef>
+                <a:spcPts val="0"/>
+              </a:spcBef>
+              <a:spcAft>
+                <a:spcPts val="0"/>
+              </a:spcAft>
+              <a:buClrTx/>
+              <a:buSzTx/>
+              <a:buFontTx/>
+              <a:buNone/>
+              <a:tabLst/>
+              <a:defRPr/>
+            </a:pPr>
+            <a:endParaRPr kumimoji="0" lang="en-US" sz="1800" b="0" i="0" u="none" strike="noStrike" kern="1200" cap="none" spc="0" normalizeH="0" baseline="0" noProof="0">
+              <a:ln>
+                <a:noFill/>
+              </a:ln>
+              <a:solidFill>
+                <a:prstClr val="white"/>
+              </a:solidFill>
+              <a:effectLst/>
+              <a:uLnTx/>
+              <a:uFillTx/>
+              <a:latin typeface="Calibri" panose="020F0502020204030204"/>
+              <a:ea typeface="+mn-ea"/>
+              <a:cs typeface="+mn-cs"/>
+            </a:endParaRPr>
+          </a:p>
+        </p:txBody>
+      </p:sp>
+      <p:sp>
+        <p:nvSpPr>
+          <p:cNvPr id="2" name="Title 1">
+            <a:extLst>
+              <a:ext uri="{FF2B5EF4-FFF2-40B4-BE49-F238E27FC236}">
+                <a16:creationId xmlns:a16="http://schemas.microsoft.com/office/drawing/2014/main" id="{7D2F6F69-BD97-22EF-CF32-EB1A205B215C}"/>
+              </a:ext>
+            </a:extLst>
+          </p:cNvPr>
+          <p:cNvSpPr>
+            <a:spLocks noGrp="1"/>
+          </p:cNvSpPr>
+          <p:nvPr>
+            <p:ph type="title"/>
+          </p:nvPr>
+        </p:nvSpPr>
+        <p:spPr>
+          <a:xfrm>
+            <a:off x="838200" y="459863"/>
+            <a:ext cx="10515600" cy="1004594"/>
+          </a:xfrm>
+        </p:spPr>
+        <p:txBody>
+          <a:bodyPr vert="horz" lIns="91440" tIns="45720" rIns="91440" bIns="45720" rtlCol="0" anchor="ctr">
+            <a:normAutofit/>
+          </a:bodyPr>
+          <a:lstStyle/>
+          <a:p>
+            <a:pPr algn="ctr"/>
+            <a:r>
+              <a:rPr lang="en-US" sz="4400" kern="1200" dirty="0">
+                <a:solidFill>
+                  <a:srgbClr val="FFFFFF"/>
+                </a:solidFill>
+                <a:latin typeface="+mj-lt"/>
+                <a:ea typeface="+mj-ea"/>
+                <a:cs typeface="+mj-cs"/>
+              </a:rPr>
+              <a:t>Tests Vs. Oracle</a:t>
+            </a:r>
+          </a:p>
+        </p:txBody>
+      </p:sp>
+      <p:sp>
+        <p:nvSpPr>
+          <p:cNvPr id="15" name="Rectangle: Rounded Corners 14">
+            <a:extLst>
+              <a:ext uri="{FF2B5EF4-FFF2-40B4-BE49-F238E27FC236}">
+                <a16:creationId xmlns:a16="http://schemas.microsoft.com/office/drawing/2014/main" id="{F13BE4D7-0C3D-4906-B230-A1C5B4665CCF}"/>
+              </a:ext>
+              <a:ext uri="{C183D7F6-B498-43B3-948B-1728B52AA6E4}">
+                <adec:decorative xmlns:adec="http://schemas.microsoft.com/office/drawing/2017/decorative" val="1"/>
+              </a:ext>
+            </a:extLst>
+          </p:cNvPr>
+          <p:cNvSpPr>
+            <a:spLocks noGrp="1" noRot="1" noChangeAspect="1" noMove="1" noResize="1" noEditPoints="1" noAdjustHandles="1" noChangeArrowheads="1" noChangeShapeType="1" noTextEdit="1"/>
+          </p:cNvSpPr>
+          <p:nvPr>
+            <p:extLst>
+              <p:ext uri="{386F3935-93C4-4BCD-93E2-E3B085C9AB24}">
+                <p16:designElem xmlns:p16="http://schemas.microsoft.com/office/powerpoint/2015/main" val="1"/>
+              </p:ext>
+            </p:extLst>
+          </p:nvPr>
+        </p:nvSpPr>
+        <p:spPr>
+          <a:xfrm>
+            <a:off x="579496" y="1587970"/>
+            <a:ext cx="11033008" cy="4768380"/>
+          </a:xfrm>
+          <a:prstGeom prst="roundRect">
+            <a:avLst>
+              <a:gd name="adj" fmla="val 3174"/>
+            </a:avLst>
+          </a:prstGeom>
+          <a:solidFill>
+            <a:schemeClr val="bg1">
+              <a:alpha val="95000"/>
+            </a:schemeClr>
+          </a:solidFill>
+          <a:ln>
+            <a:noFill/>
+          </a:ln>
+        </p:spPr>
+        <p:style>
+          <a:lnRef idx="2">
+            <a:schemeClr val="accent1">
+              <a:shade val="50000"/>
+            </a:schemeClr>
+          </a:lnRef>
+          <a:fillRef idx="1">
+            <a:schemeClr val="accent1"/>
+          </a:fillRef>
+          <a:effectRef idx="0">
+            <a:schemeClr val="accent1"/>
+          </a:effectRef>
+          <a:fontRef idx="minor">
+            <a:schemeClr val="lt1"/>
+          </a:fontRef>
+        </p:style>
+        <p:txBody>
+          <a:bodyPr rtlCol="0" anchor="ctr"/>
+          <a:lstStyle/>
+          <a:p>
+            <a:pPr marL="0" marR="0" lvl="0" indent="0" algn="ctr" defTabSz="914400" rtl="0" eaLnBrk="1" fontAlgn="auto" latinLnBrk="0" hangingPunct="1">
+              <a:lnSpc>
+                <a:spcPct val="100000"/>
+              </a:lnSpc>
+              <a:spcBef>
+                <a:spcPts val="0"/>
+              </a:spcBef>
+              <a:spcAft>
+                <a:spcPts val="0"/>
+              </a:spcAft>
+              <a:buClrTx/>
+              <a:buSzTx/>
+              <a:buFontTx/>
+              <a:buNone/>
+              <a:tabLst/>
+              <a:defRPr/>
+            </a:pPr>
+            <a:endParaRPr kumimoji="0" lang="en-US" sz="1800" b="0" i="0" u="none" strike="noStrike" kern="1200" cap="none" spc="0" normalizeH="0" baseline="0" noProof="0">
+              <a:ln>
+                <a:noFill/>
+              </a:ln>
+              <a:solidFill>
+                <a:prstClr val="white"/>
+              </a:solidFill>
+              <a:effectLst/>
+              <a:uLnTx/>
+              <a:uFillTx/>
+              <a:latin typeface="Calibri" panose="020F0502020204030204"/>
+              <a:ea typeface="+mn-ea"/>
+              <a:cs typeface="+mn-cs"/>
+            </a:endParaRPr>
+          </a:p>
+        </p:txBody>
+      </p:sp>
+      <p:sp>
+        <p:nvSpPr>
+          <p:cNvPr id="5" name="Content Placeholder 4">
+            <a:extLst>
+              <a:ext uri="{FF2B5EF4-FFF2-40B4-BE49-F238E27FC236}">
+                <a16:creationId xmlns:a16="http://schemas.microsoft.com/office/drawing/2014/main" id="{41E1FD98-1355-602D-D947-A0A416250664}"/>
+              </a:ext>
+            </a:extLst>
+          </p:cNvPr>
+          <p:cNvSpPr>
+            <a:spLocks/>
+          </p:cNvSpPr>
+          <p:nvPr/>
+        </p:nvSpPr>
+        <p:spPr>
+          <a:xfrm>
+            <a:off x="5966648" y="2179215"/>
+            <a:ext cx="5181600" cy="4351338"/>
+          </a:xfrm>
+          <a:prstGeom prst="rect">
+            <a:avLst/>
+          </a:prstGeom>
+        </p:spPr>
+        <p:txBody>
+          <a:bodyPr/>
+          <a:lstStyle/>
+          <a:p>
+            <a:r>
+              <a:rPr lang="en-CA" sz="2200" dirty="0"/>
+              <a:t>Testing each of the labels with different pixel sizes/colours as the input image.</a:t>
+            </a:r>
+          </a:p>
+          <a:p>
+            <a:r>
+              <a:rPr lang="en-CA" sz="2200" dirty="0"/>
+              <a:t>Testing input images with no characters, multiple characters etc.</a:t>
+            </a:r>
+          </a:p>
+          <a:p>
+            <a:r>
+              <a:rPr lang="en-CA" sz="2200" dirty="0"/>
+              <a:t>Testing inputs of different file types (supported and unsupported)</a:t>
+            </a:r>
+          </a:p>
+          <a:p>
+            <a:r>
+              <a:rPr lang="en-CA" sz="2200" dirty="0"/>
+              <a:t>Testing skewed orientation inputs?</a:t>
+            </a:r>
+          </a:p>
+          <a:p>
+            <a:r>
+              <a:rPr lang="en-CA" sz="2200" dirty="0"/>
+              <a:t>For confidence probability, creating a confusion matrix for the model.</a:t>
+            </a:r>
+          </a:p>
+        </p:txBody>
+      </p:sp>
+      <p:sp>
+        <p:nvSpPr>
+          <p:cNvPr id="4" name="Slide Number Placeholder 3">
+            <a:extLst>
+              <a:ext uri="{FF2B5EF4-FFF2-40B4-BE49-F238E27FC236}">
+                <a16:creationId xmlns:a16="http://schemas.microsoft.com/office/drawing/2014/main" id="{3F70354C-224E-1AAB-3BB6-4F2536217202}"/>
+              </a:ext>
+            </a:extLst>
+          </p:cNvPr>
+          <p:cNvSpPr>
+            <a:spLocks/>
+          </p:cNvSpPr>
+          <p:nvPr/>
+        </p:nvSpPr>
+        <p:spPr>
+          <a:xfrm>
+            <a:off x="10023678" y="6514782"/>
+            <a:ext cx="2168322" cy="288608"/>
+          </a:xfrm>
+          <a:prstGeom prst="rect">
+            <a:avLst/>
+          </a:prstGeom>
+        </p:spPr>
+        <p:txBody>
+          <a:bodyPr/>
+          <a:lstStyle/>
+          <a:p>
+            <a:pPr defTabSz="722376">
+              <a:spcAft>
+                <a:spcPts val="600"/>
+              </a:spcAft>
+            </a:pPr>
+            <a:r>
+              <a:rPr lang="en-US" sz="1600" kern="1200" dirty="0">
+                <a:solidFill>
+                  <a:schemeClr val="tx1"/>
+                </a:solidFill>
+                <a:latin typeface="+mn-lt"/>
+                <a:ea typeface="+mn-ea"/>
+                <a:cs typeface="+mn-cs"/>
+              </a:rPr>
+              <a:t>Page </a:t>
+            </a:r>
+            <a:fld id="{4854181D-6920-4594-9A5D-6CE56DC9F8B2}" type="slidenum">
+              <a:rPr lang="en-US" sz="1600" kern="1200" smtClean="0">
+                <a:solidFill>
+                  <a:schemeClr val="tx1"/>
+                </a:solidFill>
+                <a:latin typeface="+mn-lt"/>
+                <a:ea typeface="+mn-ea"/>
+                <a:cs typeface="+mn-cs"/>
+              </a:rPr>
+              <a:pPr defTabSz="722376">
+                <a:spcAft>
+                  <a:spcPts val="600"/>
+                </a:spcAft>
+              </a:pPr>
+              <a:t>3</a:t>
+            </a:fld>
+            <a:r>
+              <a:rPr lang="en-US" sz="1600" kern="1200" dirty="0">
+                <a:solidFill>
+                  <a:schemeClr val="tx1"/>
+                </a:solidFill>
+                <a:latin typeface="+mn-lt"/>
+                <a:ea typeface="+mn-ea"/>
+                <a:cs typeface="+mn-cs"/>
+              </a:rPr>
+              <a:t>/6</a:t>
+            </a:r>
+            <a:endParaRPr lang="en-US" sz="1600" dirty="0">
+              <a:solidFill>
+                <a:schemeClr val="tx1"/>
+              </a:solidFill>
+            </a:endParaRPr>
+          </a:p>
+        </p:txBody>
+      </p:sp>
+      <p:sp>
+        <p:nvSpPr>
+          <p:cNvPr id="6" name="Content Placeholder 4">
+            <a:extLst>
+              <a:ext uri="{FF2B5EF4-FFF2-40B4-BE49-F238E27FC236}">
+                <a16:creationId xmlns:a16="http://schemas.microsoft.com/office/drawing/2014/main" id="{D5999C16-C97B-9A28-08F9-2F9749F8199B}"/>
+              </a:ext>
+            </a:extLst>
+          </p:cNvPr>
+          <p:cNvSpPr>
+            <a:spLocks/>
+          </p:cNvSpPr>
+          <p:nvPr/>
+        </p:nvSpPr>
+        <p:spPr>
+          <a:xfrm>
+            <a:off x="785048" y="1656607"/>
+            <a:ext cx="5181600" cy="4351338"/>
+          </a:xfrm>
+          <a:prstGeom prst="rect">
+            <a:avLst/>
+          </a:prstGeom>
+        </p:spPr>
+        <p:txBody>
+          <a:bodyPr/>
+          <a:lstStyle/>
+          <a:p>
+            <a:r>
+              <a:rPr lang="en-CA" sz="2200" dirty="0"/>
+              <a:t>Tests vs. The Oracle (me) will mostly be performed automatically during Continuous Integration.</a:t>
+            </a:r>
+          </a:p>
+          <a:p>
+            <a:endParaRPr lang="en-CA" sz="2200" dirty="0"/>
+          </a:p>
+          <a:p>
+            <a:r>
+              <a:rPr lang="en-CA" sz="2200" dirty="0"/>
+              <a:t>When the model is built a list of test cases will be run. This will be based on a static list of inputs (examples to the left).</a:t>
+            </a:r>
+          </a:p>
+          <a:p>
+            <a:endParaRPr lang="en-CA" sz="2200" dirty="0"/>
+          </a:p>
+          <a:p>
+            <a:r>
+              <a:rPr lang="en-CA" sz="2200" dirty="0"/>
+              <a:t>Additionally, this will include comparing the performance (confidence probability) on the training data set to the testing dataset.</a:t>
+            </a:r>
+          </a:p>
+          <a:p>
+            <a:endParaRPr lang="en-CA" dirty="0"/>
+          </a:p>
+          <a:p>
+            <a:endParaRPr lang="en-CA" dirty="0"/>
+          </a:p>
+        </p:txBody>
+      </p:sp>
+    </p:spTree>
+    <p:extLst>
+      <p:ext uri="{BB962C8B-B14F-4D97-AF65-F5344CB8AC3E}">
+        <p14:creationId xmlns:p14="http://schemas.microsoft.com/office/powerpoint/2010/main" val="427290740"/>
+      </p:ext>
+    </p:extLst>
+  </p:cSld>
+  <p:clrMapOvr>
+    <a:masterClrMapping/>
+  </p:clrMapOvr>
+</p:sld>
+</file>
+
+<file path=ppt/slides/slide4.xml><?xml version="1.0" encoding="utf-8"?>
+<p:sld xmlns:a="http://schemas.openxmlformats.org/drawingml/2006/main" xmlns:r="http://schemas.openxmlformats.org/officeDocument/2006/relationships" xmlns:p="http://schemas.openxmlformats.org/presentationml/2006/main">
+  <p:cSld>
+    <p:spTree>
+      <p:nvGrpSpPr>
+        <p:cNvPr id="1" name=""/>
+        <p:cNvGrpSpPr/>
+        <p:nvPr/>
+      </p:nvGrpSpPr>
+      <p:grpSpPr>
+        <a:xfrm>
+          <a:off x="0" y="0"/>
+          <a:ext cx="0" cy="0"/>
+          <a:chOff x="0" y="0"/>
+          <a:chExt cx="0" cy="0"/>
+        </a:xfrm>
+      </p:grpSpPr>
+      <p:sp>
+        <p:nvSpPr>
+          <p:cNvPr id="6" name="Title 5">
+            <a:extLst>
+              <a:ext uri="{FF2B5EF4-FFF2-40B4-BE49-F238E27FC236}">
+                <a16:creationId xmlns:a16="http://schemas.microsoft.com/office/drawing/2014/main" id="{8E6C80B3-C418-5172-8D5F-320D9FD0D4E7}"/>
+              </a:ext>
+            </a:extLst>
+          </p:cNvPr>
+          <p:cNvSpPr>
+            <a:spLocks noGrp="1"/>
+          </p:cNvSpPr>
+          <p:nvPr>
+            <p:ph type="title"/>
+          </p:nvPr>
+        </p:nvSpPr>
+        <p:spPr/>
+        <p:txBody>
+          <a:bodyPr/>
+          <a:lstStyle/>
+          <a:p>
+            <a:pPr algn="ctr"/>
+            <a:r>
+              <a:rPr lang="en-CA" dirty="0"/>
+              <a:t>Confusion Matrix</a:t>
+            </a:r>
+          </a:p>
+        </p:txBody>
+      </p:sp>
+      <p:sp>
+        <p:nvSpPr>
+          <p:cNvPr id="5" name="Slide Number Placeholder 4">
+            <a:extLst>
+              <a:ext uri="{FF2B5EF4-FFF2-40B4-BE49-F238E27FC236}">
+                <a16:creationId xmlns:a16="http://schemas.microsoft.com/office/drawing/2014/main" id="{38B3B6EE-6D8C-30DE-7A47-9A2165C4F66B}"/>
+              </a:ext>
+            </a:extLst>
+          </p:cNvPr>
+          <p:cNvSpPr>
+            <a:spLocks noGrp="1"/>
+          </p:cNvSpPr>
+          <p:nvPr>
+            <p:ph type="sldNum" sz="quarter" idx="12"/>
+          </p:nvPr>
+        </p:nvSpPr>
+        <p:spPr>
+          <a:xfrm>
+            <a:off x="9434451" y="6492875"/>
+            <a:ext cx="2743200" cy="365125"/>
+          </a:xfrm>
+        </p:spPr>
+        <p:txBody>
+          <a:bodyPr/>
+          <a:lstStyle/>
+          <a:p>
+            <a:r>
+              <a:rPr lang="en-US" sz="1600" dirty="0">
+                <a:solidFill>
+                  <a:schemeClr val="tx1"/>
+                </a:solidFill>
+              </a:rPr>
+              <a:t>Page </a:t>
+            </a:r>
+            <a:fld id="{4854181D-6920-4594-9A5D-6CE56DC9F8B2}" type="slidenum">
+              <a:rPr lang="en-US" sz="1600" smtClean="0">
+                <a:solidFill>
+                  <a:schemeClr val="tx1"/>
+                </a:solidFill>
+              </a:rPr>
+              <a:t>4</a:t>
+            </a:fld>
+            <a:r>
+              <a:rPr lang="en-US" sz="1600" dirty="0">
+                <a:solidFill>
+                  <a:schemeClr val="tx1"/>
+                </a:solidFill>
+              </a:rPr>
+              <a:t>/6</a:t>
+            </a:r>
+          </a:p>
+        </p:txBody>
+      </p:sp>
+      <p:pic>
+        <p:nvPicPr>
+          <p:cNvPr id="9" name="Picture 8">
+            <a:extLst>
+              <a:ext uri="{FF2B5EF4-FFF2-40B4-BE49-F238E27FC236}">
+                <a16:creationId xmlns:a16="http://schemas.microsoft.com/office/drawing/2014/main" id="{6D320499-381B-2565-FCCF-2B847453C566}"/>
+              </a:ext>
+            </a:extLst>
+          </p:cNvPr>
+          <p:cNvPicPr>
+            <a:picLocks noChangeAspect="1"/>
+          </p:cNvPicPr>
+          <p:nvPr/>
+        </p:nvPicPr>
+        <p:blipFill>
+          <a:blip r:embed="rId2"/>
+          <a:stretch>
+            <a:fillRect/>
+          </a:stretch>
+        </p:blipFill>
+        <p:spPr>
+          <a:xfrm>
+            <a:off x="2946238" y="1690688"/>
+            <a:ext cx="6299524" cy="1943200"/>
+          </a:xfrm>
+          <a:prstGeom prst="rect">
+            <a:avLst/>
+          </a:prstGeom>
+        </p:spPr>
+      </p:pic>
+      <p:pic>
+        <p:nvPicPr>
+          <p:cNvPr id="11" name="Picture 10">
+            <a:extLst>
+              <a:ext uri="{FF2B5EF4-FFF2-40B4-BE49-F238E27FC236}">
+                <a16:creationId xmlns:a16="http://schemas.microsoft.com/office/drawing/2014/main" id="{4A786745-0A96-EA5F-1DE9-0B12CFFFDA86}"/>
+              </a:ext>
+            </a:extLst>
+          </p:cNvPr>
+          <p:cNvPicPr>
+            <a:picLocks noChangeAspect="1"/>
+          </p:cNvPicPr>
+          <p:nvPr/>
+        </p:nvPicPr>
+        <p:blipFill>
+          <a:blip r:embed="rId3"/>
+          <a:stretch>
+            <a:fillRect/>
+          </a:stretch>
+        </p:blipFill>
+        <p:spPr>
+          <a:xfrm>
+            <a:off x="3007921" y="4292494"/>
+            <a:ext cx="6426530" cy="2063856"/>
+          </a:xfrm>
+          <a:prstGeom prst="rect">
+            <a:avLst/>
+          </a:prstGeom>
+        </p:spPr>
+      </p:pic>
+      <p:sp>
+        <p:nvSpPr>
+          <p:cNvPr id="12" name="TextBox 11">
+            <a:extLst>
+              <a:ext uri="{FF2B5EF4-FFF2-40B4-BE49-F238E27FC236}">
+                <a16:creationId xmlns:a16="http://schemas.microsoft.com/office/drawing/2014/main" id="{30FCF683-68F7-A708-DE37-59E16E3B0745}"/>
+              </a:ext>
+            </a:extLst>
+          </p:cNvPr>
+          <p:cNvSpPr txBox="1"/>
+          <p:nvPr/>
+        </p:nvSpPr>
+        <p:spPr>
+          <a:xfrm>
+            <a:off x="1431434" y="1348912"/>
+            <a:ext cx="9456138" cy="369332"/>
+          </a:xfrm>
+          <a:prstGeom prst="rect">
+            <a:avLst/>
+          </a:prstGeom>
+          <a:noFill/>
+        </p:spPr>
+        <p:txBody>
+          <a:bodyPr wrap="square" rtlCol="0">
+            <a:spAutoFit/>
+          </a:bodyPr>
+          <a:lstStyle/>
+          <a:p>
+            <a:r>
+              <a:rPr lang="en-CA" dirty="0"/>
+              <a:t>The OAR Confusion Matric will have 26 labels, and only True Positives down the diagonal</a:t>
+            </a:r>
+          </a:p>
+        </p:txBody>
+      </p:sp>
+      <p:sp>
+        <p:nvSpPr>
+          <p:cNvPr id="13" name="TextBox 12">
+            <a:extLst>
+              <a:ext uri="{FF2B5EF4-FFF2-40B4-BE49-F238E27FC236}">
+                <a16:creationId xmlns:a16="http://schemas.microsoft.com/office/drawing/2014/main" id="{1E687D1A-B8BA-3EAB-B8DD-DB5426D31D3F}"/>
+              </a:ext>
+            </a:extLst>
+          </p:cNvPr>
+          <p:cNvSpPr txBox="1"/>
+          <p:nvPr/>
+        </p:nvSpPr>
+        <p:spPr>
+          <a:xfrm>
+            <a:off x="1088572" y="3680163"/>
+            <a:ext cx="10265228" cy="584775"/>
+          </a:xfrm>
+          <a:prstGeom prst="rect">
+            <a:avLst/>
+          </a:prstGeom>
+          <a:noFill/>
+        </p:spPr>
+        <p:txBody>
+          <a:bodyPr wrap="square" rtlCol="0">
+            <a:spAutoFit/>
+          </a:bodyPr>
+          <a:lstStyle/>
+          <a:p>
+            <a:pPr algn="ctr"/>
+            <a:r>
+              <a:rPr lang="en-CA" sz="1600" dirty="0"/>
+              <a:t>It can be used to calculate metrics for validity.  Accuracy, Misclassification, and Precision are the most important for this project.</a:t>
+            </a:r>
+          </a:p>
+        </p:txBody>
+      </p:sp>
+    </p:spTree>
+    <p:extLst>
+      <p:ext uri="{BB962C8B-B14F-4D97-AF65-F5344CB8AC3E}">
+        <p14:creationId xmlns:p14="http://schemas.microsoft.com/office/powerpoint/2010/main" val="977562255"/>
+      </p:ext>
+    </p:extLst>
+  </p:cSld>
+  <p:clrMapOvr>
+    <a:masterClrMapping/>
+  </p:clrMapOvr>
+</p:sld>
+</file>
+
+<file path=ppt/slides/slide5.xml><?xml version="1.0" encoding="utf-8"?>
+<p:sld xmlns:a="http://schemas.openxmlformats.org/drawingml/2006/main" xmlns:r="http://schemas.openxmlformats.org/officeDocument/2006/relationships" xmlns:p="http://schemas.openxmlformats.org/presentationml/2006/main">
+  <p:cSld>
+    <p:bg>
+      <p:bgPr>
+        <a:solidFill>
+          <a:schemeClr val="bg1"/>
+        </a:solidFill>
+        <a:effectLst/>
+      </p:bgPr>
+    </p:bg>
+    <p:spTree>
+      <p:nvGrpSpPr>
+        <p:cNvPr id="1" name=""/>
+        <p:cNvGrpSpPr/>
+        <p:nvPr/>
+      </p:nvGrpSpPr>
+      <p:grpSpPr>
+        <a:xfrm>
+          <a:off x="0" y="0"/>
+          <a:ext cx="0" cy="0"/>
+          <a:chOff x="0" y="0"/>
+          <a:chExt cx="0" cy="0"/>
+        </a:xfrm>
+      </p:grpSpPr>
+      <p:sp>
+        <p:nvSpPr>
+          <p:cNvPr id="12" name="Freeform: Shape 11">
+            <a:extLst>
+              <a:ext uri="{FF2B5EF4-FFF2-40B4-BE49-F238E27FC236}">
+                <a16:creationId xmlns:a16="http://schemas.microsoft.com/office/drawing/2014/main" id="{23DA7759-3209-4FE2-96D1-4EEDD81E9EA0}"/>
+              </a:ext>
+              <a:ext uri="{C183D7F6-B498-43B3-948B-1728B52AA6E4}">
+                <adec:decorative xmlns:adec="http://schemas.microsoft.com/office/drawing/2017/decorative" val="1"/>
+              </a:ext>
+            </a:extLst>
+          </p:cNvPr>
+          <p:cNvSpPr>
+            <a:spLocks noGrp="1" noRot="1" noChangeAspect="1" noMove="1" noResize="1" noEditPoints="1" noAdjustHandles="1" noChangeArrowheads="1" noChangeShapeType="1" noTextEdit="1"/>
+          </p:cNvSpPr>
+          <p:nvPr>
+            <p:extLst>
+              <p:ext uri="{386F3935-93C4-4BCD-93E2-E3B085C9AB24}">
+                <p16:designElem xmlns:p16="http://schemas.microsoft.com/office/powerpoint/2015/main" val="1"/>
+              </p:ext>
+            </p:extLst>
+          </p:nvPr>
+        </p:nvSpPr>
+        <p:spPr>
+          <a:xfrm>
+            <a:off x="10494433" y="2"/>
+            <a:ext cx="849328" cy="357668"/>
           </a:xfrm>
           <a:custGeom>
             <a:avLst/>
-            <a:gdLst>
-              <a:gd name="connsiteX0" fmla="*/ 995532 w 1991064"/>
-              <a:gd name="connsiteY0" fmla="*/ 0 h 824205"/>
-              <a:gd name="connsiteX1" fmla="*/ 1984823 w 1991064"/>
-              <a:gd name="connsiteY1" fmla="*/ 784423 h 824205"/>
-              <a:gd name="connsiteX2" fmla="*/ 1991064 w 1991064"/>
-              <a:gd name="connsiteY2" fmla="*/ 824205 h 824205"/>
-              <a:gd name="connsiteX3" fmla="*/ 0 w 1991064"/>
-              <a:gd name="connsiteY3" fmla="*/ 824205 h 824205"/>
-              <a:gd name="connsiteX4" fmla="*/ 6241 w 1991064"/>
-              <a:gd name="connsiteY4" fmla="*/ 784423 h 824205"/>
-              <a:gd name="connsiteX5" fmla="*/ 995532 w 1991064"/>
-              <a:gd name="connsiteY5" fmla="*/ 0 h 824205"/>
-            </a:gdLst>
+            <a:gdLst/>
             <a:ahLst/>
-            <a:cxnLst>
-              <a:cxn ang="0">
-                <a:pos x="connsiteX0" y="connsiteY0"/>
-              </a:cxn>
-              <a:cxn ang="0">
-                <a:pos x="connsiteX1" y="connsiteY1"/>
-              </a:cxn>
-              <a:cxn ang="0">
-                <a:pos x="connsiteX2" y="connsiteY2"/>
-              </a:cxn>
-              <a:cxn ang="0">
-                <a:pos x="connsiteX3" y="connsiteY3"/>
-              </a:cxn>
-              <a:cxn ang="0">
-                <a:pos x="connsiteX4" y="connsiteY4"/>
-              </a:cxn>
-              <a:cxn ang="0">
-                <a:pos x="connsiteX5" y="connsiteY5"/>
-              </a:cxn>
-            </a:cxnLst>
+            <a:cxnLst/>
             <a:rect l="l" t="t" r="r" b="b"/>
             <a:pathLst>
-              <a:path w="1991064" h="824205">
+              <a:path w="1135066" h="477997">
                 <a:moveTo>
-                  <a:pt x="995532" y="0"/>
+                  <a:pt x="0" y="0"/>
                 </a:moveTo>
-                <a:cubicBezTo>
-                  <a:pt x="1483521" y="0"/>
-                  <a:pt x="1890663" y="336754"/>
-                  <a:pt x="1984823" y="784423"/>
-                </a:cubicBezTo>
                 <a:lnTo>
-                  <a:pt x="1991064" y="824205"/>
+                  <a:pt x="1135066" y="0"/>
                 </a:lnTo>
                 <a:lnTo>
-                  <a:pt x="0" y="824205"/>
-                </a:lnTo>
-                <a:lnTo>
-                  <a:pt x="6241" y="784423"/>
+                  <a:pt x="1133370" y="16827"/>
                 </a:lnTo>
                 <a:cubicBezTo>
-                  <a:pt x="100402" y="336754"/>
-                  <a:pt x="507544" y="0"/>
-                  <a:pt x="995532" y="0"/>
+                  <a:pt x="1079514" y="280016"/>
+                  <a:pt x="846644" y="477997"/>
+                  <a:pt x="567533" y="477997"/>
+                </a:cubicBezTo>
+                <a:cubicBezTo>
+                  <a:pt x="288422" y="477997"/>
+                  <a:pt x="55552" y="280016"/>
+                  <a:pt x="1696" y="16827"/>
                 </a:cubicBezTo>
                 <a:close/>
               </a:path>
             </a:pathLst>
           </a:custGeom>
           <a:solidFill>
-            <a:schemeClr val="accent2"/>
+            <a:schemeClr val="accent4"/>
           </a:solidFill>
           <a:ln>
             <a:noFill/>
@@ -14076,7 +14228,7 @@
               <a:tabLst/>
               <a:defRPr/>
             </a:pPr>
-            <a:endParaRPr kumimoji="0" lang="en-US" sz="1800" b="0" i="0" u="none" strike="noStrike" kern="1200" cap="none" spc="0" normalizeH="0" baseline="0" noProof="0" dirty="0">
+            <a:endParaRPr kumimoji="0" lang="en-US" sz="1800" b="0" i="0" u="none" strike="noStrike" kern="1200" cap="none" spc="0" normalizeH="0" baseline="0" noProof="0">
               <a:ln>
                 <a:noFill/>
               </a:ln>
@@ -14095,10 +14247,10 @@
       </p:sp>
       <p:sp>
         <p:nvSpPr>
-          <p:cNvPr id="24" name="Freeform: Shape 23">
+          <p:cNvPr id="14" name="Freeform: Shape 13">
             <a:extLst>
               <a:ext uri="{FF2B5EF4-FFF2-40B4-BE49-F238E27FC236}">
-                <a16:creationId xmlns:a16="http://schemas.microsoft.com/office/drawing/2014/main" id="{FEC9DA3E-C1D7-472D-B7C0-F71AE41FBA23}"/>
+                <a16:creationId xmlns:a16="http://schemas.microsoft.com/office/drawing/2014/main" id="{41460DAD-8769-4C9F-9C8C-BB0443909D76}"/>
               </a:ext>
               <a:ext uri="{C183D7F6-B498-43B3-948B-1728B52AA6E4}">
                 <adec:decorative xmlns:adec="http://schemas.microsoft.com/office/drawing/2017/decorative" val="1"/>
@@ -14117,92 +14269,157 @@
           </p:nvPr>
         </p:nvSpPr>
         <p:spPr>
-          <a:xfrm>
-            <a:off x="10851696" y="5519196"/>
-            <a:ext cx="1340305" cy="1338805"/>
+          <a:xfrm flipH="1">
+            <a:off x="123536" y="5717905"/>
+            <a:ext cx="1771609" cy="1140095"/>
           </a:xfrm>
           <a:custGeom>
             <a:avLst/>
-            <a:gdLst>
-              <a:gd name="connsiteX0" fmla="*/ 61913 w 1340305"/>
-              <a:gd name="connsiteY0" fmla="*/ 0 h 1338805"/>
-              <a:gd name="connsiteX1" fmla="*/ 1340305 w 1340305"/>
-              <a:gd name="connsiteY1" fmla="*/ 0 h 1338805"/>
-              <a:gd name="connsiteX2" fmla="*/ 1340305 w 1340305"/>
-              <a:gd name="connsiteY2" fmla="*/ 123825 h 1338805"/>
-              <a:gd name="connsiteX3" fmla="*/ 123825 w 1340305"/>
-              <a:gd name="connsiteY3" fmla="*/ 123825 h 1338805"/>
-              <a:gd name="connsiteX4" fmla="*/ 123825 w 1340305"/>
-              <a:gd name="connsiteY4" fmla="*/ 1338805 h 1338805"/>
-              <a:gd name="connsiteX5" fmla="*/ 0 w 1340305"/>
-              <a:gd name="connsiteY5" fmla="*/ 1338805 h 1338805"/>
-              <a:gd name="connsiteX6" fmla="*/ 0 w 1340305"/>
-              <a:gd name="connsiteY6" fmla="*/ 61913 h 1338805"/>
-              <a:gd name="connsiteX7" fmla="*/ 61913 w 1340305"/>
-              <a:gd name="connsiteY7" fmla="*/ 0 h 1338805"/>
-            </a:gdLst>
+            <a:gdLst/>
             <a:ahLst/>
-            <a:cxnLst>
-              <a:cxn ang="0">
-                <a:pos x="connsiteX0" y="connsiteY0"/>
-              </a:cxn>
-              <a:cxn ang="0">
-                <a:pos x="connsiteX1" y="connsiteY1"/>
-              </a:cxn>
-              <a:cxn ang="0">
-                <a:pos x="connsiteX2" y="connsiteY2"/>
-              </a:cxn>
-              <a:cxn ang="0">
-                <a:pos x="connsiteX3" y="connsiteY3"/>
-              </a:cxn>
-              <a:cxn ang="0">
-                <a:pos x="connsiteX4" y="connsiteY4"/>
-              </a:cxn>
-              <a:cxn ang="0">
-                <a:pos x="connsiteX5" y="connsiteY5"/>
-              </a:cxn>
-              <a:cxn ang="0">
-                <a:pos x="connsiteX6" y="connsiteY6"/>
-              </a:cxn>
-              <a:cxn ang="0">
-                <a:pos x="connsiteX7" y="connsiteY7"/>
-              </a:cxn>
-            </a:cxnLst>
+            <a:cxnLst/>
             <a:rect l="l" t="t" r="r" b="b"/>
             <a:pathLst>
-              <a:path w="1340305" h="1338805">
+              <a:path w="1771609" h="1140095">
                 <a:moveTo>
-                  <a:pt x="61913" y="0"/>
+                  <a:pt x="1561721" y="763041"/>
                 </a:moveTo>
+                <a:cubicBezTo>
+                  <a:pt x="1585506" y="760324"/>
+                  <a:pt x="1609722" y="771249"/>
+                  <a:pt x="1623024" y="792810"/>
+                </a:cubicBezTo>
+                <a:cubicBezTo>
+                  <a:pt x="1656300" y="850065"/>
+                  <a:pt x="1685920" y="909291"/>
+                  <a:pt x="1711735" y="970132"/>
+                </a:cubicBezTo>
                 <a:lnTo>
-                  <a:pt x="1340305" y="0"/>
+                  <a:pt x="1771609" y="1140095"/>
                 </a:lnTo>
                 <a:lnTo>
-                  <a:pt x="1340305" y="123825"/>
+                  <a:pt x="1637225" y="1140095"/>
                 </a:lnTo>
                 <a:lnTo>
-                  <a:pt x="123825" y="123825"/>
-                </a:lnTo>
-                <a:lnTo>
-                  <a:pt x="123825" y="1338805"/>
-                </a:lnTo>
-                <a:lnTo>
-                  <a:pt x="0" y="1338805"/>
-                </a:lnTo>
-                <a:lnTo>
-                  <a:pt x="0" y="61913"/>
+                  <a:pt x="1594820" y="1019711"/>
                 </a:lnTo>
                 <a:cubicBezTo>
-                  <a:pt x="0" y="27719"/>
-                  <a:pt x="27719" y="0"/>
-                  <a:pt x="61913" y="0"/>
+                  <a:pt x="1571072" y="963753"/>
+                  <a:pt x="1543818" y="909282"/>
+                  <a:pt x="1513200" y="856627"/>
+                </a:cubicBezTo>
+                <a:cubicBezTo>
+                  <a:pt x="1496379" y="825834"/>
+                  <a:pt x="1507704" y="787236"/>
+                  <a:pt x="1538499" y="770415"/>
+                </a:cubicBezTo>
+                <a:cubicBezTo>
+                  <a:pt x="1545912" y="766367"/>
+                  <a:pt x="1553792" y="763946"/>
+                  <a:pt x="1561721" y="763041"/>
+                </a:cubicBezTo>
+                <a:close/>
+                <a:moveTo>
+                  <a:pt x="933455" y="161309"/>
+                </a:moveTo>
+                <a:cubicBezTo>
+                  <a:pt x="941693" y="161855"/>
+                  <a:pt x="949959" y="164025"/>
+                  <a:pt x="957797" y="167970"/>
+                </a:cubicBezTo>
+                <a:cubicBezTo>
+                  <a:pt x="1076184" y="227289"/>
+                  <a:pt x="1186759" y="301068"/>
+                  <a:pt x="1286982" y="387616"/>
+                </a:cubicBezTo>
+                <a:cubicBezTo>
+                  <a:pt x="1313547" y="410457"/>
+                  <a:pt x="1316566" y="450510"/>
+                  <a:pt x="1293725" y="477075"/>
+                </a:cubicBezTo>
+                <a:cubicBezTo>
+                  <a:pt x="1281638" y="491137"/>
+                  <a:pt x="1263998" y="499204"/>
+                  <a:pt x="1245453" y="499154"/>
+                </a:cubicBezTo>
+                <a:lnTo>
+                  <a:pt x="1245167" y="499154"/>
+                </a:lnTo>
+                <a:cubicBezTo>
+                  <a:pt x="1229965" y="499301"/>
+                  <a:pt x="1215220" y="493956"/>
+                  <a:pt x="1203638" y="484104"/>
+                </a:cubicBezTo>
+                <a:cubicBezTo>
+                  <a:pt x="1111407" y="404300"/>
+                  <a:pt x="1009633" y="336248"/>
+                  <a:pt x="900647" y="281508"/>
+                </a:cubicBezTo>
+                <a:cubicBezTo>
+                  <a:pt x="869295" y="265726"/>
+                  <a:pt x="856672" y="227516"/>
+                  <a:pt x="872454" y="196164"/>
+                </a:cubicBezTo>
+                <a:cubicBezTo>
+                  <a:pt x="884290" y="172650"/>
+                  <a:pt x="908742" y="159670"/>
+                  <a:pt x="933455" y="161309"/>
+                </a:cubicBezTo>
+                <a:close/>
+                <a:moveTo>
+                  <a:pt x="256260" y="29"/>
+                </a:moveTo>
+                <a:cubicBezTo>
+                  <a:pt x="322331" y="427"/>
+                  <a:pt x="388378" y="4909"/>
+                  <a:pt x="454020" y="13474"/>
+                </a:cubicBezTo>
+                <a:cubicBezTo>
+                  <a:pt x="488793" y="17752"/>
+                  <a:pt x="513514" y="49409"/>
+                  <a:pt x="509236" y="84182"/>
+                </a:cubicBezTo>
+                <a:cubicBezTo>
+                  <a:pt x="505303" y="116151"/>
+                  <a:pt x="478038" y="140098"/>
+                  <a:pt x="445829" y="139871"/>
+                </a:cubicBezTo>
+                <a:cubicBezTo>
+                  <a:pt x="443027" y="139899"/>
+                  <a:pt x="440227" y="139740"/>
+                  <a:pt x="437447" y="139395"/>
+                </a:cubicBezTo>
+                <a:cubicBezTo>
+                  <a:pt x="316592" y="123615"/>
+                  <a:pt x="194247" y="122878"/>
+                  <a:pt x="73211" y="137204"/>
+                </a:cubicBezTo>
+                <a:cubicBezTo>
+                  <a:pt x="38532" y="142545"/>
+                  <a:pt x="6090" y="118762"/>
+                  <a:pt x="749" y="84082"/>
+                </a:cubicBezTo>
+                <a:cubicBezTo>
+                  <a:pt x="-4591" y="49403"/>
+                  <a:pt x="19192" y="16961"/>
+                  <a:pt x="53871" y="11621"/>
+                </a:cubicBezTo>
+                <a:cubicBezTo>
+                  <a:pt x="55358" y="11392"/>
+                  <a:pt x="56852" y="11216"/>
+                  <a:pt x="58352" y="11093"/>
+                </a:cubicBezTo>
+                <a:cubicBezTo>
+                  <a:pt x="124093" y="3319"/>
+                  <a:pt x="190189" y="-369"/>
+                  <a:pt x="256260" y="29"/>
                 </a:cubicBezTo>
                 <a:close/>
               </a:path>
             </a:pathLst>
           </a:custGeom>
           <a:solidFill>
-            <a:schemeClr val="accent6"/>
+            <a:schemeClr val="accent4"/>
           </a:solidFill>
           <a:ln w="9525" cap="flat">
             <a:noFill/>
@@ -14250,101 +14467,10 @@
       </p:sp>
       <p:sp>
         <p:nvSpPr>
-          <p:cNvPr id="4" name="Slide Number Placeholder 3">
-            <a:extLst>
-              <a:ext uri="{FF2B5EF4-FFF2-40B4-BE49-F238E27FC236}">
-                <a16:creationId xmlns:a16="http://schemas.microsoft.com/office/drawing/2014/main" id="{3F70354C-224E-1AAB-3BB6-4F2536217202}"/>
-              </a:ext>
-            </a:extLst>
-          </p:cNvPr>
-          <p:cNvSpPr>
-            <a:spLocks noGrp="1"/>
-          </p:cNvSpPr>
-          <p:nvPr>
-            <p:ph type="sldNum" sz="quarter" idx="12"/>
-          </p:nvPr>
-        </p:nvSpPr>
-        <p:spPr>
-          <a:xfrm>
-            <a:off x="9395545" y="6445897"/>
-            <a:ext cx="2743200" cy="365125"/>
-          </a:xfrm>
-        </p:spPr>
-        <p:txBody>
-          <a:bodyPr/>
-          <a:lstStyle/>
-          <a:p>
-            <a:r>
-              <a:rPr lang="en-US" dirty="0">
-                <a:solidFill>
-                  <a:schemeClr val="tx1"/>
-                </a:solidFill>
-              </a:rPr>
-              <a:t>Page </a:t>
-            </a:r>
-            <a:fld id="{4854181D-6920-4594-9A5D-6CE56DC9F8B2}" type="slidenum">
-              <a:rPr lang="en-US" smtClean="0">
-                <a:solidFill>
-                  <a:schemeClr val="tx1"/>
-                </a:solidFill>
-              </a:rPr>
-              <a:t>3</a:t>
-            </a:fld>
-            <a:r>
-              <a:rPr lang="en-US" dirty="0">
-                <a:solidFill>
-                  <a:schemeClr val="tx1"/>
-                </a:solidFill>
-              </a:rPr>
-              <a:t>/8</a:t>
-            </a:r>
-          </a:p>
-        </p:txBody>
-      </p:sp>
-    </p:spTree>
-    <p:extLst>
-      <p:ext uri="{BB962C8B-B14F-4D97-AF65-F5344CB8AC3E}">
-        <p14:creationId xmlns:p14="http://schemas.microsoft.com/office/powerpoint/2010/main" val="427290740"/>
-      </p:ext>
-    </p:extLst>
-  </p:cSld>
-  <p:clrMapOvr>
-    <a:masterClrMapping/>
-  </p:clrMapOvr>
-</p:sld>
-</file>
-
-<file path=ppt/slides/slide4.xml><?xml version="1.0" encoding="utf-8"?>
-<p:sld xmlns:a="http://schemas.openxmlformats.org/drawingml/2006/main" xmlns:r="http://schemas.openxmlformats.org/officeDocument/2006/relationships" xmlns:p="http://schemas.openxmlformats.org/presentationml/2006/main">
-  <p:cSld>
-    <p:bg>
-      <p:bgPr>
-        <a:solidFill>
-          <a:schemeClr val="bg1"/>
-        </a:solidFill>
-        <a:effectLst/>
-      </p:bgPr>
-    </p:bg>
-    <p:spTree>
-      <p:nvGrpSpPr>
-        <p:cNvPr id="1" name=""/>
-        <p:cNvGrpSpPr/>
-        <p:nvPr/>
-      </p:nvGrpSpPr>
-      <p:grpSpPr>
-        <a:xfrm>
-          <a:off x="0" y="0"/>
-          <a:ext cx="0" cy="0"/>
-          <a:chOff x="0" y="0"/>
-          <a:chExt cx="0" cy="0"/>
-        </a:xfrm>
-      </p:grpSpPr>
-      <p:sp useBgFill="1">
-        <p:nvSpPr>
           <p:cNvPr id="16" name="Rectangle 15">
             <a:extLst>
               <a:ext uri="{FF2B5EF4-FFF2-40B4-BE49-F238E27FC236}">
-                <a16:creationId xmlns:a16="http://schemas.microsoft.com/office/drawing/2014/main" id="{72D05657-94EE-4B2D-BC1B-A1D065063658}"/>
+                <a16:creationId xmlns:a16="http://schemas.microsoft.com/office/drawing/2014/main" id="{AE2B703B-46F9-481A-A605-82E2A828C4FA}"/>
               </a:ext>
               <a:ext uri="{C183D7F6-B498-43B3-948B-1728B52AA6E4}">
                 <adec:decorative xmlns:adec="http://schemas.microsoft.com/office/drawing/2017/decorative" val="1"/>
@@ -14370,6 +14496,9 @@
           <a:prstGeom prst="rect">
             <a:avLst/>
           </a:prstGeom>
+          <a:solidFill>
+            <a:schemeClr val="accent2"/>
+          </a:solidFill>
           <a:ln>
             <a:noFill/>
           </a:ln>
@@ -14430,10 +14559,53 @@
       </p:sp>
       <p:sp>
         <p:nvSpPr>
-          <p:cNvPr id="18" name="Arc 17">
+          <p:cNvPr id="5" name="Title 4">
             <a:extLst>
               <a:ext uri="{FF2B5EF4-FFF2-40B4-BE49-F238E27FC236}">
-                <a16:creationId xmlns:a16="http://schemas.microsoft.com/office/drawing/2014/main" id="{7586665A-47B3-4AEE-BC94-15D89FF706B3}"/>
+                <a16:creationId xmlns:a16="http://schemas.microsoft.com/office/drawing/2014/main" id="{6394F5C9-8688-386B-FF4F-AD2D92BE2C6B}"/>
+              </a:ext>
+            </a:extLst>
+          </p:cNvPr>
+          <p:cNvSpPr>
+            <a:spLocks noGrp="1"/>
+          </p:cNvSpPr>
+          <p:nvPr>
+            <p:ph type="title"/>
+          </p:nvPr>
+        </p:nvSpPr>
+        <p:spPr>
+          <a:xfrm>
+            <a:off x="838200" y="459863"/>
+            <a:ext cx="10515600" cy="1004594"/>
+          </a:xfrm>
+        </p:spPr>
+        <p:txBody>
+          <a:bodyPr vert="horz" lIns="91440" tIns="45720" rIns="91440" bIns="45720" rtlCol="0" anchor="ctr">
+            <a:normAutofit/>
+          </a:bodyPr>
+          <a:lstStyle/>
+          <a:p>
+            <a:pPr algn="ctr"/>
+            <a:r>
+              <a:rPr lang="en-US" sz="4400" kern="1200">
+                <a:solidFill>
+                  <a:srgbClr val="FFFFFF"/>
+                </a:solidFill>
+                <a:latin typeface="+mj-lt"/>
+                <a:ea typeface="+mj-ea"/>
+                <a:cs typeface="+mj-cs"/>
+              </a:rPr>
+              <a:t>Tests vs. Pseudo-Oracle</a:t>
+            </a:r>
+          </a:p>
+        </p:txBody>
+      </p:sp>
+      <p:sp>
+        <p:nvSpPr>
+          <p:cNvPr id="18" name="Rectangle: Rounded Corners 17">
+            <a:extLst>
+              <a:ext uri="{FF2B5EF4-FFF2-40B4-BE49-F238E27FC236}">
+                <a16:creationId xmlns:a16="http://schemas.microsoft.com/office/drawing/2014/main" id="{F13BE4D7-0C3D-4906-B230-A1C5B4665CCF}"/>
               </a:ext>
               <a:ext uri="{C183D7F6-B498-43B3-948B-1728B52AA6E4}">
                 <adec:decorative xmlns:adec="http://schemas.microsoft.com/office/drawing/2017/decorative" val="1"/>
@@ -14453,31 +14625,37 @@
         </p:nvSpPr>
         <p:spPr>
           <a:xfrm>
-            <a:off x="7465099" y="486184"/>
-            <a:ext cx="4083433" cy="4083433"/>
+            <a:off x="579496" y="1587970"/>
+            <a:ext cx="11033008" cy="4768380"/>
           </a:xfrm>
-          <a:prstGeom prst="arc">
-            <a:avLst/>
+          <a:prstGeom prst="roundRect">
+            <a:avLst>
+              <a:gd name="adj" fmla="val 3174"/>
+            </a:avLst>
           </a:prstGeom>
-          <a:ln w="127000" cap="rnd">
-            <a:solidFill>
-              <a:schemeClr val="accent4"/>
-            </a:solidFill>
-            <a:prstDash val="dash"/>
+          <a:solidFill>
+            <a:schemeClr val="bg1">
+              <a:alpha val="95000"/>
+            </a:schemeClr>
+          </a:solidFill>
+          <a:ln>
+            <a:noFill/>
           </a:ln>
         </p:spPr>
         <p:style>
-          <a:lnRef idx="1">
-            <a:schemeClr val="accent1"/>
+          <a:lnRef idx="2">
+            <a:schemeClr val="accent1">
+              <a:shade val="50000"/>
+            </a:schemeClr>
           </a:lnRef>
-          <a:fillRef idx="0">
+          <a:fillRef idx="1">
             <a:schemeClr val="accent1"/>
           </a:fillRef>
           <a:effectRef idx="0">
             <a:schemeClr val="accent1"/>
           </a:effectRef>
           <a:fontRef idx="minor">
-            <a:schemeClr val="tx1"/>
+            <a:schemeClr val="lt1"/>
           </a:fontRef>
         </p:style>
         <p:txBody>
@@ -14501,12 +14679,12 @@
               <a:tabLst/>
               <a:defRPr/>
             </a:pPr>
-            <a:endParaRPr kumimoji="0" lang="en-US" sz="1800" b="0" i="0" u="none" strike="noStrike" kern="1200" cap="none" spc="0" normalizeH="0" baseline="0" noProof="0" dirty="0">
+            <a:endParaRPr kumimoji="0" lang="en-US" sz="1800" b="0" i="0" u="none" strike="noStrike" kern="1200" cap="none" spc="0" normalizeH="0" baseline="0" noProof="0">
               <a:ln>
                 <a:noFill/>
               </a:ln>
               <a:solidFill>
-                <a:prstClr val="black"/>
+                <a:prstClr val="white"/>
               </a:solidFill>
               <a:effectLst/>
               <a:uLnTx/>
@@ -14520,659 +14698,425 @@
       </p:sp>
       <p:sp>
         <p:nvSpPr>
-          <p:cNvPr id="2" name="Title 1">
+          <p:cNvPr id="7" name="Content Placeholder 6">
             <a:extLst>
               <a:ext uri="{FF2B5EF4-FFF2-40B4-BE49-F238E27FC236}">
-                <a16:creationId xmlns:a16="http://schemas.microsoft.com/office/drawing/2014/main" id="{99A0820E-216D-F7CC-0905-014594A9C1A4}"/>
+                <a16:creationId xmlns:a16="http://schemas.microsoft.com/office/drawing/2014/main" id="{7C840C83-12F8-56B4-7F49-31E8827DFADD}"/>
               </a:ext>
             </a:extLst>
           </p:cNvPr>
           <p:cNvSpPr>
-            <a:spLocks noGrp="1"/>
+            <a:spLocks/>
           </p:cNvSpPr>
-          <p:nvPr>
-            <p:ph type="title"/>
-          </p:nvPr>
+          <p:nvPr/>
         </p:nvSpPr>
         <p:spPr>
           <a:xfrm>
-            <a:off x="4184542" y="486184"/>
-            <a:ext cx="7363990" cy="1325563"/>
-          </a:xfrm>
-        </p:spPr>
-        <p:txBody>
-          <a:bodyPr>
-            <a:normAutofit/>
-          </a:bodyPr>
-          <a:lstStyle/>
-          <a:p>
-            <a:r>
-              <a:rPr lang="en-CA" dirty="0"/>
-              <a:t>Example Calculations and Models</a:t>
-            </a:r>
-          </a:p>
-        </p:txBody>
-      </p:sp>
-      <p:pic>
-        <p:nvPicPr>
-          <p:cNvPr id="5" name="Picture 4">
-            <a:extLst>
-              <a:ext uri="{FF2B5EF4-FFF2-40B4-BE49-F238E27FC236}">
-                <a16:creationId xmlns:a16="http://schemas.microsoft.com/office/drawing/2014/main" id="{CFFC0296-F13E-167E-0F33-27320DF18354}"/>
-              </a:ext>
-            </a:extLst>
-          </p:cNvPr>
-          <p:cNvPicPr>
-            <a:picLocks noChangeAspect="1"/>
-          </p:cNvPicPr>
-          <p:nvPr/>
-        </p:nvPicPr>
-        <p:blipFill rotWithShape="1">
-          <a:blip r:embed="rId2"/>
-          <a:srcRect l="6750" r="-2" b="-2"/>
-          <a:stretch/>
-        </p:blipFill>
-        <p:spPr>
-          <a:xfrm>
-            <a:off x="581526" y="258142"/>
-            <a:ext cx="3118718" cy="3118718"/>
-          </a:xfrm>
-          <a:custGeom>
-            <a:avLst/>
-            <a:gdLst/>
-            <a:ahLst/>
-            <a:cxnLst/>
-            <a:rect l="l" t="t" r="r" b="b"/>
-            <a:pathLst>
-              <a:path w="2683042" h="2683042">
-                <a:moveTo>
-                  <a:pt x="102278" y="0"/>
-                </a:moveTo>
-                <a:lnTo>
-                  <a:pt x="2580764" y="0"/>
-                </a:lnTo>
-                <a:cubicBezTo>
-                  <a:pt x="2637251" y="0"/>
-                  <a:pt x="2683042" y="45791"/>
-                  <a:pt x="2683042" y="102278"/>
-                </a:cubicBezTo>
-                <a:lnTo>
-                  <a:pt x="2683042" y="2580764"/>
-                </a:lnTo>
-                <a:cubicBezTo>
-                  <a:pt x="2683042" y="2637251"/>
-                  <a:pt x="2637251" y="2683042"/>
-                  <a:pt x="2580764" y="2683042"/>
-                </a:cubicBezTo>
-                <a:lnTo>
-                  <a:pt x="102278" y="2683042"/>
-                </a:lnTo>
-                <a:cubicBezTo>
-                  <a:pt x="45791" y="2683042"/>
-                  <a:pt x="0" y="2637251"/>
-                  <a:pt x="0" y="2580764"/>
-                </a:cubicBezTo>
-                <a:lnTo>
-                  <a:pt x="0" y="102278"/>
-                </a:lnTo>
-                <a:cubicBezTo>
-                  <a:pt x="0" y="45791"/>
-                  <a:pt x="45791" y="0"/>
-                  <a:pt x="102278" y="0"/>
-                </a:cubicBezTo>
-                <a:close/>
-              </a:path>
-            </a:pathLst>
-          </a:custGeom>
-        </p:spPr>
-      </p:pic>
-      <p:pic>
-        <p:nvPicPr>
-          <p:cNvPr id="11" name="Picture 10">
-            <a:extLst>
-              <a:ext uri="{FF2B5EF4-FFF2-40B4-BE49-F238E27FC236}">
-                <a16:creationId xmlns:a16="http://schemas.microsoft.com/office/drawing/2014/main" id="{A82ADC44-FE62-0E4F-B61B-636F51C8ACE8}"/>
-              </a:ext>
-            </a:extLst>
-          </p:cNvPr>
-          <p:cNvPicPr>
-            <a:picLocks noChangeAspect="1"/>
-          </p:cNvPicPr>
-          <p:nvPr/>
-        </p:nvPicPr>
-        <p:blipFill rotWithShape="1">
-          <a:blip r:embed="rId3"/>
-          <a:srcRect l="2000" r="1" b="1"/>
-          <a:stretch/>
-        </p:blipFill>
-        <p:spPr>
-          <a:xfrm>
-            <a:off x="581526" y="3486449"/>
-            <a:ext cx="3118718" cy="3118718"/>
-          </a:xfrm>
-          <a:custGeom>
-            <a:avLst/>
-            <a:gdLst/>
-            <a:ahLst/>
-            <a:cxnLst/>
-            <a:rect l="l" t="t" r="r" b="b"/>
-            <a:pathLst>
-              <a:path w="2683042" h="2683042">
-                <a:moveTo>
-                  <a:pt x="102278" y="0"/>
-                </a:moveTo>
-                <a:lnTo>
-                  <a:pt x="2580764" y="0"/>
-                </a:lnTo>
-                <a:cubicBezTo>
-                  <a:pt x="2637251" y="0"/>
-                  <a:pt x="2683042" y="45791"/>
-                  <a:pt x="2683042" y="102278"/>
-                </a:cubicBezTo>
-                <a:lnTo>
-                  <a:pt x="2683042" y="2580764"/>
-                </a:lnTo>
-                <a:cubicBezTo>
-                  <a:pt x="2683042" y="2637251"/>
-                  <a:pt x="2637251" y="2683042"/>
-                  <a:pt x="2580764" y="2683042"/>
-                </a:cubicBezTo>
-                <a:lnTo>
-                  <a:pt x="102278" y="2683042"/>
-                </a:lnTo>
-                <a:cubicBezTo>
-                  <a:pt x="45791" y="2683042"/>
-                  <a:pt x="0" y="2637251"/>
-                  <a:pt x="0" y="2580764"/>
-                </a:cubicBezTo>
-                <a:lnTo>
-                  <a:pt x="0" y="102278"/>
-                </a:lnTo>
-                <a:cubicBezTo>
-                  <a:pt x="0" y="45791"/>
-                  <a:pt x="45791" y="0"/>
-                  <a:pt x="102278" y="0"/>
-                </a:cubicBezTo>
-                <a:close/>
-              </a:path>
-            </a:pathLst>
-          </a:custGeom>
-        </p:spPr>
-      </p:pic>
-      <p:sp>
-        <p:nvSpPr>
-          <p:cNvPr id="6" name="Content Placeholder 2">
-            <a:extLst>
-              <a:ext uri="{FF2B5EF4-FFF2-40B4-BE49-F238E27FC236}">
-                <a16:creationId xmlns:a16="http://schemas.microsoft.com/office/drawing/2014/main" id="{CC7BCCCB-9907-FF0C-EEAB-CDCE4653FE88}"/>
-              </a:ext>
-            </a:extLst>
-          </p:cNvPr>
-          <p:cNvSpPr>
-            <a:spLocks noGrp="1"/>
-          </p:cNvSpPr>
-          <p:nvPr>
-            <p:ph idx="1"/>
-          </p:nvPr>
-        </p:nvSpPr>
-        <p:spPr>
-          <a:xfrm>
-            <a:off x="4184542" y="1946684"/>
-            <a:ext cx="7363990" cy="4351338"/>
-          </a:xfrm>
-        </p:spPr>
-        <p:txBody>
-          <a:bodyPr>
-            <a:normAutofit/>
-          </a:bodyPr>
-          <a:lstStyle/>
-          <a:p>
-            <a:pPr marL="0" indent="0">
-              <a:buNone/>
-            </a:pPr>
-            <a:r>
-              <a:rPr lang="en-CA" sz="2400" dirty="0"/>
-              <a:t>Sigmoid Function </a:t>
-            </a:r>
-          </a:p>
-          <a:p>
-            <a:r>
-              <a:rPr lang="en-CA" sz="2400" dirty="0"/>
-              <a:t>Useful for classification since its value is either close to zero or one</a:t>
-            </a:r>
-          </a:p>
-          <a:p>
-            <a:pPr marL="0" indent="0">
-              <a:buNone/>
-            </a:pPr>
-            <a:endParaRPr lang="en-CA" sz="2400" dirty="0"/>
-          </a:p>
-          <a:p>
-            <a:pPr marL="0" indent="0">
-              <a:buNone/>
-            </a:pPr>
-            <a:r>
-              <a:rPr lang="en-CA" sz="2400" dirty="0"/>
-              <a:t>Natural Logarithm Function</a:t>
-            </a:r>
-          </a:p>
-          <a:p>
-            <a:r>
-              <a:rPr lang="en-CA" sz="2400" dirty="0"/>
-              <a:t>Used for basis of Log Likelihood function</a:t>
-            </a:r>
-          </a:p>
-          <a:p>
-            <a:pPr marL="0" indent="0">
-              <a:buNone/>
-            </a:pPr>
-            <a:endParaRPr lang="en-CA" sz="2400" dirty="0"/>
-          </a:p>
-          <a:p>
-            <a:endParaRPr lang="en-CA" sz="2400" dirty="0"/>
-          </a:p>
-        </p:txBody>
-      </p:sp>
-      <p:sp>
-        <p:nvSpPr>
-          <p:cNvPr id="13" name="Slide Number Placeholder 3">
-            <a:extLst>
-              <a:ext uri="{FF2B5EF4-FFF2-40B4-BE49-F238E27FC236}">
-                <a16:creationId xmlns:a16="http://schemas.microsoft.com/office/drawing/2014/main" id="{B0F0E84C-F4C8-FB93-DEDB-FBAC071B797F}"/>
-              </a:ext>
-            </a:extLst>
-          </p:cNvPr>
-          <p:cNvSpPr>
-            <a:spLocks noGrp="1"/>
-          </p:cNvSpPr>
-          <p:nvPr>
-            <p:ph type="sldNum" sz="quarter" idx="12"/>
-          </p:nvPr>
-        </p:nvSpPr>
-        <p:spPr>
-          <a:xfrm>
-            <a:off x="9395545" y="6445897"/>
-            <a:ext cx="2743200" cy="365125"/>
-          </a:xfrm>
-        </p:spPr>
-        <p:txBody>
-          <a:bodyPr/>
-          <a:lstStyle/>
-          <a:p>
-            <a:r>
-              <a:rPr lang="en-US" dirty="0">
-                <a:solidFill>
-                  <a:schemeClr val="tx1"/>
-                </a:solidFill>
-              </a:rPr>
-              <a:t>Page </a:t>
-            </a:r>
-            <a:fld id="{4854181D-6920-4594-9A5D-6CE56DC9F8B2}" type="slidenum">
-              <a:rPr lang="en-US" smtClean="0">
-                <a:solidFill>
-                  <a:schemeClr val="tx1"/>
-                </a:solidFill>
-              </a:rPr>
-              <a:t>4</a:t>
-            </a:fld>
-            <a:r>
-              <a:rPr lang="en-US" dirty="0">
-                <a:solidFill>
-                  <a:schemeClr val="tx1"/>
-                </a:solidFill>
-              </a:rPr>
-              <a:t>/8</a:t>
-            </a:r>
-          </a:p>
-        </p:txBody>
-      </p:sp>
-    </p:spTree>
-    <p:extLst>
-      <p:ext uri="{BB962C8B-B14F-4D97-AF65-F5344CB8AC3E}">
-        <p14:creationId xmlns:p14="http://schemas.microsoft.com/office/powerpoint/2010/main" val="356722889"/>
-      </p:ext>
-    </p:extLst>
-  </p:cSld>
-  <p:clrMapOvr>
-    <a:masterClrMapping/>
-  </p:clrMapOvr>
-</p:sld>
-</file>
-
-<file path=ppt/slides/slide5.xml><?xml version="1.0" encoding="utf-8"?>
-<p:sld xmlns:a="http://schemas.openxmlformats.org/drawingml/2006/main" xmlns:r="http://schemas.openxmlformats.org/officeDocument/2006/relationships" xmlns:p="http://schemas.openxmlformats.org/presentationml/2006/main">
-  <p:cSld>
-    <p:spTree>
-      <p:nvGrpSpPr>
-        <p:cNvPr id="1" name=""/>
-        <p:cNvGrpSpPr/>
-        <p:nvPr/>
-      </p:nvGrpSpPr>
-      <p:grpSpPr>
-        <a:xfrm>
-          <a:off x="0" y="0"/>
-          <a:ext cx="0" cy="0"/>
-          <a:chOff x="0" y="0"/>
-          <a:chExt cx="0" cy="0"/>
-        </a:xfrm>
-      </p:grpSpPr>
-      <p:sp>
-        <p:nvSpPr>
-          <p:cNvPr id="2" name="Title 1">
-            <a:extLst>
-              <a:ext uri="{FF2B5EF4-FFF2-40B4-BE49-F238E27FC236}">
-                <a16:creationId xmlns:a16="http://schemas.microsoft.com/office/drawing/2014/main" id="{C7DF1014-ECEC-7D05-6120-59AD338C5A43}"/>
-              </a:ext>
-            </a:extLst>
-          </p:cNvPr>
-          <p:cNvSpPr>
-            <a:spLocks noGrp="1"/>
-          </p:cNvSpPr>
-          <p:nvPr>
-            <p:ph type="title"/>
-          </p:nvPr>
-        </p:nvSpPr>
-        <p:spPr/>
-        <p:txBody>
-          <a:bodyPr/>
-          <a:lstStyle/>
-          <a:p>
-            <a:r>
-              <a:rPr lang="en-CA" dirty="0"/>
-              <a:t>Example Calculations and Models Cont’d</a:t>
-            </a:r>
-          </a:p>
-        </p:txBody>
-      </p:sp>
-      <p:sp>
-        <p:nvSpPr>
-          <p:cNvPr id="5" name="Slide Number Placeholder 3">
-            <a:extLst>
-              <a:ext uri="{FF2B5EF4-FFF2-40B4-BE49-F238E27FC236}">
-                <a16:creationId xmlns:a16="http://schemas.microsoft.com/office/drawing/2014/main" id="{1C012839-D1DE-7D8C-C13D-1405FD0457A8}"/>
-              </a:ext>
-            </a:extLst>
-          </p:cNvPr>
-          <p:cNvSpPr>
-            <a:spLocks noGrp="1"/>
-          </p:cNvSpPr>
-          <p:nvPr>
-            <p:ph type="sldNum" sz="quarter" idx="12"/>
-          </p:nvPr>
-        </p:nvSpPr>
-        <p:spPr>
-          <a:xfrm>
-            <a:off x="9395545" y="6445897"/>
-            <a:ext cx="2743200" cy="365125"/>
-          </a:xfrm>
-        </p:spPr>
-        <p:txBody>
-          <a:bodyPr/>
-          <a:lstStyle/>
-          <a:p>
-            <a:r>
-              <a:rPr lang="en-US" dirty="0">
-                <a:solidFill>
-                  <a:schemeClr val="tx1"/>
-                </a:solidFill>
-              </a:rPr>
-              <a:t>Page </a:t>
-            </a:r>
-            <a:fld id="{4854181D-6920-4594-9A5D-6CE56DC9F8B2}" type="slidenum">
-              <a:rPr lang="en-US" smtClean="0">
-                <a:solidFill>
-                  <a:schemeClr val="tx1"/>
-                </a:solidFill>
-              </a:rPr>
-              <a:t>5</a:t>
-            </a:fld>
-            <a:r>
-              <a:rPr lang="en-US" dirty="0">
-                <a:solidFill>
-                  <a:schemeClr val="tx1"/>
-                </a:solidFill>
-              </a:rPr>
-              <a:t>/8</a:t>
-            </a:r>
-          </a:p>
-        </p:txBody>
-      </p:sp>
-      <p:pic>
-        <p:nvPicPr>
-          <p:cNvPr id="7" name="Picture 6">
-            <a:extLst>
-              <a:ext uri="{FF2B5EF4-FFF2-40B4-BE49-F238E27FC236}">
-                <a16:creationId xmlns:a16="http://schemas.microsoft.com/office/drawing/2014/main" id="{CAE9B0C0-7090-D085-8979-B49AF6DAF264}"/>
-              </a:ext>
-            </a:extLst>
-          </p:cNvPr>
-          <p:cNvPicPr>
-            <a:picLocks noChangeAspect="1"/>
-          </p:cNvPicPr>
-          <p:nvPr/>
-        </p:nvPicPr>
-        <p:blipFill>
-          <a:blip r:embed="rId2"/>
-          <a:stretch>
-            <a:fillRect/>
-          </a:stretch>
-        </p:blipFill>
-        <p:spPr>
-          <a:xfrm>
-            <a:off x="315565" y="3247983"/>
-            <a:ext cx="5780435" cy="2171685"/>
+            <a:off x="6096000" y="1796491"/>
+            <a:ext cx="5181600" cy="4351338"/>
           </a:xfrm>
           <a:prstGeom prst="rect">
             <a:avLst/>
           </a:prstGeom>
         </p:spPr>
-      </p:pic>
-      <p:pic>
-        <p:nvPicPr>
-          <p:cNvPr id="9" name="Picture 8">
+        <p:txBody>
+          <a:bodyPr/>
+          <a:lstStyle/>
+          <a:p>
+            <a:r>
+              <a:rPr lang="en-CA" dirty="0"/>
+              <a:t> For performance, an example calculation for Accuracy would be:</a:t>
+            </a:r>
+          </a:p>
+          <a:p>
+            <a:endParaRPr lang="en-CA" dirty="0"/>
+          </a:p>
+          <a:p>
+            <a:pPr algn="ctr"/>
+            <a:r>
+              <a:rPr lang="en-CA" dirty="0"/>
+              <a:t>OAR Accuracy – Library Accuracy</a:t>
+            </a:r>
+          </a:p>
+          <a:p>
+            <a:pPr algn="ctr"/>
+            <a:r>
+              <a:rPr lang="en-CA" dirty="0"/>
+              <a:t>Library Accuracy</a:t>
+            </a:r>
+          </a:p>
+          <a:p>
+            <a:pPr algn="ctr"/>
+            <a:endParaRPr lang="en-CA" dirty="0"/>
+          </a:p>
+          <a:p>
+            <a:r>
+              <a:rPr lang="en-CA" dirty="0"/>
+              <a:t>And the goal would be to have the result of the calculation &lt;</a:t>
+            </a:r>
+            <a:r>
+              <a:rPr lang="en-CA" dirty="0">
+                <a:sym typeface="Symbol" panose="05050102010706020507" pitchFamily="18" charset="2"/>
+              </a:rPr>
+              <a:t> = 10%. This calculation will be performed for Misclassification and Precision metrics as well, and the runtime with the same epsilon for all metrics.</a:t>
+            </a:r>
+            <a:endParaRPr lang="en-CA" dirty="0"/>
+          </a:p>
+        </p:txBody>
+      </p:sp>
+      <p:sp>
+        <p:nvSpPr>
+          <p:cNvPr id="6" name="Content Placeholder 5">
             <a:extLst>
               <a:ext uri="{FF2B5EF4-FFF2-40B4-BE49-F238E27FC236}">
-                <a16:creationId xmlns:a16="http://schemas.microsoft.com/office/drawing/2014/main" id="{4C1A88EA-8389-DD90-1A57-B3C56972839A}"/>
+                <a16:creationId xmlns:a16="http://schemas.microsoft.com/office/drawing/2014/main" id="{61629CB0-E19B-5E3B-A7EE-DE240A31BDE0}"/>
               </a:ext>
             </a:extLst>
           </p:cNvPr>
-          <p:cNvPicPr>
-            <a:picLocks noChangeAspect="1"/>
-          </p:cNvPicPr>
+          <p:cNvSpPr>
+            <a:spLocks/>
+          </p:cNvSpPr>
           <p:nvPr/>
-        </p:nvPicPr>
-        <p:blipFill>
-          <a:blip r:embed="rId3"/>
-          <a:stretch>
-            <a:fillRect/>
-          </a:stretch>
-        </p:blipFill>
+        </p:nvSpPr>
         <p:spPr>
           <a:xfrm>
-            <a:off x="1499475" y="2627843"/>
-            <a:ext cx="3359323" cy="1022403"/>
+            <a:off x="1422968" y="1800911"/>
+            <a:ext cx="4605307" cy="3867386"/>
           </a:xfrm>
           <a:prstGeom prst="rect">
             <a:avLst/>
           </a:prstGeom>
         </p:spPr>
-      </p:pic>
-      <p:pic>
-        <p:nvPicPr>
-          <p:cNvPr id="11" name="Content Placeholder 10">
+        <p:txBody>
+          <a:bodyPr/>
+          <a:lstStyle/>
+          <a:p>
+            <a:pPr defTabSz="804672">
+              <a:spcAft>
+                <a:spcPts val="600"/>
+              </a:spcAft>
+            </a:pPr>
+            <a:r>
+              <a:rPr lang="en-CA" sz="2200" kern="1200" dirty="0">
+                <a:solidFill>
+                  <a:schemeClr val="tx1"/>
+                </a:solidFill>
+                <a:latin typeface="+mn-lt"/>
+                <a:ea typeface="+mn-ea"/>
+                <a:cs typeface="+mn-cs"/>
+              </a:rPr>
+              <a:t>Tests vs. the Pseudo-Oracle (Logistic Regression Library from scikit-learn) will be used as a comparison for the performance of the program.</a:t>
+            </a:r>
+          </a:p>
+          <a:p>
+            <a:pPr defTabSz="804672">
+              <a:spcAft>
+                <a:spcPts val="600"/>
+              </a:spcAft>
+            </a:pPr>
+            <a:endParaRPr lang="en-CA" sz="2200" kern="1200" dirty="0">
+              <a:solidFill>
+                <a:schemeClr val="tx1"/>
+              </a:solidFill>
+              <a:latin typeface="+mn-lt"/>
+              <a:ea typeface="+mn-ea"/>
+              <a:cs typeface="+mn-cs"/>
+            </a:endParaRPr>
+          </a:p>
+          <a:p>
+            <a:pPr defTabSz="804672">
+              <a:spcAft>
+                <a:spcPts val="600"/>
+              </a:spcAft>
+            </a:pPr>
+            <a:r>
+              <a:rPr lang="en-CA" sz="2200" kern="1200" dirty="0">
+                <a:solidFill>
+                  <a:schemeClr val="tx1"/>
+                </a:solidFill>
+                <a:latin typeface="+mn-lt"/>
+                <a:ea typeface="+mn-ea"/>
+                <a:cs typeface="+mn-cs"/>
+              </a:rPr>
+              <a:t>This will be done by comparing their confusion matrices, runtimes etc.</a:t>
+            </a:r>
+            <a:endParaRPr lang="en-CA" sz="2200" dirty="0"/>
+          </a:p>
+        </p:txBody>
+      </p:sp>
+      <p:sp>
+        <p:nvSpPr>
+          <p:cNvPr id="4" name="Slide Number Placeholder 3">
             <a:extLst>
               <a:ext uri="{FF2B5EF4-FFF2-40B4-BE49-F238E27FC236}">
-                <a16:creationId xmlns:a16="http://schemas.microsoft.com/office/drawing/2014/main" id="{3069CF3F-2488-0D3C-36B1-96C29EF328C3}"/>
+                <a16:creationId xmlns:a16="http://schemas.microsoft.com/office/drawing/2014/main" id="{8CDC816D-1BD0-09D7-9C19-19754753BDF7}"/>
               </a:ext>
             </a:extLst>
           </p:cNvPr>
-          <p:cNvPicPr>
-            <a:picLocks noGrp="1" noChangeAspect="1"/>
-          </p:cNvPicPr>
-          <p:nvPr>
-            <p:ph idx="1"/>
-          </p:nvPr>
-        </p:nvPicPr>
-        <p:blipFill>
-          <a:blip r:embed="rId4"/>
-          <a:stretch>
-            <a:fillRect/>
-          </a:stretch>
-        </p:blipFill>
+          <p:cNvSpPr>
+            <a:spLocks/>
+          </p:cNvSpPr>
+          <p:nvPr/>
+        </p:nvSpPr>
         <p:spPr>
           <a:xfrm>
-            <a:off x="6502069" y="3277310"/>
-            <a:ext cx="5374366" cy="655018"/>
-          </a:xfrm>
-        </p:spPr>
-      </p:pic>
-      <p:grpSp>
-        <p:nvGrpSpPr>
-          <p:cNvPr id="15" name="Group 14">
-            <a:extLst>
-              <a:ext uri="{FF2B5EF4-FFF2-40B4-BE49-F238E27FC236}">
-                <a16:creationId xmlns:a16="http://schemas.microsoft.com/office/drawing/2014/main" id="{8BF43C64-2CCA-9F17-AB62-3165ADE233AB}"/>
-              </a:ext>
-            </a:extLst>
-          </p:cNvPr>
-          <p:cNvGrpSpPr/>
-          <p:nvPr/>
-        </p:nvGrpSpPr>
-        <p:grpSpPr>
-          <a:xfrm>
-            <a:off x="6502069" y="4032683"/>
-            <a:ext cx="5374366" cy="655018"/>
-            <a:chOff x="6642993" y="2902073"/>
-            <a:chExt cx="5374366" cy="655018"/>
-          </a:xfrm>
-        </p:grpSpPr>
-        <p:pic>
-          <p:nvPicPr>
-            <p:cNvPr id="12" name="Content Placeholder 10">
-              <a:extLst>
-                <a:ext uri="{FF2B5EF4-FFF2-40B4-BE49-F238E27FC236}">
-                  <a16:creationId xmlns:a16="http://schemas.microsoft.com/office/drawing/2014/main" id="{1D66D614-DB0E-70BC-5CE5-E90ACF60A7ED}"/>
-                </a:ext>
-              </a:extLst>
-            </p:cNvPr>
-            <p:cNvPicPr>
-              <a:picLocks noChangeAspect="1"/>
-            </p:cNvPicPr>
-            <p:nvPr/>
-          </p:nvPicPr>
-          <p:blipFill>
-            <a:blip r:embed="rId4"/>
-            <a:stretch>
-              <a:fillRect/>
-            </a:stretch>
-          </p:blipFill>
-          <p:spPr>
-            <a:xfrm>
-              <a:off x="6642993" y="2902073"/>
-              <a:ext cx="5374366" cy="655018"/>
-            </a:xfrm>
-            <a:prstGeom prst="rect">
-              <a:avLst/>
-            </a:prstGeom>
-          </p:spPr>
-        </p:pic>
-        <p:pic>
-          <p:nvPicPr>
-            <p:cNvPr id="14" name="Picture 13">
-              <a:extLst>
-                <a:ext uri="{FF2B5EF4-FFF2-40B4-BE49-F238E27FC236}">
-                  <a16:creationId xmlns:a16="http://schemas.microsoft.com/office/drawing/2014/main" id="{FC818FE4-B411-1A79-4D4F-931900CDC4FD}"/>
-                </a:ext>
-              </a:extLst>
-            </p:cNvPr>
-            <p:cNvPicPr>
-              <a:picLocks noChangeAspect="1"/>
-            </p:cNvPicPr>
-            <p:nvPr/>
-          </p:nvPicPr>
-          <p:blipFill>
-            <a:blip r:embed="rId5"/>
-            <a:stretch>
-              <a:fillRect/>
-            </a:stretch>
-          </p:blipFill>
-          <p:spPr>
-            <a:xfrm>
-              <a:off x="6742144" y="2954621"/>
-              <a:ext cx="393975" cy="474378"/>
-            </a:xfrm>
-            <a:prstGeom prst="rect">
-              <a:avLst/>
-            </a:prstGeom>
-          </p:spPr>
-        </p:pic>
-      </p:grpSp>
-      <p:pic>
-        <p:nvPicPr>
-          <p:cNvPr id="17" name="Picture 16">
-            <a:extLst>
-              <a:ext uri="{FF2B5EF4-FFF2-40B4-BE49-F238E27FC236}">
-                <a16:creationId xmlns:a16="http://schemas.microsoft.com/office/drawing/2014/main" id="{8924486C-65A4-1784-1B5D-76149A672E25}"/>
-              </a:ext>
-            </a:extLst>
-          </p:cNvPr>
-          <p:cNvPicPr>
-            <a:picLocks noChangeAspect="1"/>
-          </p:cNvPicPr>
-          <p:nvPr/>
-        </p:nvPicPr>
-        <p:blipFill>
-          <a:blip r:embed="rId6"/>
-          <a:stretch>
-            <a:fillRect/>
-          </a:stretch>
-        </p:blipFill>
-        <p:spPr>
-          <a:xfrm>
-            <a:off x="7237566" y="4993507"/>
-            <a:ext cx="3572229" cy="852321"/>
+            <a:off x="9753896" y="6533482"/>
+            <a:ext cx="2438104" cy="324516"/>
           </a:xfrm>
           <a:prstGeom prst="rect">
             <a:avLst/>
           </a:prstGeom>
         </p:spPr>
-      </p:pic>
-      <p:pic>
-        <p:nvPicPr>
-          <p:cNvPr id="19" name="Picture 18">
+        <p:txBody>
+          <a:bodyPr/>
+          <a:lstStyle/>
+          <a:p>
+            <a:pPr algn="r" defTabSz="804672">
+              <a:spcAft>
+                <a:spcPts val="600"/>
+              </a:spcAft>
+            </a:pPr>
+            <a:r>
+              <a:rPr lang="en-US" sz="1584" kern="1200" dirty="0">
+                <a:solidFill>
+                  <a:schemeClr val="tx1"/>
+                </a:solidFill>
+                <a:latin typeface="+mn-lt"/>
+                <a:ea typeface="+mn-ea"/>
+                <a:cs typeface="+mn-cs"/>
+              </a:rPr>
+              <a:t>Page </a:t>
+            </a:r>
+            <a:fld id="{4854181D-6920-4594-9A5D-6CE56DC9F8B2}" type="slidenum">
+              <a:rPr lang="en-US" sz="1584" kern="1200" smtClean="0">
+                <a:solidFill>
+                  <a:schemeClr val="tx1"/>
+                </a:solidFill>
+                <a:latin typeface="+mn-lt"/>
+                <a:ea typeface="+mn-ea"/>
+                <a:cs typeface="+mn-cs"/>
+              </a:rPr>
+              <a:pPr algn="r" defTabSz="804672">
+                <a:spcAft>
+                  <a:spcPts val="600"/>
+                </a:spcAft>
+              </a:pPr>
+              <a:t>5</a:t>
+            </a:fld>
+            <a:r>
+              <a:rPr lang="en-US" sz="1584" kern="1200" dirty="0">
+                <a:solidFill>
+                  <a:schemeClr val="tx1"/>
+                </a:solidFill>
+                <a:latin typeface="+mn-lt"/>
+                <a:ea typeface="+mn-ea"/>
+                <a:cs typeface="+mn-cs"/>
+              </a:rPr>
+              <a:t>/6</a:t>
+            </a:r>
+            <a:endParaRPr lang="en-US" dirty="0"/>
+          </a:p>
+        </p:txBody>
+      </p:sp>
+      <p:cxnSp>
+        <p:nvCxnSpPr>
+          <p:cNvPr id="9" name="Straight Connector 8">
             <a:extLst>
               <a:ext uri="{FF2B5EF4-FFF2-40B4-BE49-F238E27FC236}">
-                <a16:creationId xmlns:a16="http://schemas.microsoft.com/office/drawing/2014/main" id="{05A4DA08-7B97-9D43-0DBC-42C46123E6FC}"/>
+                <a16:creationId xmlns:a16="http://schemas.microsoft.com/office/drawing/2014/main" id="{88A9A63F-1EA3-2E75-9E01-7F96034F99DD}"/>
               </a:ext>
             </a:extLst>
           </p:cNvPr>
-          <p:cNvPicPr>
-            <a:picLocks noChangeAspect="1"/>
-          </p:cNvPicPr>
+          <p:cNvCxnSpPr/>
           <p:nvPr/>
-        </p:nvPicPr>
-        <p:blipFill>
-          <a:blip r:embed="rId7"/>
-          <a:stretch>
-            <a:fillRect/>
-          </a:stretch>
-        </p:blipFill>
+        </p:nvCxnSpPr>
         <p:spPr>
           <a:xfrm>
-            <a:off x="7618137" y="2605243"/>
-            <a:ext cx="2811086" cy="519164"/>
+            <a:off x="6770914" y="2971800"/>
+            <a:ext cx="3865033" cy="0"/>
           </a:xfrm>
-          <a:prstGeom prst="rect">
+          <a:prstGeom prst="line">
             <a:avLst/>
           </a:prstGeom>
+          <a:ln w="25400"/>
         </p:spPr>
-      </p:pic>
+        <p:style>
+          <a:lnRef idx="1">
+            <a:schemeClr val="dk1"/>
+          </a:lnRef>
+          <a:fillRef idx="0">
+            <a:schemeClr val="dk1"/>
+          </a:fillRef>
+          <a:effectRef idx="0">
+            <a:schemeClr val="dk1"/>
+          </a:effectRef>
+          <a:fontRef idx="minor">
+            <a:schemeClr val="tx1"/>
+          </a:fontRef>
+        </p:style>
+      </p:cxnSp>
+      <p:cxnSp>
+        <p:nvCxnSpPr>
+          <p:cNvPr id="10" name="Straight Connector 9">
+            <a:extLst>
+              <a:ext uri="{FF2B5EF4-FFF2-40B4-BE49-F238E27FC236}">
+                <a16:creationId xmlns:a16="http://schemas.microsoft.com/office/drawing/2014/main" id="{1152FE4A-A4C9-C441-DE88-EF0AB7A4BBE4}"/>
+              </a:ext>
+            </a:extLst>
+          </p:cNvPr>
+          <p:cNvCxnSpPr>
+            <a:cxnSpLocks/>
+          </p:cNvCxnSpPr>
+          <p:nvPr/>
+        </p:nvCxnSpPr>
+        <p:spPr>
+          <a:xfrm>
+            <a:off x="6890657" y="2667000"/>
+            <a:ext cx="0" cy="261257"/>
+          </a:xfrm>
+          <a:prstGeom prst="line">
+            <a:avLst/>
+          </a:prstGeom>
+          <a:ln w="25400"/>
+        </p:spPr>
+        <p:style>
+          <a:lnRef idx="1">
+            <a:schemeClr val="dk1"/>
+          </a:lnRef>
+          <a:fillRef idx="0">
+            <a:schemeClr val="dk1"/>
+          </a:fillRef>
+          <a:effectRef idx="0">
+            <a:schemeClr val="dk1"/>
+          </a:effectRef>
+          <a:fontRef idx="minor">
+            <a:schemeClr val="tx1"/>
+          </a:fontRef>
+        </p:style>
+      </p:cxnSp>
+      <p:cxnSp>
+        <p:nvCxnSpPr>
+          <p:cNvPr id="19" name="Straight Connector 18">
+            <a:extLst>
+              <a:ext uri="{FF2B5EF4-FFF2-40B4-BE49-F238E27FC236}">
+                <a16:creationId xmlns:a16="http://schemas.microsoft.com/office/drawing/2014/main" id="{45CE9661-BEAF-044E-0079-3F3EA327EFFB}"/>
+              </a:ext>
+            </a:extLst>
+          </p:cNvPr>
+          <p:cNvCxnSpPr>
+            <a:cxnSpLocks/>
+          </p:cNvCxnSpPr>
+          <p:nvPr/>
+        </p:nvCxnSpPr>
+        <p:spPr>
+          <a:xfrm>
+            <a:off x="10494433" y="2667000"/>
+            <a:ext cx="0" cy="261257"/>
+          </a:xfrm>
+          <a:prstGeom prst="line">
+            <a:avLst/>
+          </a:prstGeom>
+          <a:ln w="25400"/>
+        </p:spPr>
+        <p:style>
+          <a:lnRef idx="1">
+            <a:schemeClr val="dk1"/>
+          </a:lnRef>
+          <a:fillRef idx="0">
+            <a:schemeClr val="dk1"/>
+          </a:fillRef>
+          <a:effectRef idx="0">
+            <a:schemeClr val="dk1"/>
+          </a:effectRef>
+          <a:fontRef idx="minor">
+            <a:schemeClr val="tx1"/>
+          </a:fontRef>
+        </p:style>
+      </p:cxnSp>
+      <p:cxnSp>
+        <p:nvCxnSpPr>
+          <p:cNvPr id="22" name="Straight Connector 21">
+            <a:extLst>
+              <a:ext uri="{FF2B5EF4-FFF2-40B4-BE49-F238E27FC236}">
+                <a16:creationId xmlns:a16="http://schemas.microsoft.com/office/drawing/2014/main" id="{DBA583BE-31E6-2D0D-435C-A4AF2F265241}"/>
+              </a:ext>
+            </a:extLst>
+          </p:cNvPr>
+          <p:cNvCxnSpPr>
+            <a:cxnSpLocks/>
+          </p:cNvCxnSpPr>
+          <p:nvPr/>
+        </p:nvCxnSpPr>
+        <p:spPr>
+          <a:xfrm>
+            <a:off x="7652657" y="2971800"/>
+            <a:ext cx="0" cy="261257"/>
+          </a:xfrm>
+          <a:prstGeom prst="line">
+            <a:avLst/>
+          </a:prstGeom>
+          <a:ln w="25400"/>
+        </p:spPr>
+        <p:style>
+          <a:lnRef idx="1">
+            <a:schemeClr val="dk1"/>
+          </a:lnRef>
+          <a:fillRef idx="0">
+            <a:schemeClr val="dk1"/>
+          </a:fillRef>
+          <a:effectRef idx="0">
+            <a:schemeClr val="dk1"/>
+          </a:effectRef>
+          <a:fontRef idx="minor">
+            <a:schemeClr val="tx1"/>
+          </a:fontRef>
+        </p:style>
+      </p:cxnSp>
+      <p:cxnSp>
+        <p:nvCxnSpPr>
+          <p:cNvPr id="23" name="Straight Connector 22">
+            <a:extLst>
+              <a:ext uri="{FF2B5EF4-FFF2-40B4-BE49-F238E27FC236}">
+                <a16:creationId xmlns:a16="http://schemas.microsoft.com/office/drawing/2014/main" id="{4635182A-B24F-B573-692F-B65515FA151C}"/>
+              </a:ext>
+            </a:extLst>
+          </p:cNvPr>
+          <p:cNvCxnSpPr>
+            <a:cxnSpLocks/>
+          </p:cNvCxnSpPr>
+          <p:nvPr/>
+        </p:nvCxnSpPr>
+        <p:spPr>
+          <a:xfrm>
+            <a:off x="9630360" y="2971800"/>
+            <a:ext cx="0" cy="261257"/>
+          </a:xfrm>
+          <a:prstGeom prst="line">
+            <a:avLst/>
+          </a:prstGeom>
+          <a:ln w="25400"/>
+        </p:spPr>
+        <p:style>
+          <a:lnRef idx="1">
+            <a:schemeClr val="dk1"/>
+          </a:lnRef>
+          <a:fillRef idx="0">
+            <a:schemeClr val="dk1"/>
+          </a:fillRef>
+          <a:effectRef idx="0">
+            <a:schemeClr val="dk1"/>
+          </a:effectRef>
+          <a:fontRef idx="minor">
+            <a:schemeClr val="tx1"/>
+          </a:fontRef>
+        </p:style>
+      </p:cxnSp>
       <p:sp>
         <p:nvSpPr>
-          <p:cNvPr id="4" name="TextBox 3">
+          <p:cNvPr id="24" name="TextBox 23">
             <a:extLst>
               <a:ext uri="{FF2B5EF4-FFF2-40B4-BE49-F238E27FC236}">
-                <a16:creationId xmlns:a16="http://schemas.microsoft.com/office/drawing/2014/main" id="{879D1B30-BABA-4E25-8DC7-414D66E57876}"/>
+                <a16:creationId xmlns:a16="http://schemas.microsoft.com/office/drawing/2014/main" id="{4673367D-81C1-4AEE-403D-F3E7BFEFF055}"/>
               </a:ext>
             </a:extLst>
           </p:cNvPr>
@@ -15181,8 +15125,8 @@
         </p:nvSpPr>
         <p:spPr>
           <a:xfrm>
-            <a:off x="838200" y="1301744"/>
-            <a:ext cx="4256314" cy="1200329"/>
+            <a:off x="10609551" y="2765753"/>
+            <a:ext cx="957797" cy="369332"/>
           </a:xfrm>
           <a:prstGeom prst="rect">
             <a:avLst/>
@@ -15195,66 +15139,9 @@
           </a:bodyPr>
           <a:lstStyle/>
           <a:p>
-            <a:pPr algn="ctr"/>
             <a:r>
               <a:rPr lang="en-CA" dirty="0"/>
-              <a:t>Log-Likelihood Function with sigmoid function used as basis for the predicted value (label)</a:t>
-            </a:r>
-          </a:p>
-          <a:p>
-            <a:pPr algn="ctr"/>
-            <a:r>
-              <a:rPr lang="en-CA" dirty="0"/>
-              <a:t>x</a:t>
-            </a:r>
-            <a:r>
-              <a:rPr lang="en-CA"/>
-              <a:t> </a:t>
-            </a:r>
-            <a:r>
-              <a:rPr lang="en-CA" dirty="0"/>
-              <a:t>is the input data in </a:t>
-            </a:r>
-            <a:r>
-              <a:rPr lang="en-CA"/>
-              <a:t>these equations</a:t>
-            </a:r>
-            <a:endParaRPr lang="en-CA" dirty="0"/>
-          </a:p>
-        </p:txBody>
-      </p:sp>
-      <p:sp>
-        <p:nvSpPr>
-          <p:cNvPr id="10" name="TextBox 9">
-            <a:extLst>
-              <a:ext uri="{FF2B5EF4-FFF2-40B4-BE49-F238E27FC236}">
-                <a16:creationId xmlns:a16="http://schemas.microsoft.com/office/drawing/2014/main" id="{F2FFC939-605E-CFC2-B711-0B24C4C1DF3D}"/>
-              </a:ext>
-            </a:extLst>
-          </p:cNvPr>
-          <p:cNvSpPr txBox="1"/>
-          <p:nvPr/>
-        </p:nvSpPr>
-        <p:spPr>
-          <a:xfrm>
-            <a:off x="5758542" y="1519114"/>
-            <a:ext cx="5976257" cy="923330"/>
-          </a:xfrm>
-          <a:prstGeom prst="rect">
-            <a:avLst/>
-          </a:prstGeom>
-          <a:noFill/>
-        </p:spPr>
-        <p:txBody>
-          <a:bodyPr wrap="square" rtlCol="0">
-            <a:spAutoFit/>
-          </a:bodyPr>
-          <a:lstStyle/>
-          <a:p>
-            <a:pPr algn="ctr"/>
-            <a:r>
-              <a:rPr lang="en-CA" dirty="0"/>
-              <a:t>Predicted value sigmoid made up of weights &amp; biases. Compute the gradient to train these weights and biases to be more accurate for predictions</a:t>
+              <a:t>x 100%</a:t>
             </a:r>
           </a:p>
         </p:txBody>
@@ -15262,7 +15149,7 @@
     </p:spTree>
     <p:extLst>
       <p:ext uri="{BB962C8B-B14F-4D97-AF65-F5344CB8AC3E}">
-        <p14:creationId xmlns:p14="http://schemas.microsoft.com/office/powerpoint/2010/main" val="1282139663"/>
+        <p14:creationId xmlns:p14="http://schemas.microsoft.com/office/powerpoint/2010/main" val="405756858"/>
       </p:ext>
     </p:extLst>
   </p:cSld>
@@ -15273,763 +15160,6 @@
 </file>
 
 <file path=ppt/slides/slide6.xml><?xml version="1.0" encoding="utf-8"?>
-<p:sld xmlns:a="http://schemas.openxmlformats.org/drawingml/2006/main" xmlns:r="http://schemas.openxmlformats.org/officeDocument/2006/relationships" xmlns:p="http://schemas.openxmlformats.org/presentationml/2006/main">
-  <p:cSld>
-    <p:spTree>
-      <p:nvGrpSpPr>
-        <p:cNvPr id="1" name=""/>
-        <p:cNvGrpSpPr/>
-        <p:nvPr/>
-      </p:nvGrpSpPr>
-      <p:grpSpPr>
-        <a:xfrm>
-          <a:off x="0" y="0"/>
-          <a:ext cx="0" cy="0"/>
-          <a:chOff x="0" y="0"/>
-          <a:chExt cx="0" cy="0"/>
-        </a:xfrm>
-      </p:grpSpPr>
-      <p:sp>
-        <p:nvSpPr>
-          <p:cNvPr id="2" name="Title 1">
-            <a:extLst>
-              <a:ext uri="{FF2B5EF4-FFF2-40B4-BE49-F238E27FC236}">
-                <a16:creationId xmlns:a16="http://schemas.microsoft.com/office/drawing/2014/main" id="{C7DF1014-ECEC-7D05-6120-59AD338C5A43}"/>
-              </a:ext>
-            </a:extLst>
-          </p:cNvPr>
-          <p:cNvSpPr>
-            <a:spLocks noGrp="1"/>
-          </p:cNvSpPr>
-          <p:nvPr>
-            <p:ph type="title"/>
-          </p:nvPr>
-        </p:nvSpPr>
-        <p:spPr>
-          <a:xfrm>
-            <a:off x="801420" y="135515"/>
-            <a:ext cx="10515600" cy="1325563"/>
-          </a:xfrm>
-        </p:spPr>
-        <p:txBody>
-          <a:bodyPr/>
-          <a:lstStyle/>
-          <a:p>
-            <a:r>
-              <a:rPr lang="en-CA" dirty="0"/>
-              <a:t>Example Calculations and Models Cont’d</a:t>
-            </a:r>
-          </a:p>
-        </p:txBody>
-      </p:sp>
-      <p:sp>
-        <p:nvSpPr>
-          <p:cNvPr id="5" name="Slide Number Placeholder 3">
-            <a:extLst>
-              <a:ext uri="{FF2B5EF4-FFF2-40B4-BE49-F238E27FC236}">
-                <a16:creationId xmlns:a16="http://schemas.microsoft.com/office/drawing/2014/main" id="{1C012839-D1DE-7D8C-C13D-1405FD0457A8}"/>
-              </a:ext>
-            </a:extLst>
-          </p:cNvPr>
-          <p:cNvSpPr>
-            <a:spLocks noGrp="1"/>
-          </p:cNvSpPr>
-          <p:nvPr>
-            <p:ph type="sldNum" sz="quarter" idx="12"/>
-          </p:nvPr>
-        </p:nvSpPr>
-        <p:spPr>
-          <a:xfrm>
-            <a:off x="9395545" y="6445897"/>
-            <a:ext cx="2743200" cy="365125"/>
-          </a:xfrm>
-        </p:spPr>
-        <p:txBody>
-          <a:bodyPr/>
-          <a:lstStyle/>
-          <a:p>
-            <a:r>
-              <a:rPr lang="en-US" dirty="0">
-                <a:solidFill>
-                  <a:schemeClr val="tx1"/>
-                </a:solidFill>
-              </a:rPr>
-              <a:t>Page </a:t>
-            </a:r>
-            <a:fld id="{4854181D-6920-4594-9A5D-6CE56DC9F8B2}" type="slidenum">
-              <a:rPr lang="en-US" smtClean="0">
-                <a:solidFill>
-                  <a:schemeClr val="tx1"/>
-                </a:solidFill>
-              </a:rPr>
-              <a:t>6</a:t>
-            </a:fld>
-            <a:r>
-              <a:rPr lang="en-US" dirty="0">
-                <a:solidFill>
-                  <a:schemeClr val="tx1"/>
-                </a:solidFill>
-              </a:rPr>
-              <a:t>/8</a:t>
-            </a:r>
-          </a:p>
-        </p:txBody>
-      </p:sp>
-      <p:pic>
-        <p:nvPicPr>
-          <p:cNvPr id="17" name="Picture 16">
-            <a:extLst>
-              <a:ext uri="{FF2B5EF4-FFF2-40B4-BE49-F238E27FC236}">
-                <a16:creationId xmlns:a16="http://schemas.microsoft.com/office/drawing/2014/main" id="{8924486C-65A4-1784-1B5D-76149A672E25}"/>
-              </a:ext>
-            </a:extLst>
-          </p:cNvPr>
-          <p:cNvPicPr>
-            <a:picLocks noChangeAspect="1"/>
-          </p:cNvPicPr>
-          <p:nvPr/>
-        </p:nvPicPr>
-        <p:blipFill>
-          <a:blip r:embed="rId2"/>
-          <a:stretch>
-            <a:fillRect/>
-          </a:stretch>
-        </p:blipFill>
-        <p:spPr>
-          <a:xfrm>
-            <a:off x="1353239" y="4162174"/>
-            <a:ext cx="3572229" cy="852321"/>
-          </a:xfrm>
-          <a:prstGeom prst="rect">
-            <a:avLst/>
-          </a:prstGeom>
-        </p:spPr>
-      </p:pic>
-      <p:pic>
-        <p:nvPicPr>
-          <p:cNvPr id="3" name="Content Placeholder 10">
-            <a:extLst>
-              <a:ext uri="{FF2B5EF4-FFF2-40B4-BE49-F238E27FC236}">
-                <a16:creationId xmlns:a16="http://schemas.microsoft.com/office/drawing/2014/main" id="{188D2A99-F2E5-CD1E-1A92-A24E47DCB195}"/>
-              </a:ext>
-            </a:extLst>
-          </p:cNvPr>
-          <p:cNvPicPr>
-            <a:picLocks noChangeAspect="1"/>
-          </p:cNvPicPr>
-          <p:nvPr/>
-        </p:nvPicPr>
-        <p:blipFill>
-          <a:blip r:embed="rId3"/>
-          <a:stretch>
-            <a:fillRect/>
-          </a:stretch>
-        </p:blipFill>
-        <p:spPr>
-          <a:xfrm>
-            <a:off x="536894" y="2325209"/>
-            <a:ext cx="5374366" cy="655018"/>
-          </a:xfrm>
-          <a:prstGeom prst="rect">
-            <a:avLst/>
-          </a:prstGeom>
-        </p:spPr>
-      </p:pic>
-      <p:grpSp>
-        <p:nvGrpSpPr>
-          <p:cNvPr id="4" name="Group 3">
-            <a:extLst>
-              <a:ext uri="{FF2B5EF4-FFF2-40B4-BE49-F238E27FC236}">
-                <a16:creationId xmlns:a16="http://schemas.microsoft.com/office/drawing/2014/main" id="{C8DB01BA-7B2F-4507-076E-3088CE34B57D}"/>
-              </a:ext>
-            </a:extLst>
-          </p:cNvPr>
-          <p:cNvGrpSpPr/>
-          <p:nvPr/>
-        </p:nvGrpSpPr>
-        <p:grpSpPr>
-          <a:xfrm>
-            <a:off x="536894" y="3108319"/>
-            <a:ext cx="5374366" cy="655018"/>
-            <a:chOff x="6642993" y="2902073"/>
-            <a:chExt cx="5374366" cy="655018"/>
-          </a:xfrm>
-        </p:grpSpPr>
-        <p:pic>
-          <p:nvPicPr>
-            <p:cNvPr id="6" name="Content Placeholder 10">
-              <a:extLst>
-                <a:ext uri="{FF2B5EF4-FFF2-40B4-BE49-F238E27FC236}">
-                  <a16:creationId xmlns:a16="http://schemas.microsoft.com/office/drawing/2014/main" id="{FDE3D38A-9C66-6F73-2041-023FA88F7996}"/>
-                </a:ext>
-              </a:extLst>
-            </p:cNvPr>
-            <p:cNvPicPr>
-              <a:picLocks noChangeAspect="1"/>
-            </p:cNvPicPr>
-            <p:nvPr/>
-          </p:nvPicPr>
-          <p:blipFill>
-            <a:blip r:embed="rId3"/>
-            <a:stretch>
-              <a:fillRect/>
-            </a:stretch>
-          </p:blipFill>
-          <p:spPr>
-            <a:xfrm>
-              <a:off x="6642993" y="2902073"/>
-              <a:ext cx="5374366" cy="655018"/>
-            </a:xfrm>
-            <a:prstGeom prst="rect">
-              <a:avLst/>
-            </a:prstGeom>
-          </p:spPr>
-        </p:pic>
-        <p:pic>
-          <p:nvPicPr>
-            <p:cNvPr id="8" name="Picture 7">
-              <a:extLst>
-                <a:ext uri="{FF2B5EF4-FFF2-40B4-BE49-F238E27FC236}">
-                  <a16:creationId xmlns:a16="http://schemas.microsoft.com/office/drawing/2014/main" id="{F9DC0517-381E-8C68-0772-9D311F56BD9D}"/>
-                </a:ext>
-              </a:extLst>
-            </p:cNvPr>
-            <p:cNvPicPr>
-              <a:picLocks noChangeAspect="1"/>
-            </p:cNvPicPr>
-            <p:nvPr/>
-          </p:nvPicPr>
-          <p:blipFill>
-            <a:blip r:embed="rId4"/>
-            <a:stretch>
-              <a:fillRect/>
-            </a:stretch>
-          </p:blipFill>
-          <p:spPr>
-            <a:xfrm>
-              <a:off x="6742144" y="2954621"/>
-              <a:ext cx="393975" cy="474378"/>
-            </a:xfrm>
-            <a:prstGeom prst="rect">
-              <a:avLst/>
-            </a:prstGeom>
-          </p:spPr>
-        </p:pic>
-      </p:grpSp>
-      <p:pic>
-        <p:nvPicPr>
-          <p:cNvPr id="18" name="Picture 17">
-            <a:extLst>
-              <a:ext uri="{FF2B5EF4-FFF2-40B4-BE49-F238E27FC236}">
-                <a16:creationId xmlns:a16="http://schemas.microsoft.com/office/drawing/2014/main" id="{008207FC-5882-DC9A-0373-D4D4E6A2A2C9}"/>
-              </a:ext>
-            </a:extLst>
-          </p:cNvPr>
-          <p:cNvPicPr>
-            <a:picLocks noChangeAspect="1"/>
-          </p:cNvPicPr>
-          <p:nvPr/>
-        </p:nvPicPr>
-        <p:blipFill>
-          <a:blip r:embed="rId5"/>
-          <a:stretch>
-            <a:fillRect/>
-          </a:stretch>
-        </p:blipFill>
-        <p:spPr>
-          <a:xfrm>
-            <a:off x="187108" y="5051538"/>
-            <a:ext cx="6028449" cy="1441337"/>
-          </a:xfrm>
-          <a:prstGeom prst="rect">
-            <a:avLst/>
-          </a:prstGeom>
-        </p:spPr>
-      </p:pic>
-      <p:pic>
-        <p:nvPicPr>
-          <p:cNvPr id="19" name="Picture 18">
-            <a:extLst>
-              <a:ext uri="{FF2B5EF4-FFF2-40B4-BE49-F238E27FC236}">
-                <a16:creationId xmlns:a16="http://schemas.microsoft.com/office/drawing/2014/main" id="{C472703C-E5CB-485B-1C4B-6C06C353025B}"/>
-              </a:ext>
-            </a:extLst>
-          </p:cNvPr>
-          <p:cNvPicPr>
-            <a:picLocks noChangeAspect="1"/>
-          </p:cNvPicPr>
-          <p:nvPr/>
-        </p:nvPicPr>
-        <p:blipFill>
-          <a:blip r:embed="rId6"/>
-          <a:stretch>
-            <a:fillRect/>
-          </a:stretch>
-        </p:blipFill>
-        <p:spPr>
-          <a:xfrm>
-            <a:off x="1818534" y="1866209"/>
-            <a:ext cx="2811086" cy="519164"/>
-          </a:xfrm>
-          <a:prstGeom prst="rect">
-            <a:avLst/>
-          </a:prstGeom>
-        </p:spPr>
-      </p:pic>
-      <p:grpSp>
-        <p:nvGrpSpPr>
-          <p:cNvPr id="25" name="Group 24">
-            <a:extLst>
-              <a:ext uri="{FF2B5EF4-FFF2-40B4-BE49-F238E27FC236}">
-                <a16:creationId xmlns:a16="http://schemas.microsoft.com/office/drawing/2014/main" id="{60D647CB-16C3-AAA2-9107-5D1150C5A87B}"/>
-              </a:ext>
-            </a:extLst>
-          </p:cNvPr>
-          <p:cNvGrpSpPr/>
-          <p:nvPr/>
-        </p:nvGrpSpPr>
-        <p:grpSpPr>
-          <a:xfrm>
-            <a:off x="7738410" y="2128763"/>
-            <a:ext cx="2883212" cy="543263"/>
-            <a:chOff x="7621815" y="3157368"/>
-            <a:chExt cx="2883212" cy="543263"/>
-          </a:xfrm>
-        </p:grpSpPr>
-        <p:pic>
-          <p:nvPicPr>
-            <p:cNvPr id="23" name="Picture 22">
-              <a:extLst>
-                <a:ext uri="{FF2B5EF4-FFF2-40B4-BE49-F238E27FC236}">
-                  <a16:creationId xmlns:a16="http://schemas.microsoft.com/office/drawing/2014/main" id="{D5A7F495-D13B-6671-931E-84CDD5F86A04}"/>
-                </a:ext>
-              </a:extLst>
-            </p:cNvPr>
-            <p:cNvPicPr>
-              <a:picLocks noChangeAspect="1"/>
-            </p:cNvPicPr>
-            <p:nvPr/>
-          </p:nvPicPr>
-          <p:blipFill>
-            <a:blip r:embed="rId7"/>
-            <a:stretch>
-              <a:fillRect/>
-            </a:stretch>
-          </p:blipFill>
-          <p:spPr>
-            <a:xfrm>
-              <a:off x="8286063" y="3157368"/>
-              <a:ext cx="2218964" cy="543263"/>
-            </a:xfrm>
-            <a:prstGeom prst="rect">
-              <a:avLst/>
-            </a:prstGeom>
-          </p:spPr>
-        </p:pic>
-        <p:sp>
-          <p:nvSpPr>
-            <p:cNvPr id="24" name="TextBox 23">
-              <a:extLst>
-                <a:ext uri="{FF2B5EF4-FFF2-40B4-BE49-F238E27FC236}">
-                  <a16:creationId xmlns:a16="http://schemas.microsoft.com/office/drawing/2014/main" id="{EB34267C-288C-639B-66A1-4905FC7EC930}"/>
-                </a:ext>
-              </a:extLst>
-            </p:cNvPr>
-            <p:cNvSpPr txBox="1"/>
-            <p:nvPr/>
-          </p:nvSpPr>
-          <p:spPr>
-            <a:xfrm>
-              <a:off x="7621815" y="3205025"/>
-              <a:ext cx="960326" cy="384721"/>
-            </a:xfrm>
-            <a:prstGeom prst="rect">
-              <a:avLst/>
-            </a:prstGeom>
-            <a:noFill/>
-          </p:spPr>
-          <p:txBody>
-            <a:bodyPr wrap="square" rtlCol="0">
-              <a:spAutoFit/>
-            </a:bodyPr>
-            <a:lstStyle/>
-            <a:p>
-              <a:r>
-                <a:rPr lang="en-CA" sz="1900" b="1" i="1" dirty="0" err="1">
-                  <a:latin typeface="Lucida Bright" panose="02040602050505020304" pitchFamily="18" charset="0"/>
-                </a:rPr>
-                <a:t>db</a:t>
-              </a:r>
-              <a:r>
-                <a:rPr lang="en-CA" sz="1900" b="1" i="1" dirty="0">
-                  <a:latin typeface="Lucida Bright" panose="02040602050505020304" pitchFamily="18" charset="0"/>
-                </a:rPr>
-                <a:t> =</a:t>
-              </a:r>
-            </a:p>
-          </p:txBody>
-        </p:sp>
-      </p:grpSp>
-      <p:sp>
-        <p:nvSpPr>
-          <p:cNvPr id="7" name="TextBox 6">
-            <a:extLst>
-              <a:ext uri="{FF2B5EF4-FFF2-40B4-BE49-F238E27FC236}">
-                <a16:creationId xmlns:a16="http://schemas.microsoft.com/office/drawing/2014/main" id="{22456EFC-985E-970A-C327-2EB845063E37}"/>
-              </a:ext>
-            </a:extLst>
-          </p:cNvPr>
-          <p:cNvSpPr txBox="1"/>
-          <p:nvPr/>
-        </p:nvSpPr>
-        <p:spPr>
-          <a:xfrm>
-            <a:off x="213203" y="1154408"/>
-            <a:ext cx="5976257" cy="646331"/>
-          </a:xfrm>
-          <a:prstGeom prst="rect">
-            <a:avLst/>
-          </a:prstGeom>
-          <a:noFill/>
-        </p:spPr>
-        <p:txBody>
-          <a:bodyPr wrap="square" rtlCol="0">
-            <a:spAutoFit/>
-          </a:bodyPr>
-          <a:lstStyle/>
-          <a:p>
-            <a:pPr algn="ctr"/>
-            <a:r>
-              <a:rPr lang="en-CA" dirty="0"/>
-              <a:t>Math for the predicted weights &amp; biases can be simplified using identities of sigmoid function</a:t>
-            </a:r>
-          </a:p>
-        </p:txBody>
-      </p:sp>
-      <p:pic>
-        <p:nvPicPr>
-          <p:cNvPr id="12" name="Picture 11">
-            <a:extLst>
-              <a:ext uri="{FF2B5EF4-FFF2-40B4-BE49-F238E27FC236}">
-                <a16:creationId xmlns:a16="http://schemas.microsoft.com/office/drawing/2014/main" id="{DF53D8E0-B665-2D4A-348D-B47AFE9708C9}"/>
-              </a:ext>
-            </a:extLst>
-          </p:cNvPr>
-          <p:cNvPicPr>
-            <a:picLocks noChangeAspect="1"/>
-          </p:cNvPicPr>
-          <p:nvPr/>
-        </p:nvPicPr>
-        <p:blipFill>
-          <a:blip r:embed="rId8"/>
-          <a:stretch>
-            <a:fillRect/>
-          </a:stretch>
-        </p:blipFill>
-        <p:spPr>
-          <a:xfrm>
-            <a:off x="7692510" y="1601406"/>
-            <a:ext cx="3406070" cy="666604"/>
-          </a:xfrm>
-          <a:prstGeom prst="rect">
-            <a:avLst/>
-          </a:prstGeom>
-        </p:spPr>
-      </p:pic>
-      <p:sp>
-        <p:nvSpPr>
-          <p:cNvPr id="13" name="TextBox 12">
-            <a:extLst>
-              <a:ext uri="{FF2B5EF4-FFF2-40B4-BE49-F238E27FC236}">
-                <a16:creationId xmlns:a16="http://schemas.microsoft.com/office/drawing/2014/main" id="{E43FED9A-2A92-4571-1C1C-6656F34985C2}"/>
-              </a:ext>
-            </a:extLst>
-          </p:cNvPr>
-          <p:cNvSpPr txBox="1"/>
-          <p:nvPr/>
-        </p:nvSpPr>
-        <p:spPr>
-          <a:xfrm>
-            <a:off x="6059220" y="1183167"/>
-            <a:ext cx="5976257" cy="369332"/>
-          </a:xfrm>
-          <a:prstGeom prst="rect">
-            <a:avLst/>
-          </a:prstGeom>
-          <a:noFill/>
-        </p:spPr>
-        <p:txBody>
-          <a:bodyPr wrap="square" rtlCol="0">
-            <a:spAutoFit/>
-          </a:bodyPr>
-          <a:lstStyle/>
-          <a:p>
-            <a:pPr algn="ctr"/>
-            <a:r>
-              <a:rPr lang="en-CA" dirty="0"/>
-              <a:t>The gradient calculations simplify to:</a:t>
-            </a:r>
-          </a:p>
-        </p:txBody>
-      </p:sp>
-      <p:pic>
-        <p:nvPicPr>
-          <p:cNvPr id="15" name="Picture 14">
-            <a:extLst>
-              <a:ext uri="{FF2B5EF4-FFF2-40B4-BE49-F238E27FC236}">
-                <a16:creationId xmlns:a16="http://schemas.microsoft.com/office/drawing/2014/main" id="{852CFD5C-D134-1217-A844-D8C319D5B4D9}"/>
-              </a:ext>
-            </a:extLst>
-          </p:cNvPr>
-          <p:cNvPicPr>
-            <a:picLocks noChangeAspect="1"/>
-          </p:cNvPicPr>
-          <p:nvPr/>
-        </p:nvPicPr>
-        <p:blipFill>
-          <a:blip r:embed="rId9"/>
-          <a:stretch>
-            <a:fillRect/>
-          </a:stretch>
-        </p:blipFill>
-        <p:spPr>
-          <a:xfrm>
-            <a:off x="6724823" y="3105145"/>
-            <a:ext cx="4831132" cy="1259263"/>
-          </a:xfrm>
-          <a:prstGeom prst="rect">
-            <a:avLst/>
-          </a:prstGeom>
-        </p:spPr>
-      </p:pic>
-      <p:sp>
-        <p:nvSpPr>
-          <p:cNvPr id="16" name="TextBox 15">
-            <a:extLst>
-              <a:ext uri="{FF2B5EF4-FFF2-40B4-BE49-F238E27FC236}">
-                <a16:creationId xmlns:a16="http://schemas.microsoft.com/office/drawing/2014/main" id="{EED00A11-2962-E5ED-5BC0-9866E16ACA9D}"/>
-              </a:ext>
-            </a:extLst>
-          </p:cNvPr>
-          <p:cNvSpPr txBox="1"/>
-          <p:nvPr/>
-        </p:nvSpPr>
-        <p:spPr>
-          <a:xfrm>
-            <a:off x="5911260" y="2663725"/>
-            <a:ext cx="5976257" cy="369332"/>
-          </a:xfrm>
-          <a:prstGeom prst="rect">
-            <a:avLst/>
-          </a:prstGeom>
-          <a:noFill/>
-        </p:spPr>
-        <p:txBody>
-          <a:bodyPr wrap="square" rtlCol="0">
-            <a:spAutoFit/>
-          </a:bodyPr>
-          <a:lstStyle/>
-          <a:p>
-            <a:pPr algn="ctr"/>
-            <a:r>
-              <a:rPr lang="en-CA" dirty="0"/>
-              <a:t>Training is then executed as:</a:t>
-            </a:r>
-          </a:p>
-        </p:txBody>
-      </p:sp>
-      <p:sp>
-        <p:nvSpPr>
-          <p:cNvPr id="20" name="TextBox 19">
-            <a:extLst>
-              <a:ext uri="{FF2B5EF4-FFF2-40B4-BE49-F238E27FC236}">
-                <a16:creationId xmlns:a16="http://schemas.microsoft.com/office/drawing/2014/main" id="{83EB794A-CC3C-62A8-A283-6C146460011C}"/>
-              </a:ext>
-            </a:extLst>
-          </p:cNvPr>
-          <p:cNvSpPr txBox="1"/>
-          <p:nvPr/>
-        </p:nvSpPr>
-        <p:spPr>
-          <a:xfrm>
-            <a:off x="5911260" y="4479019"/>
-            <a:ext cx="5976257" cy="646331"/>
-          </a:xfrm>
-          <a:prstGeom prst="rect">
-            <a:avLst/>
-          </a:prstGeom>
-          <a:noFill/>
-        </p:spPr>
-        <p:txBody>
-          <a:bodyPr wrap="square" rtlCol="0">
-            <a:spAutoFit/>
-          </a:bodyPr>
-          <a:lstStyle/>
-          <a:p>
-            <a:pPr algn="ctr"/>
-            <a:r>
-              <a:rPr lang="en-CA" dirty="0"/>
-              <a:t>And the LLF is tested after every training round to test with the updated variables.</a:t>
-            </a:r>
-          </a:p>
-        </p:txBody>
-      </p:sp>
-    </p:spTree>
-    <p:extLst>
-      <p:ext uri="{BB962C8B-B14F-4D97-AF65-F5344CB8AC3E}">
-        <p14:creationId xmlns:p14="http://schemas.microsoft.com/office/powerpoint/2010/main" val="3991598736"/>
-      </p:ext>
-    </p:extLst>
-  </p:cSld>
-  <p:clrMapOvr>
-    <a:masterClrMapping/>
-  </p:clrMapOvr>
-</p:sld>
-</file>
-
-<file path=ppt/slides/slide7.xml><?xml version="1.0" encoding="utf-8"?>
-<p:sld xmlns:a="http://schemas.openxmlformats.org/drawingml/2006/main" xmlns:r="http://schemas.openxmlformats.org/officeDocument/2006/relationships" xmlns:p="http://schemas.openxmlformats.org/presentationml/2006/main">
-  <p:cSld>
-    <p:spTree>
-      <p:nvGrpSpPr>
-        <p:cNvPr id="1" name=""/>
-        <p:cNvGrpSpPr/>
-        <p:nvPr/>
-      </p:nvGrpSpPr>
-      <p:grpSpPr>
-        <a:xfrm>
-          <a:off x="0" y="0"/>
-          <a:ext cx="0" cy="0"/>
-          <a:chOff x="0" y="0"/>
-          <a:chExt cx="0" cy="0"/>
-        </a:xfrm>
-      </p:grpSpPr>
-      <p:sp>
-        <p:nvSpPr>
-          <p:cNvPr id="2" name="Title 1">
-            <a:extLst>
-              <a:ext uri="{FF2B5EF4-FFF2-40B4-BE49-F238E27FC236}">
-                <a16:creationId xmlns:a16="http://schemas.microsoft.com/office/drawing/2014/main" id="{3C732381-BFC2-6F3F-058A-7EAD61E5590C}"/>
-              </a:ext>
-            </a:extLst>
-          </p:cNvPr>
-          <p:cNvSpPr>
-            <a:spLocks noGrp="1"/>
-          </p:cNvSpPr>
-          <p:nvPr>
-            <p:ph type="title"/>
-          </p:nvPr>
-        </p:nvSpPr>
-        <p:spPr/>
-        <p:txBody>
-          <a:bodyPr/>
-          <a:lstStyle/>
-          <a:p>
-            <a:r>
-              <a:rPr lang="en-CA" dirty="0"/>
-              <a:t>Assumptions</a:t>
-            </a:r>
-          </a:p>
-        </p:txBody>
-      </p:sp>
-      <p:graphicFrame>
-        <p:nvGraphicFramePr>
-          <p:cNvPr id="7" name="Content Placeholder 2">
-            <a:extLst>
-              <a:ext uri="{FF2B5EF4-FFF2-40B4-BE49-F238E27FC236}">
-                <a16:creationId xmlns:a16="http://schemas.microsoft.com/office/drawing/2014/main" id="{F2613A3F-76FA-8E25-8998-F841CA6DA03F}"/>
-              </a:ext>
-            </a:extLst>
-          </p:cNvPr>
-          <p:cNvGraphicFramePr>
-            <a:graphicFrameLocks noGrp="1"/>
-          </p:cNvGraphicFramePr>
-          <p:nvPr>
-            <p:ph idx="1"/>
-            <p:extLst>
-              <p:ext uri="{D42A27DB-BD31-4B8C-83A1-F6EECF244321}">
-                <p14:modId xmlns:p14="http://schemas.microsoft.com/office/powerpoint/2010/main" val="722016421"/>
-              </p:ext>
-            </p:extLst>
-          </p:nvPr>
-        </p:nvGraphicFramePr>
-        <p:xfrm>
-          <a:off x="838200" y="1825625"/>
-          <a:ext cx="10515600" cy="3859742"/>
-        </p:xfrm>
-        <a:graphic>
-          <a:graphicData uri="http://schemas.openxmlformats.org/drawingml/2006/diagram">
-            <dgm:relIds xmlns:dgm="http://schemas.openxmlformats.org/drawingml/2006/diagram" xmlns:r="http://schemas.openxmlformats.org/officeDocument/2006/relationships" r:dm="rId3" r:lo="rId4" r:qs="rId5" r:cs="rId6"/>
-          </a:graphicData>
-        </a:graphic>
-      </p:graphicFrame>
-      <p:sp>
-        <p:nvSpPr>
-          <p:cNvPr id="5" name="Slide Number Placeholder 3">
-            <a:extLst>
-              <a:ext uri="{FF2B5EF4-FFF2-40B4-BE49-F238E27FC236}">
-                <a16:creationId xmlns:a16="http://schemas.microsoft.com/office/drawing/2014/main" id="{1EF2BD1D-C346-969D-0000-25EBA3216018}"/>
-              </a:ext>
-            </a:extLst>
-          </p:cNvPr>
-          <p:cNvSpPr>
-            <a:spLocks noGrp="1"/>
-          </p:cNvSpPr>
-          <p:nvPr>
-            <p:ph type="sldNum" sz="quarter" idx="12"/>
-          </p:nvPr>
-        </p:nvSpPr>
-        <p:spPr>
-          <a:xfrm>
-            <a:off x="9395545" y="6445897"/>
-            <a:ext cx="2743200" cy="365125"/>
-          </a:xfrm>
-        </p:spPr>
-        <p:txBody>
-          <a:bodyPr/>
-          <a:lstStyle/>
-          <a:p>
-            <a:r>
-              <a:rPr lang="en-US" dirty="0">
-                <a:solidFill>
-                  <a:schemeClr val="tx1"/>
-                </a:solidFill>
-              </a:rPr>
-              <a:t>Page </a:t>
-            </a:r>
-            <a:fld id="{4854181D-6920-4594-9A5D-6CE56DC9F8B2}" type="slidenum">
-              <a:rPr lang="en-US" smtClean="0">
-                <a:solidFill>
-                  <a:schemeClr val="tx1"/>
-                </a:solidFill>
-              </a:rPr>
-              <a:t>7</a:t>
-            </a:fld>
-            <a:r>
-              <a:rPr lang="en-US" dirty="0">
-                <a:solidFill>
-                  <a:schemeClr val="tx1"/>
-                </a:solidFill>
-              </a:rPr>
-              <a:t>/8</a:t>
-            </a:r>
-          </a:p>
-        </p:txBody>
-      </p:sp>
-    </p:spTree>
-    <p:extLst>
-      <p:ext uri="{BB962C8B-B14F-4D97-AF65-F5344CB8AC3E}">
-        <p14:creationId xmlns:p14="http://schemas.microsoft.com/office/powerpoint/2010/main" val="3488984038"/>
-      </p:ext>
-    </p:extLst>
-  </p:cSld>
-  <p:clrMapOvr>
-    <a:masterClrMapping/>
-  </p:clrMapOvr>
-</p:sld>
-</file>
-
-<file path=ppt/slides/slide8.xml><?xml version="1.0" encoding="utf-8"?>
 <p:sld xmlns:a="http://schemas.openxmlformats.org/drawingml/2006/main" xmlns:r="http://schemas.openxmlformats.org/officeDocument/2006/relationships" xmlns:p="http://schemas.openxmlformats.org/presentationml/2006/main">
   <p:cSld>
     <p:bg>
@@ -16344,9 +15474,9 @@
                   <a:spcPts val="600"/>
                 </a:spcAft>
               </a:pPr>
-              <a:t>8</a:t>
+              <a:t>6</a:t>
             </a:fld>
-            <a:endParaRPr lang="en-US">
+            <a:endParaRPr lang="en-US" dirty="0">
               <a:solidFill>
                 <a:schemeClr val="tx1"/>
               </a:solidFill>

--- a/docs/Presentations/VNVPlanPresentation/VNVPlanPresentation.pptx
+++ b/docs/Presentations/VNVPlanPresentation/VNVPlanPresentation.pptx
@@ -5,7 +5,7 @@
     <p:sldMasterId id="2147483788" r:id="rId1"/>
   </p:sldMasterIdLst>
   <p:notesMasterIdLst>
-    <p:notesMasterId r:id="rId8"/>
+    <p:notesMasterId r:id="rId9"/>
   </p:notesMasterIdLst>
   <p:sldIdLst>
     <p:sldId id="256" r:id="rId2"/>
@@ -13,7 +13,8 @@
     <p:sldId id="257" r:id="rId4"/>
     <p:sldId id="266" r:id="rId5"/>
     <p:sldId id="267" r:id="rId6"/>
-    <p:sldId id="264" r:id="rId7"/>
+    <p:sldId id="268" r:id="rId7"/>
+    <p:sldId id="264" r:id="rId8"/>
   </p:sldIdLst>
   <p:sldSz cx="12192000" cy="6858000"/>
   <p:notesSz cx="6858000" cy="9144000"/>
@@ -133,12 +134,12 @@
   <pc:docChgLst>
     <pc:chgData name="Hunter Ceranic" userId="55b8025d37c61089" providerId="LiveId" clId="{F0BA40D0-9182-44C0-BEDE-14048F85CCAB}"/>
     <pc:docChg chg="undo custSel addSld delSld modSld">
-      <pc:chgData name="Hunter Ceranic" userId="55b8025d37c61089" providerId="LiveId" clId="{F0BA40D0-9182-44C0-BEDE-14048F85CCAB}" dt="2024-02-10T19:55:47.052" v="2932" actId="1076"/>
+      <pc:chgData name="Hunter Ceranic" userId="55b8025d37c61089" providerId="LiveId" clId="{F0BA40D0-9182-44C0-BEDE-14048F85CCAB}" dt="2024-02-10T20:18:30.980" v="3672" actId="1076"/>
       <pc:docMkLst>
         <pc:docMk/>
       </pc:docMkLst>
       <pc:sldChg chg="addSp delSp modSp mod modClrScheme delDesignElem chgLayout modNotesTx">
-        <pc:chgData name="Hunter Ceranic" userId="55b8025d37c61089" providerId="LiveId" clId="{F0BA40D0-9182-44C0-BEDE-14048F85CCAB}" dt="2024-02-10T19:55:29.636" v="2922" actId="20577"/>
+        <pc:chgData name="Hunter Ceranic" userId="55b8025d37c61089" providerId="LiveId" clId="{F0BA40D0-9182-44C0-BEDE-14048F85CCAB}" dt="2024-02-10T20:04:03.579" v="2935" actId="1076"/>
         <pc:sldMkLst>
           <pc:docMk/>
           <pc:sldMk cId="427290740" sldId="257"/>
@@ -160,7 +161,7 @@
           </ac:spMkLst>
         </pc:spChg>
         <pc:spChg chg="mod ord">
-          <ac:chgData name="Hunter Ceranic" userId="55b8025d37c61089" providerId="LiveId" clId="{F0BA40D0-9182-44C0-BEDE-14048F85CCAB}" dt="2024-02-10T19:55:29.636" v="2922" actId="20577"/>
+          <ac:chgData name="Hunter Ceranic" userId="55b8025d37c61089" providerId="LiveId" clId="{F0BA40D0-9182-44C0-BEDE-14048F85CCAB}" dt="2024-02-10T20:04:03.579" v="2935" actId="1076"/>
           <ac:spMkLst>
             <pc:docMk/>
             <pc:sldMk cId="427290740" sldId="257"/>
@@ -311,7 +312,7 @@
         </pc:sldMkLst>
       </pc:sldChg>
       <pc:sldChg chg="addSp delSp modSp mod modClrScheme delDesignElem chgLayout">
-        <pc:chgData name="Hunter Ceranic" userId="55b8025d37c61089" providerId="LiveId" clId="{F0BA40D0-9182-44C0-BEDE-14048F85CCAB}" dt="2024-02-10T19:55:25.088" v="2920" actId="20577"/>
+        <pc:chgData name="Hunter Ceranic" userId="55b8025d37c61089" providerId="LiveId" clId="{F0BA40D0-9182-44C0-BEDE-14048F85CCAB}" dt="2024-02-10T20:04:11.200" v="2937" actId="20577"/>
         <pc:sldMkLst>
           <pc:docMk/>
           <pc:sldMk cId="464311981" sldId="261"/>
@@ -341,7 +342,7 @@
           </ac:spMkLst>
         </pc:spChg>
         <pc:spChg chg="mod">
-          <ac:chgData name="Hunter Ceranic" userId="55b8025d37c61089" providerId="LiveId" clId="{F0BA40D0-9182-44C0-BEDE-14048F85CCAB}" dt="2024-02-10T19:55:25.088" v="2920" actId="20577"/>
+          <ac:chgData name="Hunter Ceranic" userId="55b8025d37c61089" providerId="LiveId" clId="{F0BA40D0-9182-44C0-BEDE-14048F85CCAB}" dt="2024-02-10T20:04:11.200" v="2937" actId="20577"/>
           <ac:spMkLst>
             <pc:docMk/>
             <pc:sldMk cId="464311981" sldId="261"/>
@@ -467,6 +468,21 @@
           <pc:sldMk cId="3991598736" sldId="263"/>
         </pc:sldMkLst>
       </pc:sldChg>
+      <pc:sldChg chg="modSp mod">
+        <pc:chgData name="Hunter Ceranic" userId="55b8025d37c61089" providerId="LiveId" clId="{F0BA40D0-9182-44C0-BEDE-14048F85CCAB}" dt="2024-02-10T20:18:30.980" v="3672" actId="1076"/>
+        <pc:sldMkLst>
+          <pc:docMk/>
+          <pc:sldMk cId="998881358" sldId="264"/>
+        </pc:sldMkLst>
+        <pc:spChg chg="mod">
+          <ac:chgData name="Hunter Ceranic" userId="55b8025d37c61089" providerId="LiveId" clId="{F0BA40D0-9182-44C0-BEDE-14048F85CCAB}" dt="2024-02-10T20:18:30.980" v="3672" actId="1076"/>
+          <ac:spMkLst>
+            <pc:docMk/>
+            <pc:sldMk cId="998881358" sldId="264"/>
+            <ac:spMk id="4" creationId="{C453327A-C23C-C9D1-22BB-AE6780AE9D55}"/>
+          </ac:spMkLst>
+        </pc:spChg>
+      </pc:sldChg>
       <pc:sldChg chg="addSp delSp modSp add del mod setBg delDesignElem chgLayout">
         <pc:chgData name="Hunter Ceranic" userId="55b8025d37c61089" providerId="LiveId" clId="{F0BA40D0-9182-44C0-BEDE-14048F85CCAB}" dt="2024-02-10T19:36:10.334" v="2044" actId="47"/>
         <pc:sldMkLst>
@@ -539,7 +555,7 @@
         </pc:spChg>
       </pc:sldChg>
       <pc:sldChg chg="addSp delSp modSp new mod modClrScheme chgLayout">
-        <pc:chgData name="Hunter Ceranic" userId="55b8025d37c61089" providerId="LiveId" clId="{F0BA40D0-9182-44C0-BEDE-14048F85CCAB}" dt="2024-02-10T19:55:38.152" v="2924" actId="1076"/>
+        <pc:chgData name="Hunter Ceranic" userId="55b8025d37c61089" providerId="LiveId" clId="{F0BA40D0-9182-44C0-BEDE-14048F85CCAB}" dt="2024-02-10T20:04:17.529" v="2939" actId="20577"/>
         <pc:sldMkLst>
           <pc:docMk/>
           <pc:sldMk cId="977562255" sldId="266"/>
@@ -569,7 +585,7 @@
           </ac:spMkLst>
         </pc:spChg>
         <pc:spChg chg="mod ord">
-          <ac:chgData name="Hunter Ceranic" userId="55b8025d37c61089" providerId="LiveId" clId="{F0BA40D0-9182-44C0-BEDE-14048F85CCAB}" dt="2024-02-10T19:55:38.152" v="2924" actId="1076"/>
+          <ac:chgData name="Hunter Ceranic" userId="55b8025d37c61089" providerId="LiveId" clId="{F0BA40D0-9182-44C0-BEDE-14048F85CCAB}" dt="2024-02-10T20:04:17.529" v="2939" actId="20577"/>
           <ac:spMkLst>
             <pc:docMk/>
             <pc:sldMk cId="977562255" sldId="266"/>
@@ -626,7 +642,7 @@
         </pc:picChg>
       </pc:sldChg>
       <pc:sldChg chg="addSp delSp modSp new mod setBg modClrScheme chgLayout">
-        <pc:chgData name="Hunter Ceranic" userId="55b8025d37c61089" providerId="LiveId" clId="{F0BA40D0-9182-44C0-BEDE-14048F85CCAB}" dt="2024-02-10T19:55:47.052" v="2932" actId="1076"/>
+        <pc:chgData name="Hunter Ceranic" userId="55b8025d37c61089" providerId="LiveId" clId="{F0BA40D0-9182-44C0-BEDE-14048F85CCAB}" dt="2024-02-10T20:04:23.918" v="2941" actId="20577"/>
         <pc:sldMkLst>
           <pc:docMk/>
           <pc:sldMk cId="405756858" sldId="267"/>
@@ -648,7 +664,7 @@
           </ac:spMkLst>
         </pc:spChg>
         <pc:spChg chg="mod ord">
-          <ac:chgData name="Hunter Ceranic" userId="55b8025d37c61089" providerId="LiveId" clId="{F0BA40D0-9182-44C0-BEDE-14048F85CCAB}" dt="2024-02-10T19:55:47.052" v="2932" actId="1076"/>
+          <ac:chgData name="Hunter Ceranic" userId="55b8025d37c61089" providerId="LiveId" clId="{F0BA40D0-9182-44C0-BEDE-14048F85CCAB}" dt="2024-02-10T20:04:23.918" v="2941" actId="20577"/>
           <ac:spMkLst>
             <pc:docMk/>
             <pc:sldMk cId="405756858" sldId="267"/>
@@ -783,6 +799,77 @@
             <ac:cxnSpMk id="23" creationId="{4635182A-B24F-B573-692F-B65515FA151C}"/>
           </ac:cxnSpMkLst>
         </pc:cxnChg>
+      </pc:sldChg>
+      <pc:sldChg chg="addSp delSp modSp new mod setBg modClrScheme chgLayout">
+        <pc:chgData name="Hunter Ceranic" userId="55b8025d37c61089" providerId="LiveId" clId="{F0BA40D0-9182-44C0-BEDE-14048F85CCAB}" dt="2024-02-10T20:18:15.347" v="3670" actId="20577"/>
+        <pc:sldMkLst>
+          <pc:docMk/>
+          <pc:sldMk cId="782325152" sldId="268"/>
+        </pc:sldMkLst>
+        <pc:spChg chg="mod ord">
+          <ac:chgData name="Hunter Ceranic" userId="55b8025d37c61089" providerId="LiveId" clId="{F0BA40D0-9182-44C0-BEDE-14048F85CCAB}" dt="2024-02-10T20:17:34.669" v="3651" actId="26606"/>
+          <ac:spMkLst>
+            <pc:docMk/>
+            <pc:sldMk cId="782325152" sldId="268"/>
+            <ac:spMk id="2" creationId="{A89FF605-B798-3CAE-F694-48BC65E59F01}"/>
+          </ac:spMkLst>
+        </pc:spChg>
+        <pc:spChg chg="del mod ord">
+          <ac:chgData name="Hunter Ceranic" userId="55b8025d37c61089" providerId="LiveId" clId="{F0BA40D0-9182-44C0-BEDE-14048F85CCAB}" dt="2024-02-10T20:04:47.140" v="2965" actId="700"/>
+          <ac:spMkLst>
+            <pc:docMk/>
+            <pc:sldMk cId="782325152" sldId="268"/>
+            <ac:spMk id="3" creationId="{8FD8B808-8932-5AB6-4AF8-C211858FFD10}"/>
+          </ac:spMkLst>
+        </pc:spChg>
+        <pc:spChg chg="del">
+          <ac:chgData name="Hunter Ceranic" userId="55b8025d37c61089" providerId="LiveId" clId="{F0BA40D0-9182-44C0-BEDE-14048F85CCAB}" dt="2024-02-10T20:04:47.140" v="2965" actId="700"/>
+          <ac:spMkLst>
+            <pc:docMk/>
+            <pc:sldMk cId="782325152" sldId="268"/>
+            <ac:spMk id="4" creationId="{16A57748-81F4-B145-08AD-9B4355C47C40}"/>
+          </ac:spMkLst>
+        </pc:spChg>
+        <pc:spChg chg="mod ord">
+          <ac:chgData name="Hunter Ceranic" userId="55b8025d37c61089" providerId="LiveId" clId="{F0BA40D0-9182-44C0-BEDE-14048F85CCAB}" dt="2024-02-10T20:18:04.290" v="3665" actId="1076"/>
+          <ac:spMkLst>
+            <pc:docMk/>
+            <pc:sldMk cId="782325152" sldId="268"/>
+            <ac:spMk id="5" creationId="{8EBD055C-72F3-A6F5-0998-F4DD7C844A92}"/>
+          </ac:spMkLst>
+        </pc:spChg>
+        <pc:spChg chg="add mod ord">
+          <ac:chgData name="Hunter Ceranic" userId="55b8025d37c61089" providerId="LiveId" clId="{F0BA40D0-9182-44C0-BEDE-14048F85CCAB}" dt="2024-02-10T20:18:15.347" v="3670" actId="20577"/>
+          <ac:spMkLst>
+            <pc:docMk/>
+            <pc:sldMk cId="782325152" sldId="268"/>
+            <ac:spMk id="6" creationId="{42B039C7-A81C-61E1-C7FA-52DDD84A1DF8}"/>
+          </ac:spMkLst>
+        </pc:spChg>
+        <pc:spChg chg="add">
+          <ac:chgData name="Hunter Ceranic" userId="55b8025d37c61089" providerId="LiveId" clId="{F0BA40D0-9182-44C0-BEDE-14048F85CCAB}" dt="2024-02-10T20:17:34.669" v="3651" actId="26606"/>
+          <ac:spMkLst>
+            <pc:docMk/>
+            <pc:sldMk cId="782325152" sldId="268"/>
+            <ac:spMk id="12" creationId="{442D2C40-7ED8-45E4-9E7D-C3407F9CAB7A}"/>
+          </ac:spMkLst>
+        </pc:spChg>
+        <pc:spChg chg="add">
+          <ac:chgData name="Hunter Ceranic" userId="55b8025d37c61089" providerId="LiveId" clId="{F0BA40D0-9182-44C0-BEDE-14048F85CCAB}" dt="2024-02-10T20:17:34.669" v="3651" actId="26606"/>
+          <ac:spMkLst>
+            <pc:docMk/>
+            <pc:sldMk cId="782325152" sldId="268"/>
+            <ac:spMk id="14" creationId="{081E4A58-353D-44AE-B2FC-2A74E2E400F7}"/>
+          </ac:spMkLst>
+        </pc:spChg>
+        <pc:picChg chg="add">
+          <ac:chgData name="Hunter Ceranic" userId="55b8025d37c61089" providerId="LiveId" clId="{F0BA40D0-9182-44C0-BEDE-14048F85CCAB}" dt="2024-02-10T20:17:34.669" v="3651" actId="26606"/>
+          <ac:picMkLst>
+            <pc:docMk/>
+            <pc:sldMk cId="782325152" sldId="268"/>
+            <ac:picMk id="8" creationId="{35C1D28B-B66D-75B8-C7E5-002BF960BF00}"/>
+          </ac:picMkLst>
+        </pc:picChg>
       </pc:sldChg>
     </pc:docChg>
   </pc:docChgLst>
@@ -13027,7 +13114,7 @@
                 <a:ea typeface="+mn-ea"/>
                 <a:cs typeface="+mn-cs"/>
               </a:rPr>
-              <a:t>Page 2/6</a:t>
+              <a:t>Page 2/7</a:t>
             </a:r>
             <a:endParaRPr lang="en-US" sz="1600" dirty="0">
               <a:solidFill>
@@ -13722,7 +13809,7 @@
         </p:nvSpPr>
         <p:spPr>
           <a:xfrm>
-            <a:off x="10023678" y="6514782"/>
+            <a:off x="11231375" y="6516424"/>
             <a:ext cx="2168322" cy="288608"/>
           </a:xfrm>
           <a:prstGeom prst="rect">
@@ -13774,7 +13861,7 @@
                 <a:ea typeface="+mn-ea"/>
                 <a:cs typeface="+mn-cs"/>
               </a:rPr>
-              <a:t>/6</a:t>
+              <a:t>/7</a:t>
             </a:r>
             <a:endParaRPr lang="en-US" sz="1600" dirty="0">
               <a:solidFill>
@@ -13949,7 +14036,7 @@
                   <a:schemeClr val="tx1"/>
                 </a:solidFill>
               </a:rPr>
-              <a:t>/6</a:t>
+              <a:t>/7</a:t>
             </a:r>
           </a:p>
         </p:txBody>
@@ -14912,7 +14999,7 @@
                 <a:ea typeface="+mn-ea"/>
                 <a:cs typeface="+mn-cs"/>
               </a:rPr>
-              <a:t>/6</a:t>
+              <a:t>/7</a:t>
             </a:r>
             <a:endParaRPr lang="en-US" dirty="0"/>
           </a:p>
@@ -15160,6 +15247,465 @@
 </file>
 
 <file path=ppt/slides/slide6.xml><?xml version="1.0" encoding="utf-8"?>
+<p:sld xmlns:a="http://schemas.openxmlformats.org/drawingml/2006/main" xmlns:r="http://schemas.openxmlformats.org/officeDocument/2006/relationships" xmlns:p="http://schemas.openxmlformats.org/presentationml/2006/main">
+  <p:cSld>
+    <p:bg>
+      <p:bgPr>
+        <a:solidFill>
+          <a:schemeClr val="bg1"/>
+        </a:solidFill>
+        <a:effectLst/>
+      </p:bgPr>
+    </p:bg>
+    <p:spTree>
+      <p:nvGrpSpPr>
+        <p:cNvPr id="1" name=""/>
+        <p:cNvGrpSpPr/>
+        <p:nvPr/>
+      </p:nvGrpSpPr>
+      <p:grpSpPr>
+        <a:xfrm>
+          <a:off x="0" y="0"/>
+          <a:ext cx="0" cy="0"/>
+          <a:chOff x="0" y="0"/>
+          <a:chExt cx="0" cy="0"/>
+        </a:xfrm>
+      </p:grpSpPr>
+      <p:sp>
+        <p:nvSpPr>
+          <p:cNvPr id="12" name="!!Rectangle">
+            <a:extLst>
+              <a:ext uri="{FF2B5EF4-FFF2-40B4-BE49-F238E27FC236}">
+                <a16:creationId xmlns:a16="http://schemas.microsoft.com/office/drawing/2014/main" id="{442D2C40-7ED8-45E4-9E7D-C3407F9CAB7A}"/>
+              </a:ext>
+              <a:ext uri="{C183D7F6-B498-43B3-948B-1728B52AA6E4}">
+                <adec:decorative xmlns:adec="http://schemas.microsoft.com/office/drawing/2017/decorative" val="1"/>
+              </a:ext>
+            </a:extLst>
+          </p:cNvPr>
+          <p:cNvSpPr>
+            <a:spLocks noGrp="1" noRot="1" noChangeAspect="1" noMove="1" noResize="1" noEditPoints="1" noAdjustHandles="1" noChangeArrowheads="1" noChangeShapeType="1" noTextEdit="1"/>
+          </p:cNvSpPr>
+          <p:nvPr>
+            <p:extLst>
+              <p:ext uri="{386F3935-93C4-4BCD-93E2-E3B085C9AB24}">
+                <p16:designElem xmlns:p16="http://schemas.microsoft.com/office/powerpoint/2015/main" val="1"/>
+              </p:ext>
+            </p:extLst>
+          </p:nvPr>
+        </p:nvSpPr>
+        <p:spPr>
+          <a:xfrm>
+            <a:off x="0" y="-8467"/>
+            <a:ext cx="12191999" cy="6866467"/>
+          </a:xfrm>
+          <a:prstGeom prst="rect">
+            <a:avLst/>
+          </a:prstGeom>
+          <a:solidFill>
+            <a:schemeClr val="tx1"/>
+          </a:solidFill>
+          <a:ln>
+            <a:noFill/>
+          </a:ln>
+        </p:spPr>
+        <p:style>
+          <a:lnRef idx="2">
+            <a:schemeClr val="accent1">
+              <a:shade val="50000"/>
+            </a:schemeClr>
+          </a:lnRef>
+          <a:fillRef idx="1">
+            <a:schemeClr val="accent1"/>
+          </a:fillRef>
+          <a:effectRef idx="0">
+            <a:schemeClr val="accent1"/>
+          </a:effectRef>
+          <a:fontRef idx="minor">
+            <a:schemeClr val="lt1"/>
+          </a:fontRef>
+        </p:style>
+        <p:txBody>
+          <a:bodyPr rtlCol="0" anchor="ctr"/>
+          <a:lstStyle/>
+          <a:p>
+            <a:pPr marL="0" marR="0" lvl="0" indent="0" algn="ctr" defTabSz="914400" rtl="0" eaLnBrk="1" fontAlgn="auto" latinLnBrk="0" hangingPunct="1">
+              <a:lnSpc>
+                <a:spcPct val="100000"/>
+              </a:lnSpc>
+              <a:spcBef>
+                <a:spcPts val="0"/>
+              </a:spcBef>
+              <a:spcAft>
+                <a:spcPts val="0"/>
+              </a:spcAft>
+              <a:buClrTx/>
+              <a:buSzTx/>
+              <a:buFontTx/>
+              <a:buNone/>
+              <a:tabLst/>
+              <a:defRPr/>
+            </a:pPr>
+            <a:endParaRPr kumimoji="0" lang="en-US" sz="1800" b="0" i="0" u="none" strike="noStrike" kern="1200" cap="none" spc="0" normalizeH="0" baseline="0" noProof="0">
+              <a:ln>
+                <a:noFill/>
+              </a:ln>
+              <a:solidFill>
+                <a:prstClr val="white"/>
+              </a:solidFill>
+              <a:effectLst/>
+              <a:uLnTx/>
+              <a:uFillTx/>
+              <a:latin typeface="Calibri" panose="020F0502020204030204"/>
+              <a:ea typeface="+mn-ea"/>
+              <a:cs typeface="+mn-cs"/>
+            </a:endParaRPr>
+          </a:p>
+        </p:txBody>
+      </p:sp>
+      <p:pic>
+        <p:nvPicPr>
+          <p:cNvPr id="8" name="Picture 7" descr="Angled shot of pen on a graph">
+            <a:extLst>
+              <a:ext uri="{FF2B5EF4-FFF2-40B4-BE49-F238E27FC236}">
+                <a16:creationId xmlns:a16="http://schemas.microsoft.com/office/drawing/2014/main" id="{35C1D28B-B66D-75B8-C7E5-002BF960BF00}"/>
+              </a:ext>
+            </a:extLst>
+          </p:cNvPr>
+          <p:cNvPicPr>
+            <a:picLocks noChangeAspect="1"/>
+          </p:cNvPicPr>
+          <p:nvPr/>
+        </p:nvPicPr>
+        <p:blipFill rotWithShape="1">
+          <a:blip r:embed="rId2">
+            <a:alphaModFix amt="35000"/>
+          </a:blip>
+          <a:srcRect t="9389" b="6237"/>
+          <a:stretch/>
+        </p:blipFill>
+        <p:spPr>
+          <a:xfrm>
+            <a:off x="20" y="-8467"/>
+            <a:ext cx="12191980" cy="6866467"/>
+          </a:xfrm>
+          <a:prstGeom prst="rect">
+            <a:avLst/>
+          </a:prstGeom>
+        </p:spPr>
+      </p:pic>
+      <p:sp>
+        <p:nvSpPr>
+          <p:cNvPr id="2" name="Title 1">
+            <a:extLst>
+              <a:ext uri="{FF2B5EF4-FFF2-40B4-BE49-F238E27FC236}">
+                <a16:creationId xmlns:a16="http://schemas.microsoft.com/office/drawing/2014/main" id="{A89FF605-B798-3CAE-F694-48BC65E59F01}"/>
+              </a:ext>
+            </a:extLst>
+          </p:cNvPr>
+          <p:cNvSpPr>
+            <a:spLocks noGrp="1"/>
+          </p:cNvSpPr>
+          <p:nvPr>
+            <p:ph type="title"/>
+          </p:nvPr>
+        </p:nvSpPr>
+        <p:spPr>
+          <a:xfrm>
+            <a:off x="686834" y="591344"/>
+            <a:ext cx="3200400" cy="5585619"/>
+          </a:xfrm>
+        </p:spPr>
+        <p:txBody>
+          <a:bodyPr>
+            <a:normAutofit/>
+          </a:bodyPr>
+          <a:lstStyle/>
+          <a:p>
+            <a:r>
+              <a:rPr lang="en-CA">
+                <a:solidFill>
+                  <a:srgbClr val="FFFFFF"/>
+                </a:solidFill>
+              </a:rPr>
+              <a:t>Usability Verification</a:t>
+            </a:r>
+          </a:p>
+        </p:txBody>
+      </p:sp>
+      <p:sp>
+        <p:nvSpPr>
+          <p:cNvPr id="6" name="Content Placeholder 5">
+            <a:extLst>
+              <a:ext uri="{FF2B5EF4-FFF2-40B4-BE49-F238E27FC236}">
+                <a16:creationId xmlns:a16="http://schemas.microsoft.com/office/drawing/2014/main" id="{42B039C7-A81C-61E1-C7FA-52DDD84A1DF8}"/>
+              </a:ext>
+            </a:extLst>
+          </p:cNvPr>
+          <p:cNvSpPr>
+            <a:spLocks noGrp="1"/>
+          </p:cNvSpPr>
+          <p:nvPr>
+            <p:ph idx="1"/>
+          </p:nvPr>
+        </p:nvSpPr>
+        <p:spPr>
+          <a:xfrm>
+            <a:off x="4447308" y="591344"/>
+            <a:ext cx="6906491" cy="5585619"/>
+          </a:xfrm>
+        </p:spPr>
+        <p:txBody>
+          <a:bodyPr anchor="ctr">
+            <a:normAutofit/>
+          </a:bodyPr>
+          <a:lstStyle/>
+          <a:p>
+            <a:pPr marL="0" indent="0">
+              <a:buNone/>
+            </a:pPr>
+            <a:r>
+              <a:rPr lang="en-CA" sz="2400" dirty="0">
+                <a:solidFill>
+                  <a:srgbClr val="FFFFFF"/>
+                </a:solidFill>
+              </a:rPr>
+              <a:t>For Usability I’ll employ a survey, which will take feedback from users in the form of how much they agree with various statements on a Likert Scale from 1 to 5 (1 being not at all and 5 being Strongly Agree). Sample Statements are:</a:t>
+            </a:r>
+          </a:p>
+          <a:p>
+            <a:pPr marL="514350" indent="-514350">
+              <a:buFont typeface="+mj-lt"/>
+              <a:buAutoNum type="arabicPeriod"/>
+            </a:pPr>
+            <a:r>
+              <a:rPr lang="en-CA" sz="2400" dirty="0">
+                <a:solidFill>
+                  <a:srgbClr val="FFFFFF"/>
+                </a:solidFill>
+              </a:rPr>
+              <a:t>The User Interface is intuitive to use</a:t>
+            </a:r>
+          </a:p>
+          <a:p>
+            <a:pPr marL="514350" indent="-514350">
+              <a:buFont typeface="+mj-lt"/>
+              <a:buAutoNum type="arabicPeriod"/>
+            </a:pPr>
+            <a:r>
+              <a:rPr lang="en-CA" sz="2400" dirty="0">
+                <a:solidFill>
+                  <a:srgbClr val="FFFFFF"/>
+                </a:solidFill>
+              </a:rPr>
+              <a:t>The User Interface legible</a:t>
+            </a:r>
+          </a:p>
+          <a:p>
+            <a:pPr marL="514350" indent="-514350">
+              <a:buFont typeface="+mj-lt"/>
+              <a:buAutoNum type="arabicPeriod"/>
+            </a:pPr>
+            <a:r>
+              <a:rPr lang="en-CA" sz="2400" dirty="0">
+                <a:solidFill>
+                  <a:srgbClr val="FFFFFF"/>
+                </a:solidFill>
+              </a:rPr>
+              <a:t>Any error messages encountered are clear</a:t>
+            </a:r>
+          </a:p>
+          <a:p>
+            <a:pPr marL="514350" indent="-514350">
+              <a:buFont typeface="+mj-lt"/>
+              <a:buAutoNum type="arabicPeriod"/>
+            </a:pPr>
+            <a:r>
+              <a:rPr lang="en-CA" sz="2400" dirty="0">
+                <a:solidFill>
+                  <a:srgbClr val="FFFFFF"/>
+                </a:solidFill>
+              </a:rPr>
+              <a:t>The program runs smoothly</a:t>
+            </a:r>
+          </a:p>
+          <a:p>
+            <a:pPr marL="514350" indent="-514350">
+              <a:buFont typeface="+mj-lt"/>
+              <a:buAutoNum type="arabicPeriod"/>
+            </a:pPr>
+            <a:r>
+              <a:rPr lang="en-CA" sz="2400" dirty="0">
+                <a:solidFill>
+                  <a:srgbClr val="FFFFFF"/>
+                </a:solidFill>
+              </a:rPr>
+              <a:t>The output of the program is satisfactory</a:t>
+            </a:r>
+          </a:p>
+          <a:p>
+            <a:pPr marL="0" indent="0">
+              <a:buNone/>
+            </a:pPr>
+            <a:r>
+              <a:rPr lang="en-CA" sz="2400" dirty="0">
+                <a:solidFill>
+                  <a:srgbClr val="FFFFFF"/>
+                </a:solidFill>
+              </a:rPr>
+              <a:t>And finally, a section for other comments or suggestions will also be included.</a:t>
+            </a:r>
+          </a:p>
+        </p:txBody>
+      </p:sp>
+      <p:sp>
+        <p:nvSpPr>
+          <p:cNvPr id="5" name="Slide Number Placeholder 4">
+            <a:extLst>
+              <a:ext uri="{FF2B5EF4-FFF2-40B4-BE49-F238E27FC236}">
+                <a16:creationId xmlns:a16="http://schemas.microsoft.com/office/drawing/2014/main" id="{8EBD055C-72F3-A6F5-0998-F4DD7C844A92}"/>
+              </a:ext>
+            </a:extLst>
+          </p:cNvPr>
+          <p:cNvSpPr>
+            <a:spLocks noGrp="1"/>
+          </p:cNvSpPr>
+          <p:nvPr>
+            <p:ph type="sldNum" sz="quarter" idx="12"/>
+          </p:nvPr>
+        </p:nvSpPr>
+        <p:spPr>
+          <a:xfrm>
+            <a:off x="10658061" y="6469857"/>
+            <a:ext cx="1533939" cy="365125"/>
+          </a:xfrm>
+        </p:spPr>
+        <p:txBody>
+          <a:bodyPr>
+            <a:normAutofit/>
+          </a:bodyPr>
+          <a:lstStyle/>
+          <a:p>
+            <a:pPr>
+              <a:spcAft>
+                <a:spcPts val="600"/>
+              </a:spcAft>
+            </a:pPr>
+            <a:r>
+              <a:rPr lang="en-US" sz="1600" dirty="0">
+                <a:solidFill>
+                  <a:srgbClr val="FFFFFF"/>
+                </a:solidFill>
+              </a:rPr>
+              <a:t>Page 6/7</a:t>
+            </a:r>
+          </a:p>
+        </p:txBody>
+      </p:sp>
+      <p:sp>
+        <p:nvSpPr>
+          <p:cNvPr id="14" name="Arc 13">
+            <a:extLst>
+              <a:ext uri="{FF2B5EF4-FFF2-40B4-BE49-F238E27FC236}">
+                <a16:creationId xmlns:a16="http://schemas.microsoft.com/office/drawing/2014/main" id="{081E4A58-353D-44AE-B2FC-2A74E2E400F7}"/>
+              </a:ext>
+              <a:ext uri="{C183D7F6-B498-43B3-948B-1728B52AA6E4}">
+                <adec:decorative xmlns:adec="http://schemas.microsoft.com/office/drawing/2017/decorative" val="1"/>
+              </a:ext>
+            </a:extLst>
+          </p:cNvPr>
+          <p:cNvSpPr>
+            <a:spLocks noGrp="1" noRot="1" noChangeAspect="1" noMove="1" noResize="1" noEditPoints="1" noAdjustHandles="1" noChangeArrowheads="1" noChangeShapeType="1" noTextEdit="1"/>
+          </p:cNvSpPr>
+          <p:nvPr>
+            <p:extLst>
+              <p:ext uri="{386F3935-93C4-4BCD-93E2-E3B085C9AB24}">
+                <p16:designElem xmlns:p16="http://schemas.microsoft.com/office/powerpoint/2015/main" val="1"/>
+              </p:ext>
+            </p:extLst>
+          </p:nvPr>
+        </p:nvSpPr>
+        <p:spPr>
+          <a:xfrm flipV="1">
+            <a:off x="7550402" y="2455479"/>
+            <a:ext cx="4083433" cy="4083433"/>
+          </a:xfrm>
+          <a:prstGeom prst="arc">
+            <a:avLst/>
+          </a:prstGeom>
+          <a:ln w="127000" cap="rnd">
+            <a:solidFill>
+              <a:schemeClr val="accent4"/>
+            </a:solidFill>
+            <a:prstDash val="dash"/>
+          </a:ln>
+        </p:spPr>
+        <p:style>
+          <a:lnRef idx="1">
+            <a:schemeClr val="accent1"/>
+          </a:lnRef>
+          <a:fillRef idx="0">
+            <a:schemeClr val="accent1"/>
+          </a:fillRef>
+          <a:effectRef idx="0">
+            <a:schemeClr val="accent1"/>
+          </a:effectRef>
+          <a:fontRef idx="minor">
+            <a:schemeClr val="tx1"/>
+          </a:fontRef>
+        </p:style>
+        <p:txBody>
+          <a:bodyPr rtlCol="0" anchor="ctr"/>
+          <a:lstStyle/>
+          <a:p>
+            <a:pPr marL="0" marR="0" lvl="0" indent="0" algn="ctr" defTabSz="914400" rtl="0" eaLnBrk="1" fontAlgn="auto" latinLnBrk="0" hangingPunct="1">
+              <a:lnSpc>
+                <a:spcPct val="100000"/>
+              </a:lnSpc>
+              <a:spcBef>
+                <a:spcPts val="0"/>
+              </a:spcBef>
+              <a:spcAft>
+                <a:spcPts val="0"/>
+              </a:spcAft>
+              <a:buClrTx/>
+              <a:buSzTx/>
+              <a:buFontTx/>
+              <a:buNone/>
+              <a:tabLst/>
+              <a:defRPr/>
+            </a:pPr>
+            <a:endParaRPr kumimoji="0" lang="en-US" sz="1800" b="0" i="0" u="none" strike="noStrike" kern="1200" cap="none" spc="0" normalizeH="0" baseline="0" noProof="0" dirty="0">
+              <a:ln>
+                <a:noFill/>
+              </a:ln>
+              <a:solidFill>
+                <a:prstClr val="black"/>
+              </a:solidFill>
+              <a:effectLst/>
+              <a:uLnTx/>
+              <a:uFillTx/>
+              <a:latin typeface="Calibri" panose="020F0502020204030204"/>
+              <a:ea typeface="+mn-ea"/>
+              <a:cs typeface="+mn-cs"/>
+            </a:endParaRPr>
+          </a:p>
+        </p:txBody>
+      </p:sp>
+    </p:spTree>
+    <p:extLst>
+      <p:ext uri="{BB962C8B-B14F-4D97-AF65-F5344CB8AC3E}">
+        <p14:creationId xmlns:p14="http://schemas.microsoft.com/office/powerpoint/2010/main" val="782325152"/>
+      </p:ext>
+    </p:extLst>
+  </p:cSld>
+  <p:clrMapOvr>
+    <a:masterClrMapping/>
+  </p:clrMapOvr>
+</p:sld>
+</file>
+
+<file path=ppt/slides/slide7.xml><?xml version="1.0" encoding="utf-8"?>
 <p:sld xmlns:a="http://schemas.openxmlformats.org/drawingml/2006/main" xmlns:r="http://schemas.openxmlformats.org/officeDocument/2006/relationships" xmlns:p="http://schemas.openxmlformats.org/presentationml/2006/main">
   <p:cSld>
     <p:bg>
@@ -15448,7 +15994,7 @@
         </p:nvSpPr>
         <p:spPr>
           <a:xfrm>
-            <a:off x="8970819" y="6356350"/>
+            <a:off x="9448800" y="6492865"/>
             <a:ext cx="2743200" cy="365125"/>
           </a:xfrm>
         </p:spPr>
@@ -15464,7 +16010,7 @@
               </a:spcAft>
             </a:pPr>
             <a:fld id="{4854181D-6920-4594-9A5D-6CE56DC9F8B2}" type="slidenum">
-              <a:rPr lang="en-US">
+              <a:rPr lang="en-US" sz="1600">
                 <a:solidFill>
                   <a:schemeClr val="tx1"/>
                 </a:solidFill>
@@ -15474,9 +16020,9 @@
                   <a:spcPts val="600"/>
                 </a:spcAft>
               </a:pPr>
-              <a:t>6</a:t>
+              <a:t>7</a:t>
             </a:fld>
-            <a:endParaRPr lang="en-US" dirty="0">
+            <a:endParaRPr lang="en-US" sz="1600" dirty="0">
               <a:solidFill>
                 <a:schemeClr val="tx1"/>
               </a:solidFill>

--- a/docs/Presentations/VNVPlanPresentation/VNVPlanPresentation.pptx
+++ b/docs/Presentations/VNVPlanPresentation/VNVPlanPresentation.pptx
@@ -124,7 +124,7 @@
 <file path=ppt/revisionInfo.xml><?xml version="1.0" encoding="utf-8"?>
 <p1510:revInfo xmlns:a="http://schemas.openxmlformats.org/drawingml/2006/main" xmlns:r="http://schemas.openxmlformats.org/officeDocument/2006/relationships" xmlns:p1510="http://schemas.microsoft.com/office/powerpoint/2015/10/main">
   <p1510:revLst>
-    <p1510:client id="{F0BA40D0-9182-44C0-BEDE-14048F85CCAB}" v="69" dt="2024-02-10T19:51:34.114"/>
+    <p1510:client id="{F0BA40D0-9182-44C0-BEDE-14048F85CCAB}" v="72" dt="2024-02-13T16:49:02.013"/>
   </p1510:revLst>
 </p1510:revInfo>
 </file>
@@ -134,7 +134,7 @@
   <pc:docChgLst>
     <pc:chgData name="Hunter Ceranic" userId="55b8025d37c61089" providerId="LiveId" clId="{F0BA40D0-9182-44C0-BEDE-14048F85CCAB}"/>
     <pc:docChg chg="undo custSel addSld delSld modSld">
-      <pc:chgData name="Hunter Ceranic" userId="55b8025d37c61089" providerId="LiveId" clId="{F0BA40D0-9182-44C0-BEDE-14048F85CCAB}" dt="2024-02-10T20:18:30.980" v="3672" actId="1076"/>
+      <pc:chgData name="Hunter Ceranic" userId="55b8025d37c61089" providerId="LiveId" clId="{F0BA40D0-9182-44C0-BEDE-14048F85CCAB}" dt="2024-02-13T16:49:21.003" v="3698" actId="20577"/>
       <pc:docMkLst>
         <pc:docMk/>
       </pc:docMkLst>
@@ -555,7 +555,7 @@
         </pc:spChg>
       </pc:sldChg>
       <pc:sldChg chg="addSp delSp modSp new mod modClrScheme chgLayout">
-        <pc:chgData name="Hunter Ceranic" userId="55b8025d37c61089" providerId="LiveId" clId="{F0BA40D0-9182-44C0-BEDE-14048F85CCAB}" dt="2024-02-10T20:04:17.529" v="2939" actId="20577"/>
+        <pc:chgData name="Hunter Ceranic" userId="55b8025d37c61089" providerId="LiveId" clId="{F0BA40D0-9182-44C0-BEDE-14048F85CCAB}" dt="2024-02-13T16:49:21.003" v="3698" actId="20577"/>
         <pc:sldMkLst>
           <pc:docMk/>
           <pc:sldMk cId="977562255" sldId="266"/>
@@ -568,12 +568,36 @@
             <ac:spMk id="2" creationId="{0671E9AD-2014-3516-E029-6838AAA80005}"/>
           </ac:spMkLst>
         </pc:spChg>
+        <pc:spChg chg="add mod">
+          <ac:chgData name="Hunter Ceranic" userId="55b8025d37c61089" providerId="LiveId" clId="{F0BA40D0-9182-44C0-BEDE-14048F85CCAB}" dt="2024-02-13T16:49:21.003" v="3698" actId="20577"/>
+          <ac:spMkLst>
+            <pc:docMk/>
+            <pc:sldMk cId="977562255" sldId="266"/>
+            <ac:spMk id="2" creationId="{48F11C8C-AC18-5C0C-6E5B-08383D13061A}"/>
+          </ac:spMkLst>
+        </pc:spChg>
         <pc:spChg chg="del mod ord">
           <ac:chgData name="Hunter Ceranic" userId="55b8025d37c61089" providerId="LiveId" clId="{F0BA40D0-9182-44C0-BEDE-14048F85CCAB}" dt="2024-02-10T19:27:07.140" v="1664" actId="700"/>
           <ac:spMkLst>
             <pc:docMk/>
             <pc:sldMk cId="977562255" sldId="266"/>
             <ac:spMk id="3" creationId="{04A7D1BB-5C35-3A1A-DCDA-6D6D51997BC2}"/>
+          </ac:spMkLst>
+        </pc:spChg>
+        <pc:spChg chg="add mod">
+          <ac:chgData name="Hunter Ceranic" userId="55b8025d37c61089" providerId="LiveId" clId="{F0BA40D0-9182-44C0-BEDE-14048F85CCAB}" dt="2024-02-13T16:49:14.917" v="3689" actId="1076"/>
+          <ac:spMkLst>
+            <pc:docMk/>
+            <pc:sldMk cId="977562255" sldId="266"/>
+            <ac:spMk id="3" creationId="{A8E8FC25-9A9D-1CA9-7518-58ECCCC5E959}"/>
+          </ac:spMkLst>
+        </pc:spChg>
+        <pc:spChg chg="add mod">
+          <ac:chgData name="Hunter Ceranic" userId="55b8025d37c61089" providerId="LiveId" clId="{F0BA40D0-9182-44C0-BEDE-14048F85CCAB}" dt="2024-02-13T16:49:08.457" v="3688" actId="1076"/>
+          <ac:spMkLst>
+            <pc:docMk/>
+            <pc:sldMk cId="977562255" sldId="266"/>
+            <ac:spMk id="4" creationId="{7D4C2E95-4711-EB14-408C-8B5B6ED3B998}"/>
           </ac:spMkLst>
         </pc:spChg>
         <pc:spChg chg="del">
@@ -4826,7 +4850,7 @@
           <a:p>
             <a:fld id="{9E418AF7-6E72-4403-B085-4589D1110134}" type="datetimeFigureOut">
               <a:rPr lang="en-CA" smtClean="0"/>
-              <a:t>2024-02-10</a:t>
+              <a:t>2024-02-13</a:t>
             </a:fld>
             <a:endParaRPr lang="en-CA"/>
           </a:p>
@@ -5325,7 +5349,7 @@
           <a:p>
             <a:fld id="{D64C250B-3F0E-4970-9318-C9D7D394820E}" type="datetime1">
               <a:rPr lang="en-US" smtClean="0"/>
-              <a:t>2/10/2024</a:t>
+              <a:t>2/13/2024</a:t>
             </a:fld>
             <a:endParaRPr lang="en-US" dirty="0"/>
           </a:p>
@@ -5740,7 +5764,7 @@
           <a:p>
             <a:fld id="{7ED2D475-D7C3-4D53-A451-04FF36E3C7CA}" type="datetime1">
               <a:rPr lang="en-US" smtClean="0"/>
-              <a:t>2/10/2024</a:t>
+              <a:t>2/13/2024</a:t>
             </a:fld>
             <a:endParaRPr lang="en-US"/>
           </a:p>
@@ -6232,7 +6256,7 @@
           <a:p>
             <a:fld id="{B13D53CE-B973-4FCF-BB6D-73B61285C9EE}" type="datetime1">
               <a:rPr lang="en-US" smtClean="0"/>
-              <a:t>2/10/2024</a:t>
+              <a:t>2/13/2024</a:t>
             </a:fld>
             <a:endParaRPr lang="en-US"/>
           </a:p>
@@ -6719,7 +6743,7 @@
           <a:p>
             <a:fld id="{6F168777-EDFC-4AB3-A960-739B6325059F}" type="datetime1">
               <a:rPr lang="en-US" smtClean="0"/>
-              <a:t>2/10/2024</a:t>
+              <a:t>2/13/2024</a:t>
             </a:fld>
             <a:endParaRPr lang="en-US" dirty="0"/>
           </a:p>
@@ -7488,7 +7512,7 @@
           <a:p>
             <a:fld id="{4D320339-89DE-45C9-8EA6-5855C5BC4EC8}" type="datetime1">
               <a:rPr lang="en-US" smtClean="0"/>
-              <a:t>2/10/2024</a:t>
+              <a:t>2/13/2024</a:t>
             </a:fld>
             <a:endParaRPr lang="en-US"/>
           </a:p>
@@ -7970,7 +7994,7 @@
           <a:p>
             <a:fld id="{D97A0DFF-DDA9-437C-A4F4-5DF1C7108CDC}" type="datetime1">
               <a:rPr lang="en-US" smtClean="0"/>
-              <a:t>2/10/2024</a:t>
+              <a:t>2/13/2024</a:t>
             </a:fld>
             <a:endParaRPr lang="en-US"/>
           </a:p>
@@ -8666,7 +8690,7 @@
           <a:p>
             <a:fld id="{673E6A36-CFDC-4F59-94D9-5938EA3FFC22}" type="datetime1">
               <a:rPr lang="en-US" smtClean="0"/>
-              <a:t>2/10/2024</a:t>
+              <a:t>2/13/2024</a:t>
             </a:fld>
             <a:endParaRPr lang="en-US"/>
           </a:p>
@@ -9091,7 +9115,7 @@
           <a:p>
             <a:fld id="{585D03DC-4143-495E-82F1-B947FE3989AD}" type="datetime1">
               <a:rPr lang="en-US" smtClean="0"/>
-              <a:t>2/10/2024</a:t>
+              <a:t>2/13/2024</a:t>
             </a:fld>
             <a:endParaRPr lang="en-US"/>
           </a:p>
@@ -9488,7 +9512,7 @@
           <a:p>
             <a:fld id="{933DFF73-74E1-4718-A7DF-CE04E8339893}" type="datetime1">
               <a:rPr lang="en-US" smtClean="0"/>
-              <a:t>2/10/2024</a:t>
+              <a:t>2/13/2024</a:t>
             </a:fld>
             <a:endParaRPr lang="en-US"/>
           </a:p>
@@ -10083,7 +10107,7 @@
           <a:p>
             <a:fld id="{4EB71C7E-24B9-48A5-BD1A-C92D07E70F00}" type="datetime1">
               <a:rPr lang="en-US" smtClean="0"/>
-              <a:t>2/10/2024</a:t>
+              <a:t>2/13/2024</a:t>
             </a:fld>
             <a:endParaRPr lang="en-US"/>
           </a:p>
@@ -10658,7 +10682,7 @@
           <a:p>
             <a:fld id="{2E0181FF-DCB4-4A8B-8A91-9A9A7438884D}" type="datetime1">
               <a:rPr lang="en-US" smtClean="0"/>
-              <a:t>2/10/2024</a:t>
+              <a:t>2/13/2024</a:t>
             </a:fld>
             <a:endParaRPr lang="en-US"/>
           </a:p>
@@ -11184,7 +11208,7 @@
           <a:p>
             <a:fld id="{69064C32-6B48-4F37-8ABD-2C75CE9DDDEF}" type="datetime1">
               <a:rPr lang="en-US" smtClean="0"/>
-              <a:t>2/10/2024</a:t>
+              <a:t>2/13/2024</a:t>
             </a:fld>
             <a:endParaRPr lang="en-US" dirty="0"/>
           </a:p>
@@ -14168,6 +14192,111 @@
             <a:r>
               <a:rPr lang="en-CA" sz="1600" dirty="0"/>
               <a:t>It can be used to calculate metrics for validity.  Accuracy, Misclassification, and Precision are the most important for this project.</a:t>
+            </a:r>
+          </a:p>
+        </p:txBody>
+      </p:sp>
+      <p:sp>
+        <p:nvSpPr>
+          <p:cNvPr id="2" name="TextBox 1">
+            <a:extLst>
+              <a:ext uri="{FF2B5EF4-FFF2-40B4-BE49-F238E27FC236}">
+                <a16:creationId xmlns:a16="http://schemas.microsoft.com/office/drawing/2014/main" id="{48F11C8C-AC18-5C0C-6E5B-08383D13061A}"/>
+              </a:ext>
+            </a:extLst>
+          </p:cNvPr>
+          <p:cNvSpPr txBox="1"/>
+          <p:nvPr/>
+        </p:nvSpPr>
+        <p:spPr>
+          <a:xfrm>
+            <a:off x="2946238" y="6581001"/>
+            <a:ext cx="10265228" cy="276999"/>
+          </a:xfrm>
+          <a:prstGeom prst="rect">
+            <a:avLst/>
+          </a:prstGeom>
+          <a:noFill/>
+        </p:spPr>
+        <p:txBody>
+          <a:bodyPr wrap="square" rtlCol="0">
+            <a:spAutoFit/>
+          </a:bodyPr>
+          <a:lstStyle/>
+          <a:p>
+            <a:r>
+              <a:rPr lang="en-CA" sz="1200" dirty="0"/>
+              <a:t>[1]https://towardsdatascience.com/taking-the-confusion-out-of-confusion-matrices-c1ce054b3d3e</a:t>
+            </a:r>
+          </a:p>
+        </p:txBody>
+      </p:sp>
+      <p:sp>
+        <p:nvSpPr>
+          <p:cNvPr id="3" name="TextBox 2">
+            <a:extLst>
+              <a:ext uri="{FF2B5EF4-FFF2-40B4-BE49-F238E27FC236}">
+                <a16:creationId xmlns:a16="http://schemas.microsoft.com/office/drawing/2014/main" id="{A8E8FC25-9A9D-1CA9-7518-58ECCCC5E959}"/>
+              </a:ext>
+            </a:extLst>
+          </p:cNvPr>
+          <p:cNvSpPr txBox="1"/>
+          <p:nvPr/>
+        </p:nvSpPr>
+        <p:spPr>
+          <a:xfrm>
+            <a:off x="8534399" y="6079351"/>
+            <a:ext cx="478971" cy="276999"/>
+          </a:xfrm>
+          <a:prstGeom prst="rect">
+            <a:avLst/>
+          </a:prstGeom>
+          <a:noFill/>
+        </p:spPr>
+        <p:txBody>
+          <a:bodyPr wrap="square" rtlCol="0">
+            <a:spAutoFit/>
+          </a:bodyPr>
+          <a:lstStyle/>
+          <a:p>
+            <a:r>
+              <a:rPr lang="en-CA" sz="1200" dirty="0"/>
+              <a:t>[1]</a:t>
+            </a:r>
+          </a:p>
+        </p:txBody>
+      </p:sp>
+      <p:sp>
+        <p:nvSpPr>
+          <p:cNvPr id="4" name="TextBox 3">
+            <a:extLst>
+              <a:ext uri="{FF2B5EF4-FFF2-40B4-BE49-F238E27FC236}">
+                <a16:creationId xmlns:a16="http://schemas.microsoft.com/office/drawing/2014/main" id="{7D4C2E95-4711-EB14-408C-8B5B6ED3B998}"/>
+              </a:ext>
+            </a:extLst>
+          </p:cNvPr>
+          <p:cNvSpPr txBox="1"/>
+          <p:nvPr/>
+        </p:nvSpPr>
+        <p:spPr>
+          <a:xfrm>
+            <a:off x="9194965" y="3359101"/>
+            <a:ext cx="478971" cy="276999"/>
+          </a:xfrm>
+          <a:prstGeom prst="rect">
+            <a:avLst/>
+          </a:prstGeom>
+          <a:noFill/>
+        </p:spPr>
+        <p:txBody>
+          <a:bodyPr wrap="square" rtlCol="0">
+            <a:spAutoFit/>
+          </a:bodyPr>
+          <a:lstStyle/>
+          <a:p>
+            <a:r>
+              <a:rPr lang="en-CA" sz="1200" dirty="0"/>
+              <a:t>[1]</a:t>
             </a:r>
           </a:p>
         </p:txBody>

--- a/docs/Presentations/VNVPlanPresentation/VNVPlanPresentation.pptx
+++ b/docs/Presentations/VNVPlanPresentation/VNVPlanPresentation.pptx
@@ -134,12 +134,12 @@
   <pc:docChgLst>
     <pc:chgData name="Hunter Ceranic" userId="55b8025d37c61089" providerId="LiveId" clId="{F0BA40D0-9182-44C0-BEDE-14048F85CCAB}"/>
     <pc:docChg chg="undo custSel addSld delSld modSld">
-      <pc:chgData name="Hunter Ceranic" userId="55b8025d37c61089" providerId="LiveId" clId="{F0BA40D0-9182-44C0-BEDE-14048F85CCAB}" dt="2024-02-13T16:49:21.003" v="3698" actId="20577"/>
+      <pc:chgData name="Hunter Ceranic" userId="55b8025d37c61089" providerId="LiveId" clId="{F0BA40D0-9182-44C0-BEDE-14048F85CCAB}" dt="2024-02-13T20:17:13.503" v="3873" actId="20577"/>
       <pc:docMkLst>
         <pc:docMk/>
       </pc:docMkLst>
       <pc:sldChg chg="addSp delSp modSp mod modClrScheme delDesignElem chgLayout modNotesTx">
-        <pc:chgData name="Hunter Ceranic" userId="55b8025d37c61089" providerId="LiveId" clId="{F0BA40D0-9182-44C0-BEDE-14048F85CCAB}" dt="2024-02-10T20:04:03.579" v="2935" actId="1076"/>
+        <pc:chgData name="Hunter Ceranic" userId="55b8025d37c61089" providerId="LiveId" clId="{F0BA40D0-9182-44C0-BEDE-14048F85CCAB}" dt="2024-02-13T20:16:25.257" v="3732" actId="20577"/>
         <pc:sldMkLst>
           <pc:docMk/>
           <pc:sldMk cId="427290740" sldId="257"/>
@@ -169,7 +169,7 @@
           </ac:spMkLst>
         </pc:spChg>
         <pc:spChg chg="add mod ord">
-          <ac:chgData name="Hunter Ceranic" userId="55b8025d37c61089" providerId="LiveId" clId="{F0BA40D0-9182-44C0-BEDE-14048F85CCAB}" dt="2024-02-10T19:40:44.762" v="2440" actId="20577"/>
+          <ac:chgData name="Hunter Ceranic" userId="55b8025d37c61089" providerId="LiveId" clId="{F0BA40D0-9182-44C0-BEDE-14048F85CCAB}" dt="2024-02-13T19:38:55.996" v="3703" actId="12"/>
           <ac:spMkLst>
             <pc:docMk/>
             <pc:sldMk cId="427290740" sldId="257"/>
@@ -665,8 +665,8 @@
           </ac:picMkLst>
         </pc:picChg>
       </pc:sldChg>
-      <pc:sldChg chg="addSp delSp modSp new mod setBg modClrScheme chgLayout">
-        <pc:chgData name="Hunter Ceranic" userId="55b8025d37c61089" providerId="LiveId" clId="{F0BA40D0-9182-44C0-BEDE-14048F85CCAB}" dt="2024-02-10T20:04:23.918" v="2941" actId="20577"/>
+      <pc:sldChg chg="addSp delSp modSp new mod setBg modClrScheme chgLayout modNotesTx">
+        <pc:chgData name="Hunter Ceranic" userId="55b8025d37c61089" providerId="LiveId" clId="{F0BA40D0-9182-44C0-BEDE-14048F85CCAB}" dt="2024-02-13T20:16:49.243" v="3784" actId="20577"/>
         <pc:sldMkLst>
           <pc:docMk/>
           <pc:sldMk cId="405756858" sldId="267"/>
@@ -824,8 +824,8 @@
           </ac:cxnSpMkLst>
         </pc:cxnChg>
       </pc:sldChg>
-      <pc:sldChg chg="addSp delSp modSp new mod setBg modClrScheme chgLayout">
-        <pc:chgData name="Hunter Ceranic" userId="55b8025d37c61089" providerId="LiveId" clId="{F0BA40D0-9182-44C0-BEDE-14048F85CCAB}" dt="2024-02-10T20:18:15.347" v="3670" actId="20577"/>
+      <pc:sldChg chg="addSp delSp modSp new mod setBg modClrScheme chgLayout modNotesTx">
+        <pc:chgData name="Hunter Ceranic" userId="55b8025d37c61089" providerId="LiveId" clId="{F0BA40D0-9182-44C0-BEDE-14048F85CCAB}" dt="2024-02-13T20:17:13.503" v="3873" actId="20577"/>
         <pc:sldMkLst>
           <pc:docMk/>
           <pc:sldMk cId="782325152" sldId="268"/>
@@ -5162,7 +5162,10 @@
           <a:bodyPr/>
           <a:lstStyle/>
           <a:p>
-            <a:endParaRPr lang="en-CA" dirty="0"/>
+            <a:r>
+              <a:rPr lang="en-CA" dirty="0"/>
+              <a:t>Add specific images in report</a:t>
+            </a:r>
           </a:p>
         </p:txBody>
       </p:sp>
@@ -5193,6 +5196,184 @@
     <p:extLst>
       <p:ext uri="{BB962C8B-B14F-4D97-AF65-F5344CB8AC3E}">
         <p14:creationId xmlns:p14="http://schemas.microsoft.com/office/powerpoint/2010/main" val="2120528096"/>
+      </p:ext>
+    </p:extLst>
+  </p:cSld>
+  <p:clrMapOvr>
+    <a:masterClrMapping/>
+  </p:clrMapOvr>
+</p:notes>
+</file>
+
+<file path=ppt/notesSlides/notesSlide2.xml><?xml version="1.0" encoding="utf-8"?>
+<p:notes xmlns:a="http://schemas.openxmlformats.org/drawingml/2006/main" xmlns:r="http://schemas.openxmlformats.org/officeDocument/2006/relationships" xmlns:p="http://schemas.openxmlformats.org/presentationml/2006/main">
+  <p:cSld>
+    <p:spTree>
+      <p:nvGrpSpPr>
+        <p:cNvPr id="1" name=""/>
+        <p:cNvGrpSpPr/>
+        <p:nvPr/>
+      </p:nvGrpSpPr>
+      <p:grpSpPr>
+        <a:xfrm>
+          <a:off x="0" y="0"/>
+          <a:ext cx="0" cy="0"/>
+          <a:chOff x="0" y="0"/>
+          <a:chExt cx="0" cy="0"/>
+        </a:xfrm>
+      </p:grpSpPr>
+      <p:sp>
+        <p:nvSpPr>
+          <p:cNvPr id="2" name="Slide Image Placeholder 1"/>
+          <p:cNvSpPr>
+            <a:spLocks noGrp="1" noRot="1" noChangeAspect="1"/>
+          </p:cNvSpPr>
+          <p:nvPr>
+            <p:ph type="sldImg"/>
+          </p:nvPr>
+        </p:nvSpPr>
+        <p:spPr/>
+      </p:sp>
+      <p:sp>
+        <p:nvSpPr>
+          <p:cNvPr id="3" name="Notes Placeholder 2"/>
+          <p:cNvSpPr>
+            <a:spLocks noGrp="1"/>
+          </p:cNvSpPr>
+          <p:nvPr>
+            <p:ph type="body" idx="1"/>
+          </p:nvPr>
+        </p:nvSpPr>
+        <p:spPr/>
+        <p:txBody>
+          <a:bodyPr/>
+          <a:lstStyle/>
+          <a:p>
+            <a:r>
+              <a:rPr lang="en-CA" dirty="0"/>
+              <a:t>Make epsilon a parameter so its easy to change</a:t>
+            </a:r>
+          </a:p>
+        </p:txBody>
+      </p:sp>
+      <p:sp>
+        <p:nvSpPr>
+          <p:cNvPr id="4" name="Slide Number Placeholder 3"/>
+          <p:cNvSpPr>
+            <a:spLocks noGrp="1"/>
+          </p:cNvSpPr>
+          <p:nvPr>
+            <p:ph type="sldNum" sz="quarter" idx="5"/>
+          </p:nvPr>
+        </p:nvSpPr>
+        <p:spPr/>
+        <p:txBody>
+          <a:bodyPr/>
+          <a:lstStyle/>
+          <a:p>
+            <a:fld id="{04F82448-C671-4DAB-B542-F04D10043DD5}" type="slidenum">
+              <a:rPr lang="en-CA" smtClean="0"/>
+              <a:t>5</a:t>
+            </a:fld>
+            <a:endParaRPr lang="en-CA"/>
+          </a:p>
+        </p:txBody>
+      </p:sp>
+    </p:spTree>
+    <p:extLst>
+      <p:ext uri="{BB962C8B-B14F-4D97-AF65-F5344CB8AC3E}">
+        <p14:creationId xmlns:p14="http://schemas.microsoft.com/office/powerpoint/2010/main" val="2525703045"/>
+      </p:ext>
+    </p:extLst>
+  </p:cSld>
+  <p:clrMapOvr>
+    <a:masterClrMapping/>
+  </p:clrMapOvr>
+</p:notes>
+</file>
+
+<file path=ppt/notesSlides/notesSlide3.xml><?xml version="1.0" encoding="utf-8"?>
+<p:notes xmlns:a="http://schemas.openxmlformats.org/drawingml/2006/main" xmlns:r="http://schemas.openxmlformats.org/officeDocument/2006/relationships" xmlns:p="http://schemas.openxmlformats.org/presentationml/2006/main">
+  <p:cSld>
+    <p:spTree>
+      <p:nvGrpSpPr>
+        <p:cNvPr id="1" name=""/>
+        <p:cNvGrpSpPr/>
+        <p:nvPr/>
+      </p:nvGrpSpPr>
+      <p:grpSpPr>
+        <a:xfrm>
+          <a:off x="0" y="0"/>
+          <a:ext cx="0" cy="0"/>
+          <a:chOff x="0" y="0"/>
+          <a:chExt cx="0" cy="0"/>
+        </a:xfrm>
+      </p:grpSpPr>
+      <p:sp>
+        <p:nvSpPr>
+          <p:cNvPr id="2" name="Slide Image Placeholder 1"/>
+          <p:cNvSpPr>
+            <a:spLocks noGrp="1" noRot="1" noChangeAspect="1"/>
+          </p:cNvSpPr>
+          <p:nvPr>
+            <p:ph type="sldImg"/>
+          </p:nvPr>
+        </p:nvSpPr>
+        <p:spPr/>
+      </p:sp>
+      <p:sp>
+        <p:nvSpPr>
+          <p:cNvPr id="3" name="Notes Placeholder 2"/>
+          <p:cNvSpPr>
+            <a:spLocks noGrp="1"/>
+          </p:cNvSpPr>
+          <p:nvPr>
+            <p:ph type="body" idx="1"/>
+          </p:nvPr>
+        </p:nvSpPr>
+        <p:spPr/>
+        <p:txBody>
+          <a:bodyPr/>
+          <a:lstStyle/>
+          <a:p>
+            <a:r>
+              <a:rPr lang="en-CA" dirty="0"/>
+              <a:t>Maybe do an understandability survey (for code) instead of </a:t>
+            </a:r>
+            <a:r>
+              <a:rPr lang="en-CA"/>
+              <a:t>a usability survey</a:t>
+            </a:r>
+          </a:p>
+        </p:txBody>
+      </p:sp>
+      <p:sp>
+        <p:nvSpPr>
+          <p:cNvPr id="4" name="Slide Number Placeholder 3"/>
+          <p:cNvSpPr>
+            <a:spLocks noGrp="1"/>
+          </p:cNvSpPr>
+          <p:nvPr>
+            <p:ph type="sldNum" sz="quarter" idx="5"/>
+          </p:nvPr>
+        </p:nvSpPr>
+        <p:spPr/>
+        <p:txBody>
+          <a:bodyPr/>
+          <a:lstStyle/>
+          <a:p>
+            <a:fld id="{04F82448-C671-4DAB-B542-F04D10043DD5}" type="slidenum">
+              <a:rPr lang="en-CA" smtClean="0"/>
+              <a:t>6</a:t>
+            </a:fld>
+            <a:endParaRPr lang="en-CA"/>
+          </a:p>
+        </p:txBody>
+      </p:sp>
+    </p:spTree>
+    <p:extLst>
+      <p:ext uri="{BB962C8B-B14F-4D97-AF65-F5344CB8AC3E}">
+        <p14:creationId xmlns:p14="http://schemas.microsoft.com/office/powerpoint/2010/main" val="1679729111"/>
       </p:ext>
     </p:extLst>
   </p:cSld>
@@ -13786,30 +13967,50 @@
           <a:bodyPr/>
           <a:lstStyle/>
           <a:p>
+            <a:pPr marL="342900" indent="-342900">
+              <a:buFont typeface="Arial" panose="020B0604020202020204" pitchFamily="34" charset="0"/>
+              <a:buChar char="•"/>
+            </a:pPr>
             <a:r>
               <a:rPr lang="en-CA" sz="2200" dirty="0"/>
               <a:t>Testing each of the labels with different pixel sizes/colours as the input image.</a:t>
             </a:r>
           </a:p>
           <a:p>
+            <a:pPr marL="342900" indent="-342900">
+              <a:buFont typeface="Arial" panose="020B0604020202020204" pitchFamily="34" charset="0"/>
+              <a:buChar char="•"/>
+            </a:pPr>
             <a:r>
               <a:rPr lang="en-CA" sz="2200" dirty="0"/>
               <a:t>Testing input images with no characters, multiple characters etc.</a:t>
             </a:r>
           </a:p>
           <a:p>
+            <a:pPr marL="342900" indent="-342900">
+              <a:buFont typeface="Arial" panose="020B0604020202020204" pitchFamily="34" charset="0"/>
+              <a:buChar char="•"/>
+            </a:pPr>
             <a:r>
               <a:rPr lang="en-CA" sz="2200" dirty="0"/>
               <a:t>Testing inputs of different file types (supported and unsupported)</a:t>
             </a:r>
           </a:p>
           <a:p>
+            <a:pPr marL="342900" indent="-342900">
+              <a:buFont typeface="Arial" panose="020B0604020202020204" pitchFamily="34" charset="0"/>
+              <a:buChar char="•"/>
+            </a:pPr>
             <a:r>
               <a:rPr lang="en-CA" sz="2200" dirty="0"/>
               <a:t>Testing skewed orientation inputs?</a:t>
             </a:r>
           </a:p>
           <a:p>
+            <a:pPr marL="342900" indent="-342900">
+              <a:buFont typeface="Arial" panose="020B0604020202020204" pitchFamily="34" charset="0"/>
+              <a:buChar char="•"/>
+            </a:pPr>
             <a:r>
               <a:rPr lang="en-CA" sz="2200" dirty="0"/>
               <a:t>For confidence probability, creating a confusion matrix for the model.</a:t>
@@ -15507,7 +15708,7 @@
           <p:nvPr/>
         </p:nvPicPr>
         <p:blipFill rotWithShape="1">
-          <a:blip r:embed="rId2">
+          <a:blip r:embed="rId3">
             <a:alphaModFix amt="35000"/>
           </a:blip>
           <a:srcRect t="9389" b="6237"/>

--- a/docs/Presentations/VNVPlanPresentation/VNVPlanPresentation.pptx
+++ b/docs/Presentations/VNVPlanPresentation/VNVPlanPresentation.pptx
@@ -134,7 +134,7 @@
   <pc:docChgLst>
     <pc:chgData name="Hunter Ceranic" userId="55b8025d37c61089" providerId="LiveId" clId="{F0BA40D0-9182-44C0-BEDE-14048F85CCAB}"/>
     <pc:docChg chg="undo custSel addSld delSld modSld">
-      <pc:chgData name="Hunter Ceranic" userId="55b8025d37c61089" providerId="LiveId" clId="{F0BA40D0-9182-44C0-BEDE-14048F85CCAB}" dt="2024-02-13T20:17:13.503" v="3873" actId="20577"/>
+      <pc:chgData name="Hunter Ceranic" userId="55b8025d37c61089" providerId="LiveId" clId="{F0BA40D0-9182-44C0-BEDE-14048F85CCAB}" dt="2024-02-13T20:38:46.854" v="3903" actId="20577"/>
       <pc:docMkLst>
         <pc:docMk/>
       </pc:docMkLst>
@@ -311,8 +311,8 @@
           <pc:sldMk cId="3488984038" sldId="260"/>
         </pc:sldMkLst>
       </pc:sldChg>
-      <pc:sldChg chg="addSp delSp modSp mod modClrScheme delDesignElem chgLayout">
-        <pc:chgData name="Hunter Ceranic" userId="55b8025d37c61089" providerId="LiveId" clId="{F0BA40D0-9182-44C0-BEDE-14048F85CCAB}" dt="2024-02-10T20:04:11.200" v="2937" actId="20577"/>
+      <pc:sldChg chg="addSp delSp modSp mod modClrScheme delDesignElem chgLayout modNotesTx">
+        <pc:chgData name="Hunter Ceranic" userId="55b8025d37c61089" providerId="LiveId" clId="{F0BA40D0-9182-44C0-BEDE-14048F85CCAB}" dt="2024-02-13T20:38:46.854" v="3903" actId="20577"/>
         <pc:sldMkLst>
           <pc:docMk/>
           <pc:sldMk cId="464311981" sldId="261"/>
@@ -3275,7 +3275,7 @@
   <dgm:whole/>
   <dgm:extLst>
     <a:ext uri="http://schemas.microsoft.com/office/drawing/2008/diagram">
-      <dsp:dataModelExt xmlns:dsp="http://schemas.microsoft.com/office/drawing/2008/diagram" relId="rId6" minVer="http://schemas.openxmlformats.org/drawingml/2006/diagram"/>
+      <dsp:dataModelExt xmlns:dsp="http://schemas.microsoft.com/office/drawing/2008/diagram" relId="rId7" minVer="http://schemas.openxmlformats.org/drawingml/2006/diagram"/>
     </a:ext>
   </dgm:extLst>
 </dgm:dataModel>
@@ -5163,8 +5163,8 @@
           <a:lstStyle/>
           <a:p>
             <a:r>
-              <a:rPr lang="en-CA" dirty="0"/>
-              <a:t>Add specific images in report</a:t>
+              <a:rPr lang="en-CA"/>
+              <a:t>Coverage.py for code coverage</a:t>
             </a:r>
           </a:p>
         </p:txBody>
@@ -5186,7 +5186,7 @@
           <a:p>
             <a:fld id="{04F82448-C671-4DAB-B542-F04D10043DD5}" type="slidenum">
               <a:rPr lang="en-CA" smtClean="0"/>
-              <a:t>3</a:t>
+              <a:t>2</a:t>
             </a:fld>
             <a:endParaRPr lang="en-CA"/>
           </a:p>
@@ -5195,7 +5195,7 @@
     </p:spTree>
     <p:extLst>
       <p:ext uri="{BB962C8B-B14F-4D97-AF65-F5344CB8AC3E}">
-        <p14:creationId xmlns:p14="http://schemas.microsoft.com/office/powerpoint/2010/main" val="2120528096"/>
+        <p14:creationId xmlns:p14="http://schemas.microsoft.com/office/powerpoint/2010/main" val="1824491275"/>
       </p:ext>
     </p:extLst>
   </p:cSld>
@@ -5251,7 +5251,7 @@
           <a:p>
             <a:r>
               <a:rPr lang="en-CA" dirty="0"/>
-              <a:t>Make epsilon a parameter so its easy to change</a:t>
+              <a:t>Add specific images in report</a:t>
             </a:r>
           </a:p>
         </p:txBody>
@@ -5273,6 +5273,93 @@
           <a:p>
             <a:fld id="{04F82448-C671-4DAB-B542-F04D10043DD5}" type="slidenum">
               <a:rPr lang="en-CA" smtClean="0"/>
+              <a:t>3</a:t>
+            </a:fld>
+            <a:endParaRPr lang="en-CA"/>
+          </a:p>
+        </p:txBody>
+      </p:sp>
+    </p:spTree>
+    <p:extLst>
+      <p:ext uri="{BB962C8B-B14F-4D97-AF65-F5344CB8AC3E}">
+        <p14:creationId xmlns:p14="http://schemas.microsoft.com/office/powerpoint/2010/main" val="2120528096"/>
+      </p:ext>
+    </p:extLst>
+  </p:cSld>
+  <p:clrMapOvr>
+    <a:masterClrMapping/>
+  </p:clrMapOvr>
+</p:notes>
+</file>
+
+<file path=ppt/notesSlides/notesSlide3.xml><?xml version="1.0" encoding="utf-8"?>
+<p:notes xmlns:a="http://schemas.openxmlformats.org/drawingml/2006/main" xmlns:r="http://schemas.openxmlformats.org/officeDocument/2006/relationships" xmlns:p="http://schemas.openxmlformats.org/presentationml/2006/main">
+  <p:cSld>
+    <p:spTree>
+      <p:nvGrpSpPr>
+        <p:cNvPr id="1" name=""/>
+        <p:cNvGrpSpPr/>
+        <p:nvPr/>
+      </p:nvGrpSpPr>
+      <p:grpSpPr>
+        <a:xfrm>
+          <a:off x="0" y="0"/>
+          <a:ext cx="0" cy="0"/>
+          <a:chOff x="0" y="0"/>
+          <a:chExt cx="0" cy="0"/>
+        </a:xfrm>
+      </p:grpSpPr>
+      <p:sp>
+        <p:nvSpPr>
+          <p:cNvPr id="2" name="Slide Image Placeholder 1"/>
+          <p:cNvSpPr>
+            <a:spLocks noGrp="1" noRot="1" noChangeAspect="1"/>
+          </p:cNvSpPr>
+          <p:nvPr>
+            <p:ph type="sldImg"/>
+          </p:nvPr>
+        </p:nvSpPr>
+        <p:spPr/>
+      </p:sp>
+      <p:sp>
+        <p:nvSpPr>
+          <p:cNvPr id="3" name="Notes Placeholder 2"/>
+          <p:cNvSpPr>
+            <a:spLocks noGrp="1"/>
+          </p:cNvSpPr>
+          <p:nvPr>
+            <p:ph type="body" idx="1"/>
+          </p:nvPr>
+        </p:nvSpPr>
+        <p:spPr/>
+        <p:txBody>
+          <a:bodyPr/>
+          <a:lstStyle/>
+          <a:p>
+            <a:r>
+              <a:rPr lang="en-CA" dirty="0"/>
+              <a:t>Make epsilon a parameter so its easy to change</a:t>
+            </a:r>
+          </a:p>
+        </p:txBody>
+      </p:sp>
+      <p:sp>
+        <p:nvSpPr>
+          <p:cNvPr id="4" name="Slide Number Placeholder 3"/>
+          <p:cNvSpPr>
+            <a:spLocks noGrp="1"/>
+          </p:cNvSpPr>
+          <p:nvPr>
+            <p:ph type="sldNum" sz="quarter" idx="5"/>
+          </p:nvPr>
+        </p:nvSpPr>
+        <p:spPr/>
+        <p:txBody>
+          <a:bodyPr/>
+          <a:lstStyle/>
+          <a:p>
+            <a:fld id="{04F82448-C671-4DAB-B542-F04D10043DD5}" type="slidenum">
+              <a:rPr lang="en-CA" smtClean="0"/>
               <a:t>5</a:t>
             </a:fld>
             <a:endParaRPr lang="en-CA"/>
@@ -5292,7 +5379,7 @@
 </p:notes>
 </file>
 
-<file path=ppt/notesSlides/notesSlide3.xml><?xml version="1.0" encoding="utf-8"?>
+<file path=ppt/notesSlides/notesSlide4.xml><?xml version="1.0" encoding="utf-8"?>
 <p:notes xmlns:a="http://schemas.openxmlformats.org/drawingml/2006/main" xmlns:r="http://schemas.openxmlformats.org/officeDocument/2006/relationships" xmlns:p="http://schemas.openxmlformats.org/presentationml/2006/main">
   <p:cSld>
     <p:spTree>
@@ -13178,7 +13265,7 @@
         </p:xfrm>
         <a:graphic>
           <a:graphicData uri="http://schemas.openxmlformats.org/drawingml/2006/diagram">
-            <dgm:relIds xmlns:dgm="http://schemas.openxmlformats.org/drawingml/2006/diagram" xmlns:r="http://schemas.openxmlformats.org/officeDocument/2006/relationships" r:dm="rId2" r:lo="rId3" r:qs="rId4" r:cs="rId5"/>
+            <dgm:relIds xmlns:dgm="http://schemas.openxmlformats.org/drawingml/2006/diagram" xmlns:r="http://schemas.openxmlformats.org/officeDocument/2006/relationships" r:dm="rId3" r:lo="rId4" r:qs="rId5" r:cs="rId6"/>
           </a:graphicData>
         </a:graphic>
       </p:graphicFrame>
